--- a/slides/flink_stream_basics.pptx
+++ b/slides/flink_stream_basics.pptx
@@ -5,7 +5,7 @@
     <p:sldMasterId id="2147483660" r:id="rId1"/>
   </p:sldMasterIdLst>
   <p:notesMasterIdLst>
-    <p:notesMasterId r:id="rId40"/>
+    <p:notesMasterId r:id="rId36"/>
   </p:notesMasterIdLst>
   <p:sldIdLst>
     <p:sldId id="258" r:id="rId2"/>
@@ -39,13 +39,9 @@
     <p:sldId id="287" r:id="rId30"/>
     <p:sldId id="337" r:id="rId31"/>
     <p:sldId id="338" r:id="rId32"/>
-    <p:sldId id="339" r:id="rId33"/>
-    <p:sldId id="340" r:id="rId34"/>
-    <p:sldId id="341" r:id="rId35"/>
-    <p:sldId id="344" r:id="rId36"/>
-    <p:sldId id="364" r:id="rId37"/>
-    <p:sldId id="365" r:id="rId38"/>
-    <p:sldId id="370" r:id="rId39"/>
+    <p:sldId id="364" r:id="rId33"/>
+    <p:sldId id="365" r:id="rId34"/>
+    <p:sldId id="370" r:id="rId35"/>
   </p:sldIdLst>
   <p:sldSz cx="9144000" cy="6858000" type="screen4x3"/>
   <p:notesSz cx="6858000" cy="9144000"/>
@@ -146,7 +142,7 @@
   </p:defaultTextStyle>
   <p:extLst>
     <p:ext uri="{EFAFB233-063F-42B5-8137-9DF3F51BA10A}">
-      <p15:sldGuideLst xmlns="" xmlns:p15="http://schemas.microsoft.com/office/powerpoint/2012/main">
+      <p15:sldGuideLst xmlns:p15="http://schemas.microsoft.com/office/powerpoint/2012/main" xmlns="">
         <p15:guide id="1" orient="horz" pos="2160">
           <p15:clr>
             <a:srgbClr val="A4A3A4"/>
@@ -245,7 +241,7 @@
           <a:p>
             <a:fld id="{F01141F9-3E73-7448-86C2-E96D93FE379F}" type="datetimeFigureOut">
               <a:rPr lang="en-US" smtClean="0"/>
-              <a:t>01/09/15</a:t>
+              <a:t>08/10/15</a:t>
             </a:fld>
             <a:endParaRPr lang="en-US"/>
           </a:p>
@@ -10217,11 +10213,7 @@
           <a:p>
             <a:r>
               <a:rPr lang="en-US" dirty="0" smtClean="0"/>
-              <a:t>(Selected) Data </a:t>
-            </a:r>
-            <a:r>
-              <a:rPr lang="en-US" dirty="0" smtClean="0"/>
-              <a:t>Types</a:t>
+              <a:t>(Selected) Data Types</a:t>
             </a:r>
             <a:endParaRPr lang="en-US" dirty="0"/>
           </a:p>
@@ -12691,11 +12683,7 @@
           <a:p>
             <a:r>
               <a:rPr lang="en-US" dirty="0" smtClean="0"/>
-              <a:t>All examples here in </a:t>
-            </a:r>
-            <a:r>
-              <a:rPr lang="en-US" dirty="0" smtClean="0"/>
-              <a:t>Java</a:t>
+              <a:t>All examples here in Java</a:t>
             </a:r>
           </a:p>
           <a:p>
@@ -12711,7 +12699,6 @@
               <a:rPr lang="en-US" dirty="0" smtClean="0"/>
               <a:t> API</a:t>
             </a:r>
-            <a:endParaRPr lang="en-US" dirty="0" smtClean="0"/>
           </a:p>
           <a:p>
             <a:r>
@@ -14911,7 +14898,7 @@
                 <a:latin typeface="Menlo Regular"/>
                 <a:cs typeface="Menlo Regular"/>
               </a:rPr>
-              <a:t>stream.paritionByHash</a:t>
+              <a:t>stream.partitionByHash</a:t>
             </a:r>
             <a:r>
               <a:rPr lang="en-US" sz="2400" dirty="0" smtClean="0">
@@ -15474,8 +15461,33 @@
                 <a:latin typeface="Avenir Book"/>
                 <a:cs typeface="Avenir Book"/>
               </a:rPr>
-              <a:t>E.g., Apache Kafka (later)</a:t>
-            </a:r>
+              <a:t>E.g., Apache </a:t>
+            </a:r>
+            <a:r>
+              <a:rPr lang="en-US" b="1" dirty="0" smtClean="0">
+                <a:latin typeface="Avenir Book"/>
+                <a:cs typeface="Avenir Book"/>
+              </a:rPr>
+              <a:t>Kafka, </a:t>
+            </a:r>
+            <a:r>
+              <a:rPr lang="en-US" b="1" dirty="0" err="1" smtClean="0">
+                <a:latin typeface="Avenir Book"/>
+                <a:cs typeface="Avenir Book"/>
+              </a:rPr>
+              <a:t>RabbitMQ</a:t>
+            </a:r>
+            <a:r>
+              <a:rPr lang="en-US" b="1" dirty="0" smtClean="0">
+                <a:latin typeface="Avenir Book"/>
+                <a:cs typeface="Avenir Book"/>
+              </a:rPr>
+              <a:t>, …</a:t>
+            </a:r>
+            <a:endParaRPr lang="en-US" b="1" dirty="0" smtClean="0">
+              <a:latin typeface="Avenir Book"/>
+              <a:cs typeface="Avenir Book"/>
+            </a:endParaRPr>
           </a:p>
         </p:txBody>
       </p:sp>
@@ -16027,7 +16039,7 @@
         </p:spPr>
         <p:txBody>
           <a:bodyPr>
-            <a:normAutofit lnSpcReduction="10000"/>
+            <a:normAutofit/>
           </a:bodyPr>
           <a:lstStyle/>
           <a:p>
@@ -16035,37 +16047,37 @@
               <a:buNone/>
             </a:pPr>
             <a:r>
-              <a:rPr lang="en-US" sz="1400" dirty="0" err="1" smtClean="0">
+              <a:rPr lang="en-US" sz="1600" dirty="0" err="1" smtClean="0">
                 <a:latin typeface="Menlo"/>
               </a:rPr>
               <a:t>StreamExecutionEnvironment</a:t>
             </a:r>
             <a:r>
-              <a:rPr lang="en-US" sz="1400" dirty="0" smtClean="0">
+              <a:rPr lang="en-US" sz="1600" dirty="0" smtClean="0">
                 <a:latin typeface="Menlo"/>
               </a:rPr>
               <a:t> </a:t>
             </a:r>
             <a:r>
-              <a:rPr lang="en-US" sz="1400" dirty="0" err="1" smtClean="0">
+              <a:rPr lang="en-US" sz="1600" dirty="0" err="1" smtClean="0">
                 <a:latin typeface="Menlo"/>
               </a:rPr>
               <a:t>env</a:t>
             </a:r>
             <a:r>
-              <a:rPr lang="en-US" sz="1400" dirty="0" smtClean="0">
+              <a:rPr lang="en-US" sz="1600" dirty="0" smtClean="0">
                 <a:latin typeface="Menlo"/>
               </a:rPr>
               <a:t> </a:t>
             </a:r>
             <a:r>
-              <a:rPr lang="en-US" sz="1400" dirty="0">
+              <a:rPr lang="en-US" sz="1600" dirty="0">
                 <a:latin typeface="Menlo"/>
               </a:rPr>
               <a:t>= </a:t>
             </a:r>
             <a:r>
-              <a:rPr lang="en-US" sz="1400" dirty="0" smtClean="0">
+              <a:rPr lang="en-US" sz="1600" dirty="0" smtClean="0">
                 <a:latin typeface="Menlo"/>
               </a:rPr>
               <a:t>   </a:t>
@@ -16076,41 +16088,41 @@
               <a:buNone/>
             </a:pPr>
             <a:r>
-              <a:rPr lang="en-US" sz="1400" dirty="0">
+              <a:rPr lang="en-US" sz="1600" dirty="0">
                 <a:latin typeface="Menlo"/>
               </a:rPr>
               <a:t> </a:t>
             </a:r>
             <a:r>
-              <a:rPr lang="en-US" sz="1400" dirty="0" smtClean="0">
+              <a:rPr lang="en-US" sz="1600" dirty="0" smtClean="0">
                 <a:latin typeface="Menlo"/>
               </a:rPr>
               <a:t>   </a:t>
             </a:r>
             <a:r>
-              <a:rPr lang="en-US" sz="1400" dirty="0" err="1" smtClean="0">
+              <a:rPr lang="en-US" sz="1600" dirty="0" err="1" smtClean="0">
                 <a:latin typeface="Menlo"/>
               </a:rPr>
               <a:t>StreamExecutionEnvironment.</a:t>
             </a:r>
             <a:r>
-              <a:rPr lang="en-US" sz="1400" i="1" dirty="0" err="1" smtClean="0">
+              <a:rPr lang="en-US" sz="1600" i="1" dirty="0" err="1" smtClean="0">
                 <a:latin typeface="Menlo"/>
               </a:rPr>
               <a:t>getExecutionEnvironment</a:t>
             </a:r>
             <a:r>
-              <a:rPr lang="en-US" sz="1400" dirty="0">
+              <a:rPr lang="en-US" sz="1600" dirty="0">
                 <a:latin typeface="Menlo"/>
               </a:rPr>
               <a:t>();</a:t>
             </a:r>
             <a:br>
-              <a:rPr lang="en-US" sz="1400" dirty="0">
+              <a:rPr lang="en-US" sz="1600" dirty="0">
                 <a:latin typeface="Menlo"/>
               </a:rPr>
             </a:br>
-            <a:endParaRPr lang="en-US" sz="1400" dirty="0" smtClean="0">
+            <a:endParaRPr lang="en-US" sz="1600" dirty="0" smtClean="0">
               <a:latin typeface="Menlo"/>
             </a:endParaRPr>
           </a:p>
@@ -16118,7 +16130,7 @@
             <a:pPr marL="0" indent="0">
               <a:buNone/>
             </a:pPr>
-            <a:endParaRPr lang="en-US" sz="1400" dirty="0">
+            <a:endParaRPr lang="en-US" sz="1600" dirty="0">
               <a:latin typeface="Menlo"/>
             </a:endParaRPr>
           </a:p>
@@ -16127,7 +16139,7 @@
               <a:buNone/>
             </a:pPr>
             <a:r>
-              <a:rPr lang="en-US" sz="1400" i="1" dirty="0">
+              <a:rPr lang="en-US" sz="1600" i="1" dirty="0">
                 <a:solidFill>
                   <a:srgbClr val="808080"/>
                 </a:solidFill>
@@ -16136,7 +16148,7 @@
               <a:t>// read text </a:t>
             </a:r>
             <a:r>
-              <a:rPr lang="en-US" sz="1400" i="1" dirty="0" smtClean="0">
+              <a:rPr lang="en-US" sz="1600" i="1" dirty="0" smtClean="0">
                 <a:solidFill>
                   <a:srgbClr val="808080"/>
                 </a:solidFill>
@@ -16145,7 +16157,7 @@
               <a:t>socket </a:t>
             </a:r>
             <a:r>
-              <a:rPr lang="en-US" sz="1400" i="1" dirty="0">
+              <a:rPr lang="en-US" sz="1600" i="1" dirty="0">
                 <a:solidFill>
                   <a:srgbClr val="808080"/>
                 </a:solidFill>
@@ -16154,7 +16166,7 @@
               <a:t>from </a:t>
             </a:r>
             <a:r>
-              <a:rPr lang="en-US" sz="1400" i="1" dirty="0" smtClean="0">
+              <a:rPr lang="en-US" sz="1600" i="1" dirty="0" smtClean="0">
                 <a:solidFill>
                   <a:srgbClr val="808080"/>
                 </a:solidFill>
@@ -16163,7 +16175,7 @@
               <a:t>port</a:t>
             </a:r>
             <a:r>
-              <a:rPr lang="en-US" sz="1400" i="1" dirty="0">
+              <a:rPr lang="en-US" sz="1600" i="1" dirty="0">
                 <a:solidFill>
                   <a:srgbClr val="808080"/>
                 </a:solidFill>
@@ -16172,7 +16184,7 @@
               <a:t/>
             </a:r>
             <a:br>
-              <a:rPr lang="en-US" sz="1400" i="1" dirty="0">
+              <a:rPr lang="en-US" sz="1600" i="1" dirty="0">
                 <a:solidFill>
                   <a:srgbClr val="808080"/>
                 </a:solidFill>
@@ -16180,7 +16192,7 @@
               </a:rPr>
             </a:br>
             <a:r>
-              <a:rPr lang="en-US" sz="1400" dirty="0" smtClean="0">
+              <a:rPr lang="en-US" sz="1600" dirty="0" smtClean="0">
                 <a:solidFill>
                   <a:srgbClr val="000000"/>
                 </a:solidFill>
@@ -16189,7 +16201,7 @@
               <a:t>DataStream&lt;</a:t>
             </a:r>
             <a:r>
-              <a:rPr lang="en-US" sz="1400" dirty="0">
+              <a:rPr lang="en-US" sz="1600" dirty="0">
                 <a:solidFill>
                   <a:srgbClr val="000000"/>
                 </a:solidFill>
@@ -16198,7 +16210,7 @@
               <a:t>String&gt; </a:t>
             </a:r>
             <a:r>
-              <a:rPr lang="en-US" sz="1400" dirty="0" err="1" smtClean="0">
+              <a:rPr lang="en-US" sz="1600" dirty="0" err="1" smtClean="0">
                 <a:solidFill>
                   <a:srgbClr val="000000"/>
                 </a:solidFill>
@@ -16207,7 +16219,7 @@
               <a:t>socketLines</a:t>
             </a:r>
             <a:r>
-              <a:rPr lang="en-US" sz="1400" dirty="0" smtClean="0">
+              <a:rPr lang="en-US" sz="1600" dirty="0" smtClean="0">
                 <a:solidFill>
                   <a:srgbClr val="000000"/>
                 </a:solidFill>
@@ -16216,7 +16228,7 @@
               <a:t> </a:t>
             </a:r>
             <a:r>
-              <a:rPr lang="en-US" sz="1400" dirty="0">
+              <a:rPr lang="en-US" sz="1600" dirty="0">
                 <a:solidFill>
                   <a:srgbClr val="000000"/>
                 </a:solidFill>
@@ -16225,7 +16237,7 @@
               <a:t>= </a:t>
             </a:r>
             <a:r>
-              <a:rPr lang="en-US" sz="1400" dirty="0" err="1" smtClean="0">
+              <a:rPr lang="en-US" sz="1600" dirty="0" err="1" smtClean="0">
                 <a:solidFill>
                   <a:srgbClr val="000000"/>
                 </a:solidFill>
@@ -16233,7 +16245,7 @@
               </a:rPr>
               <a:t>env</a:t>
             </a:r>
-            <a:endParaRPr lang="en-US" sz="1400" dirty="0">
+            <a:endParaRPr lang="en-US" sz="1600" dirty="0">
               <a:solidFill>
                 <a:srgbClr val="000000"/>
               </a:solidFill>
@@ -16245,7 +16257,7 @@
               <a:buNone/>
             </a:pPr>
             <a:r>
-              <a:rPr lang="en-US" sz="1400" dirty="0">
+              <a:rPr lang="en-US" sz="1600" dirty="0">
                 <a:solidFill>
                   <a:srgbClr val="000000"/>
                 </a:solidFill>
@@ -16254,7 +16266,7 @@
               <a:t>	</a:t>
             </a:r>
             <a:r>
-              <a:rPr lang="en-US" sz="1400" dirty="0" smtClean="0">
+              <a:rPr lang="en-US" sz="1600" dirty="0" smtClean="0">
                 <a:solidFill>
                   <a:srgbClr val="000000"/>
                 </a:solidFill>
@@ -16263,13 +16275,13 @@
               <a:t>.</a:t>
             </a:r>
             <a:r>
-              <a:rPr lang="en-US" sz="1400" dirty="0" err="1" smtClean="0">
+              <a:rPr lang="en-US" sz="1600" dirty="0" err="1" smtClean="0">
                 <a:latin typeface="Menlo"/>
               </a:rPr>
               <a:t>socketTextStream</a:t>
             </a:r>
             <a:r>
-              <a:rPr lang="en-US" sz="1400" dirty="0" smtClean="0">
+              <a:rPr lang="en-US" sz="1600" dirty="0" smtClean="0">
                 <a:solidFill>
                   <a:srgbClr val="000000"/>
                 </a:solidFill>
@@ -16278,7 +16290,7 @@
               <a:t>(</a:t>
             </a:r>
             <a:r>
-              <a:rPr lang="en-US" sz="1400" b="1" dirty="0" smtClean="0">
+              <a:rPr lang="en-US" sz="1600" b="1" dirty="0" smtClean="0">
                 <a:solidFill>
                   <a:srgbClr val="008000"/>
                 </a:solidFill>
@@ -16287,7 +16299,7 @@
               <a:t>”</a:t>
             </a:r>
             <a:r>
-              <a:rPr lang="en-US" sz="1400" b="1" dirty="0" err="1" smtClean="0">
+              <a:rPr lang="en-US" sz="1600" b="1" dirty="0" err="1" smtClean="0">
                 <a:solidFill>
                   <a:srgbClr val="008000"/>
                 </a:solidFill>
@@ -16296,7 +16308,7 @@
               <a:t>localhost</a:t>
             </a:r>
             <a:r>
-              <a:rPr lang="en-US" sz="1400" b="1" dirty="0" smtClean="0">
+              <a:rPr lang="en-US" sz="1600" b="1" dirty="0" smtClean="0">
                 <a:solidFill>
                   <a:srgbClr val="008000"/>
                 </a:solidFill>
@@ -16305,7 +16317,7 @@
               <a:t>"</a:t>
             </a:r>
             <a:r>
-              <a:rPr lang="en-US" sz="1400" dirty="0" smtClean="0">
+              <a:rPr lang="en-US" sz="1600" dirty="0" smtClean="0">
                 <a:solidFill>
                   <a:srgbClr val="000000"/>
                 </a:solidFill>
@@ -16314,7 +16326,7 @@
               <a:t>, </a:t>
             </a:r>
             <a:r>
-              <a:rPr lang="en-US" sz="1400" dirty="0" smtClean="0">
+              <a:rPr lang="en-US" sz="1600" dirty="0" smtClean="0">
                 <a:solidFill>
                   <a:srgbClr val="0000FF"/>
                 </a:solidFill>
@@ -16323,7 +16335,7 @@
               <a:t>9999</a:t>
             </a:r>
             <a:r>
-              <a:rPr lang="en-US" sz="1400" dirty="0" smtClean="0">
+              <a:rPr lang="en-US" sz="1600" dirty="0" smtClean="0">
                 <a:solidFill>
                   <a:srgbClr val="000000"/>
                 </a:solidFill>
@@ -16332,7 +16344,7 @@
               <a:t>)</a:t>
             </a:r>
             <a:r>
-              <a:rPr lang="en-US" sz="1400" dirty="0">
+              <a:rPr lang="en-US" sz="1600" dirty="0">
                 <a:solidFill>
                   <a:srgbClr val="000000"/>
                 </a:solidFill>
@@ -16341,7 +16353,7 @@
               <a:t>;</a:t>
             </a:r>
             <a:br>
-              <a:rPr lang="en-US" sz="1400" dirty="0">
+              <a:rPr lang="en-US" sz="1600" dirty="0">
                 <a:solidFill>
                   <a:srgbClr val="000000"/>
                 </a:solidFill>
@@ -16349,7 +16361,7 @@
               </a:rPr>
             </a:br>
             <a:r>
-              <a:rPr lang="en-US" sz="1400" dirty="0">
+              <a:rPr lang="en-US" sz="1600" dirty="0">
                 <a:solidFill>
                   <a:srgbClr val="000000"/>
                 </a:solidFill>
@@ -16358,14 +16370,14 @@
               <a:t/>
             </a:r>
             <a:br>
-              <a:rPr lang="en-US" sz="1400" dirty="0">
+              <a:rPr lang="en-US" sz="1600" dirty="0">
                 <a:solidFill>
                   <a:srgbClr val="000000"/>
                 </a:solidFill>
                 <a:latin typeface="Menlo"/>
               </a:rPr>
             </a:br>
-            <a:endParaRPr lang="en-US" sz="1400" dirty="0" smtClean="0">
+            <a:endParaRPr lang="en-US" sz="1600" dirty="0" smtClean="0">
               <a:solidFill>
                 <a:srgbClr val="000000"/>
               </a:solidFill>
@@ -16377,7 +16389,7 @@
               <a:buNone/>
             </a:pPr>
             <a:r>
-              <a:rPr lang="en-US" sz="1400" i="1" dirty="0" smtClean="0">
+              <a:rPr lang="en-US" sz="1600" i="1" dirty="0" smtClean="0">
                 <a:solidFill>
                   <a:srgbClr val="808080"/>
                 </a:solidFill>
@@ -16386,7 +16398,7 @@
               <a:t>/</a:t>
             </a:r>
             <a:r>
-              <a:rPr lang="en-US" sz="1400" i="1" dirty="0">
+              <a:rPr lang="en-US" sz="1600" i="1" dirty="0">
                 <a:solidFill>
                   <a:srgbClr val="808080"/>
                 </a:solidFill>
@@ -16395,7 +16407,7 @@
               <a:t>/ read a </a:t>
             </a:r>
             <a:r>
-              <a:rPr lang="en-US" sz="1400" i="1" dirty="0" smtClean="0">
+              <a:rPr lang="en-US" sz="1600" i="1" dirty="0" smtClean="0">
                 <a:solidFill>
                   <a:srgbClr val="808080"/>
                 </a:solidFill>
@@ -16404,7 +16416,7 @@
               <a:t>text file ingesting new elements every 100 milliseconds</a:t>
             </a:r>
             <a:r>
-              <a:rPr lang="en-US" sz="1400" i="1" dirty="0">
+              <a:rPr lang="en-US" sz="1600" i="1" dirty="0">
                 <a:solidFill>
                   <a:srgbClr val="808080"/>
                 </a:solidFill>
@@ -16413,7 +16425,7 @@
               <a:t/>
             </a:r>
             <a:br>
-              <a:rPr lang="en-US" sz="1400" i="1" dirty="0">
+              <a:rPr lang="en-US" sz="1600" i="1" dirty="0">
                 <a:solidFill>
                   <a:srgbClr val="808080"/>
                 </a:solidFill>
@@ -16421,7 +16433,7 @@
               </a:rPr>
             </a:br>
             <a:r>
-              <a:rPr lang="en-US" sz="1400" dirty="0">
+              <a:rPr lang="en-US" sz="1600" dirty="0">
                 <a:solidFill>
                   <a:srgbClr val="000000"/>
                 </a:solidFill>
@@ -16430,7 +16442,7 @@
               <a:t>DataStream&lt;String&gt; </a:t>
             </a:r>
             <a:r>
-              <a:rPr lang="en-US" sz="1400" dirty="0" err="1">
+              <a:rPr lang="en-US" sz="1600" dirty="0" err="1">
                 <a:solidFill>
                   <a:srgbClr val="000000"/>
                 </a:solidFill>
@@ -16439,7 +16451,7 @@
               <a:t>localLines</a:t>
             </a:r>
             <a:r>
-              <a:rPr lang="en-US" sz="1400" dirty="0">
+              <a:rPr lang="en-US" sz="1600" dirty="0">
                 <a:solidFill>
                   <a:srgbClr val="000000"/>
                 </a:solidFill>
@@ -16448,7 +16460,7 @@
               <a:t> = </a:t>
             </a:r>
             <a:r>
-              <a:rPr lang="en-US" sz="1400" dirty="0" err="1" smtClean="0">
+              <a:rPr lang="en-US" sz="1600" dirty="0" err="1" smtClean="0">
                 <a:solidFill>
                   <a:srgbClr val="000000"/>
                 </a:solidFill>
@@ -16456,7 +16468,7 @@
               </a:rPr>
               <a:t>env</a:t>
             </a:r>
-            <a:endParaRPr lang="en-US" sz="1400" dirty="0">
+            <a:endParaRPr lang="en-US" sz="1600" dirty="0">
               <a:solidFill>
                 <a:srgbClr val="000000"/>
               </a:solidFill>
@@ -16468,7 +16480,7 @@
               <a:buNone/>
             </a:pPr>
             <a:r>
-              <a:rPr lang="en-US" sz="1400" dirty="0" smtClean="0">
+              <a:rPr lang="en-US" sz="1600" dirty="0" smtClean="0">
                 <a:solidFill>
                   <a:srgbClr val="000000"/>
                 </a:solidFill>
@@ -16477,21 +16489,21 @@
               <a:t>	.</a:t>
             </a:r>
             <a:r>
-              <a:rPr lang="en-US" sz="1400" dirty="0" err="1" smtClean="0">
+              <a:rPr lang="en-US" sz="1600" dirty="0" err="1" smtClean="0">
                 <a:latin typeface="Menlo Regular"/>
                 <a:cs typeface="Menlo Regular"/>
               </a:rPr>
               <a:t>readFileStream</a:t>
             </a:r>
             <a:r>
-              <a:rPr lang="en-US" sz="1400" dirty="0" smtClean="0">
+              <a:rPr lang="en-US" sz="1600" dirty="0" smtClean="0">
                 <a:latin typeface="Menlo Regular"/>
                 <a:cs typeface="Menlo Regular"/>
               </a:rPr>
               <a:t>(</a:t>
             </a:r>
             <a:r>
-              <a:rPr lang="en-US" sz="1400" b="1" dirty="0" smtClean="0">
+              <a:rPr lang="en-US" sz="1600" b="1" dirty="0" smtClean="0">
                 <a:solidFill>
                   <a:srgbClr val="008000"/>
                 </a:solidFill>
@@ -16500,14 +16512,14 @@
               <a:t>”/path/to/file"</a:t>
             </a:r>
             <a:r>
-              <a:rPr lang="en-US" sz="1400" dirty="0" smtClean="0">
+              <a:rPr lang="en-US" sz="1600" dirty="0" smtClean="0">
                 <a:latin typeface="Menlo Regular"/>
                 <a:cs typeface="Menlo Regular"/>
               </a:rPr>
               <a:t>, </a:t>
             </a:r>
             <a:r>
-              <a:rPr lang="en-US" sz="1400" dirty="0" smtClean="0">
+              <a:rPr lang="en-US" sz="1600" dirty="0" smtClean="0">
                 <a:solidFill>
                   <a:srgbClr val="0000FF"/>
                 </a:solidFill>
@@ -16517,7 +16529,7 @@
               <a:t>1000</a:t>
             </a:r>
             <a:r>
-              <a:rPr lang="en-US" sz="1400" dirty="0" smtClean="0">
+              <a:rPr lang="en-US" sz="1600" dirty="0" smtClean="0">
                 <a:latin typeface="Menlo Regular"/>
                 <a:cs typeface="Menlo Regular"/>
               </a:rPr>
@@ -16529,471 +16541,48 @@
               <a:buNone/>
             </a:pPr>
             <a:r>
-              <a:rPr lang="en-US" sz="1400" dirty="0">
+              <a:rPr lang="en-US" sz="1600" dirty="0">
                 <a:latin typeface="Menlo Regular"/>
                 <a:cs typeface="Menlo Regular"/>
               </a:rPr>
               <a:t>	</a:t>
             </a:r>
             <a:r>
-              <a:rPr lang="en-US" sz="1400" dirty="0" smtClean="0">
+              <a:rPr lang="en-US" sz="1600" dirty="0" smtClean="0">
                 <a:latin typeface="Menlo Regular"/>
                 <a:cs typeface="Menlo Regular"/>
               </a:rPr>
               <a:t> </a:t>
             </a:r>
             <a:r>
-              <a:rPr lang="en-US" sz="1400" dirty="0" err="1" smtClean="0">
+              <a:rPr lang="en-US" sz="1600" dirty="0" err="1" smtClean="0">
                 <a:latin typeface="Menlo Regular"/>
                 <a:cs typeface="Menlo Regular"/>
               </a:rPr>
               <a:t>WatchType.</a:t>
             </a:r>
             <a:r>
-              <a:rPr lang="en-US" sz="1400" i="1" dirty="0" err="1" smtClean="0">
+              <a:rPr lang="en-US" sz="1600" i="1" dirty="0" err="1" smtClean="0">
                 <a:latin typeface="Menlo Regular"/>
                 <a:cs typeface="Menlo Regular"/>
               </a:rPr>
               <a:t>PROCESS_ONLY_APPENDED</a:t>
             </a:r>
             <a:r>
-              <a:rPr lang="en-US" sz="1400" dirty="0" smtClean="0">
+              <a:rPr lang="en-US" sz="1600" dirty="0" smtClean="0">
                 <a:latin typeface="Menlo Regular"/>
                 <a:cs typeface="Menlo Regular"/>
               </a:rPr>
-              <a:t>);</a:t>
-            </a:r>
-            <a:endParaRPr lang="en-US" sz="1400" dirty="0">
-              <a:latin typeface="Menlo Regular"/>
-              <a:cs typeface="Menlo Regular"/>
-            </a:endParaRPr>
-          </a:p>
-          <a:p>
-            <a:pPr marL="0" indent="0">
-              <a:buNone/>
-            </a:pPr>
-            <a:r>
-              <a:rPr lang="en-US" sz="1400" dirty="0">
-                <a:solidFill>
-                  <a:srgbClr val="000000"/>
-                </a:solidFill>
-                <a:latin typeface="Menlo"/>
-              </a:rPr>
-              <a:t/>
-            </a:r>
-            <a:br>
-              <a:rPr lang="en-US" sz="1400" dirty="0">
-                <a:solidFill>
-                  <a:srgbClr val="000000"/>
-                </a:solidFill>
-                <a:latin typeface="Menlo"/>
-              </a:rPr>
-            </a:br>
-            <a:endParaRPr lang="en-US" sz="1400" dirty="0" smtClean="0">
-              <a:solidFill>
-                <a:srgbClr val="000000"/>
-              </a:solidFill>
-              <a:latin typeface="Menlo"/>
-            </a:endParaRPr>
-          </a:p>
-          <a:p>
-            <a:pPr marL="0" indent="0">
-              <a:buNone/>
-            </a:pPr>
-            <a:r>
-              <a:rPr lang="en-US" sz="1400" i="1" dirty="0" smtClean="0">
-                <a:solidFill>
-                  <a:srgbClr val="808080"/>
-                </a:solidFill>
-                <a:latin typeface="Menlo"/>
-              </a:rPr>
-              <a:t>/</a:t>
-            </a:r>
-            <a:r>
-              <a:rPr lang="en-US" sz="1400" i="1" dirty="0">
-                <a:solidFill>
-                  <a:srgbClr val="808080"/>
-                </a:solidFill>
-                <a:latin typeface="Menlo"/>
-              </a:rPr>
-              <a:t>/ read </a:t>
-            </a:r>
-            <a:r>
-              <a:rPr lang="en-US" sz="1400" i="1" dirty="0" smtClean="0">
-                <a:solidFill>
-                  <a:srgbClr val="808080"/>
-                </a:solidFill>
-                <a:latin typeface="Menlo"/>
-              </a:rPr>
-              <a:t>from a Kafka topic by providing the Zookeeper hostname, the topic </a:t>
-            </a:r>
-          </a:p>
-          <a:p>
-            <a:pPr marL="0" indent="0">
-              <a:buNone/>
-            </a:pPr>
-            <a:r>
-              <a:rPr lang="en-US" sz="1400" i="1" dirty="0" smtClean="0">
-                <a:solidFill>
-                  <a:srgbClr val="808080"/>
-                </a:solidFill>
-                <a:latin typeface="Menlo"/>
-              </a:rPr>
-              <a:t>// name, and the deserialization schema</a:t>
-            </a:r>
-            <a:r>
-              <a:rPr lang="en-US" sz="1400" i="1" dirty="0">
-                <a:solidFill>
-                  <a:srgbClr val="808080"/>
-                </a:solidFill>
-                <a:latin typeface="Menlo"/>
-              </a:rPr>
-              <a:t/>
-            </a:r>
-            <a:br>
-              <a:rPr lang="en-US" sz="1400" i="1" dirty="0">
-                <a:solidFill>
-                  <a:srgbClr val="808080"/>
-                </a:solidFill>
-                <a:latin typeface="Menlo"/>
-              </a:rPr>
-            </a:br>
-            <a:r>
-              <a:rPr lang="en-US" sz="1400" dirty="0" err="1" smtClean="0">
-                <a:solidFill>
-                  <a:srgbClr val="000000"/>
-                </a:solidFill>
-                <a:latin typeface="Menlo"/>
-              </a:rPr>
-              <a:t>ConsumerConfig</a:t>
-            </a:r>
-            <a:r>
-              <a:rPr lang="en-US" sz="1400" dirty="0" smtClean="0">
-                <a:solidFill>
-                  <a:srgbClr val="000000"/>
-                </a:solidFill>
-                <a:latin typeface="Menlo"/>
-              </a:rPr>
-              <a:t> </a:t>
-            </a:r>
-            <a:r>
-              <a:rPr lang="en-US" sz="1400" dirty="0" err="1" smtClean="0">
-                <a:solidFill>
-                  <a:srgbClr val="000000"/>
-                </a:solidFill>
-                <a:latin typeface="Menlo"/>
-              </a:rPr>
-              <a:t>config</a:t>
-            </a:r>
-            <a:r>
-              <a:rPr lang="en-US" sz="1400" dirty="0" smtClean="0">
-                <a:solidFill>
-                  <a:srgbClr val="000000"/>
-                </a:solidFill>
-                <a:latin typeface="Menlo"/>
-              </a:rPr>
-              <a:t> = </a:t>
-            </a:r>
-            <a:r>
-              <a:rPr lang="en-US" sz="1400" b="1" dirty="0">
-                <a:solidFill>
-                  <a:srgbClr val="000090"/>
-                </a:solidFill>
+              <a:t>)</a:t>
+            </a:r>
+            <a:r>
+              <a:rPr lang="en-US" sz="1600" dirty="0" smtClean="0">
                 <a:latin typeface="Menlo Regular"/>
                 <a:cs typeface="Menlo Regular"/>
               </a:rPr>
-              <a:t>new</a:t>
-            </a:r>
-            <a:r>
-              <a:rPr lang="en-US" sz="1400" dirty="0">
-                <a:solidFill>
-                  <a:srgbClr val="000090"/>
-                </a:solidFill>
-                <a:latin typeface="Menlo Regular"/>
-                <a:cs typeface="Menlo Regular"/>
-              </a:rPr>
-              <a:t> </a:t>
-            </a:r>
-            <a:r>
-              <a:rPr lang="en-US" sz="1400" dirty="0" err="1" smtClean="0">
-                <a:solidFill>
-                  <a:srgbClr val="000000"/>
-                </a:solidFill>
-                <a:latin typeface="Menlo"/>
-              </a:rPr>
-              <a:t>ConsumerConfig</a:t>
-            </a:r>
-            <a:r>
-              <a:rPr lang="en-US" sz="1400" dirty="0" smtClean="0">
-                <a:solidFill>
-                  <a:srgbClr val="000000"/>
-                </a:solidFill>
-                <a:latin typeface="Menlo"/>
-              </a:rPr>
-              <a:t>(); </a:t>
-            </a:r>
-            <a:r>
-              <a:rPr lang="en-US" sz="1400" i="1" dirty="0">
-                <a:solidFill>
-                  <a:srgbClr val="808080"/>
-                </a:solidFill>
-                <a:latin typeface="Menlo"/>
-              </a:rPr>
-              <a:t>// </a:t>
-            </a:r>
-            <a:r>
-              <a:rPr lang="en-US" sz="1400" i="1" dirty="0" smtClean="0">
-                <a:solidFill>
-                  <a:srgbClr val="808080"/>
-                </a:solidFill>
-                <a:latin typeface="Menlo"/>
-              </a:rPr>
-              <a:t>fill </a:t>
-            </a:r>
-            <a:r>
-              <a:rPr lang="en-US" sz="1400" i="1" dirty="0" err="1" smtClean="0">
-                <a:solidFill>
-                  <a:srgbClr val="808080"/>
-                </a:solidFill>
-                <a:latin typeface="Menlo"/>
-              </a:rPr>
-              <a:t>config</a:t>
-            </a:r>
-            <a:endParaRPr lang="en-US" sz="1400" i="1" dirty="0" smtClean="0">
-              <a:solidFill>
-                <a:srgbClr val="808080"/>
-              </a:solidFill>
-              <a:latin typeface="Menlo"/>
-            </a:endParaRPr>
-          </a:p>
-          <a:p>
-            <a:pPr marL="0" indent="0">
-              <a:buNone/>
-            </a:pPr>
-            <a:r>
-              <a:rPr lang="en-US" sz="1400" dirty="0" smtClean="0">
-                <a:solidFill>
-                  <a:srgbClr val="000000"/>
-                </a:solidFill>
-                <a:latin typeface="Menlo"/>
-              </a:rPr>
-              <a:t>DataStream</a:t>
-            </a:r>
-            <a:r>
-              <a:rPr lang="en-US" sz="1400" dirty="0">
-                <a:solidFill>
-                  <a:srgbClr val="000000"/>
-                </a:solidFill>
-                <a:latin typeface="Menlo"/>
-              </a:rPr>
-              <a:t>&lt;String&gt; </a:t>
-            </a:r>
-            <a:r>
-              <a:rPr lang="en-US" sz="1400" dirty="0" err="1" smtClean="0">
-                <a:solidFill>
-                  <a:srgbClr val="000000"/>
-                </a:solidFill>
-                <a:latin typeface="Menlo"/>
-              </a:rPr>
-              <a:t>kafkaLines</a:t>
-            </a:r>
-            <a:r>
-              <a:rPr lang="en-US" sz="1400" dirty="0" smtClean="0">
-                <a:solidFill>
-                  <a:srgbClr val="000000"/>
-                </a:solidFill>
-                <a:latin typeface="Menlo"/>
-              </a:rPr>
-              <a:t> </a:t>
-            </a:r>
-            <a:r>
-              <a:rPr lang="en-US" sz="1400" dirty="0">
-                <a:solidFill>
-                  <a:srgbClr val="000000"/>
-                </a:solidFill>
-                <a:latin typeface="Menlo"/>
-              </a:rPr>
-              <a:t>= </a:t>
-            </a:r>
-            <a:r>
-              <a:rPr lang="en-US" sz="1400" dirty="0" err="1" smtClean="0">
-                <a:solidFill>
-                  <a:srgbClr val="000000"/>
-                </a:solidFill>
-                <a:latin typeface="Menlo"/>
-              </a:rPr>
-              <a:t>env</a:t>
-            </a:r>
-            <a:endParaRPr lang="en-US" sz="1400" dirty="0">
-              <a:solidFill>
-                <a:srgbClr val="000000"/>
-              </a:solidFill>
-              <a:latin typeface="Menlo"/>
-            </a:endParaRPr>
-          </a:p>
-          <a:p>
-            <a:pPr marL="0" indent="0">
-              <a:buNone/>
-            </a:pPr>
-            <a:r>
-              <a:rPr lang="en-US" sz="1400" dirty="0">
-                <a:solidFill>
-                  <a:srgbClr val="000000"/>
-                </a:solidFill>
-                <a:latin typeface="Menlo"/>
-              </a:rPr>
-              <a:t>	</a:t>
-            </a:r>
-            <a:r>
-              <a:rPr lang="en-US" sz="1400" dirty="0" smtClean="0">
-                <a:solidFill>
-                  <a:srgbClr val="000000"/>
-                </a:solidFill>
-                <a:latin typeface="Menlo"/>
-              </a:rPr>
-              <a:t>.</a:t>
-            </a:r>
-            <a:r>
-              <a:rPr lang="en-US" sz="1400" dirty="0" err="1" smtClean="0">
-                <a:latin typeface="Menlo Regular"/>
-                <a:cs typeface="Menlo Regular"/>
-              </a:rPr>
-              <a:t>addSource</a:t>
-            </a:r>
-            <a:r>
-              <a:rPr lang="en-US" sz="1400" dirty="0" smtClean="0">
-                <a:latin typeface="Menlo Regular"/>
-                <a:cs typeface="Menlo Regular"/>
-              </a:rPr>
-              <a:t>(</a:t>
-            </a:r>
-            <a:r>
-              <a:rPr lang="en-US" sz="1400" b="1" dirty="0">
-                <a:solidFill>
-                  <a:srgbClr val="000090"/>
-                </a:solidFill>
-                <a:latin typeface="Menlo Regular"/>
-                <a:cs typeface="Menlo Regular"/>
-              </a:rPr>
-              <a:t>new</a:t>
-            </a:r>
-            <a:r>
-              <a:rPr lang="en-US" sz="1400" dirty="0">
-                <a:solidFill>
-                  <a:srgbClr val="000090"/>
-                </a:solidFill>
-                <a:latin typeface="Menlo Regular"/>
-                <a:cs typeface="Menlo Regular"/>
-              </a:rPr>
-              <a:t> </a:t>
-            </a:r>
-            <a:r>
-              <a:rPr lang="en-US" sz="1400" dirty="0" err="1" smtClean="0">
-                <a:latin typeface="Menlo Regular"/>
-                <a:cs typeface="Menlo Regular"/>
-              </a:rPr>
-              <a:t>PersistentKafkaSource</a:t>
-            </a:r>
-            <a:r>
-              <a:rPr lang="en-US" sz="1400" dirty="0" smtClean="0">
-                <a:latin typeface="Menlo Regular"/>
-                <a:cs typeface="Menlo Regular"/>
-              </a:rPr>
-              <a:t>&lt;String&gt;(</a:t>
-            </a:r>
-          </a:p>
-          <a:p>
-            <a:pPr marL="0" indent="0">
-              <a:buNone/>
-            </a:pPr>
-            <a:r>
-              <a:rPr lang="en-US" sz="1400" dirty="0">
-                <a:latin typeface="Menlo Regular"/>
-                <a:cs typeface="Menlo Regular"/>
-              </a:rPr>
-              <a:t>	</a:t>
-            </a:r>
-            <a:r>
-              <a:rPr lang="en-US" sz="1400" dirty="0" smtClean="0">
-                <a:latin typeface="Menlo Regular"/>
-                <a:cs typeface="Menlo Regular"/>
-              </a:rPr>
-              <a:t>  </a:t>
-            </a:r>
-            <a:r>
-              <a:rPr lang="en-US" sz="1400" b="1" dirty="0" smtClean="0">
-                <a:solidFill>
-                  <a:srgbClr val="008000"/>
-                </a:solidFill>
-                <a:latin typeface="Menlo"/>
-              </a:rPr>
-              <a:t>”localhost:2181”</a:t>
-            </a:r>
-            <a:r>
-              <a:rPr lang="en-US" sz="1400" dirty="0" smtClean="0">
-                <a:latin typeface="Menlo Regular"/>
-                <a:cs typeface="Menlo Regular"/>
-              </a:rPr>
-              <a:t>,</a:t>
-            </a:r>
-            <a:r>
-              <a:rPr lang="en-US" sz="1400" b="1" dirty="0">
-                <a:solidFill>
-                  <a:srgbClr val="008000"/>
-                </a:solidFill>
-                <a:latin typeface="Menlo"/>
-              </a:rPr>
-              <a:t> </a:t>
-            </a:r>
-            <a:r>
-              <a:rPr lang="en-US" sz="1400" b="1" dirty="0" smtClean="0">
-                <a:solidFill>
-                  <a:srgbClr val="000090"/>
-                </a:solidFill>
-                <a:latin typeface="Menlo Regular"/>
-                <a:cs typeface="Menlo Regular"/>
-              </a:rPr>
-              <a:t>new</a:t>
-            </a:r>
-            <a:r>
-              <a:rPr lang="en-US" sz="1400" dirty="0" smtClean="0">
-                <a:solidFill>
-                  <a:srgbClr val="000090"/>
-                </a:solidFill>
-                <a:latin typeface="Menlo Regular"/>
-                <a:cs typeface="Menlo Regular"/>
-              </a:rPr>
-              <a:t> </a:t>
-            </a:r>
-            <a:r>
-              <a:rPr lang="en-US" sz="1400" dirty="0" err="1" smtClean="0">
-                <a:latin typeface="Menlo Regular"/>
-                <a:cs typeface="Menlo Regular"/>
-              </a:rPr>
-              <a:t>SimpleStringSchema</a:t>
-            </a:r>
-            <a:r>
-              <a:rPr lang="en-US" sz="1400" dirty="0" smtClean="0">
-                <a:latin typeface="Menlo Regular"/>
-                <a:cs typeface="Menlo Regular"/>
-              </a:rPr>
-              <a:t>(), </a:t>
-            </a:r>
-            <a:r>
-              <a:rPr lang="en-US" sz="1400" dirty="0" err="1" smtClean="0">
-                <a:latin typeface="Menlo Regular"/>
-                <a:cs typeface="Menlo Regular"/>
-              </a:rPr>
-              <a:t>config</a:t>
-            </a:r>
-            <a:r>
-              <a:rPr lang="en-US" sz="1400" dirty="0" smtClean="0">
-                <a:latin typeface="Menlo Regular"/>
-                <a:cs typeface="Menlo Regular"/>
-              </a:rPr>
-              <a:t>); </a:t>
-            </a:r>
-            <a:endParaRPr lang="en-US" sz="1400" dirty="0">
+              <a:t>; </a:t>
+            </a:r>
+            <a:endParaRPr lang="en-US" sz="1600" dirty="0">
               <a:latin typeface="Menlo Regular"/>
               <a:cs typeface="Menlo Regular"/>
             </a:endParaRPr>
@@ -17527,14 +17116,14 @@
                 <a:latin typeface="Avenir Book"/>
                 <a:cs typeface="Avenir Book"/>
               </a:rPr>
-              <a:t>ElasticSearch</a:t>
+              <a:t>Elasticsearch</a:t>
             </a:r>
             <a:r>
               <a:rPr lang="en-US" b="1" dirty="0" smtClean="0">
                 <a:latin typeface="Avenir Book"/>
                 <a:cs typeface="Avenir Book"/>
               </a:rPr>
-              <a:t> (later)</a:t>
+              <a:t>, Rolling HDFS Files</a:t>
             </a:r>
             <a:endParaRPr lang="en-US" dirty="0" smtClean="0">
               <a:latin typeface="Menlo Regular"/>
@@ -18816,7 +18405,7 @@
           <a:p>
             <a:r>
               <a:rPr lang="en-US" dirty="0" smtClean="0"/>
-              <a:t>Working with Apache Kafka</a:t>
+              <a:t>Best Practices</a:t>
             </a:r>
             <a:endParaRPr lang="en-US" dirty="0"/>
           </a:p>
@@ -18880,7 +18469,7 @@
     </p:spTree>
     <p:extLst>
       <p:ext uri="{BB962C8B-B14F-4D97-AF65-F5344CB8AC3E}">
-        <p14:creationId xmlns:p14="http://schemas.microsoft.com/office/powerpoint/2010/main" val="3893230273"/>
+        <p14:creationId xmlns:p14="http://schemas.microsoft.com/office/powerpoint/2010/main" val="562050390"/>
       </p:ext>
     </p:extLst>
   </p:cSld>
@@ -18939,11 +18528,7 @@
           <a:p>
             <a:r>
               <a:rPr lang="en-US" dirty="0" smtClean="0"/>
-              <a:t>Kafka and </a:t>
-            </a:r>
-            <a:r>
-              <a:rPr lang="en-US" dirty="0" err="1" smtClean="0"/>
-              <a:t>Flink</a:t>
+              <a:t>Some advice</a:t>
             </a:r>
             <a:endParaRPr lang="en-US" dirty="0"/>
           </a:p>
@@ -18951,7 +18536,7 @@
       </p:sp>
       <p:sp>
         <p:nvSpPr>
-          <p:cNvPr id="8" name="Content Placeholder 7"/>
+          <p:cNvPr id="6" name="Content Placeholder 5"/>
           <p:cNvSpPr>
             <a:spLocks noGrp="1"/>
           </p:cNvSpPr>
@@ -18959,73 +18544,78 @@
             <p:ph idx="1"/>
           </p:nvPr>
         </p:nvSpPr>
-        <p:spPr/>
+        <p:spPr>
+          <a:xfrm>
+            <a:off x="457200" y="1474376"/>
+            <a:ext cx="8229600" cy="4881974"/>
+          </a:xfrm>
+        </p:spPr>
         <p:txBody>
           <a:bodyPr>
-            <a:normAutofit fontScale="77500" lnSpcReduction="20000"/>
+            <a:normAutofit/>
           </a:bodyPr>
           <a:lstStyle/>
           <a:p>
             <a:r>
               <a:rPr lang="en-US" dirty="0" smtClean="0"/>
-              <a:t>“Apache Kafka is a distributed, partitioned, replicated commit log service”</a:t>
-            </a:r>
-          </a:p>
-          <a:p>
-            <a:pPr lvl="6"/>
+              <a:t>Use </a:t>
+            </a:r>
+            <a:r>
+              <a:rPr lang="en-US" sz="2400" dirty="0" err="1" smtClean="0">
+                <a:latin typeface="Menlo Regular"/>
+                <a:cs typeface="Menlo Regular"/>
+              </a:rPr>
+              <a:t>env.fromElements</a:t>
+            </a:r>
+            <a:r>
+              <a:rPr lang="en-US" sz="2400" dirty="0">
+                <a:latin typeface="Menlo Regular"/>
+                <a:cs typeface="Menlo Regular"/>
+              </a:rPr>
+              <a:t>(..)</a:t>
+            </a:r>
+            <a:r>
+              <a:rPr lang="en-US" dirty="0" smtClean="0"/>
+              <a:t> or </a:t>
+            </a:r>
+            <a:r>
+              <a:rPr lang="en-US" sz="2400" dirty="0" err="1">
+                <a:latin typeface="Menlo Regular"/>
+                <a:cs typeface="Menlo Regular"/>
+              </a:rPr>
+              <a:t>env.fromCollection</a:t>
+            </a:r>
+            <a:r>
+              <a:rPr lang="en-US" sz="2400" dirty="0">
+                <a:latin typeface="Menlo Regular"/>
+                <a:cs typeface="Menlo Regular"/>
+              </a:rPr>
+              <a:t>(..)</a:t>
+            </a:r>
+            <a:r>
+              <a:rPr lang="en-US" dirty="0" smtClean="0"/>
+              <a:t> to quickly get a DataStream to experiment with</a:t>
+            </a:r>
+          </a:p>
+          <a:p>
             <a:endParaRPr lang="en-US" dirty="0" smtClean="0"/>
           </a:p>
           <a:p>
             <a:r>
               <a:rPr lang="en-US" dirty="0" smtClean="0"/>
-              <a:t>Kafka uses Apache Zookeeper for coordination</a:t>
-            </a:r>
-          </a:p>
-          <a:p>
-            <a:pPr lvl="5"/>
-            <a:endParaRPr lang="en-US" dirty="0" smtClean="0"/>
-          </a:p>
-          <a:p>
+              <a:t>Use </a:t>
+            </a:r>
+            <a:r>
+              <a:rPr lang="en-US" sz="2400" dirty="0" smtClean="0">
+                <a:latin typeface="Menlo Regular"/>
+                <a:cs typeface="Menlo Regular"/>
+              </a:rPr>
+              <a:t>print()</a:t>
+            </a:r>
             <a:r>
               <a:rPr lang="en-US" dirty="0" smtClean="0"/>
-              <a:t>Kafka maintains feeds of messages in categories called topics</a:t>
-            </a:r>
-          </a:p>
-          <a:p>
-            <a:pPr lvl="5"/>
-            <a:endParaRPr lang="en-US" dirty="0" smtClean="0"/>
-          </a:p>
-          <a:p>
-            <a:r>
-              <a:rPr lang="en-US" dirty="0" smtClean="0"/>
-              <a:t>A Kafka topic can be read by </a:t>
-            </a:r>
-            <a:r>
-              <a:rPr lang="en-US" dirty="0" err="1" smtClean="0"/>
-              <a:t>Flink</a:t>
-            </a:r>
-            <a:r>
-              <a:rPr lang="en-US" dirty="0" smtClean="0"/>
-              <a:t> to produce a DataStream, and a DataStream can be written to a Kafka topic</a:t>
-            </a:r>
-          </a:p>
-          <a:p>
-            <a:pPr lvl="4"/>
-            <a:endParaRPr lang="en-US" dirty="0"/>
-          </a:p>
-          <a:p>
-            <a:r>
-              <a:rPr lang="en-US" dirty="0" err="1" smtClean="0"/>
-              <a:t>Flink</a:t>
-            </a:r>
-            <a:r>
-              <a:rPr lang="en-US" dirty="0" smtClean="0"/>
-              <a:t> coordinates with Kafka to provide recovery in the case of failures</a:t>
-            </a:r>
-            <a:endParaRPr lang="en-US" dirty="0"/>
-          </a:p>
-          <a:p>
-            <a:endParaRPr lang="en-US" dirty="0"/>
+              <a:t> to quickly print a DataStream</a:t>
+            </a:r>
           </a:p>
         </p:txBody>
       </p:sp>
@@ -19056,13 +18646,21 @@
     </p:spTree>
     <p:extLst>
       <p:ext uri="{BB962C8B-B14F-4D97-AF65-F5344CB8AC3E}">
-        <p14:creationId xmlns:p14="http://schemas.microsoft.com/office/powerpoint/2010/main" val="820248610"/>
+        <p14:creationId xmlns:p14="http://schemas.microsoft.com/office/powerpoint/2010/main" val="3420147861"/>
       </p:ext>
     </p:extLst>
   </p:cSld>
   <p:clrMapOvr>
     <a:masterClrMapping/>
   </p:clrMapOvr>
+  <mc:AlternateContent xmlns:mc="http://schemas.openxmlformats.org/markup-compatibility/2006" xmlns:p14="http://schemas.microsoft.com/office/powerpoint/2010/main">
+    <mc:Choice Requires="p14">
+      <p:transition spd="slow" p14:dur="2000"/>
+    </mc:Choice>
+    <mc:Fallback xmlns="">
+      <p:transition xmlns:p14="http://schemas.microsoft.com/office/powerpoint/2010/main" spd="slow"/>
+    </mc:Fallback>
+  </mc:AlternateContent>
   <p:timing>
     <p:tnLst>
       <p:par>
@@ -19074,1233 +18672,6 @@
 </file>
 
 <file path=ppt/slides/slide34.xml><?xml version="1.0" encoding="utf-8"?>
-<p:sld xmlns:a="http://schemas.openxmlformats.org/drawingml/2006/main" xmlns:r="http://schemas.openxmlformats.org/officeDocument/2006/relationships" xmlns:p="http://schemas.openxmlformats.org/presentationml/2006/main">
-  <p:cSld>
-    <p:spTree>
-      <p:nvGrpSpPr>
-        <p:cNvPr id="1" name=""/>
-        <p:cNvGrpSpPr/>
-        <p:nvPr/>
-      </p:nvGrpSpPr>
-      <p:grpSpPr>
-        <a:xfrm>
-          <a:off x="0" y="0"/>
-          <a:ext cx="0" cy="0"/>
-          <a:chOff x="0" y="0"/>
-          <a:chExt cx="0" cy="0"/>
-        </a:xfrm>
-      </p:grpSpPr>
-      <p:sp>
-        <p:nvSpPr>
-          <p:cNvPr id="2" name="Title 1"/>
-          <p:cNvSpPr>
-            <a:spLocks noGrp="1"/>
-          </p:cNvSpPr>
-          <p:nvPr>
-            <p:ph type="title"/>
-          </p:nvPr>
-        </p:nvSpPr>
-        <p:spPr/>
-        <p:txBody>
-          <a:bodyPr/>
-          <a:lstStyle/>
-          <a:p>
-            <a:r>
-              <a:rPr lang="en-US" dirty="0" smtClean="0"/>
-              <a:t>Reading data </a:t>
-            </a:r>
-            <a:r>
-              <a:rPr lang="en-US" smtClean="0"/>
-              <a:t>from Kafka</a:t>
-            </a:r>
-            <a:endParaRPr lang="en-US"/>
-          </a:p>
-        </p:txBody>
-      </p:sp>
-      <p:sp>
-        <p:nvSpPr>
-          <p:cNvPr id="3" name="Content Placeholder 2"/>
-          <p:cNvSpPr>
-            <a:spLocks noGrp="1"/>
-          </p:cNvSpPr>
-          <p:nvPr>
-            <p:ph idx="1"/>
-          </p:nvPr>
-        </p:nvSpPr>
-        <p:spPr>
-          <a:xfrm>
-            <a:off x="457200" y="1474376"/>
-            <a:ext cx="8229600" cy="4962424"/>
-          </a:xfrm>
-        </p:spPr>
-        <p:txBody>
-          <a:bodyPr>
-            <a:normAutofit fontScale="62500" lnSpcReduction="20000"/>
-          </a:bodyPr>
-          <a:lstStyle/>
-          <a:p>
-            <a:r>
-              <a:rPr lang="en-US" sz="3800" dirty="0" smtClean="0"/>
-              <a:t>Enable </a:t>
-            </a:r>
-            <a:r>
-              <a:rPr lang="en-US" sz="3800" dirty="0" err="1" smtClean="0"/>
-              <a:t>checkpointing</a:t>
-            </a:r>
-            <a:endParaRPr lang="en-US" sz="3800" dirty="0" smtClean="0"/>
-          </a:p>
-          <a:p>
-            <a:pPr marL="457200" lvl="1" indent="0">
-              <a:buNone/>
-            </a:pPr>
-            <a:r>
-              <a:rPr lang="en-US" dirty="0" smtClean="0"/>
-              <a:t>E.g., </a:t>
-            </a:r>
-            <a:r>
-              <a:rPr lang="en-US" sz="2900" dirty="0" err="1" smtClean="0">
-                <a:latin typeface="Menlo Regular"/>
-                <a:cs typeface="Menlo Regular"/>
-              </a:rPr>
-              <a:t>env.enableCheckpointing</a:t>
-            </a:r>
-            <a:r>
-              <a:rPr lang="en-US" sz="2900" dirty="0" smtClean="0">
-                <a:latin typeface="Menlo Regular"/>
-                <a:cs typeface="Menlo Regular"/>
-              </a:rPr>
-              <a:t>(</a:t>
-            </a:r>
-            <a:r>
-              <a:rPr lang="en-US" sz="2900" dirty="0" smtClean="0">
-                <a:solidFill>
-                  <a:srgbClr val="0000FF"/>
-                </a:solidFill>
-                <a:latin typeface="Menlo Regular"/>
-                <a:cs typeface="Menlo Regular"/>
-              </a:rPr>
-              <a:t>5000</a:t>
-            </a:r>
-            <a:r>
-              <a:rPr lang="en-US" sz="2900" dirty="0" smtClean="0">
-                <a:latin typeface="Menlo Regular"/>
-                <a:cs typeface="Menlo Regular"/>
-              </a:rPr>
-              <a:t>)</a:t>
-            </a:r>
-            <a:r>
-              <a:rPr lang="en-US" sz="2900" dirty="0" smtClean="0"/>
-              <a:t>;</a:t>
-            </a:r>
-          </a:p>
-          <a:p>
-            <a:endParaRPr lang="en-US" sz="3800" dirty="0" smtClean="0"/>
-          </a:p>
-          <a:p>
-            <a:r>
-              <a:rPr lang="en-US" sz="3800" dirty="0" smtClean="0"/>
-              <a:t>Add a DataStream source from a Kafka topic</a:t>
-            </a:r>
-            <a:endParaRPr lang="en-US" sz="3800" dirty="0" smtClean="0">
-              <a:latin typeface="Menlo Regular"/>
-              <a:cs typeface="Menlo Regular"/>
-            </a:endParaRPr>
-          </a:p>
-          <a:p>
-            <a:pPr marL="0" indent="0">
-              <a:buNone/>
-            </a:pPr>
-            <a:endParaRPr lang="en-US" dirty="0" smtClean="0"/>
-          </a:p>
-          <a:p>
-            <a:pPr marL="0" indent="0">
-              <a:buNone/>
-            </a:pPr>
-            <a:r>
-              <a:rPr lang="en-US" sz="2900" dirty="0" smtClean="0">
-                <a:latin typeface="Menlo Regular"/>
-                <a:cs typeface="Menlo Regular"/>
-              </a:rPr>
-              <a:t>Properties props </a:t>
-            </a:r>
-            <a:r>
-              <a:rPr lang="en-US" sz="2900" dirty="0">
-                <a:latin typeface="Menlo Regular"/>
-                <a:cs typeface="Menlo Regular"/>
-              </a:rPr>
-              <a:t>= </a:t>
-            </a:r>
-            <a:r>
-              <a:rPr lang="en-US" sz="3000" b="1" dirty="0">
-                <a:solidFill>
-                  <a:srgbClr val="000090"/>
-                </a:solidFill>
-                <a:latin typeface="Menlo Regular"/>
-                <a:cs typeface="Menlo Regular"/>
-              </a:rPr>
-              <a:t>new</a:t>
-            </a:r>
-            <a:r>
-              <a:rPr lang="en-US" sz="2900" dirty="0">
-                <a:latin typeface="Menlo Regular"/>
-                <a:cs typeface="Menlo Regular"/>
-              </a:rPr>
-              <a:t> </a:t>
-            </a:r>
-            <a:r>
-              <a:rPr lang="en-US" sz="2900" dirty="0">
-                <a:latin typeface="Menlo Regular"/>
-                <a:cs typeface="Menlo Regular"/>
-              </a:rPr>
-              <a:t>Properties</a:t>
-            </a:r>
-            <a:r>
-              <a:rPr lang="en-US" sz="2900" dirty="0">
-                <a:latin typeface="Menlo Regular"/>
-                <a:cs typeface="Menlo Regular"/>
-              </a:rPr>
-              <a:t>()</a:t>
-            </a:r>
-            <a:r>
-              <a:rPr lang="en-US" sz="2900" dirty="0" smtClean="0">
-                <a:latin typeface="Menlo Regular"/>
-                <a:cs typeface="Menlo Regular"/>
-              </a:rPr>
-              <a:t>;</a:t>
-            </a:r>
-          </a:p>
-          <a:p>
-            <a:pPr marL="0" indent="0">
-              <a:buNone/>
-            </a:pPr>
-            <a:r>
-              <a:rPr lang="en-US" sz="2900" dirty="0" err="1" smtClean="0">
-                <a:latin typeface="Menlo Regular"/>
-                <a:cs typeface="Menlo Regular"/>
-              </a:rPr>
-              <a:t>props.setProperty</a:t>
-            </a:r>
-            <a:r>
-              <a:rPr lang="en-US" sz="2900" dirty="0">
-                <a:latin typeface="Menlo Regular"/>
-                <a:cs typeface="Menlo Regular"/>
-              </a:rPr>
-              <a:t>(</a:t>
-            </a:r>
-            <a:r>
-              <a:rPr lang="en-US" sz="2900" b="1" dirty="0">
-                <a:solidFill>
-                  <a:srgbClr val="008000"/>
-                </a:solidFill>
-                <a:latin typeface="Menlo"/>
-              </a:rPr>
-              <a:t>"</a:t>
-            </a:r>
-            <a:r>
-              <a:rPr lang="en-US" sz="2900" b="1" dirty="0" err="1">
-                <a:solidFill>
-                  <a:srgbClr val="008000"/>
-                </a:solidFill>
-                <a:latin typeface="Menlo"/>
-              </a:rPr>
-              <a:t>zookeeper.connect</a:t>
-            </a:r>
-            <a:r>
-              <a:rPr lang="en-US" sz="2900" b="1" dirty="0">
-                <a:solidFill>
-                  <a:srgbClr val="008000"/>
-                </a:solidFill>
-                <a:latin typeface="Menlo"/>
-              </a:rPr>
-              <a:t>"</a:t>
-            </a:r>
-            <a:r>
-              <a:rPr lang="en-US" sz="2900" dirty="0">
-                <a:latin typeface="Menlo Regular"/>
-                <a:cs typeface="Menlo Regular"/>
-              </a:rPr>
-              <a:t>, </a:t>
-            </a:r>
-            <a:r>
-              <a:rPr lang="en-US" sz="2900" b="1" dirty="0">
-                <a:solidFill>
-                  <a:srgbClr val="008000"/>
-                </a:solidFill>
-                <a:latin typeface="Menlo"/>
-              </a:rPr>
-              <a:t>“localhost:2181”</a:t>
-            </a:r>
-            <a:r>
-              <a:rPr lang="en-US" sz="2900" dirty="0" smtClean="0">
-                <a:latin typeface="Menlo Regular"/>
-                <a:cs typeface="Menlo Regular"/>
-              </a:rPr>
-              <a:t>);</a:t>
-            </a:r>
-          </a:p>
-          <a:p>
-            <a:pPr marL="0" indent="0">
-              <a:buNone/>
-            </a:pPr>
-            <a:r>
-              <a:rPr lang="en-US" sz="2900" dirty="0" err="1" smtClean="0">
-                <a:latin typeface="Menlo Regular"/>
-                <a:cs typeface="Menlo Regular"/>
-              </a:rPr>
-              <a:t>props.setProperty</a:t>
-            </a:r>
-            <a:r>
-              <a:rPr lang="en-US" sz="2900" dirty="0">
-                <a:latin typeface="Menlo Regular"/>
-                <a:cs typeface="Menlo Regular"/>
-              </a:rPr>
-              <a:t>(</a:t>
-            </a:r>
-            <a:r>
-              <a:rPr lang="en-US" sz="2900" b="1" dirty="0">
-                <a:solidFill>
-                  <a:srgbClr val="008000"/>
-                </a:solidFill>
-                <a:latin typeface="Menlo"/>
-              </a:rPr>
-              <a:t>"</a:t>
-            </a:r>
-            <a:r>
-              <a:rPr lang="en-US" sz="2900" b="1" dirty="0" err="1">
-                <a:solidFill>
-                  <a:srgbClr val="008000"/>
-                </a:solidFill>
-                <a:latin typeface="Menlo"/>
-              </a:rPr>
-              <a:t>bootstrap.servers</a:t>
-            </a:r>
-            <a:r>
-              <a:rPr lang="en-US" sz="2900" b="1" dirty="0">
-                <a:solidFill>
-                  <a:srgbClr val="008000"/>
-                </a:solidFill>
-                <a:latin typeface="Menlo"/>
-              </a:rPr>
-              <a:t>"</a:t>
-            </a:r>
-            <a:r>
-              <a:rPr lang="en-US" sz="2900" dirty="0">
-                <a:latin typeface="Menlo Regular"/>
-                <a:cs typeface="Menlo Regular"/>
-              </a:rPr>
-              <a:t>, </a:t>
-            </a:r>
-            <a:r>
-              <a:rPr lang="en-US" sz="2900" b="1" dirty="0">
-                <a:solidFill>
-                  <a:srgbClr val="008000"/>
-                </a:solidFill>
-                <a:latin typeface="Menlo"/>
-              </a:rPr>
-              <a:t>“localhost:9092”</a:t>
-            </a:r>
-            <a:r>
-              <a:rPr lang="en-US" sz="2900" dirty="0" smtClean="0">
-                <a:latin typeface="Menlo Regular"/>
-                <a:cs typeface="Menlo Regular"/>
-              </a:rPr>
-              <a:t>);</a:t>
-            </a:r>
-          </a:p>
-          <a:p>
-            <a:pPr marL="0" indent="0">
-              <a:buNone/>
-            </a:pPr>
-            <a:r>
-              <a:rPr lang="en-US" sz="2900" dirty="0" err="1" smtClean="0">
-                <a:latin typeface="Menlo Regular"/>
-                <a:cs typeface="Menlo Regular"/>
-              </a:rPr>
-              <a:t>props.setProperty</a:t>
-            </a:r>
-            <a:r>
-              <a:rPr lang="en-US" sz="2900" dirty="0">
-                <a:latin typeface="Menlo Regular"/>
-                <a:cs typeface="Menlo Regular"/>
-              </a:rPr>
-              <a:t>(</a:t>
-            </a:r>
-            <a:r>
-              <a:rPr lang="en-US" sz="2900" b="1" dirty="0">
-                <a:solidFill>
-                  <a:srgbClr val="008000"/>
-                </a:solidFill>
-                <a:latin typeface="Menlo"/>
-              </a:rPr>
-              <a:t>"</a:t>
-            </a:r>
-            <a:r>
-              <a:rPr lang="en-US" sz="2900" b="1" dirty="0" err="1">
-                <a:solidFill>
-                  <a:srgbClr val="008000"/>
-                </a:solidFill>
-                <a:latin typeface="Menlo"/>
-              </a:rPr>
-              <a:t>group.id</a:t>
-            </a:r>
-            <a:r>
-              <a:rPr lang="en-US" sz="2900" b="1" dirty="0">
-                <a:solidFill>
-                  <a:srgbClr val="008000"/>
-                </a:solidFill>
-                <a:latin typeface="Menlo"/>
-              </a:rPr>
-              <a:t>"</a:t>
-            </a:r>
-            <a:r>
-              <a:rPr lang="en-US" sz="2900" dirty="0">
-                <a:latin typeface="Menlo Regular"/>
-                <a:cs typeface="Menlo Regular"/>
-              </a:rPr>
-              <a:t>, </a:t>
-            </a:r>
-            <a:r>
-              <a:rPr lang="en-US" sz="2900" b="1" dirty="0">
-                <a:solidFill>
-                  <a:srgbClr val="008000"/>
-                </a:solidFill>
-                <a:latin typeface="Menlo"/>
-              </a:rPr>
-              <a:t>“</a:t>
-            </a:r>
-            <a:r>
-              <a:rPr lang="en-US" sz="2900" b="1" dirty="0" err="1">
-                <a:solidFill>
-                  <a:srgbClr val="008000"/>
-                </a:solidFill>
-                <a:latin typeface="Menlo"/>
-              </a:rPr>
-              <a:t>myGroup</a:t>
-            </a:r>
-            <a:r>
-              <a:rPr lang="en-US" sz="2900" b="1" dirty="0">
-                <a:solidFill>
-                  <a:srgbClr val="008000"/>
-                </a:solidFill>
-                <a:latin typeface="Menlo"/>
-              </a:rPr>
-              <a:t>”</a:t>
-            </a:r>
-            <a:r>
-              <a:rPr lang="en-US" sz="2900" dirty="0" smtClean="0">
-                <a:latin typeface="Menlo Regular"/>
-                <a:cs typeface="Menlo Regular"/>
-              </a:rPr>
-              <a:t>)</a:t>
-            </a:r>
-            <a:r>
-              <a:rPr lang="en-US" sz="2900" dirty="0">
-                <a:latin typeface="Menlo Regular"/>
-                <a:cs typeface="Menlo Regular"/>
-              </a:rPr>
-              <a:t>;</a:t>
-            </a:r>
-            <a:br>
-              <a:rPr lang="en-US" sz="2900" dirty="0">
-                <a:latin typeface="Menlo Regular"/>
-                <a:cs typeface="Menlo Regular"/>
-              </a:rPr>
-            </a:br>
-            <a:r>
-              <a:rPr lang="en-US" sz="2900" dirty="0">
-                <a:latin typeface="Menlo Regular"/>
-                <a:cs typeface="Menlo Regular"/>
-              </a:rPr>
-              <a:t/>
-            </a:r>
-            <a:br>
-              <a:rPr lang="en-US" sz="2900" dirty="0">
-                <a:latin typeface="Menlo Regular"/>
-                <a:cs typeface="Menlo Regular"/>
-              </a:rPr>
-            </a:br>
-            <a:r>
-              <a:rPr lang="en-US" sz="2900" dirty="0">
-                <a:latin typeface="Menlo Regular"/>
-                <a:cs typeface="Menlo Regular"/>
-              </a:rPr>
-              <a:t>// create a data </a:t>
-            </a:r>
-            <a:r>
-              <a:rPr lang="en-US" sz="2900" dirty="0" smtClean="0">
-                <a:latin typeface="Menlo Regular"/>
-                <a:cs typeface="Menlo Regular"/>
-              </a:rPr>
-              <a:t>source</a:t>
-            </a:r>
-            <a:br>
-              <a:rPr lang="en-US" sz="2900" dirty="0" smtClean="0">
-                <a:latin typeface="Menlo Regular"/>
-                <a:cs typeface="Menlo Regular"/>
-              </a:rPr>
-            </a:br>
-            <a:r>
-              <a:rPr lang="en-US" sz="2900" dirty="0" smtClean="0">
-                <a:latin typeface="Menlo Regular"/>
-                <a:cs typeface="Menlo Regular"/>
-              </a:rPr>
-              <a:t>DataStream</a:t>
-            </a:r>
-            <a:r>
-              <a:rPr lang="en-US" sz="2900" dirty="0">
-                <a:latin typeface="Menlo Regular"/>
-                <a:cs typeface="Menlo Regular"/>
-              </a:rPr>
-              <a:t>&lt;</a:t>
-            </a:r>
-            <a:r>
-              <a:rPr lang="en-US" sz="2900" dirty="0" err="1">
-                <a:latin typeface="Menlo Regular"/>
-                <a:cs typeface="Menlo Regular"/>
-              </a:rPr>
-              <a:t>TaxiRide</a:t>
-            </a:r>
-            <a:r>
-              <a:rPr lang="en-US" sz="2900" dirty="0">
-                <a:latin typeface="Menlo Regular"/>
-                <a:cs typeface="Menlo Regular"/>
-              </a:rPr>
-              <a:t>&gt; </a:t>
-            </a:r>
-            <a:r>
-              <a:rPr lang="en-US" sz="2900" dirty="0">
-                <a:latin typeface="Menlo Regular"/>
-                <a:cs typeface="Menlo Regular"/>
-              </a:rPr>
-              <a:t>rides </a:t>
-            </a:r>
-            <a:r>
-              <a:rPr lang="en-US" sz="2900" dirty="0" smtClean="0">
-                <a:latin typeface="Menlo Regular"/>
-                <a:cs typeface="Menlo Regular"/>
-              </a:rPr>
-              <a:t>=</a:t>
-            </a:r>
-            <a:r>
-              <a:rPr lang="en-US" sz="2900" dirty="0">
-                <a:latin typeface="Menlo Regular"/>
-                <a:cs typeface="Menlo Regular"/>
-              </a:rPr>
-              <a:t> </a:t>
-            </a:r>
-            <a:r>
-              <a:rPr lang="en-US" sz="2900" dirty="0" err="1" smtClean="0">
-                <a:latin typeface="Menlo Regular"/>
-                <a:cs typeface="Menlo Regular"/>
-              </a:rPr>
-              <a:t>env.addSource</a:t>
-            </a:r>
-            <a:r>
-              <a:rPr lang="en-US" sz="2900" dirty="0" smtClean="0">
-                <a:latin typeface="Menlo Regular"/>
-                <a:cs typeface="Menlo Regular"/>
-              </a:rPr>
-              <a:t>(</a:t>
-            </a:r>
-          </a:p>
-          <a:p>
-            <a:pPr marL="0" indent="0">
-              <a:buNone/>
-            </a:pPr>
-            <a:r>
-              <a:rPr lang="en-US" sz="2900" dirty="0">
-                <a:latin typeface="Menlo Regular"/>
-                <a:cs typeface="Menlo Regular"/>
-              </a:rPr>
-              <a:t>		</a:t>
-            </a:r>
-            <a:r>
-              <a:rPr lang="en-US" sz="3000" b="1" dirty="0">
-                <a:solidFill>
-                  <a:srgbClr val="000090"/>
-                </a:solidFill>
-                <a:latin typeface="Menlo Regular"/>
-                <a:cs typeface="Menlo Regular"/>
-              </a:rPr>
-              <a:t>new</a:t>
-            </a:r>
-            <a:r>
-              <a:rPr lang="en-US" sz="2900" dirty="0" smtClean="0">
-                <a:latin typeface="Menlo Regular"/>
-                <a:cs typeface="Menlo Regular"/>
-              </a:rPr>
-              <a:t> </a:t>
-            </a:r>
-            <a:r>
-              <a:rPr lang="en-US" sz="2900" dirty="0">
-                <a:latin typeface="Menlo Regular"/>
-                <a:cs typeface="Menlo Regular"/>
-              </a:rPr>
-              <a:t>FlinkKafkaConsumer082</a:t>
-            </a:r>
-            <a:r>
-              <a:rPr lang="en-US" sz="2900" dirty="0">
-                <a:latin typeface="Menlo Regular"/>
-                <a:cs typeface="Menlo Regular"/>
-              </a:rPr>
-              <a:t>&lt;</a:t>
-            </a:r>
-            <a:r>
-              <a:rPr lang="en-US" sz="2900" dirty="0" err="1">
-                <a:latin typeface="Menlo Regular"/>
-                <a:cs typeface="Menlo Regular"/>
-              </a:rPr>
-              <a:t>TaxiRide</a:t>
-            </a:r>
-            <a:r>
-              <a:rPr lang="en-US" sz="2900" dirty="0">
-                <a:latin typeface="Menlo Regular"/>
-                <a:cs typeface="Menlo Regular"/>
-              </a:rPr>
-              <a:t>&gt;(</a:t>
-            </a:r>
-            <a:br>
-              <a:rPr lang="en-US" sz="2900" dirty="0">
-                <a:latin typeface="Menlo Regular"/>
-                <a:cs typeface="Menlo Regular"/>
-              </a:rPr>
-            </a:br>
-            <a:r>
-              <a:rPr lang="en-US" sz="2900" dirty="0">
-                <a:latin typeface="Menlo Regular"/>
-                <a:cs typeface="Menlo Regular"/>
-              </a:rPr>
-              <a:t>               </a:t>
-            </a:r>
-            <a:r>
-              <a:rPr lang="en-US" sz="2900" b="1" dirty="0">
-                <a:solidFill>
-                  <a:srgbClr val="008000"/>
-                </a:solidFill>
-                <a:latin typeface="Menlo"/>
-              </a:rPr>
-              <a:t>“</a:t>
-            </a:r>
-            <a:r>
-              <a:rPr lang="en-US" sz="2900" b="1" dirty="0" err="1">
-                <a:solidFill>
-                  <a:srgbClr val="008000"/>
-                </a:solidFill>
-                <a:latin typeface="Menlo"/>
-              </a:rPr>
-              <a:t>myTopic</a:t>
-            </a:r>
-            <a:r>
-              <a:rPr lang="en-US" sz="2900" b="1" dirty="0">
-                <a:solidFill>
-                  <a:srgbClr val="008000"/>
-                </a:solidFill>
-                <a:latin typeface="Menlo"/>
-              </a:rPr>
-              <a:t>”</a:t>
-            </a:r>
-            <a:r>
-              <a:rPr lang="en-US" sz="2900" dirty="0" smtClean="0">
-                <a:latin typeface="Menlo Regular"/>
-                <a:cs typeface="Menlo Regular"/>
-              </a:rPr>
-              <a:t>,</a:t>
-            </a:r>
-            <a:r>
-              <a:rPr lang="en-US" sz="2900" dirty="0">
-                <a:latin typeface="Menlo Regular"/>
-                <a:cs typeface="Menlo Regular"/>
-              </a:rPr>
-              <a:t/>
-            </a:r>
-            <a:br>
-              <a:rPr lang="en-US" sz="2900" dirty="0">
-                <a:latin typeface="Menlo Regular"/>
-                <a:cs typeface="Menlo Regular"/>
-              </a:rPr>
-            </a:br>
-            <a:r>
-              <a:rPr lang="en-US" sz="2900" dirty="0">
-                <a:latin typeface="Menlo Regular"/>
-                <a:cs typeface="Menlo Regular"/>
-              </a:rPr>
-              <a:t>               </a:t>
-            </a:r>
-            <a:r>
-              <a:rPr lang="en-US" sz="3000" b="1" dirty="0">
-                <a:solidFill>
-                  <a:srgbClr val="000090"/>
-                </a:solidFill>
-                <a:latin typeface="Menlo Regular"/>
-                <a:cs typeface="Menlo Regular"/>
-              </a:rPr>
-              <a:t>new</a:t>
-            </a:r>
-            <a:r>
-              <a:rPr lang="en-US" sz="2900" dirty="0">
-                <a:latin typeface="Menlo Regular"/>
-                <a:cs typeface="Menlo Regular"/>
-              </a:rPr>
-              <a:t> </a:t>
-            </a:r>
-            <a:r>
-              <a:rPr lang="en-US" sz="2900" dirty="0" err="1">
-                <a:latin typeface="Menlo Regular"/>
-                <a:cs typeface="Menlo Regular"/>
-              </a:rPr>
-              <a:t>TaxiRideSchema</a:t>
-            </a:r>
-            <a:r>
-              <a:rPr lang="en-US" sz="2900" dirty="0">
-                <a:latin typeface="Menlo Regular"/>
-                <a:cs typeface="Menlo Regular"/>
-              </a:rPr>
-              <a:t>(),</a:t>
-            </a:r>
-            <a:br>
-              <a:rPr lang="en-US" sz="2900" dirty="0">
-                <a:latin typeface="Menlo Regular"/>
-                <a:cs typeface="Menlo Regular"/>
-              </a:rPr>
-            </a:br>
-            <a:r>
-              <a:rPr lang="en-US" sz="2900" dirty="0">
-                <a:latin typeface="Menlo Regular"/>
-                <a:cs typeface="Menlo Regular"/>
-              </a:rPr>
-              <a:t>               </a:t>
-            </a:r>
-            <a:r>
-              <a:rPr lang="en-US" sz="2900" dirty="0" smtClean="0">
-                <a:latin typeface="Menlo Regular"/>
-                <a:cs typeface="Menlo Regular"/>
-              </a:rPr>
-              <a:t>props</a:t>
-            </a:r>
-            <a:r>
-              <a:rPr lang="en-US" sz="2900" dirty="0">
-                <a:latin typeface="Menlo Regular"/>
-                <a:cs typeface="Menlo Regular"/>
-              </a:rPr>
-              <a:t>)</a:t>
-            </a:r>
-            <a:br>
-              <a:rPr lang="en-US" sz="2900" dirty="0">
-                <a:latin typeface="Menlo Regular"/>
-                <a:cs typeface="Menlo Regular"/>
-              </a:rPr>
-            </a:br>
-            <a:r>
-              <a:rPr lang="en-US" sz="2900" dirty="0" smtClean="0">
-                <a:latin typeface="Menlo Regular"/>
-                <a:cs typeface="Menlo Regular"/>
-              </a:rPr>
-              <a:t>	</a:t>
-            </a:r>
-            <a:r>
-              <a:rPr lang="en-US" sz="2900" dirty="0">
-                <a:latin typeface="Menlo Regular"/>
-                <a:cs typeface="Menlo Regular"/>
-              </a:rPr>
-              <a:t>	</a:t>
-            </a:r>
-            <a:r>
-              <a:rPr lang="en-US" sz="2900" dirty="0" smtClean="0">
-                <a:latin typeface="Menlo Regular"/>
-                <a:cs typeface="Menlo Regular"/>
-              </a:rPr>
-              <a:t>);</a:t>
-            </a:r>
-            <a:endParaRPr lang="en-US" sz="2900" dirty="0" smtClean="0">
-              <a:latin typeface="Menlo Regular"/>
-              <a:cs typeface="Menlo Regular"/>
-            </a:endParaRPr>
-          </a:p>
-        </p:txBody>
-      </p:sp>
-      <p:sp>
-        <p:nvSpPr>
-          <p:cNvPr id="4" name="Slide Number Placeholder 3"/>
-          <p:cNvSpPr>
-            <a:spLocks noGrp="1"/>
-          </p:cNvSpPr>
-          <p:nvPr>
-            <p:ph type="sldNum" sz="quarter" idx="12"/>
-          </p:nvPr>
-        </p:nvSpPr>
-        <p:spPr/>
-        <p:txBody>
-          <a:bodyPr/>
-          <a:lstStyle/>
-          <a:p>
-            <a:fld id="{B07C5D84-2227-C144-B485-A8CA33CE4230}" type="slidenum">
-              <a:rPr lang="en-US" smtClean="0">
-                <a:solidFill>
-                  <a:prstClr val="black">
-                    <a:tint val="75000"/>
-                  </a:prstClr>
-                </a:solidFill>
-              </a:rPr>
-              <a:pPr/>
-              <a:t>34</a:t>
-            </a:fld>
-            <a:endParaRPr lang="en-US">
-              <a:solidFill>
-                <a:prstClr val="black">
-                  <a:tint val="75000"/>
-                </a:prstClr>
-              </a:solidFill>
-            </a:endParaRPr>
-          </a:p>
-        </p:txBody>
-      </p:sp>
-    </p:spTree>
-    <p:extLst>
-      <p:ext uri="{BB962C8B-B14F-4D97-AF65-F5344CB8AC3E}">
-        <p14:creationId xmlns:p14="http://schemas.microsoft.com/office/powerpoint/2010/main" val="387134147"/>
-      </p:ext>
-    </p:extLst>
-  </p:cSld>
-  <p:clrMapOvr>
-    <a:masterClrMapping/>
-  </p:clrMapOvr>
-  <p:timing>
-    <p:tnLst>
-      <p:par>
-        <p:cTn xmlns:p14="http://schemas.microsoft.com/office/powerpoint/2010/main" id="1" dur="indefinite" restart="never" nodeType="tmRoot"/>
-      </p:par>
-    </p:tnLst>
-  </p:timing>
-</p:sld>
-</file>
-
-<file path=ppt/slides/slide35.xml><?xml version="1.0" encoding="utf-8"?>
-<p:sld xmlns:a="http://schemas.openxmlformats.org/drawingml/2006/main" xmlns:r="http://schemas.openxmlformats.org/officeDocument/2006/relationships" xmlns:p="http://schemas.openxmlformats.org/presentationml/2006/main">
-  <p:cSld>
-    <p:spTree>
-      <p:nvGrpSpPr>
-        <p:cNvPr id="1" name=""/>
-        <p:cNvGrpSpPr/>
-        <p:nvPr/>
-      </p:nvGrpSpPr>
-      <p:grpSpPr>
-        <a:xfrm>
-          <a:off x="0" y="0"/>
-          <a:ext cx="0" cy="0"/>
-          <a:chOff x="0" y="0"/>
-          <a:chExt cx="0" cy="0"/>
-        </a:xfrm>
-      </p:grpSpPr>
-      <p:sp>
-        <p:nvSpPr>
-          <p:cNvPr id="2" name="Title 1"/>
-          <p:cNvSpPr>
-            <a:spLocks noGrp="1"/>
-          </p:cNvSpPr>
-          <p:nvPr>
-            <p:ph type="title"/>
-          </p:nvPr>
-        </p:nvSpPr>
-        <p:spPr/>
-        <p:txBody>
-          <a:bodyPr/>
-          <a:lstStyle/>
-          <a:p>
-            <a:r>
-              <a:rPr lang="en-US" dirty="0" smtClean="0"/>
-              <a:t>Writing data to Kafka</a:t>
-            </a:r>
-            <a:endParaRPr lang="en-US" dirty="0"/>
-          </a:p>
-        </p:txBody>
-      </p:sp>
-      <p:sp>
-        <p:nvSpPr>
-          <p:cNvPr id="3" name="Content Placeholder 2"/>
-          <p:cNvSpPr>
-            <a:spLocks noGrp="1"/>
-          </p:cNvSpPr>
-          <p:nvPr>
-            <p:ph idx="1"/>
-          </p:nvPr>
-        </p:nvSpPr>
-        <p:spPr/>
-        <p:txBody>
-          <a:bodyPr>
-            <a:normAutofit fontScale="92500" lnSpcReduction="10000"/>
-          </a:bodyPr>
-          <a:lstStyle/>
-          <a:p>
-            <a:r>
-              <a:rPr lang="en-US" dirty="0" smtClean="0"/>
-              <a:t>Add a Kafka sink to a DataStream by providing</a:t>
-            </a:r>
-          </a:p>
-          <a:p>
-            <a:pPr lvl="1"/>
-            <a:r>
-              <a:rPr lang="en-US" dirty="0" smtClean="0"/>
-              <a:t>The broker address</a:t>
-            </a:r>
-          </a:p>
-          <a:p>
-            <a:pPr lvl="1"/>
-            <a:r>
-              <a:rPr lang="en-US" dirty="0" smtClean="0"/>
-              <a:t>The topic name</a:t>
-            </a:r>
-          </a:p>
-          <a:p>
-            <a:pPr lvl="1"/>
-            <a:r>
-              <a:rPr lang="en-US" dirty="0" smtClean="0"/>
-              <a:t>A serialization schema</a:t>
-            </a:r>
-          </a:p>
-          <a:p>
-            <a:pPr marL="457200" lvl="1" indent="0">
-              <a:buNone/>
-            </a:pPr>
-            <a:endParaRPr lang="en-US" sz="1600" dirty="0" smtClean="0">
-              <a:latin typeface="Menlo Regular"/>
-              <a:cs typeface="Menlo Regular"/>
-            </a:endParaRPr>
-          </a:p>
-          <a:p>
-            <a:pPr marL="457200" lvl="1" indent="0">
-              <a:buNone/>
-            </a:pPr>
-            <a:r>
-              <a:rPr lang="en-US" sz="2000" dirty="0" smtClean="0">
-                <a:latin typeface="Menlo Regular"/>
-                <a:cs typeface="Menlo Regular"/>
-              </a:rPr>
-              <a:t>DataStream</a:t>
-            </a:r>
-            <a:r>
-              <a:rPr lang="en-US" sz="2000" dirty="0">
-                <a:latin typeface="Menlo Regular"/>
-                <a:cs typeface="Menlo Regular"/>
-              </a:rPr>
-              <a:t>&lt;String&gt; </a:t>
-            </a:r>
-            <a:r>
-              <a:rPr lang="en-US" sz="2000" dirty="0" err="1" smtClean="0">
-                <a:latin typeface="Menlo Regular"/>
-                <a:cs typeface="Menlo Regular"/>
-              </a:rPr>
-              <a:t>aStream</a:t>
-            </a:r>
-            <a:r>
-              <a:rPr lang="en-US" sz="2000" dirty="0">
-                <a:latin typeface="Menlo Regular"/>
-                <a:cs typeface="Menlo Regular"/>
-              </a:rPr>
-              <a:t> </a:t>
-            </a:r>
-            <a:r>
-              <a:rPr lang="en-US" sz="2000" dirty="0" smtClean="0">
-                <a:latin typeface="Menlo Regular"/>
-                <a:cs typeface="Menlo Regular"/>
-              </a:rPr>
-              <a:t>= …</a:t>
-            </a:r>
-            <a:endParaRPr lang="en-US" sz="2000" dirty="0">
-              <a:latin typeface="Menlo Regular"/>
-              <a:cs typeface="Menlo Regular"/>
-            </a:endParaRPr>
-          </a:p>
-          <a:p>
-            <a:pPr marL="457200" lvl="1" indent="0">
-              <a:buNone/>
-            </a:pPr>
-            <a:r>
-              <a:rPr lang="en-US" sz="2000" dirty="0" err="1" smtClean="0">
-                <a:latin typeface="Menlo Regular"/>
-                <a:cs typeface="Menlo Regular"/>
-              </a:rPr>
-              <a:t>aStream.addSink</a:t>
-            </a:r>
-            <a:r>
-              <a:rPr lang="en-US" sz="2000" dirty="0" smtClean="0">
-                <a:latin typeface="Menlo Regular"/>
-                <a:cs typeface="Menlo Regular"/>
-              </a:rPr>
-              <a:t>(</a:t>
-            </a:r>
-          </a:p>
-          <a:p>
-            <a:pPr marL="457200" lvl="1" indent="0">
-              <a:buNone/>
-            </a:pPr>
-            <a:r>
-              <a:rPr lang="en-US" sz="2000" b="1" dirty="0">
-                <a:solidFill>
-                  <a:srgbClr val="000090"/>
-                </a:solidFill>
-                <a:latin typeface="Menlo Regular"/>
-                <a:cs typeface="Menlo Regular"/>
-              </a:rPr>
-              <a:t>	</a:t>
-            </a:r>
-            <a:r>
-              <a:rPr lang="en-US" sz="2000" b="1" dirty="0" smtClean="0">
-                <a:solidFill>
-                  <a:srgbClr val="000090"/>
-                </a:solidFill>
-                <a:latin typeface="Menlo Regular"/>
-                <a:cs typeface="Menlo Regular"/>
-              </a:rPr>
-              <a:t>new</a:t>
-            </a:r>
-            <a:r>
-              <a:rPr lang="en-US" sz="2400" b="1" dirty="0" smtClean="0">
-                <a:solidFill>
-                  <a:srgbClr val="000090"/>
-                </a:solidFill>
-                <a:latin typeface="Menlo Regular"/>
-                <a:cs typeface="Menlo Regular"/>
-              </a:rPr>
-              <a:t> </a:t>
-            </a:r>
-            <a:r>
-              <a:rPr lang="en-US" sz="2000" dirty="0" err="1" smtClean="0">
-                <a:latin typeface="Menlo Regular"/>
-                <a:cs typeface="Menlo Regular"/>
-              </a:rPr>
-              <a:t>KafkaSink</a:t>
-            </a:r>
-            <a:r>
-              <a:rPr lang="en-US" sz="2000" dirty="0" smtClean="0">
-                <a:latin typeface="Menlo Regular"/>
-                <a:cs typeface="Menlo Regular"/>
-              </a:rPr>
-              <a:t>&lt;</a:t>
-            </a:r>
-            <a:r>
-              <a:rPr lang="en-US" sz="2000" dirty="0">
-                <a:latin typeface="Menlo Regular"/>
-                <a:cs typeface="Menlo Regular"/>
-              </a:rPr>
-              <a:t>String&gt;(</a:t>
-            </a:r>
-          </a:p>
-          <a:p>
-            <a:pPr marL="457200" lvl="1" indent="0">
-              <a:buNone/>
-            </a:pPr>
-            <a:r>
-              <a:rPr lang="en-US" sz="2000" dirty="0">
-                <a:latin typeface="Menlo Regular"/>
-                <a:cs typeface="Menlo Regular"/>
-              </a:rPr>
-              <a:t>		</a:t>
-            </a:r>
-            <a:r>
-              <a:rPr lang="en-US" sz="1900" b="1" dirty="0">
-                <a:solidFill>
-                  <a:srgbClr val="008000"/>
-                </a:solidFill>
-                <a:latin typeface="Menlo"/>
-              </a:rPr>
-              <a:t>“localhost</a:t>
-            </a:r>
-            <a:r>
-              <a:rPr lang="en-US" sz="1900" b="1" dirty="0">
-                <a:solidFill>
-                  <a:srgbClr val="008000"/>
-                </a:solidFill>
-                <a:latin typeface="Menlo"/>
-              </a:rPr>
-              <a:t>:9092”</a:t>
-            </a:r>
-            <a:r>
-              <a:rPr lang="en-US" sz="2000" dirty="0">
-                <a:latin typeface="Menlo Regular"/>
-                <a:cs typeface="Menlo Regular"/>
-              </a:rPr>
-              <a:t>, </a:t>
-            </a:r>
-            <a:r>
-              <a:rPr lang="en-US" sz="2000" dirty="0" smtClean="0">
-                <a:latin typeface="Menlo Regular"/>
-                <a:cs typeface="Menlo Regular"/>
-              </a:rPr>
-              <a:t>// default local broker</a:t>
-            </a:r>
-          </a:p>
-          <a:p>
-            <a:pPr marL="457200" lvl="1" indent="0">
-              <a:buNone/>
-            </a:pPr>
-            <a:r>
-              <a:rPr lang="en-US" sz="2000" dirty="0">
-                <a:latin typeface="Menlo Regular"/>
-                <a:cs typeface="Menlo Regular"/>
-              </a:rPr>
-              <a:t>	</a:t>
-            </a:r>
-            <a:r>
-              <a:rPr lang="en-US" sz="2000" dirty="0" smtClean="0">
-                <a:latin typeface="Menlo Regular"/>
-                <a:cs typeface="Menlo Regular"/>
-              </a:rPr>
-              <a:t>	</a:t>
-            </a:r>
-            <a:r>
-              <a:rPr lang="en-US" sz="1900" b="1" dirty="0">
-                <a:solidFill>
-                  <a:srgbClr val="008000"/>
-                </a:solidFill>
-                <a:latin typeface="Menlo"/>
-              </a:rPr>
-              <a:t>“</a:t>
-            </a:r>
-            <a:r>
-              <a:rPr lang="en-US" sz="1900" b="1" dirty="0" err="1">
-                <a:solidFill>
-                  <a:srgbClr val="008000"/>
-                </a:solidFill>
-                <a:latin typeface="Menlo"/>
-              </a:rPr>
-              <a:t>myTopic</a:t>
-            </a:r>
-            <a:r>
-              <a:rPr lang="en-US" sz="1900" b="1" dirty="0">
-                <a:solidFill>
-                  <a:srgbClr val="008000"/>
-                </a:solidFill>
-                <a:latin typeface="Menlo"/>
-              </a:rPr>
-              <a:t>”</a:t>
-            </a:r>
-            <a:r>
-              <a:rPr lang="en-US" sz="2000" dirty="0">
-                <a:latin typeface="Menlo Regular"/>
-                <a:cs typeface="Menlo Regular"/>
-              </a:rPr>
-              <a:t>, </a:t>
-            </a:r>
-            <a:endParaRPr lang="en-US" sz="2000" dirty="0" smtClean="0">
-              <a:latin typeface="Menlo Regular"/>
-              <a:cs typeface="Menlo Regular"/>
-            </a:endParaRPr>
-          </a:p>
-          <a:p>
-            <a:pPr marL="457200" lvl="1" indent="0">
-              <a:buNone/>
-            </a:pPr>
-            <a:r>
-              <a:rPr lang="en-US" sz="2000" dirty="0">
-                <a:latin typeface="Menlo Regular"/>
-                <a:cs typeface="Menlo Regular"/>
-              </a:rPr>
-              <a:t>	</a:t>
-            </a:r>
-            <a:r>
-              <a:rPr lang="en-US" sz="2000" dirty="0" smtClean="0">
-                <a:latin typeface="Menlo Regular"/>
-                <a:cs typeface="Menlo Regular"/>
-              </a:rPr>
-              <a:t>	</a:t>
-            </a:r>
-            <a:r>
-              <a:rPr lang="en-US" sz="2000" b="1" dirty="0">
-                <a:solidFill>
-                  <a:srgbClr val="000090"/>
-                </a:solidFill>
-                <a:latin typeface="Menlo Regular"/>
-                <a:cs typeface="Menlo Regular"/>
-              </a:rPr>
-              <a:t>new</a:t>
-            </a:r>
-            <a:r>
-              <a:rPr lang="en-US" sz="2000" dirty="0" smtClean="0">
-                <a:latin typeface="Menlo Regular"/>
-                <a:cs typeface="Menlo Regular"/>
-              </a:rPr>
-              <a:t> </a:t>
-            </a:r>
-            <a:r>
-              <a:rPr lang="en-US" sz="2000" dirty="0" err="1">
-                <a:latin typeface="Menlo Regular"/>
-                <a:cs typeface="Menlo Regular"/>
-              </a:rPr>
-              <a:t>SimpleStringSchema</a:t>
-            </a:r>
-            <a:r>
-              <a:rPr lang="en-US" sz="2000" dirty="0">
-                <a:latin typeface="Menlo Regular"/>
-                <a:cs typeface="Menlo Regular"/>
-              </a:rPr>
-              <a:t>));</a:t>
-            </a:r>
-          </a:p>
-          <a:p>
-            <a:pPr marL="457200" lvl="1" indent="0">
-              <a:buNone/>
-            </a:pPr>
-            <a:endParaRPr lang="en-US" dirty="0"/>
-          </a:p>
-        </p:txBody>
-      </p:sp>
-      <p:sp>
-        <p:nvSpPr>
-          <p:cNvPr id="4" name="Slide Number Placeholder 3"/>
-          <p:cNvSpPr>
-            <a:spLocks noGrp="1"/>
-          </p:cNvSpPr>
-          <p:nvPr>
-            <p:ph type="sldNum" sz="quarter" idx="12"/>
-          </p:nvPr>
-        </p:nvSpPr>
-        <p:spPr/>
-        <p:txBody>
-          <a:bodyPr/>
-          <a:lstStyle/>
-          <a:p>
-            <a:fld id="{B07C5D84-2227-C144-B485-A8CA33CE4230}" type="slidenum">
-              <a:rPr lang="en-US" smtClean="0">
-                <a:solidFill>
-                  <a:prstClr val="black">
-                    <a:tint val="75000"/>
-                  </a:prstClr>
-                </a:solidFill>
-              </a:rPr>
-              <a:pPr/>
-              <a:t>35</a:t>
-            </a:fld>
-            <a:endParaRPr lang="en-US">
-              <a:solidFill>
-                <a:prstClr val="black">
-                  <a:tint val="75000"/>
-                </a:prstClr>
-              </a:solidFill>
-            </a:endParaRPr>
-          </a:p>
-        </p:txBody>
-      </p:sp>
-    </p:spTree>
-    <p:extLst>
-      <p:ext uri="{BB962C8B-B14F-4D97-AF65-F5344CB8AC3E}">
-        <p14:creationId xmlns:p14="http://schemas.microsoft.com/office/powerpoint/2010/main" val="2928609328"/>
-      </p:ext>
-    </p:extLst>
-  </p:cSld>
-  <p:clrMapOvr>
-    <a:masterClrMapping/>
-  </p:clrMapOvr>
-  <p:timing>
-    <p:tnLst>
-      <p:par>
-        <p:cTn xmlns:p14="http://schemas.microsoft.com/office/powerpoint/2010/main" id="1" dur="indefinite" restart="never" nodeType="tmRoot"/>
-      </p:par>
-    </p:tnLst>
-  </p:timing>
-</p:sld>
-</file>
-
-<file path=ppt/slides/slide36.xml><?xml version="1.0" encoding="utf-8"?>
 <p:sld xmlns:a="http://schemas.openxmlformats.org/drawingml/2006/main" xmlns:r="http://schemas.openxmlformats.org/officeDocument/2006/relationships" xmlns:p="http://schemas.openxmlformats.org/presentationml/2006/main">
   <p:cSld>
     <p:spTree>
@@ -20332,10 +18703,6 @@
           <a:bodyPr/>
           <a:lstStyle/>
           <a:p>
-            <a:r>
-              <a:rPr lang="en-US" dirty="0" smtClean="0"/>
-              <a:t>Best Practices</a:t>
-            </a:r>
             <a:endParaRPr lang="en-US" dirty="0"/>
           </a:p>
         </p:txBody>
@@ -20383,303 +18750,7 @@
                 </a:solidFill>
               </a:rPr>
               <a:pPr/>
-              <a:t>36</a:t>
-            </a:fld>
-            <a:endParaRPr lang="en-US">
-              <a:solidFill>
-                <a:prstClr val="black">
-                  <a:tint val="75000"/>
-                </a:prstClr>
-              </a:solidFill>
-            </a:endParaRPr>
-          </a:p>
-        </p:txBody>
-      </p:sp>
-    </p:spTree>
-    <p:extLst>
-      <p:ext uri="{BB962C8B-B14F-4D97-AF65-F5344CB8AC3E}">
-        <p14:creationId xmlns:p14="http://schemas.microsoft.com/office/powerpoint/2010/main" val="562050390"/>
-      </p:ext>
-    </p:extLst>
-  </p:cSld>
-  <p:clrMapOvr>
-    <a:masterClrMapping/>
-  </p:clrMapOvr>
-  <mc:AlternateContent xmlns:mc="http://schemas.openxmlformats.org/markup-compatibility/2006" xmlns:p14="http://schemas.microsoft.com/office/powerpoint/2010/main">
-    <mc:Choice Requires="p14">
-      <p:transition spd="slow" p14:dur="2000"/>
-    </mc:Choice>
-    <mc:Fallback xmlns="">
-      <p:transition xmlns:p14="http://schemas.microsoft.com/office/powerpoint/2010/main" spd="slow"/>
-    </mc:Fallback>
-  </mc:AlternateContent>
-  <p:timing>
-    <p:tnLst>
-      <p:par>
-        <p:cTn xmlns:p14="http://schemas.microsoft.com/office/powerpoint/2010/main" id="1" dur="indefinite" restart="never" nodeType="tmRoot"/>
-      </p:par>
-    </p:tnLst>
-  </p:timing>
-</p:sld>
-</file>
-
-<file path=ppt/slides/slide37.xml><?xml version="1.0" encoding="utf-8"?>
-<p:sld xmlns:a="http://schemas.openxmlformats.org/drawingml/2006/main" xmlns:r="http://schemas.openxmlformats.org/officeDocument/2006/relationships" xmlns:p="http://schemas.openxmlformats.org/presentationml/2006/main">
-  <p:cSld>
-    <p:spTree>
-      <p:nvGrpSpPr>
-        <p:cNvPr id="1" name=""/>
-        <p:cNvGrpSpPr/>
-        <p:nvPr/>
-      </p:nvGrpSpPr>
-      <p:grpSpPr>
-        <a:xfrm>
-          <a:off x="0" y="0"/>
-          <a:ext cx="0" cy="0"/>
-          <a:chOff x="0" y="0"/>
-          <a:chExt cx="0" cy="0"/>
-        </a:xfrm>
-      </p:grpSpPr>
-      <p:sp>
-        <p:nvSpPr>
-          <p:cNvPr id="5" name="Title 4"/>
-          <p:cNvSpPr>
-            <a:spLocks noGrp="1"/>
-          </p:cNvSpPr>
-          <p:nvPr>
-            <p:ph type="title"/>
-          </p:nvPr>
-        </p:nvSpPr>
-        <p:spPr/>
-        <p:txBody>
-          <a:bodyPr/>
-          <a:lstStyle/>
-          <a:p>
-            <a:r>
-              <a:rPr lang="en-US" dirty="0" smtClean="0"/>
-              <a:t>Some advice</a:t>
-            </a:r>
-            <a:endParaRPr lang="en-US" dirty="0"/>
-          </a:p>
-        </p:txBody>
-      </p:sp>
-      <p:sp>
-        <p:nvSpPr>
-          <p:cNvPr id="6" name="Content Placeholder 5"/>
-          <p:cNvSpPr>
-            <a:spLocks noGrp="1"/>
-          </p:cNvSpPr>
-          <p:nvPr>
-            <p:ph idx="1"/>
-          </p:nvPr>
-        </p:nvSpPr>
-        <p:spPr>
-          <a:xfrm>
-            <a:off x="457200" y="1474376"/>
-            <a:ext cx="8229600" cy="4881974"/>
-          </a:xfrm>
-        </p:spPr>
-        <p:txBody>
-          <a:bodyPr>
-            <a:normAutofit/>
-          </a:bodyPr>
-          <a:lstStyle/>
-          <a:p>
-            <a:r>
-              <a:rPr lang="en-US" dirty="0" smtClean="0"/>
-              <a:t>Use </a:t>
-            </a:r>
-            <a:r>
-              <a:rPr lang="en-US" sz="2400" dirty="0" err="1">
-                <a:latin typeface="Menlo Regular"/>
-                <a:cs typeface="Menlo Regular"/>
-              </a:rPr>
-              <a:t>env.fromElements</a:t>
-            </a:r>
-            <a:r>
-              <a:rPr lang="en-US" sz="2400" dirty="0">
-                <a:latin typeface="Menlo Regular"/>
-                <a:cs typeface="Menlo Regular"/>
-              </a:rPr>
-              <a:t>(..)</a:t>
-            </a:r>
-            <a:r>
-              <a:rPr lang="en-US" dirty="0" smtClean="0"/>
-              <a:t> or </a:t>
-            </a:r>
-            <a:r>
-              <a:rPr lang="en-US" sz="2400" dirty="0" err="1">
-                <a:latin typeface="Menlo Regular"/>
-                <a:cs typeface="Menlo Regular"/>
-              </a:rPr>
-              <a:t>env.fromCollection</a:t>
-            </a:r>
-            <a:r>
-              <a:rPr lang="en-US" sz="2400" dirty="0">
-                <a:latin typeface="Menlo Regular"/>
-                <a:cs typeface="Menlo Regular"/>
-              </a:rPr>
-              <a:t>(..)</a:t>
-            </a:r>
-            <a:r>
-              <a:rPr lang="en-US" dirty="0" smtClean="0"/>
-              <a:t> to quickly get a DataStream to experiment with</a:t>
-            </a:r>
-          </a:p>
-          <a:p>
-            <a:endParaRPr lang="en-US" dirty="0" smtClean="0"/>
-          </a:p>
-          <a:p>
-            <a:r>
-              <a:rPr lang="en-US" dirty="0" smtClean="0"/>
-              <a:t>Use </a:t>
-            </a:r>
-            <a:r>
-              <a:rPr lang="en-US" sz="2400" dirty="0" smtClean="0">
-                <a:latin typeface="Menlo Regular"/>
-                <a:cs typeface="Menlo Regular"/>
-              </a:rPr>
-              <a:t>print()</a:t>
-            </a:r>
-            <a:r>
-              <a:rPr lang="en-US" dirty="0" smtClean="0"/>
-              <a:t> to quickly print a DataStream</a:t>
-            </a:r>
-          </a:p>
-        </p:txBody>
-      </p:sp>
-      <p:sp>
-        <p:nvSpPr>
-          <p:cNvPr id="4" name="Slide Number Placeholder 3"/>
-          <p:cNvSpPr>
-            <a:spLocks noGrp="1"/>
-          </p:cNvSpPr>
-          <p:nvPr>
-            <p:ph type="sldNum" sz="quarter" idx="12"/>
-          </p:nvPr>
-        </p:nvSpPr>
-        <p:spPr/>
-        <p:txBody>
-          <a:bodyPr/>
-          <a:lstStyle/>
-          <a:p>
-            <a:fld id="{B07C5D84-2227-C144-B485-A8CA33CE4230}" type="slidenum">
-              <a:rPr lang="en-US" smtClean="0"/>
-              <a:pPr/>
-              <a:t>37</a:t>
-            </a:fld>
-            <a:endParaRPr lang="en-US"/>
-          </a:p>
-        </p:txBody>
-      </p:sp>
-    </p:spTree>
-    <p:extLst>
-      <p:ext uri="{BB962C8B-B14F-4D97-AF65-F5344CB8AC3E}">
-        <p14:creationId xmlns:p14="http://schemas.microsoft.com/office/powerpoint/2010/main" val="3420147861"/>
-      </p:ext>
-    </p:extLst>
-  </p:cSld>
-  <p:clrMapOvr>
-    <a:masterClrMapping/>
-  </p:clrMapOvr>
-  <mc:AlternateContent xmlns:mc="http://schemas.openxmlformats.org/markup-compatibility/2006" xmlns:p14="http://schemas.microsoft.com/office/powerpoint/2010/main">
-    <mc:Choice Requires="p14">
-      <p:transition spd="slow" p14:dur="2000"/>
-    </mc:Choice>
-    <mc:Fallback xmlns="">
-      <p:transition xmlns:p14="http://schemas.microsoft.com/office/powerpoint/2010/main" spd="slow"/>
-    </mc:Fallback>
-  </mc:AlternateContent>
-  <p:timing>
-    <p:tnLst>
-      <p:par>
-        <p:cTn xmlns:p14="http://schemas.microsoft.com/office/powerpoint/2010/main" id="1" dur="indefinite" restart="never" nodeType="tmRoot"/>
-      </p:par>
-    </p:tnLst>
-  </p:timing>
-</p:sld>
-</file>
-
-<file path=ppt/slides/slide38.xml><?xml version="1.0" encoding="utf-8"?>
-<p:sld xmlns:a="http://schemas.openxmlformats.org/drawingml/2006/main" xmlns:r="http://schemas.openxmlformats.org/officeDocument/2006/relationships" xmlns:p="http://schemas.openxmlformats.org/presentationml/2006/main">
-  <p:cSld>
-    <p:spTree>
-      <p:nvGrpSpPr>
-        <p:cNvPr id="1" name=""/>
-        <p:cNvGrpSpPr/>
-        <p:nvPr/>
-      </p:nvGrpSpPr>
-      <p:grpSpPr>
-        <a:xfrm>
-          <a:off x="0" y="0"/>
-          <a:ext cx="0" cy="0"/>
-          <a:chOff x="0" y="0"/>
-          <a:chExt cx="0" cy="0"/>
-        </a:xfrm>
-      </p:grpSpPr>
-      <p:sp>
-        <p:nvSpPr>
-          <p:cNvPr id="5" name="Title 4"/>
-          <p:cNvSpPr>
-            <a:spLocks noGrp="1"/>
-          </p:cNvSpPr>
-          <p:nvPr>
-            <p:ph type="title"/>
-          </p:nvPr>
-        </p:nvSpPr>
-        <p:spPr/>
-        <p:txBody>
-          <a:bodyPr/>
-          <a:lstStyle/>
-          <a:p>
-            <a:endParaRPr lang="en-US" dirty="0"/>
-          </a:p>
-        </p:txBody>
-      </p:sp>
-      <p:sp>
-        <p:nvSpPr>
-          <p:cNvPr id="6" name="Text Placeholder 5"/>
-          <p:cNvSpPr>
-            <a:spLocks noGrp="1"/>
-          </p:cNvSpPr>
-          <p:nvPr>
-            <p:ph type="body" idx="1"/>
-          </p:nvPr>
-        </p:nvSpPr>
-        <p:spPr/>
-        <p:txBody>
-          <a:bodyPr/>
-          <a:lstStyle/>
-          <a:p>
-            <a:endParaRPr lang="en-US"/>
-          </a:p>
-        </p:txBody>
-      </p:sp>
-      <p:sp>
-        <p:nvSpPr>
-          <p:cNvPr id="4" name="Slide Number Placeholder 3"/>
-          <p:cNvSpPr>
-            <a:spLocks noGrp="1"/>
-          </p:cNvSpPr>
-          <p:nvPr>
-            <p:ph type="sldNum" sz="quarter" idx="12"/>
-          </p:nvPr>
-        </p:nvSpPr>
-        <p:spPr/>
-        <p:txBody>
-          <a:bodyPr/>
-          <a:lstStyle/>
-          <a:p>
-            <a:fld id="{B07C5D84-2227-C144-B485-A8CA33CE4230}" type="slidenum">
-              <a:rPr lang="en-US" smtClean="0">
-                <a:solidFill>
-                  <a:prstClr val="black">
-                    <a:tint val="75000"/>
-                  </a:prstClr>
-                </a:solidFill>
-              </a:rPr>
-              <a:pPr/>
-              <a:t>38</a:t>
+              <a:t>34</a:t>
             </a:fld>
             <a:endParaRPr lang="en-US">
               <a:solidFill>

--- a/slides/flink_stream_basics.pptx
+++ b/slides/flink_stream_basics.pptx
@@ -5,7 +5,7 @@
     <p:sldMasterId id="2147483660" r:id="rId1"/>
   </p:sldMasterIdLst>
   <p:notesMasterIdLst>
-    <p:notesMasterId r:id="rId36"/>
+    <p:notesMasterId r:id="rId38"/>
   </p:notesMasterIdLst>
   <p:sldIdLst>
     <p:sldId id="258" r:id="rId2"/>
@@ -41,7 +41,9 @@
     <p:sldId id="338" r:id="rId32"/>
     <p:sldId id="364" r:id="rId33"/>
     <p:sldId id="365" r:id="rId34"/>
-    <p:sldId id="370" r:id="rId35"/>
+    <p:sldId id="372" r:id="rId35"/>
+    <p:sldId id="371" r:id="rId36"/>
+    <p:sldId id="370" r:id="rId37"/>
   </p:sldIdLst>
   <p:sldSz cx="9144000" cy="6858000" type="screen4x3"/>
   <p:notesSz cx="6858000" cy="9144000"/>
@@ -241,7 +243,7 @@
           <a:p>
             <a:fld id="{F01141F9-3E73-7448-86C2-E96D93FE379F}" type="datetimeFigureOut">
               <a:rPr lang="en-US" smtClean="0"/>
-              <a:t>08/10/15</a:t>
+              <a:t>13.10.15</a:t>
             </a:fld>
             <a:endParaRPr lang="en-US"/>
           </a:p>
@@ -4208,7 +4210,7 @@
       </p:sp>
       <p:sp>
         <p:nvSpPr>
-          <p:cNvPr id="6" name="Content Placeholder 2"/>
+          <p:cNvPr id="7" name="Content Placeholder 2"/>
           <p:cNvSpPr>
             <a:spLocks noGrp="1"/>
           </p:cNvSpPr>
@@ -4339,45 +4341,30 @@
             </a:r>
             <a:r>
               <a:rPr lang="en-US" sz="1400" dirty="0" err="1" smtClean="0">
-                <a:solidFill>
-                  <a:srgbClr val="000000"/>
-                </a:solidFill>
                 <a:latin typeface="Menlo"/>
               </a:rPr>
               <a:t>StreamExecutionEnvironment</a:t>
             </a:r>
             <a:r>
               <a:rPr lang="en-US" sz="1400" dirty="0" smtClean="0">
-                <a:solidFill>
-                  <a:srgbClr val="000000"/>
-                </a:solidFill>
                 <a:latin typeface="Menlo"/>
               </a:rPr>
               <a:t> </a:t>
             </a:r>
             <a:r>
               <a:rPr lang="en-US" sz="1400" dirty="0" err="1">
-                <a:solidFill>
-                  <a:srgbClr val="000000"/>
-                </a:solidFill>
                 <a:latin typeface="Menlo"/>
               </a:rPr>
               <a:t>env</a:t>
             </a:r>
             <a:r>
               <a:rPr lang="en-US" sz="1400" dirty="0">
-                <a:solidFill>
-                  <a:srgbClr val="000000"/>
-                </a:solidFill>
                 <a:latin typeface="Menlo"/>
               </a:rPr>
               <a:t> = </a:t>
             </a:r>
             <a:r>
               <a:rPr lang="en-US" sz="1400" dirty="0" smtClean="0">
-                <a:solidFill>
-                  <a:srgbClr val="000000"/>
-                </a:solidFill>
                 <a:latin typeface="Menlo"/>
               </a:rPr>
               <a:t>				    		</a:t>
@@ -4389,54 +4376,36 @@
             </a:pPr>
             <a:r>
               <a:rPr lang="en-US" sz="1400" dirty="0">
-                <a:solidFill>
-                  <a:srgbClr val="000000"/>
-                </a:solidFill>
                 <a:latin typeface="Menlo"/>
               </a:rPr>
               <a:t>	</a:t>
             </a:r>
             <a:r>
               <a:rPr lang="en-US" sz="1400" dirty="0" smtClean="0">
-                <a:solidFill>
-                  <a:srgbClr val="000000"/>
-                </a:solidFill>
                 <a:latin typeface="Menlo"/>
               </a:rPr>
               <a:t>	</a:t>
             </a:r>
             <a:r>
               <a:rPr lang="en-US" sz="1400" dirty="0" err="1" smtClean="0">
-                <a:solidFill>
-                  <a:srgbClr val="000000"/>
-                </a:solidFill>
                 <a:latin typeface="Menlo"/>
               </a:rPr>
               <a:t>StreamExecutionEnvironment.</a:t>
             </a:r>
             <a:r>
               <a:rPr lang="en-US" sz="1400" i="1" dirty="0" err="1" smtClean="0">
-                <a:solidFill>
-                  <a:srgbClr val="000000"/>
-                </a:solidFill>
                 <a:latin typeface="Menlo"/>
               </a:rPr>
               <a:t>getExecutionEnvironment</a:t>
             </a:r>
             <a:r>
               <a:rPr lang="en-US" sz="1400" dirty="0">
-                <a:solidFill>
-                  <a:srgbClr val="000000"/>
-                </a:solidFill>
                 <a:latin typeface="Menlo"/>
               </a:rPr>
               <a:t>()</a:t>
             </a:r>
             <a:r>
               <a:rPr lang="en-US" sz="1400" dirty="0" smtClean="0">
-                <a:solidFill>
-                  <a:srgbClr val="000000"/>
-                </a:solidFill>
                 <a:latin typeface="Menlo"/>
               </a:rPr>
               <a:t>;</a:t>
@@ -4863,155 +4832,13 @@
               <a:t>0</a:t>
             </a:r>
             <a:r>
-              <a:rPr lang="en-US" sz="1400" dirty="0">
+              <a:rPr lang="en-US" sz="1400" dirty="0" smtClean="0">
                 <a:solidFill>
                   <a:srgbClr val="000000"/>
                 </a:solidFill>
                 <a:latin typeface="Menlo"/>
               </a:rPr>
               <a:t>)</a:t>
-            </a:r>
-            <a:br>
-              <a:rPr lang="en-US" sz="1400" dirty="0">
-                <a:solidFill>
-                  <a:srgbClr val="000000"/>
-                </a:solidFill>
-                <a:latin typeface="Menlo"/>
-              </a:rPr>
-            </a:br>
-            <a:r>
-              <a:rPr lang="en-US" sz="1400" dirty="0" smtClean="0">
-                <a:solidFill>
-                  <a:srgbClr val="000000"/>
-                </a:solidFill>
-                <a:latin typeface="Menlo"/>
-              </a:rPr>
-              <a:t>            </a:t>
-            </a:r>
-            <a:r>
-              <a:rPr lang="en-US" sz="1400" i="1" dirty="0" smtClean="0">
-                <a:solidFill>
-                  <a:srgbClr val="808080"/>
-                </a:solidFill>
-                <a:latin typeface="Menlo"/>
-              </a:rPr>
-              <a:t>/</a:t>
-            </a:r>
-            <a:r>
-              <a:rPr lang="en-US" sz="1400" i="1" dirty="0">
-                <a:solidFill>
-                  <a:srgbClr val="808080"/>
-                </a:solidFill>
-                <a:latin typeface="Menlo"/>
-              </a:rPr>
-              <a:t>/ keep the last 5 minute of data</a:t>
-            </a:r>
-            <a:r>
-              <a:rPr lang="en-US" sz="1400" dirty="0">
-                <a:solidFill>
-                  <a:srgbClr val="000000"/>
-                </a:solidFill>
-                <a:latin typeface="Menlo"/>
-              </a:rPr>
-              <a:t/>
-            </a:r>
-            <a:br>
-              <a:rPr lang="en-US" sz="1400" dirty="0">
-                <a:solidFill>
-                  <a:srgbClr val="000000"/>
-                </a:solidFill>
-                <a:latin typeface="Menlo"/>
-              </a:rPr>
-            </a:br>
-            <a:r>
-              <a:rPr lang="en-US" sz="1400" dirty="0">
-                <a:solidFill>
-                  <a:srgbClr val="000000"/>
-                </a:solidFill>
-                <a:latin typeface="Menlo"/>
-              </a:rPr>
-              <a:t>		   </a:t>
-            </a:r>
-            <a:r>
-              <a:rPr lang="en-US" sz="1400" dirty="0" smtClean="0">
-                <a:solidFill>
-                  <a:srgbClr val="000000"/>
-                </a:solidFill>
-                <a:latin typeface="Menlo"/>
-              </a:rPr>
-              <a:t> .</a:t>
-            </a:r>
-            <a:r>
-              <a:rPr lang="en-US" sz="1400" dirty="0">
-                <a:solidFill>
-                  <a:srgbClr val="000000"/>
-                </a:solidFill>
-                <a:latin typeface="Menlo"/>
-              </a:rPr>
-              <a:t>window(</a:t>
-            </a:r>
-            <a:r>
-              <a:rPr lang="en-US" sz="1400" dirty="0" err="1">
-                <a:solidFill>
-                  <a:srgbClr val="000000"/>
-                </a:solidFill>
-                <a:latin typeface="Menlo"/>
-              </a:rPr>
-              <a:t>Time.of</a:t>
-            </a:r>
-            <a:r>
-              <a:rPr lang="en-US" sz="1400" dirty="0">
-                <a:solidFill>
-                  <a:srgbClr val="000000"/>
-                </a:solidFill>
-                <a:latin typeface="Menlo"/>
-              </a:rPr>
-              <a:t>(</a:t>
-            </a:r>
-            <a:r>
-              <a:rPr lang="en-US" sz="1400" dirty="0">
-                <a:solidFill>
-                  <a:srgbClr val="0000FF"/>
-                </a:solidFill>
-                <a:latin typeface="Menlo"/>
-              </a:rPr>
-              <a:t>5</a:t>
-            </a:r>
-            <a:r>
-              <a:rPr lang="en-US" sz="1400" dirty="0">
-                <a:solidFill>
-                  <a:srgbClr val="000000"/>
-                </a:solidFill>
-                <a:latin typeface="Menlo"/>
-              </a:rPr>
-              <a:t>, </a:t>
-            </a:r>
-            <a:r>
-              <a:rPr lang="en-US" sz="1400" dirty="0" err="1">
-                <a:solidFill>
-                  <a:srgbClr val="000000"/>
-                </a:solidFill>
-                <a:latin typeface="Menlo"/>
-              </a:rPr>
-              <a:t>TimeUnit.</a:t>
-            </a:r>
-            <a:r>
-              <a:rPr lang="en-US" sz="1400" i="1" dirty="0" err="1">
-                <a:solidFill>
-                  <a:srgbClr val="000000"/>
-                </a:solidFill>
-                <a:latin typeface="Menlo"/>
-              </a:rPr>
-              <a:t>MINUTES</a:t>
-            </a:r>
-            <a:r>
-              <a:rPr lang="en-US" sz="1400" dirty="0">
-                <a:solidFill>
-                  <a:srgbClr val="000000"/>
-                </a:solidFill>
-                <a:latin typeface="Menlo"/>
-              </a:rPr>
-              <a:t>))</a:t>
             </a:r>
           </a:p>
           <a:p>
@@ -5019,12 +4846,169 @@
               <a:buNone/>
             </a:pPr>
             <a:r>
+              <a:rPr lang="en-US" sz="1400" i="1" dirty="0">
+                <a:solidFill>
+                  <a:srgbClr val="000000"/>
+                </a:solidFill>
+                <a:latin typeface="Menlo"/>
+              </a:rPr>
+              <a:t> </a:t>
+            </a:r>
+            <a:r>
+              <a:rPr lang="en-US" sz="1400" i="1" dirty="0" smtClean="0">
+                <a:solidFill>
+                  <a:srgbClr val="000000"/>
+                </a:solidFill>
+                <a:latin typeface="Menlo"/>
+              </a:rPr>
+              <a:t>           </a:t>
+            </a:r>
+            <a:r>
+              <a:rPr lang="en-US" sz="1400" i="1" dirty="0" smtClean="0">
+                <a:solidFill>
+                  <a:srgbClr val="808080"/>
+                </a:solidFill>
+                <a:latin typeface="Menlo"/>
+              </a:rPr>
+              <a:t>/</a:t>
+            </a:r>
+            <a:r>
+              <a:rPr lang="en-US" sz="1400" i="1" dirty="0">
+                <a:solidFill>
+                  <a:srgbClr val="808080"/>
+                </a:solidFill>
+                <a:latin typeface="Menlo"/>
+              </a:rPr>
+              <a:t>/ </a:t>
+            </a:r>
+            <a:r>
+              <a:rPr lang="en-US" sz="1400" i="1" dirty="0" smtClean="0">
+                <a:solidFill>
+                  <a:srgbClr val="808080"/>
+                </a:solidFill>
+                <a:latin typeface="Menlo"/>
+              </a:rPr>
+              <a:t>keep the last 5 minute of data</a:t>
+            </a:r>
+            <a:r>
+              <a:rPr lang="en-US" sz="1400" dirty="0">
+                <a:solidFill>
+                  <a:srgbClr val="000000"/>
+                </a:solidFill>
+                <a:latin typeface="Menlo"/>
+              </a:rPr>
+              <a:t/>
+            </a:r>
+            <a:br>
+              <a:rPr lang="en-US" sz="1400" dirty="0">
+                <a:solidFill>
+                  <a:srgbClr val="000000"/>
+                </a:solidFill>
+                <a:latin typeface="Menlo"/>
+              </a:rPr>
+            </a:br>
+            <a:r>
               <a:rPr lang="en-US" sz="1400" dirty="0" smtClean="0">
                 <a:solidFill>
                   <a:srgbClr val="000000"/>
                 </a:solidFill>
                 <a:latin typeface="Menlo"/>
               </a:rPr>
+              <a:t>		</a:t>
+            </a:r>
+            <a:r>
+              <a:rPr lang="en-US" sz="1400" dirty="0">
+                <a:solidFill>
+                  <a:srgbClr val="000000"/>
+                </a:solidFill>
+                <a:latin typeface="Menlo"/>
+              </a:rPr>
+              <a:t> </a:t>
+            </a:r>
+            <a:r>
+              <a:rPr lang="en-US" sz="1400" dirty="0" smtClean="0">
+                <a:solidFill>
+                  <a:srgbClr val="000000"/>
+                </a:solidFill>
+                <a:latin typeface="Menlo"/>
+              </a:rPr>
+              <a:t>  .window(</a:t>
+            </a:r>
+            <a:r>
+              <a:rPr lang="en-US" sz="1400" dirty="0" err="1" smtClean="0">
+                <a:solidFill>
+                  <a:srgbClr val="000000"/>
+                </a:solidFill>
+                <a:latin typeface="Menlo"/>
+              </a:rPr>
+              <a:t>Time.of</a:t>
+            </a:r>
+            <a:r>
+              <a:rPr lang="en-US" sz="1400" dirty="0" smtClean="0">
+                <a:solidFill>
+                  <a:srgbClr val="000000"/>
+                </a:solidFill>
+                <a:latin typeface="Menlo"/>
+              </a:rPr>
+              <a:t>(</a:t>
+            </a:r>
+            <a:r>
+              <a:rPr lang="en-US" sz="1400" dirty="0" smtClean="0">
+                <a:solidFill>
+                  <a:srgbClr val="0000FF"/>
+                </a:solidFill>
+                <a:latin typeface="Menlo"/>
+              </a:rPr>
+              <a:t>5</a:t>
+            </a:r>
+            <a:r>
+              <a:rPr lang="en-US" sz="1400" dirty="0" smtClean="0">
+                <a:solidFill>
+                  <a:srgbClr val="000000"/>
+                </a:solidFill>
+                <a:latin typeface="Menlo"/>
+              </a:rPr>
+              <a:t>, </a:t>
+            </a:r>
+            <a:r>
+              <a:rPr lang="en-US" sz="1400" dirty="0" err="1" smtClean="0">
+                <a:solidFill>
+                  <a:srgbClr val="000000"/>
+                </a:solidFill>
+                <a:latin typeface="Menlo"/>
+              </a:rPr>
+              <a:t>TimeUnit.</a:t>
+            </a:r>
+            <a:r>
+              <a:rPr lang="en-US" sz="1400" i="1" dirty="0" err="1" smtClean="0">
+                <a:solidFill>
+                  <a:srgbClr val="000000"/>
+                </a:solidFill>
+                <a:latin typeface="Menlo"/>
+              </a:rPr>
+              <a:t>MINUTES</a:t>
+            </a:r>
+            <a:r>
+              <a:rPr lang="en-US" sz="1400" dirty="0" smtClean="0">
+                <a:solidFill>
+                  <a:srgbClr val="000000"/>
+                </a:solidFill>
+                <a:latin typeface="Menlo"/>
+              </a:rPr>
+              <a:t>))</a:t>
+            </a:r>
+          </a:p>
+          <a:p>
+            <a:pPr marL="0" indent="0">
+              <a:buNone/>
+            </a:pPr>
+            <a:r>
+              <a:rPr lang="en-US" sz="1400" dirty="0" smtClean="0">
+                <a:solidFill>
+                  <a:srgbClr val="000000"/>
+                </a:solidFill>
+                <a:latin typeface="Menlo"/>
+              </a:rPr>
               <a:t>            </a:t>
             </a:r>
             <a:r>
@@ -5034,7 +5018,25 @@
                 </a:solidFill>
                 <a:latin typeface="Menlo"/>
               </a:rPr>
-              <a:t>//sum up tuple field "1"</a:t>
+              <a:t>/</a:t>
+            </a:r>
+            <a:r>
+              <a:rPr lang="en-US" sz="1400" i="1" dirty="0" smtClean="0">
+                <a:solidFill>
+                  <a:srgbClr val="808080"/>
+                </a:solidFill>
+                <a:latin typeface="Menlo"/>
+              </a:rPr>
+              <a:t>/sum up tuple field "1"</a:t>
+            </a:r>
+            <a:r>
+              <a:rPr lang="en-US" sz="1400" i="1" dirty="0">
+                <a:solidFill>
+                  <a:srgbClr val="808080"/>
+                </a:solidFill>
+                <a:latin typeface="Menlo"/>
+              </a:rPr>
+              <a:t/>
             </a:r>
             <a:br>
               <a:rPr lang="en-US" sz="1400" i="1" dirty="0">
@@ -5054,22 +5056,13 @@
               <a:t>            </a:t>
             </a:r>
             <a:r>
-              <a:rPr lang="en-US" sz="1400" dirty="0">
-                <a:solidFill>
-                  <a:srgbClr val="000000"/>
-                </a:solidFill>
-                <a:latin typeface="Menlo"/>
-              </a:rPr>
-              <a:t>.sum</a:t>
-            </a:r>
-            <a:r>
               <a:rPr lang="en-US" sz="1400" dirty="0" smtClean="0">
                 <a:solidFill>
                   <a:srgbClr val="000000"/>
                 </a:solidFill>
                 <a:latin typeface="Menlo"/>
               </a:rPr>
-              <a:t>(</a:t>
+              <a:t>.sum(</a:t>
             </a:r>
             <a:r>
               <a:rPr lang="en-US" sz="1400" dirty="0" smtClean="0">
@@ -5178,6 +5171,9 @@
             </a:r>
             <a:r>
               <a:rPr lang="en-US" sz="1400" dirty="0" err="1" smtClean="0">
+                <a:solidFill>
+                  <a:srgbClr val="000000"/>
+                </a:solidFill>
                 <a:latin typeface="Menlo"/>
               </a:rPr>
               <a:t>counts.</a:t>
@@ -5194,11 +5190,20 @@
             <a:r>
               <a:rPr lang="en-US" sz="1400" dirty="0" smtClean="0">
                 <a:solidFill>
-                  <a:srgbClr val="000000"/>
-                </a:solidFill>
-                <a:latin typeface="Menlo"/>
-              </a:rPr>
-              <a:t>();</a:t>
+                  <a:srgbClr val="FF0000"/>
+                </a:solidFill>
+                <a:latin typeface="Menlo"/>
+              </a:rPr>
+              <a:t>()</a:t>
+            </a:r>
+            <a:r>
+              <a:rPr lang="en-US" sz="1400" dirty="0" smtClean="0">
+                <a:solidFill>
+                  <a:srgbClr val="000000"/>
+                </a:solidFill>
+                <a:latin typeface="Menlo"/>
+              </a:rPr>
+              <a:t>;</a:t>
             </a:r>
             <a:r>
               <a:rPr lang="en-US" sz="1400" dirty="0">
@@ -7377,71 +7382,6 @@
           </a:p>
         </p:txBody>
       </p:sp>
-      <p:sp>
-        <p:nvSpPr>
-          <p:cNvPr id="5" name="TextBox 4"/>
-          <p:cNvSpPr txBox="1"/>
-          <p:nvPr/>
-        </p:nvSpPr>
-        <p:spPr>
-          <a:xfrm>
-            <a:off x="4951310" y="5773784"/>
-            <a:ext cx="2742168" cy="830997"/>
-          </a:xfrm>
-          <a:prstGeom prst="rect">
-            <a:avLst/>
-          </a:prstGeom>
-          <a:blipFill rotWithShape="1">
-            <a:blip r:embed="rId2"/>
-            <a:tile tx="0" ty="0" sx="100000" sy="100000" flip="none" algn="tl"/>
-          </a:blipFill>
-          <a:ln>
-            <a:solidFill>
-              <a:schemeClr val="tx1"/>
-            </a:solidFill>
-          </a:ln>
-        </p:spPr>
-        <p:txBody>
-          <a:bodyPr wrap="square" rtlCol="0">
-            <a:spAutoFit/>
-          </a:bodyPr>
-          <a:lstStyle/>
-          <a:p>
-            <a:r>
-              <a:rPr lang="en-US" sz="2400" b="1" dirty="0" smtClean="0">
-                <a:latin typeface="American Typewriter"/>
-                <a:cs typeface="American Typewriter"/>
-              </a:rPr>
-              <a:t>Note: </a:t>
-            </a:r>
-            <a:r>
-              <a:rPr lang="en-US" sz="2400" dirty="0" smtClean="0">
-                <a:latin typeface="American Typewriter"/>
-                <a:cs typeface="American Typewriter"/>
-              </a:rPr>
-              <a:t>Identical to </a:t>
-            </a:r>
-            <a:r>
-              <a:rPr lang="en-US" sz="2400" dirty="0" err="1" smtClean="0">
-                <a:latin typeface="American Typewriter"/>
-                <a:cs typeface="American Typewriter"/>
-              </a:rPr>
-              <a:t>DataSet</a:t>
-            </a:r>
-            <a:r>
-              <a:rPr lang="en-US" sz="2400" dirty="0" smtClean="0">
-                <a:latin typeface="American Typewriter"/>
-                <a:cs typeface="American Typewriter"/>
-              </a:rPr>
-              <a:t> API</a:t>
-            </a:r>
-            <a:endParaRPr lang="en-US" sz="2400" dirty="0">
-              <a:latin typeface="American Typewriter"/>
-              <a:cs typeface="American Typewriter"/>
-            </a:endParaRPr>
-          </a:p>
-        </p:txBody>
-      </p:sp>
     </p:spTree>
     <p:extLst>
       <p:ext uri="{BB962C8B-B14F-4D97-AF65-F5344CB8AC3E}">
@@ -8197,71 +8137,6 @@
               <a:t>}</a:t>
             </a:r>
             <a:endParaRPr lang="en-US" sz="1600" dirty="0"/>
-          </a:p>
-        </p:txBody>
-      </p:sp>
-      <p:sp>
-        <p:nvSpPr>
-          <p:cNvPr id="7" name="TextBox 6"/>
-          <p:cNvSpPr txBox="1"/>
-          <p:nvPr/>
-        </p:nvSpPr>
-        <p:spPr>
-          <a:xfrm>
-            <a:off x="4951310" y="5773784"/>
-            <a:ext cx="2742168" cy="830997"/>
-          </a:xfrm>
-          <a:prstGeom prst="rect">
-            <a:avLst/>
-          </a:prstGeom>
-          <a:blipFill rotWithShape="1">
-            <a:blip r:embed="rId2"/>
-            <a:tile tx="0" ty="0" sx="100000" sy="100000" flip="none" algn="tl"/>
-          </a:blipFill>
-          <a:ln>
-            <a:solidFill>
-              <a:schemeClr val="tx1"/>
-            </a:solidFill>
-          </a:ln>
-        </p:spPr>
-        <p:txBody>
-          <a:bodyPr wrap="square" rtlCol="0">
-            <a:spAutoFit/>
-          </a:bodyPr>
-          <a:lstStyle/>
-          <a:p>
-            <a:r>
-              <a:rPr lang="en-US" sz="2400" b="1" dirty="0" smtClean="0">
-                <a:latin typeface="American Typewriter"/>
-                <a:cs typeface="American Typewriter"/>
-              </a:rPr>
-              <a:t>Note: </a:t>
-            </a:r>
-            <a:r>
-              <a:rPr lang="en-US" sz="2400" dirty="0" smtClean="0">
-                <a:latin typeface="American Typewriter"/>
-                <a:cs typeface="American Typewriter"/>
-              </a:rPr>
-              <a:t>Identical to </a:t>
-            </a:r>
-            <a:r>
-              <a:rPr lang="en-US" sz="2400" dirty="0" err="1" smtClean="0">
-                <a:latin typeface="American Typewriter"/>
-                <a:cs typeface="American Typewriter"/>
-              </a:rPr>
-              <a:t>DataSet</a:t>
-            </a:r>
-            <a:r>
-              <a:rPr lang="en-US" sz="2400" dirty="0" smtClean="0">
-                <a:latin typeface="American Typewriter"/>
-                <a:cs typeface="American Typewriter"/>
-              </a:rPr>
-              <a:t> API</a:t>
-            </a:r>
-            <a:endParaRPr lang="en-US" sz="2400" dirty="0">
-              <a:latin typeface="American Typewriter"/>
-              <a:cs typeface="American Typewriter"/>
-            </a:endParaRPr>
           </a:p>
         </p:txBody>
       </p:sp>
@@ -9130,71 +9005,6 @@
           </a:p>
         </p:txBody>
       </p:sp>
-      <p:sp>
-        <p:nvSpPr>
-          <p:cNvPr id="7" name="TextBox 6"/>
-          <p:cNvSpPr txBox="1"/>
-          <p:nvPr/>
-        </p:nvSpPr>
-        <p:spPr>
-          <a:xfrm>
-            <a:off x="4951310" y="5773784"/>
-            <a:ext cx="2742168" cy="830997"/>
-          </a:xfrm>
-          <a:prstGeom prst="rect">
-            <a:avLst/>
-          </a:prstGeom>
-          <a:blipFill rotWithShape="1">
-            <a:blip r:embed="rId2"/>
-            <a:tile tx="0" ty="0" sx="100000" sy="100000" flip="none" algn="tl"/>
-          </a:blipFill>
-          <a:ln>
-            <a:solidFill>
-              <a:schemeClr val="tx1"/>
-            </a:solidFill>
-          </a:ln>
-        </p:spPr>
-        <p:txBody>
-          <a:bodyPr wrap="square" rtlCol="0">
-            <a:spAutoFit/>
-          </a:bodyPr>
-          <a:lstStyle/>
-          <a:p>
-            <a:r>
-              <a:rPr lang="en-US" sz="2400" b="1" dirty="0" smtClean="0">
-                <a:latin typeface="American Typewriter"/>
-                <a:cs typeface="American Typewriter"/>
-              </a:rPr>
-              <a:t>Note: </a:t>
-            </a:r>
-            <a:r>
-              <a:rPr lang="en-US" sz="2400" dirty="0" smtClean="0">
-                <a:latin typeface="American Typewriter"/>
-                <a:cs typeface="American Typewriter"/>
-              </a:rPr>
-              <a:t>Identical to </a:t>
-            </a:r>
-            <a:r>
-              <a:rPr lang="en-US" sz="2400" dirty="0" err="1" smtClean="0">
-                <a:latin typeface="American Typewriter"/>
-                <a:cs typeface="American Typewriter"/>
-              </a:rPr>
-              <a:t>DataSet</a:t>
-            </a:r>
-            <a:r>
-              <a:rPr lang="en-US" sz="2400" dirty="0" smtClean="0">
-                <a:latin typeface="American Typewriter"/>
-                <a:cs typeface="American Typewriter"/>
-              </a:rPr>
-              <a:t> API</a:t>
-            </a:r>
-            <a:endParaRPr lang="en-US" sz="2400" dirty="0">
-              <a:latin typeface="American Typewriter"/>
-              <a:cs typeface="American Typewriter"/>
-            </a:endParaRPr>
-          </a:p>
-        </p:txBody>
-      </p:sp>
     </p:spTree>
     <p:extLst>
       <p:ext uri="{BB962C8B-B14F-4D97-AF65-F5344CB8AC3E}">
@@ -9979,71 +9789,6 @@
           </a:p>
         </p:txBody>
       </p:sp>
-      <p:sp>
-        <p:nvSpPr>
-          <p:cNvPr id="8" name="TextBox 7"/>
-          <p:cNvSpPr txBox="1"/>
-          <p:nvPr/>
-        </p:nvSpPr>
-        <p:spPr>
-          <a:xfrm>
-            <a:off x="4951310" y="5773784"/>
-            <a:ext cx="2742168" cy="830997"/>
-          </a:xfrm>
-          <a:prstGeom prst="rect">
-            <a:avLst/>
-          </a:prstGeom>
-          <a:blipFill rotWithShape="1">
-            <a:blip r:embed="rId2"/>
-            <a:tile tx="0" ty="0" sx="100000" sy="100000" flip="none" algn="tl"/>
-          </a:blipFill>
-          <a:ln>
-            <a:solidFill>
-              <a:schemeClr val="tx1"/>
-            </a:solidFill>
-          </a:ln>
-        </p:spPr>
-        <p:txBody>
-          <a:bodyPr wrap="square" rtlCol="0">
-            <a:spAutoFit/>
-          </a:bodyPr>
-          <a:lstStyle/>
-          <a:p>
-            <a:r>
-              <a:rPr lang="en-US" sz="2400" b="1" dirty="0" smtClean="0">
-                <a:latin typeface="American Typewriter"/>
-                <a:cs typeface="American Typewriter"/>
-              </a:rPr>
-              <a:t>Note: </a:t>
-            </a:r>
-            <a:r>
-              <a:rPr lang="en-US" sz="2400" dirty="0" smtClean="0">
-                <a:latin typeface="American Typewriter"/>
-                <a:cs typeface="American Typewriter"/>
-              </a:rPr>
-              <a:t>Identical to </a:t>
-            </a:r>
-            <a:r>
-              <a:rPr lang="en-US" sz="2400" dirty="0" err="1" smtClean="0">
-                <a:latin typeface="American Typewriter"/>
-                <a:cs typeface="American Typewriter"/>
-              </a:rPr>
-              <a:t>DataSet</a:t>
-            </a:r>
-            <a:r>
-              <a:rPr lang="en-US" sz="2400" dirty="0" smtClean="0">
-                <a:latin typeface="American Typewriter"/>
-                <a:cs typeface="American Typewriter"/>
-              </a:rPr>
-              <a:t> API</a:t>
-            </a:r>
-            <a:endParaRPr lang="en-US" sz="2400" dirty="0">
-              <a:latin typeface="American Typewriter"/>
-              <a:cs typeface="American Typewriter"/>
-            </a:endParaRPr>
-          </a:p>
-        </p:txBody>
-      </p:sp>
     </p:spTree>
     <p:extLst>
       <p:ext uri="{BB962C8B-B14F-4D97-AF65-F5344CB8AC3E}">
@@ -10317,71 +10062,6 @@
           </a:p>
         </p:txBody>
       </p:sp>
-      <p:sp>
-        <p:nvSpPr>
-          <p:cNvPr id="5" name="TextBox 4"/>
-          <p:cNvSpPr txBox="1"/>
-          <p:nvPr/>
-        </p:nvSpPr>
-        <p:spPr>
-          <a:xfrm>
-            <a:off x="4951310" y="5773784"/>
-            <a:ext cx="2742168" cy="830997"/>
-          </a:xfrm>
-          <a:prstGeom prst="rect">
-            <a:avLst/>
-          </a:prstGeom>
-          <a:blipFill rotWithShape="1">
-            <a:blip r:embed="rId2"/>
-            <a:tile tx="0" ty="0" sx="100000" sy="100000" flip="none" algn="tl"/>
-          </a:blipFill>
-          <a:ln>
-            <a:solidFill>
-              <a:schemeClr val="tx1"/>
-            </a:solidFill>
-          </a:ln>
-        </p:spPr>
-        <p:txBody>
-          <a:bodyPr wrap="square" rtlCol="0">
-            <a:spAutoFit/>
-          </a:bodyPr>
-          <a:lstStyle/>
-          <a:p>
-            <a:r>
-              <a:rPr lang="en-US" sz="2400" b="1" dirty="0" smtClean="0">
-                <a:latin typeface="American Typewriter"/>
-                <a:cs typeface="American Typewriter"/>
-              </a:rPr>
-              <a:t>Note: </a:t>
-            </a:r>
-            <a:r>
-              <a:rPr lang="en-US" sz="2400" dirty="0" smtClean="0">
-                <a:latin typeface="American Typewriter"/>
-                <a:cs typeface="American Typewriter"/>
-              </a:rPr>
-              <a:t>Identical to </a:t>
-            </a:r>
-            <a:r>
-              <a:rPr lang="en-US" sz="2400" dirty="0" err="1" smtClean="0">
-                <a:latin typeface="American Typewriter"/>
-                <a:cs typeface="American Typewriter"/>
-              </a:rPr>
-              <a:t>DataSet</a:t>
-            </a:r>
-            <a:r>
-              <a:rPr lang="en-US" sz="2400" dirty="0" smtClean="0">
-                <a:latin typeface="American Typewriter"/>
-                <a:cs typeface="American Typewriter"/>
-              </a:rPr>
-              <a:t> API</a:t>
-            </a:r>
-            <a:endParaRPr lang="en-US" sz="2400" dirty="0">
-              <a:latin typeface="American Typewriter"/>
-              <a:cs typeface="American Typewriter"/>
-            </a:endParaRPr>
-          </a:p>
-        </p:txBody>
-      </p:sp>
     </p:spTree>
     <p:extLst>
       <p:ext uri="{BB962C8B-B14F-4D97-AF65-F5344CB8AC3E}">
@@ -10526,11 +10206,6 @@
               </a:rPr>
               <a:t>person = </a:t>
             </a:r>
-          </a:p>
-          <a:p>
-            <a:pPr marL="0" lvl="0" indent="0">
-              <a:buNone/>
-            </a:pPr>
             <a:r>
               <a:rPr lang="en-US" sz="1300" b="1" dirty="0" smtClean="0">
                 <a:solidFill>
@@ -10538,7 +10213,7 @@
                 </a:solidFill>
                 <a:latin typeface="Menlo"/>
               </a:rPr>
-              <a:t>  new </a:t>
+              <a:t>new </a:t>
             </a:r>
             <a:r>
               <a:rPr lang="en-US" sz="1300" dirty="0" smtClean="0">
@@ -10547,25 +10222,7 @@
                 </a:solidFill>
                 <a:latin typeface="Menlo"/>
               </a:rPr>
-              <a:t>Tuple2&lt;</a:t>
-            </a:r>
-            <a:r>
-              <a:rPr lang="en-US" sz="1300" dirty="0">
-                <a:solidFill>
-                  <a:srgbClr val="000000"/>
-                </a:solidFill>
-                <a:latin typeface="Menlo"/>
-              </a:rPr>
-              <a:t>String, </a:t>
-            </a:r>
-            <a:r>
-              <a:rPr lang="en-US" sz="1300" dirty="0" smtClean="0">
-                <a:solidFill>
-                  <a:srgbClr val="000000"/>
-                </a:solidFill>
-                <a:latin typeface="Menlo"/>
-              </a:rPr>
-              <a:t>String&gt;</a:t>
+              <a:t>Tuple2&lt;&gt;</a:t>
             </a:r>
             <a:r>
               <a:rPr lang="en-US" sz="1300" dirty="0">
@@ -10653,14 +10310,6 @@
               </a:rPr>
               <a:t>&lt;String, String, Integer&gt; person = </a:t>
             </a:r>
-            <a:endParaRPr lang="en-US" sz="1300" dirty="0" smtClean="0">
-              <a:latin typeface="Menlo"/>
-            </a:endParaRPr>
-          </a:p>
-          <a:p>
-            <a:pPr marL="0" indent="0">
-              <a:buNone/>
-            </a:pPr>
             <a:r>
               <a:rPr lang="en-US" sz="1300" b="1" dirty="0" smtClean="0">
                 <a:solidFill>
@@ -10668,7 +10317,7 @@
                 </a:solidFill>
                 <a:latin typeface="Menlo"/>
               </a:rPr>
-              <a:t>  new </a:t>
+              <a:t>new </a:t>
             </a:r>
             <a:r>
               <a:rPr lang="en-US" sz="1300" dirty="0">
@@ -10677,7 +10326,25 @@
                 </a:solidFill>
                 <a:latin typeface="Menlo"/>
               </a:rPr>
-              <a:t>Tuple3&lt;String, String, Integer&gt;(</a:t>
+              <a:t>Tuple3</a:t>
+            </a:r>
+            <a:r>
+              <a:rPr lang="en-US" sz="1300" dirty="0" smtClean="0">
+                <a:solidFill>
+                  <a:srgbClr val="000000"/>
+                </a:solidFill>
+                <a:latin typeface="Menlo"/>
+              </a:rPr>
+              <a:t>&lt;&gt;</a:t>
+            </a:r>
+            <a:r>
+              <a:rPr lang="en-US" sz="1300" dirty="0">
+                <a:solidFill>
+                  <a:srgbClr val="000000"/>
+                </a:solidFill>
+                <a:latin typeface="Menlo"/>
+              </a:rPr>
+              <a:t>(</a:t>
             </a:r>
             <a:r>
               <a:rPr lang="en-US" sz="1300" b="1" dirty="0">
@@ -10800,6 +10467,9 @@
               </a:rPr>
               <a:t>person = </a:t>
             </a:r>
+            <a:endParaRPr lang="en-US" sz="1300" dirty="0" smtClean="0">
+              <a:latin typeface="Menlo"/>
+            </a:endParaRPr>
           </a:p>
           <a:p>
             <a:pPr marL="0" indent="0">
@@ -10821,16 +10491,16 @@
                 </a:solidFill>
                 <a:latin typeface="Menlo"/>
               </a:rPr>
-              <a:t>Tuple4&lt;</a:t>
-            </a:r>
-            <a:r>
-              <a:rPr lang="en-US" sz="1300" dirty="0">
-                <a:solidFill>
-                  <a:srgbClr val="000000"/>
-                </a:solidFill>
-                <a:latin typeface="Menlo"/>
-              </a:rPr>
-              <a:t>String, String, </a:t>
+              <a:t>Tuple4&lt;&gt;(</a:t>
+            </a:r>
+            <a:r>
+              <a:rPr lang="en-US" sz="1300" b="1" dirty="0" smtClean="0">
+                <a:solidFill>
+                  <a:srgbClr val="008000"/>
+                </a:solidFill>
+                <a:latin typeface="Menlo"/>
+              </a:rPr>
+              <a:t>"Max"</a:t>
             </a:r>
             <a:r>
               <a:rPr lang="en-US" sz="1300" dirty="0" smtClean="0">
@@ -10839,28 +10509,37 @@
                 </a:solidFill>
                 <a:latin typeface="Menlo"/>
               </a:rPr>
-              <a:t>Integer, Boolean&gt;</a:t>
-            </a:r>
-            <a:r>
-              <a:rPr lang="en-US" sz="1300" dirty="0">
-                <a:solidFill>
-                  <a:srgbClr val="000000"/>
-                </a:solidFill>
-                <a:latin typeface="Menlo"/>
-              </a:rPr>
-              <a:t>(</a:t>
-            </a:r>
-            <a:r>
-              <a:rPr lang="en-US" sz="1300" b="1" dirty="0">
+              <a:t>, </a:t>
+            </a:r>
+            <a:r>
+              <a:rPr lang="en-US" sz="1300" b="1" dirty="0" smtClean="0">
                 <a:solidFill>
                   <a:srgbClr val="008000"/>
                 </a:solidFill>
                 <a:latin typeface="Menlo"/>
               </a:rPr>
-              <a:t>"Max"</a:t>
-            </a:r>
-            <a:r>
-              <a:rPr lang="en-US" sz="1300" dirty="0">
+              <a:t>"</a:t>
+            </a:r>
+            <a:r>
+              <a:rPr lang="en-US" sz="1300" b="1" dirty="0" err="1" smtClean="0">
+                <a:solidFill>
+                  <a:srgbClr val="008000"/>
+                </a:solidFill>
+                <a:latin typeface="Menlo"/>
+              </a:rPr>
+              <a:t>Mustermann</a:t>
+            </a:r>
+            <a:r>
+              <a:rPr lang="en-US" sz="1300" b="1" dirty="0" smtClean="0">
+                <a:solidFill>
+                  <a:srgbClr val="008000"/>
+                </a:solidFill>
+                <a:latin typeface="Menlo"/>
+              </a:rPr>
+              <a:t>"</a:t>
+            </a:r>
+            <a:r>
+              <a:rPr lang="en-US" sz="1300" dirty="0" smtClean="0">
                 <a:solidFill>
                   <a:srgbClr val="000000"/>
                 </a:solidFill>
@@ -10869,42 +10548,6 @@
               <a:t>, </a:t>
             </a:r>
             <a:r>
-              <a:rPr lang="en-US" sz="1300" b="1" dirty="0">
-                <a:solidFill>
-                  <a:srgbClr val="008000"/>
-                </a:solidFill>
-                <a:latin typeface="Menlo"/>
-              </a:rPr>
-              <a:t>"</a:t>
-            </a:r>
-            <a:r>
-              <a:rPr lang="en-US" sz="1300" b="1" dirty="0" err="1">
-                <a:solidFill>
-                  <a:srgbClr val="008000"/>
-                </a:solidFill>
-                <a:latin typeface="Menlo"/>
-              </a:rPr>
-              <a:t>Mustermann</a:t>
-            </a:r>
-            <a:r>
-              <a:rPr lang="en-US" sz="1300" b="1" dirty="0">
-                <a:solidFill>
-                  <a:srgbClr val="008000"/>
-                </a:solidFill>
-                <a:latin typeface="Menlo"/>
-              </a:rPr>
-              <a:t>"</a:t>
-            </a:r>
-            <a:r>
-              <a:rPr lang="en-US" sz="1300" dirty="0">
-                <a:solidFill>
-                  <a:srgbClr val="000000"/>
-                </a:solidFill>
-                <a:latin typeface="Menlo"/>
-              </a:rPr>
-              <a:t>, </a:t>
-            </a:r>
-            <a:r>
               <a:rPr lang="en-US" sz="1300" dirty="0" smtClean="0">
                 <a:solidFill>
                   <a:srgbClr val="0000FF"/>
@@ -10922,17 +10565,8 @@
               </a:rPr>
               <a:t>);</a:t>
             </a:r>
-            <a:r>
-              <a:rPr lang="en-US" sz="1300" dirty="0">
-                <a:solidFill>
-                  <a:srgbClr val="000000"/>
-                </a:solidFill>
-                <a:latin typeface="Menlo"/>
-              </a:rPr>
-              <a:t/>
-            </a:r>
             <a:br>
-              <a:rPr lang="en-US" sz="1300" dirty="0">
+              <a:rPr lang="en-US" sz="1300" dirty="0" smtClean="0">
                 <a:solidFill>
                   <a:srgbClr val="000000"/>
                 </a:solidFill>
@@ -11171,71 +10805,6 @@
                   <a:tint val="75000"/>
                 </a:prstClr>
               </a:solidFill>
-            </a:endParaRPr>
-          </a:p>
-        </p:txBody>
-      </p:sp>
-      <p:sp>
-        <p:nvSpPr>
-          <p:cNvPr id="5" name="TextBox 4"/>
-          <p:cNvSpPr txBox="1"/>
-          <p:nvPr/>
-        </p:nvSpPr>
-        <p:spPr>
-          <a:xfrm>
-            <a:off x="4951310" y="5773784"/>
-            <a:ext cx="2742168" cy="830997"/>
-          </a:xfrm>
-          <a:prstGeom prst="rect">
-            <a:avLst/>
-          </a:prstGeom>
-          <a:blipFill rotWithShape="1">
-            <a:blip r:embed="rId2"/>
-            <a:tile tx="0" ty="0" sx="100000" sy="100000" flip="none" algn="tl"/>
-          </a:blipFill>
-          <a:ln>
-            <a:solidFill>
-              <a:schemeClr val="tx1"/>
-            </a:solidFill>
-          </a:ln>
-        </p:spPr>
-        <p:txBody>
-          <a:bodyPr wrap="square" rtlCol="0">
-            <a:spAutoFit/>
-          </a:bodyPr>
-          <a:lstStyle/>
-          <a:p>
-            <a:r>
-              <a:rPr lang="en-US" sz="2400" b="1" dirty="0" smtClean="0">
-                <a:latin typeface="American Typewriter"/>
-                <a:cs typeface="American Typewriter"/>
-              </a:rPr>
-              <a:t>Note: </a:t>
-            </a:r>
-            <a:r>
-              <a:rPr lang="en-US" sz="2400" dirty="0" smtClean="0">
-                <a:latin typeface="American Typewriter"/>
-                <a:cs typeface="American Typewriter"/>
-              </a:rPr>
-              <a:t>Identical to </a:t>
-            </a:r>
-            <a:r>
-              <a:rPr lang="en-US" sz="2400" dirty="0" err="1" smtClean="0">
-                <a:latin typeface="American Typewriter"/>
-                <a:cs typeface="American Typewriter"/>
-              </a:rPr>
-              <a:t>DataSet</a:t>
-            </a:r>
-            <a:r>
-              <a:rPr lang="en-US" sz="2400" dirty="0" smtClean="0">
-                <a:latin typeface="American Typewriter"/>
-                <a:cs typeface="American Typewriter"/>
-              </a:rPr>
-              <a:t> API</a:t>
-            </a:r>
-            <a:endParaRPr lang="en-US" sz="2400" dirty="0">
-              <a:latin typeface="American Typewriter"/>
-              <a:cs typeface="American Typewriter"/>
             </a:endParaRPr>
           </a:p>
         </p:txBody>
@@ -12510,71 +12079,6 @@
                   <a:tint val="75000"/>
                 </a:prstClr>
               </a:solidFill>
-            </a:endParaRPr>
-          </a:p>
-        </p:txBody>
-      </p:sp>
-      <p:sp>
-        <p:nvSpPr>
-          <p:cNvPr id="5" name="TextBox 4"/>
-          <p:cNvSpPr txBox="1"/>
-          <p:nvPr/>
-        </p:nvSpPr>
-        <p:spPr>
-          <a:xfrm>
-            <a:off x="4951310" y="5773784"/>
-            <a:ext cx="2742168" cy="830997"/>
-          </a:xfrm>
-          <a:prstGeom prst="rect">
-            <a:avLst/>
-          </a:prstGeom>
-          <a:blipFill rotWithShape="1">
-            <a:blip r:embed="rId2"/>
-            <a:tile tx="0" ty="0" sx="100000" sy="100000" flip="none" algn="tl"/>
-          </a:blipFill>
-          <a:ln>
-            <a:solidFill>
-              <a:schemeClr val="tx1"/>
-            </a:solidFill>
-          </a:ln>
-        </p:spPr>
-        <p:txBody>
-          <a:bodyPr wrap="square" rtlCol="0">
-            <a:spAutoFit/>
-          </a:bodyPr>
-          <a:lstStyle/>
-          <a:p>
-            <a:r>
-              <a:rPr lang="en-US" sz="2400" b="1" dirty="0" smtClean="0">
-                <a:latin typeface="American Typewriter"/>
-                <a:cs typeface="American Typewriter"/>
-              </a:rPr>
-              <a:t>Note: </a:t>
-            </a:r>
-            <a:r>
-              <a:rPr lang="en-US" sz="2400" dirty="0" smtClean="0">
-                <a:latin typeface="American Typewriter"/>
-                <a:cs typeface="American Typewriter"/>
-              </a:rPr>
-              <a:t>Identical to </a:t>
-            </a:r>
-            <a:r>
-              <a:rPr lang="en-US" sz="2400" dirty="0" err="1" smtClean="0">
-                <a:latin typeface="American Typewriter"/>
-                <a:cs typeface="American Typewriter"/>
-              </a:rPr>
-              <a:t>DataSet</a:t>
-            </a:r>
-            <a:r>
-              <a:rPr lang="en-US" sz="2400" dirty="0" smtClean="0">
-                <a:latin typeface="American Typewriter"/>
-                <a:cs typeface="American Typewriter"/>
-              </a:rPr>
-              <a:t> API</a:t>
-            </a:r>
-            <a:endParaRPr lang="en-US" sz="2400" dirty="0">
-              <a:latin typeface="American Typewriter"/>
-              <a:cs typeface="American Typewriter"/>
             </a:endParaRPr>
           </a:p>
         </p:txBody>
@@ -12660,7 +12164,7 @@
         <p:spPr/>
         <p:txBody>
           <a:bodyPr>
-            <a:normAutofit fontScale="92500"/>
+            <a:normAutofit lnSpcReduction="10000"/>
           </a:bodyPr>
           <a:lstStyle/>
           <a:p>
@@ -12684,20 +12188,6 @@
             <a:r>
               <a:rPr lang="en-US" dirty="0" smtClean="0"/>
               <a:t>All examples here in Java</a:t>
-            </a:r>
-          </a:p>
-          <a:p>
-            <a:r>
-              <a:rPr lang="en-US" dirty="0" smtClean="0"/>
-              <a:t>Shares many concepts with </a:t>
-            </a:r>
-            <a:r>
-              <a:rPr lang="en-US" dirty="0" err="1" smtClean="0"/>
-              <a:t>DataSet</a:t>
-            </a:r>
-            <a:r>
-              <a:rPr lang="en-US" dirty="0" smtClean="0"/>
-              <a:t> API</a:t>
             </a:r>
           </a:p>
           <a:p>
@@ -13420,71 +12910,6 @@
                   <a:tint val="75000"/>
                 </a:prstClr>
               </a:solidFill>
-            </a:endParaRPr>
-          </a:p>
-        </p:txBody>
-      </p:sp>
-      <p:sp>
-        <p:nvSpPr>
-          <p:cNvPr id="5" name="TextBox 4"/>
-          <p:cNvSpPr txBox="1"/>
-          <p:nvPr/>
-        </p:nvSpPr>
-        <p:spPr>
-          <a:xfrm>
-            <a:off x="4951310" y="5773784"/>
-            <a:ext cx="2742168" cy="830997"/>
-          </a:xfrm>
-          <a:prstGeom prst="rect">
-            <a:avLst/>
-          </a:prstGeom>
-          <a:blipFill rotWithShape="1">
-            <a:blip r:embed="rId2"/>
-            <a:tile tx="0" ty="0" sx="100000" sy="100000" flip="none" algn="tl"/>
-          </a:blipFill>
-          <a:ln>
-            <a:solidFill>
-              <a:schemeClr val="tx1"/>
-            </a:solidFill>
-          </a:ln>
-        </p:spPr>
-        <p:txBody>
-          <a:bodyPr wrap="square" rtlCol="0">
-            <a:spAutoFit/>
-          </a:bodyPr>
-          <a:lstStyle/>
-          <a:p>
-            <a:r>
-              <a:rPr lang="en-US" sz="2400" b="1" dirty="0" smtClean="0">
-                <a:latin typeface="American Typewriter"/>
-                <a:cs typeface="American Typewriter"/>
-              </a:rPr>
-              <a:t>Note: </a:t>
-            </a:r>
-            <a:r>
-              <a:rPr lang="en-US" sz="2400" dirty="0" smtClean="0">
-                <a:latin typeface="American Typewriter"/>
-                <a:cs typeface="American Typewriter"/>
-              </a:rPr>
-              <a:t>Identical to </a:t>
-            </a:r>
-            <a:r>
-              <a:rPr lang="en-US" sz="2400" dirty="0" err="1" smtClean="0">
-                <a:latin typeface="American Typewriter"/>
-                <a:cs typeface="American Typewriter"/>
-              </a:rPr>
-              <a:t>DataSet</a:t>
-            </a:r>
-            <a:r>
-              <a:rPr lang="en-US" sz="2400" dirty="0" smtClean="0">
-                <a:latin typeface="American Typewriter"/>
-                <a:cs typeface="American Typewriter"/>
-              </a:rPr>
-              <a:t> API</a:t>
-            </a:r>
-            <a:endParaRPr lang="en-US" sz="2400" dirty="0">
-              <a:latin typeface="American Typewriter"/>
-              <a:cs typeface="American Typewriter"/>
             </a:endParaRPr>
           </a:p>
         </p:txBody>
@@ -14768,7 +14193,15 @@
           <a:p>
             <a:r>
               <a:rPr lang="en-US" dirty="0" smtClean="0"/>
-              <a:t>Data shipping strategies</a:t>
+              <a:t>Data Shipping </a:t>
+            </a:r>
+            <a:r>
+              <a:rPr lang="en-US" dirty="0"/>
+              <a:t>S</a:t>
+            </a:r>
+            <a:r>
+              <a:rPr lang="en-US" dirty="0" smtClean="0"/>
+              <a:t>trategies</a:t>
             </a:r>
             <a:endParaRPr lang="en-US" dirty="0"/>
           </a:p>
@@ -15174,71 +14607,6 @@
                   <a:tint val="75000"/>
                 </a:prstClr>
               </a:solidFill>
-            </a:endParaRPr>
-          </a:p>
-        </p:txBody>
-      </p:sp>
-      <p:sp>
-        <p:nvSpPr>
-          <p:cNvPr id="5" name="TextBox 4"/>
-          <p:cNvSpPr txBox="1"/>
-          <p:nvPr/>
-        </p:nvSpPr>
-        <p:spPr>
-          <a:xfrm>
-            <a:off x="4951310" y="5773784"/>
-            <a:ext cx="2742168" cy="830997"/>
-          </a:xfrm>
-          <a:prstGeom prst="rect">
-            <a:avLst/>
-          </a:prstGeom>
-          <a:blipFill rotWithShape="1">
-            <a:blip r:embed="rId2"/>
-            <a:tile tx="0" ty="0" sx="100000" sy="100000" flip="none" algn="tl"/>
-          </a:blipFill>
-          <a:ln>
-            <a:solidFill>
-              <a:schemeClr val="tx1"/>
-            </a:solidFill>
-          </a:ln>
-        </p:spPr>
-        <p:txBody>
-          <a:bodyPr wrap="square" rtlCol="0">
-            <a:spAutoFit/>
-          </a:bodyPr>
-          <a:lstStyle/>
-          <a:p>
-            <a:r>
-              <a:rPr lang="en-US" sz="2400" b="1" dirty="0" smtClean="0">
-                <a:latin typeface="American Typewriter"/>
-                <a:cs typeface="American Typewriter"/>
-              </a:rPr>
-              <a:t>Note: </a:t>
-            </a:r>
-            <a:r>
-              <a:rPr lang="en-US" sz="2400" dirty="0" smtClean="0">
-                <a:latin typeface="American Typewriter"/>
-                <a:cs typeface="American Typewriter"/>
-              </a:rPr>
-              <a:t>Identical to </a:t>
-            </a:r>
-            <a:r>
-              <a:rPr lang="en-US" sz="2400" dirty="0" err="1" smtClean="0">
-                <a:latin typeface="American Typewriter"/>
-                <a:cs typeface="American Typewriter"/>
-              </a:rPr>
-              <a:t>DataSet</a:t>
-            </a:r>
-            <a:r>
-              <a:rPr lang="en-US" sz="2400" dirty="0" smtClean="0">
-                <a:latin typeface="American Typewriter"/>
-                <a:cs typeface="American Typewriter"/>
-              </a:rPr>
-              <a:t> API</a:t>
-            </a:r>
-            <a:endParaRPr lang="en-US" sz="2400" dirty="0">
-              <a:latin typeface="American Typewriter"/>
-              <a:cs typeface="American Typewriter"/>
             </a:endParaRPr>
           </a:p>
         </p:txBody>
@@ -15461,33 +14829,22 @@
                 <a:latin typeface="Avenir Book"/>
                 <a:cs typeface="Avenir Book"/>
               </a:rPr>
-              <a:t>E.g., Apache </a:t>
+              <a:t>E.g., Apache Kafka, </a:t>
+            </a:r>
+            <a:r>
+              <a:rPr lang="en-US" b="1" dirty="0" err="1" smtClean="0">
+                <a:latin typeface="Avenir Book"/>
+                <a:cs typeface="Avenir Book"/>
+              </a:rPr>
+              <a:t>RabbitMQ</a:t>
             </a:r>
             <a:r>
               <a:rPr lang="en-US" b="1" dirty="0" smtClean="0">
                 <a:latin typeface="Avenir Book"/>
                 <a:cs typeface="Avenir Book"/>
               </a:rPr>
-              <a:t>Kafka, </a:t>
-            </a:r>
-            <a:r>
-              <a:rPr lang="en-US" b="1" dirty="0" err="1" smtClean="0">
-                <a:latin typeface="Avenir Book"/>
-                <a:cs typeface="Avenir Book"/>
-              </a:rPr>
-              <a:t>RabbitMQ</a:t>
-            </a:r>
-            <a:r>
-              <a:rPr lang="en-US" b="1" dirty="0" smtClean="0">
-                <a:latin typeface="Avenir Book"/>
-                <a:cs typeface="Avenir Book"/>
-              </a:rPr>
               <a:t>, …</a:t>
             </a:r>
-            <a:endParaRPr lang="en-US" b="1" dirty="0" smtClean="0">
-              <a:latin typeface="Avenir Book"/>
-              <a:cs typeface="Avenir Book"/>
-            </a:endParaRPr>
           </a:p>
         </p:txBody>
       </p:sp>
@@ -16006,7 +15363,12 @@
             <p:ph type="title"/>
           </p:nvPr>
         </p:nvSpPr>
-        <p:spPr/>
+        <p:spPr>
+          <a:xfrm>
+            <a:off x="457200" y="274638"/>
+            <a:ext cx="7767756" cy="898406"/>
+          </a:xfrm>
+        </p:spPr>
         <p:txBody>
           <a:bodyPr>
             <a:normAutofit fontScale="90000"/>
@@ -16015,7 +15377,11 @@
           <a:p>
             <a:r>
               <a:rPr lang="en-US" sz="3600" dirty="0" smtClean="0"/>
-              <a:t>Data Sources: Files, sockets, connectors</a:t>
+              <a:t>Data Sources: </a:t>
+            </a:r>
+            <a:r>
+              <a:rPr lang="en-US" sz="3600" dirty="0" err="1" smtClean="0"/>
+              <a:t>Files,Sockets,Connectors</a:t>
             </a:r>
             <a:endParaRPr lang="en-US" sz="3600" dirty="0"/>
           </a:p>
@@ -16573,14 +15939,7 @@
                 <a:latin typeface="Menlo Regular"/>
                 <a:cs typeface="Menlo Regular"/>
               </a:rPr>
-              <a:t>)</a:t>
-            </a:r>
-            <a:r>
-              <a:rPr lang="en-US" sz="1600" dirty="0" smtClean="0">
-                <a:latin typeface="Menlo Regular"/>
-                <a:cs typeface="Menlo Regular"/>
-              </a:rPr>
-              <a:t>; </a:t>
+              <a:t>); </a:t>
             </a:r>
             <a:endParaRPr lang="en-US" sz="1600" dirty="0">
               <a:latin typeface="Menlo Regular"/>
@@ -17900,7 +17259,7 @@
           <a:p>
             <a:r>
               <a:rPr lang="en-US" dirty="0" smtClean="0"/>
-              <a:t>Fault tolerance</a:t>
+              <a:t>Fault Tolerance</a:t>
             </a:r>
             <a:endParaRPr lang="en-US" dirty="0"/>
           </a:p>
@@ -18015,7 +17374,7 @@
           <a:p>
             <a:r>
               <a:rPr lang="en-US" dirty="0" smtClean="0"/>
-              <a:t>Fault tolerance in </a:t>
+              <a:t>Fault Tolerance in </a:t>
             </a:r>
             <a:r>
               <a:rPr lang="en-US" dirty="0" err="1" smtClean="0"/>
@@ -18703,6 +18062,10 @@
           <a:bodyPr/>
           <a:lstStyle/>
           <a:p>
+            <a:r>
+              <a:rPr lang="en-US" dirty="0" smtClean="0"/>
+              <a:t>Update Guide</a:t>
+            </a:r>
             <a:endParaRPr lang="en-US" dirty="0"/>
           </a:p>
         </p:txBody>
@@ -18751,6 +18114,347 @@
               </a:rPr>
               <a:pPr/>
               <a:t>34</a:t>
+            </a:fld>
+            <a:endParaRPr lang="en-US">
+              <a:solidFill>
+                <a:prstClr val="black">
+                  <a:tint val="75000"/>
+                </a:prstClr>
+              </a:solidFill>
+            </a:endParaRPr>
+          </a:p>
+        </p:txBody>
+      </p:sp>
+    </p:spTree>
+    <p:extLst>
+      <p:ext uri="{BB962C8B-B14F-4D97-AF65-F5344CB8AC3E}">
+        <p14:creationId xmlns:p14="http://schemas.microsoft.com/office/powerpoint/2010/main" val="355096777"/>
+      </p:ext>
+    </p:extLst>
+  </p:cSld>
+  <p:clrMapOvr>
+    <a:masterClrMapping/>
+  </p:clrMapOvr>
+  <mc:AlternateContent xmlns:mc="http://schemas.openxmlformats.org/markup-compatibility/2006" xmlns:p14="http://schemas.microsoft.com/office/powerpoint/2010/main">
+    <mc:Choice Requires="p14">
+      <p:transition spd="slow" p14:dur="2000"/>
+    </mc:Choice>
+    <mc:Fallback xmlns="">
+      <p:transition xmlns:p14="http://schemas.microsoft.com/office/powerpoint/2010/main" spd="slow"/>
+    </mc:Fallback>
+  </mc:AlternateContent>
+  <p:timing>
+    <p:tnLst>
+      <p:par>
+        <p:cTn xmlns:p14="http://schemas.microsoft.com/office/powerpoint/2010/main" id="1" dur="indefinite" restart="never" nodeType="tmRoot"/>
+      </p:par>
+    </p:tnLst>
+  </p:timing>
+</p:sld>
+</file>
+
+<file path=ppt/slides/slide35.xml><?xml version="1.0" encoding="utf-8"?>
+<p:sld xmlns:a="http://schemas.openxmlformats.org/drawingml/2006/main" xmlns:r="http://schemas.openxmlformats.org/officeDocument/2006/relationships" xmlns:p="http://schemas.openxmlformats.org/presentationml/2006/main">
+  <p:cSld>
+    <p:spTree>
+      <p:nvGrpSpPr>
+        <p:cNvPr id="1" name=""/>
+        <p:cNvGrpSpPr/>
+        <p:nvPr/>
+      </p:nvGrpSpPr>
+      <p:grpSpPr>
+        <a:xfrm>
+          <a:off x="0" y="0"/>
+          <a:ext cx="0" cy="0"/>
+          <a:chOff x="0" y="0"/>
+          <a:chExt cx="0" cy="0"/>
+        </a:xfrm>
+      </p:grpSpPr>
+      <p:sp>
+        <p:nvSpPr>
+          <p:cNvPr id="5" name="Title 4"/>
+          <p:cNvSpPr>
+            <a:spLocks noGrp="1"/>
+          </p:cNvSpPr>
+          <p:nvPr>
+            <p:ph type="title"/>
+          </p:nvPr>
+        </p:nvSpPr>
+        <p:spPr/>
+        <p:txBody>
+          <a:bodyPr/>
+          <a:lstStyle/>
+          <a:p>
+            <a:r>
+              <a:rPr lang="en-US" dirty="0" smtClean="0"/>
+              <a:t>From 0.9 to 0.10</a:t>
+            </a:r>
+            <a:endParaRPr lang="en-US" dirty="0"/>
+          </a:p>
+        </p:txBody>
+      </p:sp>
+      <p:sp>
+        <p:nvSpPr>
+          <p:cNvPr id="6" name="Content Placeholder 5"/>
+          <p:cNvSpPr>
+            <a:spLocks noGrp="1"/>
+          </p:cNvSpPr>
+          <p:nvPr>
+            <p:ph idx="1"/>
+          </p:nvPr>
+        </p:nvSpPr>
+        <p:spPr>
+          <a:xfrm>
+            <a:off x="457200" y="1474376"/>
+            <a:ext cx="8229600" cy="4881974"/>
+          </a:xfrm>
+        </p:spPr>
+        <p:txBody>
+          <a:bodyPr>
+            <a:normAutofit/>
+          </a:bodyPr>
+          <a:lstStyle/>
+          <a:p>
+            <a:r>
+              <a:rPr lang="en-US" dirty="0" err="1" smtClean="0"/>
+              <a:t>groupBy</a:t>
+            </a:r>
+            <a:r>
+              <a:rPr lang="en-US" dirty="0" smtClean="0"/>
+              <a:t>(</a:t>
+            </a:r>
+            <a:r>
+              <a:rPr lang="is-IS" dirty="0" smtClean="0"/>
+              <a:t>…</a:t>
+            </a:r>
+            <a:r>
+              <a:rPr lang="en-US" dirty="0" smtClean="0"/>
+              <a:t>) -&gt; </a:t>
+            </a:r>
+            <a:r>
+              <a:rPr lang="en-US" dirty="0" err="1" smtClean="0"/>
+              <a:t>keyBy</a:t>
+            </a:r>
+            <a:r>
+              <a:rPr lang="en-US" dirty="0" smtClean="0"/>
+              <a:t>(</a:t>
+            </a:r>
+            <a:r>
+              <a:rPr lang="is-IS" dirty="0" smtClean="0"/>
+              <a:t>…)</a:t>
+            </a:r>
+            <a:r>
+              <a:rPr lang="en-US" dirty="0" smtClean="0"/>
+              <a:t> </a:t>
+            </a:r>
+          </a:p>
+          <a:p>
+            <a:r>
+              <a:rPr lang="en-US" dirty="0" smtClean="0"/>
+              <a:t>DataStream renames:</a:t>
+            </a:r>
+          </a:p>
+          <a:p>
+            <a:pPr lvl="1"/>
+            <a:r>
+              <a:rPr lang="en-US" dirty="0" err="1" smtClean="0"/>
+              <a:t>KeyedDataStream</a:t>
+            </a:r>
+            <a:r>
+              <a:rPr lang="en-US" dirty="0" smtClean="0"/>
+              <a:t> -&gt; </a:t>
+            </a:r>
+            <a:r>
+              <a:rPr lang="en-US" dirty="0" err="1" smtClean="0"/>
+              <a:t>KeyedStream</a:t>
+            </a:r>
+            <a:endParaRPr lang="en-US" dirty="0" smtClean="0"/>
+          </a:p>
+          <a:p>
+            <a:pPr lvl="1"/>
+            <a:r>
+              <a:rPr lang="en-US" dirty="0" err="1" smtClean="0"/>
+              <a:t>WindowedDataStream</a:t>
+            </a:r>
+            <a:r>
+              <a:rPr lang="en-US" dirty="0" smtClean="0"/>
+              <a:t> -&gt; </a:t>
+            </a:r>
+            <a:r>
+              <a:rPr lang="en-US" dirty="0" err="1" smtClean="0"/>
+              <a:t>WindowedStream</a:t>
+            </a:r>
+            <a:endParaRPr lang="en-US" dirty="0" smtClean="0"/>
+          </a:p>
+          <a:p>
+            <a:pPr lvl="1"/>
+            <a:r>
+              <a:rPr lang="en-US" dirty="0" err="1" smtClean="0"/>
+              <a:t>ConnectedDataStream</a:t>
+            </a:r>
+            <a:r>
+              <a:rPr lang="en-US" dirty="0" smtClean="0"/>
+              <a:t> -&gt; </a:t>
+            </a:r>
+            <a:r>
+              <a:rPr lang="en-US" dirty="0" err="1" smtClean="0"/>
+              <a:t>ConnectedStream</a:t>
+            </a:r>
+            <a:endParaRPr lang="en-US" dirty="0" smtClean="0"/>
+          </a:p>
+          <a:p>
+            <a:pPr lvl="1"/>
+            <a:r>
+              <a:rPr lang="en-US" dirty="0" err="1" smtClean="0"/>
+              <a:t>JoinOperator</a:t>
+            </a:r>
+            <a:r>
+              <a:rPr lang="en-US" dirty="0" smtClean="0"/>
+              <a:t> -&gt; </a:t>
+            </a:r>
+            <a:r>
+              <a:rPr lang="en-US" dirty="0" err="1" smtClean="0"/>
+              <a:t>JoinedStreams</a:t>
+            </a:r>
+            <a:r>
+              <a:rPr lang="en-US" dirty="0" smtClean="0"/>
+              <a:t> </a:t>
+            </a:r>
+          </a:p>
+        </p:txBody>
+      </p:sp>
+      <p:sp>
+        <p:nvSpPr>
+          <p:cNvPr id="4" name="Slide Number Placeholder 3"/>
+          <p:cNvSpPr>
+            <a:spLocks noGrp="1"/>
+          </p:cNvSpPr>
+          <p:nvPr>
+            <p:ph type="sldNum" sz="quarter" idx="12"/>
+          </p:nvPr>
+        </p:nvSpPr>
+        <p:spPr/>
+        <p:txBody>
+          <a:bodyPr/>
+          <a:lstStyle/>
+          <a:p>
+            <a:fld id="{B07C5D84-2227-C144-B485-A8CA33CE4230}" type="slidenum">
+              <a:rPr lang="en-US" smtClean="0"/>
+              <a:pPr/>
+              <a:t>35</a:t>
+            </a:fld>
+            <a:endParaRPr lang="en-US"/>
+          </a:p>
+        </p:txBody>
+      </p:sp>
+    </p:spTree>
+    <p:extLst>
+      <p:ext uri="{BB962C8B-B14F-4D97-AF65-F5344CB8AC3E}">
+        <p14:creationId xmlns:p14="http://schemas.microsoft.com/office/powerpoint/2010/main" val="3825203105"/>
+      </p:ext>
+    </p:extLst>
+  </p:cSld>
+  <p:clrMapOvr>
+    <a:masterClrMapping/>
+  </p:clrMapOvr>
+  <mc:AlternateContent xmlns:mc="http://schemas.openxmlformats.org/markup-compatibility/2006" xmlns:p14="http://schemas.microsoft.com/office/powerpoint/2010/main">
+    <mc:Choice Requires="p14">
+      <p:transition spd="slow" p14:dur="2000"/>
+    </mc:Choice>
+    <mc:Fallback xmlns="">
+      <p:transition xmlns:p14="http://schemas.microsoft.com/office/powerpoint/2010/main" spd="slow"/>
+    </mc:Fallback>
+  </mc:AlternateContent>
+  <p:timing>
+    <p:tnLst>
+      <p:par>
+        <p:cTn xmlns:p14="http://schemas.microsoft.com/office/powerpoint/2010/main" id="1" dur="indefinite" restart="never" nodeType="tmRoot"/>
+      </p:par>
+    </p:tnLst>
+  </p:timing>
+</p:sld>
+</file>
+
+<file path=ppt/slides/slide36.xml><?xml version="1.0" encoding="utf-8"?>
+<p:sld xmlns:a="http://schemas.openxmlformats.org/drawingml/2006/main" xmlns:r="http://schemas.openxmlformats.org/officeDocument/2006/relationships" xmlns:p="http://schemas.openxmlformats.org/presentationml/2006/main">
+  <p:cSld>
+    <p:spTree>
+      <p:nvGrpSpPr>
+        <p:cNvPr id="1" name=""/>
+        <p:cNvGrpSpPr/>
+        <p:nvPr/>
+      </p:nvGrpSpPr>
+      <p:grpSpPr>
+        <a:xfrm>
+          <a:off x="0" y="0"/>
+          <a:ext cx="0" cy="0"/>
+          <a:chOff x="0" y="0"/>
+          <a:chExt cx="0" cy="0"/>
+        </a:xfrm>
+      </p:grpSpPr>
+      <p:sp>
+        <p:nvSpPr>
+          <p:cNvPr id="5" name="Title 4"/>
+          <p:cNvSpPr>
+            <a:spLocks noGrp="1"/>
+          </p:cNvSpPr>
+          <p:nvPr>
+            <p:ph type="title"/>
+          </p:nvPr>
+        </p:nvSpPr>
+        <p:spPr/>
+        <p:txBody>
+          <a:bodyPr/>
+          <a:lstStyle/>
+          <a:p>
+            <a:endParaRPr lang="en-US" dirty="0"/>
+          </a:p>
+        </p:txBody>
+      </p:sp>
+      <p:sp>
+        <p:nvSpPr>
+          <p:cNvPr id="6" name="Text Placeholder 5"/>
+          <p:cNvSpPr>
+            <a:spLocks noGrp="1"/>
+          </p:cNvSpPr>
+          <p:nvPr>
+            <p:ph type="body" idx="1"/>
+          </p:nvPr>
+        </p:nvSpPr>
+        <p:spPr/>
+        <p:txBody>
+          <a:bodyPr/>
+          <a:lstStyle/>
+          <a:p>
+            <a:endParaRPr lang="en-US"/>
+          </a:p>
+        </p:txBody>
+      </p:sp>
+      <p:sp>
+        <p:nvSpPr>
+          <p:cNvPr id="4" name="Slide Number Placeholder 3"/>
+          <p:cNvSpPr>
+            <a:spLocks noGrp="1"/>
+          </p:cNvSpPr>
+          <p:nvPr>
+            <p:ph type="sldNum" sz="quarter" idx="12"/>
+          </p:nvPr>
+        </p:nvSpPr>
+        <p:spPr/>
+        <p:txBody>
+          <a:bodyPr/>
+          <a:lstStyle/>
+          <a:p>
+            <a:fld id="{B07C5D84-2227-C144-B485-A8CA33CE4230}" type="slidenum">
+              <a:rPr lang="en-US" smtClean="0">
+                <a:solidFill>
+                  <a:prstClr val="black">
+                    <a:tint val="75000"/>
+                  </a:prstClr>
+                </a:solidFill>
+              </a:rPr>
+              <a:pPr/>
+              <a:t>36</a:t>
             </a:fld>
             <a:endParaRPr lang="en-US">
               <a:solidFill>
@@ -18834,7 +18538,7 @@
             </a:r>
             <a:r>
               <a:rPr lang="en-US" sz="3200" dirty="0" smtClean="0"/>
-              <a:t>: main method</a:t>
+              <a:t>: main Method</a:t>
             </a:r>
             <a:endParaRPr lang="en-US" sz="3200" dirty="0"/>
           </a:p>
@@ -19514,25 +19218,7 @@
               <a:buNone/>
             </a:pPr>
             <a:r>
-              <a:rPr lang="en-US" sz="1400" dirty="0">
-                <a:solidFill>
-                  <a:srgbClr val="000000"/>
-                </a:solidFill>
-                <a:latin typeface="Menlo"/>
-              </a:rPr>
-              <a:t>	</a:t>
-            </a:r>
-            <a:r>
-              <a:rPr lang="en-US" sz="1400" dirty="0" smtClean="0">
-                <a:solidFill>
-                  <a:srgbClr val="000000"/>
-                </a:solidFill>
-                <a:latin typeface="Menlo"/>
-              </a:rPr>
-              <a:t>	</a:t>
-            </a:r>
-            <a:r>
-              <a:rPr lang="en-US" sz="1400" dirty="0">
+              <a:rPr lang="en-US" sz="1400" i="1" dirty="0">
                 <a:solidFill>
                   <a:srgbClr val="000000"/>
                 </a:solidFill>
@@ -19541,13 +19227,13 @@
               <a:t> </a:t>
             </a:r>
             <a:r>
-              <a:rPr lang="en-US" sz="1400" dirty="0" smtClean="0">
-                <a:solidFill>
-                  <a:srgbClr val="000000"/>
-                </a:solidFill>
-                <a:latin typeface="Menlo"/>
-              </a:rPr>
-              <a:t>  </a:t>
+              <a:rPr lang="en-US" sz="1400" i="1" dirty="0" smtClean="0">
+                <a:solidFill>
+                  <a:srgbClr val="000000"/>
+                </a:solidFill>
+                <a:latin typeface="Menlo"/>
+              </a:rPr>
+              <a:t>           </a:t>
             </a:r>
             <a:r>
               <a:rPr lang="en-US" sz="1400" i="1" dirty="0" smtClean="0">
@@ -20135,7 +19821,7 @@
       </p:sp>
       <p:sp>
         <p:nvSpPr>
-          <p:cNvPr id="10" name="Content Placeholder 2"/>
+          <p:cNvPr id="6" name="Content Placeholder 2"/>
           <p:cNvSpPr>
             <a:spLocks noGrp="1"/>
           </p:cNvSpPr>
@@ -20361,9 +20047,6 @@
             </a:r>
             <a:r>
               <a:rPr lang="en-US" sz="1400" dirty="0" smtClean="0">
-                <a:solidFill>
-                  <a:srgbClr val="FF0000"/>
-                </a:solidFill>
                 <a:latin typeface="Menlo"/>
               </a:rPr>
               <a:t>;</a:t>
@@ -20790,155 +20473,13 @@
               <a:t>0</a:t>
             </a:r>
             <a:r>
-              <a:rPr lang="en-US" sz="1400" dirty="0">
+              <a:rPr lang="en-US" sz="1400" dirty="0" smtClean="0">
                 <a:solidFill>
                   <a:srgbClr val="000000"/>
                 </a:solidFill>
                 <a:latin typeface="Menlo"/>
               </a:rPr>
               <a:t>)</a:t>
-            </a:r>
-            <a:br>
-              <a:rPr lang="en-US" sz="1400" dirty="0">
-                <a:solidFill>
-                  <a:srgbClr val="000000"/>
-                </a:solidFill>
-                <a:latin typeface="Menlo"/>
-              </a:rPr>
-            </a:br>
-            <a:r>
-              <a:rPr lang="en-US" sz="1400" dirty="0" smtClean="0">
-                <a:solidFill>
-                  <a:srgbClr val="000000"/>
-                </a:solidFill>
-                <a:latin typeface="Menlo"/>
-              </a:rPr>
-              <a:t>            </a:t>
-            </a:r>
-            <a:r>
-              <a:rPr lang="en-US" sz="1400" i="1" dirty="0" smtClean="0">
-                <a:solidFill>
-                  <a:srgbClr val="808080"/>
-                </a:solidFill>
-                <a:latin typeface="Menlo"/>
-              </a:rPr>
-              <a:t>/</a:t>
-            </a:r>
-            <a:r>
-              <a:rPr lang="en-US" sz="1400" i="1" dirty="0">
-                <a:solidFill>
-                  <a:srgbClr val="808080"/>
-                </a:solidFill>
-                <a:latin typeface="Menlo"/>
-              </a:rPr>
-              <a:t>/ keep the last 5 minute of data</a:t>
-            </a:r>
-            <a:r>
-              <a:rPr lang="en-US" sz="1400" dirty="0">
-                <a:solidFill>
-                  <a:srgbClr val="000000"/>
-                </a:solidFill>
-                <a:latin typeface="Menlo"/>
-              </a:rPr>
-              <a:t/>
-            </a:r>
-            <a:br>
-              <a:rPr lang="en-US" sz="1400" dirty="0">
-                <a:solidFill>
-                  <a:srgbClr val="000000"/>
-                </a:solidFill>
-                <a:latin typeface="Menlo"/>
-              </a:rPr>
-            </a:br>
-            <a:r>
-              <a:rPr lang="en-US" sz="1400" dirty="0">
-                <a:solidFill>
-                  <a:srgbClr val="000000"/>
-                </a:solidFill>
-                <a:latin typeface="Menlo"/>
-              </a:rPr>
-              <a:t>		   </a:t>
-            </a:r>
-            <a:r>
-              <a:rPr lang="en-US" sz="1400" dirty="0" smtClean="0">
-                <a:solidFill>
-                  <a:srgbClr val="000000"/>
-                </a:solidFill>
-                <a:latin typeface="Menlo"/>
-              </a:rPr>
-              <a:t> .</a:t>
-            </a:r>
-            <a:r>
-              <a:rPr lang="en-US" sz="1400" dirty="0">
-                <a:solidFill>
-                  <a:srgbClr val="000000"/>
-                </a:solidFill>
-                <a:latin typeface="Menlo"/>
-              </a:rPr>
-              <a:t>window(</a:t>
-            </a:r>
-            <a:r>
-              <a:rPr lang="en-US" sz="1400" dirty="0" err="1">
-                <a:solidFill>
-                  <a:srgbClr val="000000"/>
-                </a:solidFill>
-                <a:latin typeface="Menlo"/>
-              </a:rPr>
-              <a:t>Time.of</a:t>
-            </a:r>
-            <a:r>
-              <a:rPr lang="en-US" sz="1400" dirty="0">
-                <a:solidFill>
-                  <a:srgbClr val="000000"/>
-                </a:solidFill>
-                <a:latin typeface="Menlo"/>
-              </a:rPr>
-              <a:t>(</a:t>
-            </a:r>
-            <a:r>
-              <a:rPr lang="en-US" sz="1400" dirty="0">
-                <a:solidFill>
-                  <a:srgbClr val="0000FF"/>
-                </a:solidFill>
-                <a:latin typeface="Menlo"/>
-              </a:rPr>
-              <a:t>5</a:t>
-            </a:r>
-            <a:r>
-              <a:rPr lang="en-US" sz="1400" dirty="0">
-                <a:solidFill>
-                  <a:srgbClr val="000000"/>
-                </a:solidFill>
-                <a:latin typeface="Menlo"/>
-              </a:rPr>
-              <a:t>, </a:t>
-            </a:r>
-            <a:r>
-              <a:rPr lang="en-US" sz="1400" dirty="0" err="1">
-                <a:solidFill>
-                  <a:srgbClr val="000000"/>
-                </a:solidFill>
-                <a:latin typeface="Menlo"/>
-              </a:rPr>
-              <a:t>TimeUnit.</a:t>
-            </a:r>
-            <a:r>
-              <a:rPr lang="en-US" sz="1400" i="1" dirty="0" err="1">
-                <a:solidFill>
-                  <a:srgbClr val="000000"/>
-                </a:solidFill>
-                <a:latin typeface="Menlo"/>
-              </a:rPr>
-              <a:t>MINUTES</a:t>
-            </a:r>
-            <a:r>
-              <a:rPr lang="en-US" sz="1400" dirty="0">
-                <a:solidFill>
-                  <a:srgbClr val="000000"/>
-                </a:solidFill>
-                <a:latin typeface="Menlo"/>
-              </a:rPr>
-              <a:t>))</a:t>
             </a:r>
           </a:p>
           <a:p>
@@ -20946,12 +20487,169 @@
               <a:buNone/>
             </a:pPr>
             <a:r>
+              <a:rPr lang="en-US" sz="1400" i="1" dirty="0">
+                <a:solidFill>
+                  <a:srgbClr val="000000"/>
+                </a:solidFill>
+                <a:latin typeface="Menlo"/>
+              </a:rPr>
+              <a:t> </a:t>
+            </a:r>
+            <a:r>
+              <a:rPr lang="en-US" sz="1400" i="1" dirty="0" smtClean="0">
+                <a:solidFill>
+                  <a:srgbClr val="000000"/>
+                </a:solidFill>
+                <a:latin typeface="Menlo"/>
+              </a:rPr>
+              <a:t>           </a:t>
+            </a:r>
+            <a:r>
+              <a:rPr lang="en-US" sz="1400" i="1" dirty="0" smtClean="0">
+                <a:solidFill>
+                  <a:srgbClr val="808080"/>
+                </a:solidFill>
+                <a:latin typeface="Menlo"/>
+              </a:rPr>
+              <a:t>/</a:t>
+            </a:r>
+            <a:r>
+              <a:rPr lang="en-US" sz="1400" i="1" dirty="0">
+                <a:solidFill>
+                  <a:srgbClr val="808080"/>
+                </a:solidFill>
+                <a:latin typeface="Menlo"/>
+              </a:rPr>
+              <a:t>/ </a:t>
+            </a:r>
+            <a:r>
+              <a:rPr lang="en-US" sz="1400" i="1" dirty="0" smtClean="0">
+                <a:solidFill>
+                  <a:srgbClr val="808080"/>
+                </a:solidFill>
+                <a:latin typeface="Menlo"/>
+              </a:rPr>
+              <a:t>keep the last 5 minute of data</a:t>
+            </a:r>
+            <a:r>
+              <a:rPr lang="en-US" sz="1400" dirty="0">
+                <a:solidFill>
+                  <a:srgbClr val="000000"/>
+                </a:solidFill>
+                <a:latin typeface="Menlo"/>
+              </a:rPr>
+              <a:t/>
+            </a:r>
+            <a:br>
+              <a:rPr lang="en-US" sz="1400" dirty="0">
+                <a:solidFill>
+                  <a:srgbClr val="000000"/>
+                </a:solidFill>
+                <a:latin typeface="Menlo"/>
+              </a:rPr>
+            </a:br>
+            <a:r>
               <a:rPr lang="en-US" sz="1400" dirty="0" smtClean="0">
                 <a:solidFill>
                   <a:srgbClr val="000000"/>
                 </a:solidFill>
                 <a:latin typeface="Menlo"/>
               </a:rPr>
+              <a:t>		</a:t>
+            </a:r>
+            <a:r>
+              <a:rPr lang="en-US" sz="1400" dirty="0">
+                <a:solidFill>
+                  <a:srgbClr val="000000"/>
+                </a:solidFill>
+                <a:latin typeface="Menlo"/>
+              </a:rPr>
+              <a:t> </a:t>
+            </a:r>
+            <a:r>
+              <a:rPr lang="en-US" sz="1400" dirty="0" smtClean="0">
+                <a:solidFill>
+                  <a:srgbClr val="000000"/>
+                </a:solidFill>
+                <a:latin typeface="Menlo"/>
+              </a:rPr>
+              <a:t>  .window(</a:t>
+            </a:r>
+            <a:r>
+              <a:rPr lang="en-US" sz="1400" dirty="0" err="1" smtClean="0">
+                <a:solidFill>
+                  <a:srgbClr val="000000"/>
+                </a:solidFill>
+                <a:latin typeface="Menlo"/>
+              </a:rPr>
+              <a:t>Time.of</a:t>
+            </a:r>
+            <a:r>
+              <a:rPr lang="en-US" sz="1400" dirty="0" smtClean="0">
+                <a:solidFill>
+                  <a:srgbClr val="000000"/>
+                </a:solidFill>
+                <a:latin typeface="Menlo"/>
+              </a:rPr>
+              <a:t>(</a:t>
+            </a:r>
+            <a:r>
+              <a:rPr lang="en-US" sz="1400" dirty="0" smtClean="0">
+                <a:solidFill>
+                  <a:srgbClr val="0000FF"/>
+                </a:solidFill>
+                <a:latin typeface="Menlo"/>
+              </a:rPr>
+              <a:t>5</a:t>
+            </a:r>
+            <a:r>
+              <a:rPr lang="en-US" sz="1400" dirty="0" smtClean="0">
+                <a:solidFill>
+                  <a:srgbClr val="000000"/>
+                </a:solidFill>
+                <a:latin typeface="Menlo"/>
+              </a:rPr>
+              <a:t>, </a:t>
+            </a:r>
+            <a:r>
+              <a:rPr lang="en-US" sz="1400" dirty="0" err="1" smtClean="0">
+                <a:solidFill>
+                  <a:srgbClr val="000000"/>
+                </a:solidFill>
+                <a:latin typeface="Menlo"/>
+              </a:rPr>
+              <a:t>TimeUnit.</a:t>
+            </a:r>
+            <a:r>
+              <a:rPr lang="en-US" sz="1400" i="1" dirty="0" err="1" smtClean="0">
+                <a:solidFill>
+                  <a:srgbClr val="000000"/>
+                </a:solidFill>
+                <a:latin typeface="Menlo"/>
+              </a:rPr>
+              <a:t>MINUTES</a:t>
+            </a:r>
+            <a:r>
+              <a:rPr lang="en-US" sz="1400" dirty="0" smtClean="0">
+                <a:solidFill>
+                  <a:srgbClr val="000000"/>
+                </a:solidFill>
+                <a:latin typeface="Menlo"/>
+              </a:rPr>
+              <a:t>))</a:t>
+            </a:r>
+          </a:p>
+          <a:p>
+            <a:pPr marL="0" indent="0">
+              <a:buNone/>
+            </a:pPr>
+            <a:r>
+              <a:rPr lang="en-US" sz="1400" dirty="0" smtClean="0">
+                <a:solidFill>
+                  <a:srgbClr val="000000"/>
+                </a:solidFill>
+                <a:latin typeface="Menlo"/>
+              </a:rPr>
               <a:t>            </a:t>
             </a:r>
             <a:r>
@@ -20961,7 +20659,25 @@
                 </a:solidFill>
                 <a:latin typeface="Menlo"/>
               </a:rPr>
-              <a:t>//sum up tuple field "1"</a:t>
+              <a:t>/</a:t>
+            </a:r>
+            <a:r>
+              <a:rPr lang="en-US" sz="1400" i="1" dirty="0" smtClean="0">
+                <a:solidFill>
+                  <a:srgbClr val="808080"/>
+                </a:solidFill>
+                <a:latin typeface="Menlo"/>
+              </a:rPr>
+              <a:t>/sum up tuple field "1"</a:t>
+            </a:r>
+            <a:r>
+              <a:rPr lang="en-US" sz="1400" i="1" dirty="0">
+                <a:solidFill>
+                  <a:srgbClr val="808080"/>
+                </a:solidFill>
+                <a:latin typeface="Menlo"/>
+              </a:rPr>
+              <a:t/>
             </a:r>
             <a:br>
               <a:rPr lang="en-US" sz="1400" i="1" dirty="0">
@@ -20981,22 +20697,13 @@
               <a:t>            </a:t>
             </a:r>
             <a:r>
-              <a:rPr lang="en-US" sz="1400" dirty="0">
-                <a:solidFill>
-                  <a:srgbClr val="000000"/>
-                </a:solidFill>
-                <a:latin typeface="Menlo"/>
-              </a:rPr>
-              <a:t>.sum</a:t>
-            </a:r>
-            <a:r>
               <a:rPr lang="en-US" sz="1400" dirty="0" smtClean="0">
                 <a:solidFill>
                   <a:srgbClr val="000000"/>
                 </a:solidFill>
                 <a:latin typeface="Menlo"/>
               </a:rPr>
-              <a:t>(</a:t>
+              <a:t>.sum(</a:t>
             </a:r>
             <a:r>
               <a:rPr lang="en-US" sz="1400" dirty="0" smtClean="0">
@@ -21381,7 +21088,7 @@
       </p:sp>
       <p:sp>
         <p:nvSpPr>
-          <p:cNvPr id="7" name="Content Placeholder 2"/>
+          <p:cNvPr id="8" name="Content Placeholder 2"/>
           <p:cNvSpPr>
             <a:spLocks noGrp="1"/>
           </p:cNvSpPr>
@@ -21512,45 +21219,30 @@
             </a:r>
             <a:r>
               <a:rPr lang="en-US" sz="1400" dirty="0" err="1" smtClean="0">
-                <a:solidFill>
-                  <a:srgbClr val="000000"/>
-                </a:solidFill>
                 <a:latin typeface="Menlo"/>
               </a:rPr>
               <a:t>StreamExecutionEnvironment</a:t>
             </a:r>
             <a:r>
               <a:rPr lang="en-US" sz="1400" dirty="0" smtClean="0">
-                <a:solidFill>
-                  <a:srgbClr val="000000"/>
-                </a:solidFill>
                 <a:latin typeface="Menlo"/>
               </a:rPr>
               <a:t> </a:t>
             </a:r>
             <a:r>
               <a:rPr lang="en-US" sz="1400" dirty="0" err="1">
-                <a:solidFill>
-                  <a:srgbClr val="000000"/>
-                </a:solidFill>
                 <a:latin typeface="Menlo"/>
               </a:rPr>
               <a:t>env</a:t>
             </a:r>
             <a:r>
               <a:rPr lang="en-US" sz="1400" dirty="0">
-                <a:solidFill>
-                  <a:srgbClr val="000000"/>
-                </a:solidFill>
                 <a:latin typeface="Menlo"/>
               </a:rPr>
               <a:t> = </a:t>
             </a:r>
             <a:r>
               <a:rPr lang="en-US" sz="1400" dirty="0" smtClean="0">
-                <a:solidFill>
-                  <a:srgbClr val="000000"/>
-                </a:solidFill>
                 <a:latin typeface="Menlo"/>
               </a:rPr>
               <a:t>				    		</a:t>
@@ -21562,54 +21254,36 @@
             </a:pPr>
             <a:r>
               <a:rPr lang="en-US" sz="1400" dirty="0">
-                <a:solidFill>
-                  <a:srgbClr val="000000"/>
-                </a:solidFill>
                 <a:latin typeface="Menlo"/>
               </a:rPr>
               <a:t>	</a:t>
             </a:r>
             <a:r>
               <a:rPr lang="en-US" sz="1400" dirty="0" smtClean="0">
-                <a:solidFill>
-                  <a:srgbClr val="000000"/>
-                </a:solidFill>
                 <a:latin typeface="Menlo"/>
               </a:rPr>
               <a:t>	</a:t>
             </a:r>
             <a:r>
               <a:rPr lang="en-US" sz="1400" dirty="0" err="1" smtClean="0">
-                <a:solidFill>
-                  <a:srgbClr val="000000"/>
-                </a:solidFill>
                 <a:latin typeface="Menlo"/>
               </a:rPr>
               <a:t>StreamExecutionEnvironment.</a:t>
             </a:r>
             <a:r>
               <a:rPr lang="en-US" sz="1400" i="1" dirty="0" err="1" smtClean="0">
-                <a:solidFill>
-                  <a:srgbClr val="000000"/>
-                </a:solidFill>
                 <a:latin typeface="Menlo"/>
               </a:rPr>
               <a:t>getExecutionEnvironment</a:t>
             </a:r>
             <a:r>
               <a:rPr lang="en-US" sz="1400" dirty="0">
-                <a:solidFill>
-                  <a:srgbClr val="000000"/>
-                </a:solidFill>
                 <a:latin typeface="Menlo"/>
               </a:rPr>
               <a:t>()</a:t>
             </a:r>
             <a:r>
               <a:rPr lang="en-US" sz="1400" dirty="0" smtClean="0">
-                <a:solidFill>
-                  <a:srgbClr val="000000"/>
-                </a:solidFill>
                 <a:latin typeface="Menlo"/>
               </a:rPr>
               <a:t>;</a:t>
@@ -21758,16 +21432,7 @@
                 </a:solidFill>
                 <a:latin typeface="Menlo"/>
               </a:rPr>
-              <a:t>           </a:t>
-            </a:r>
-            <a:r>
-              <a:rPr lang="en-US" sz="1400" dirty="0" smtClean="0">
-                <a:solidFill>
-                  <a:srgbClr val="FF0000"/>
-                </a:solidFill>
-                <a:latin typeface="Menlo"/>
-              </a:rPr>
-              <a:t>.</a:t>
+              <a:t>           .</a:t>
             </a:r>
             <a:r>
               <a:rPr lang="en-US" sz="1400" dirty="0" err="1" smtClean="0">
@@ -22059,13 +21724,31 @@
               <a:buNone/>
             </a:pPr>
             <a:r>
+              <a:rPr lang="en-US" sz="1400" i="1" dirty="0">
+                <a:solidFill>
+                  <a:srgbClr val="000000"/>
+                </a:solidFill>
+                <a:latin typeface="Menlo"/>
+              </a:rPr>
+              <a:t> </a:t>
+            </a:r>
+            <a:r>
               <a:rPr lang="en-US" sz="1400" i="1" dirty="0" smtClean="0">
                 <a:solidFill>
-                  <a:srgbClr val="808080"/>
-                </a:solidFill>
-                <a:latin typeface="Menlo"/>
-              </a:rPr>
-              <a:t>            /</a:t>
+                  <a:srgbClr val="000000"/>
+                </a:solidFill>
+                <a:latin typeface="Menlo"/>
+              </a:rPr>
+              <a:t>           </a:t>
+            </a:r>
+            <a:r>
+              <a:rPr lang="en-US" sz="1400" i="1" dirty="0" smtClean="0">
+                <a:solidFill>
+                  <a:srgbClr val="808080"/>
+                </a:solidFill>
+                <a:latin typeface="Menlo"/>
+              </a:rPr>
+              <a:t>/</a:t>
             </a:r>
             <a:r>
               <a:rPr lang="en-US" sz="1400" i="1" dirty="0">
@@ -22074,7 +21757,16 @@
                 </a:solidFill>
                 <a:latin typeface="Menlo"/>
               </a:rPr>
-              <a:t>/ keep the last 5 minute of data</a:t>
+              <a:t>/ </a:t>
+            </a:r>
+            <a:r>
+              <a:rPr lang="en-US" sz="1400" i="1" dirty="0" smtClean="0">
+                <a:solidFill>
+                  <a:srgbClr val="808080"/>
+                </a:solidFill>
+                <a:latin typeface="Menlo"/>
+              </a:rPr>
+              <a:t>keep the last 5 minute of data</a:t>
             </a:r>
             <a:r>
               <a:rPr lang="en-US" sz="1400" dirty="0">
@@ -22094,34 +21786,34 @@
               </a:rPr>
             </a:br>
             <a:r>
-              <a:rPr lang="en-US" sz="1400" dirty="0">
-                <a:solidFill>
-                  <a:srgbClr val="000000"/>
-                </a:solidFill>
-                <a:latin typeface="Menlo"/>
-              </a:rPr>
-              <a:t>		   </a:t>
-            </a:r>
-            <a:r>
               <a:rPr lang="en-US" sz="1400" dirty="0" smtClean="0">
                 <a:solidFill>
                   <a:srgbClr val="000000"/>
                 </a:solidFill>
                 <a:latin typeface="Menlo"/>
               </a:rPr>
-              <a:t> .</a:t>
-            </a:r>
-            <a:r>
-              <a:rPr lang="en-US" sz="1400" dirty="0">
-                <a:solidFill>
-                  <a:srgbClr val="000000"/>
-                </a:solidFill>
-                <a:latin typeface="Menlo"/>
-              </a:rPr>
-              <a:t>window(</a:t>
-            </a:r>
-            <a:r>
-              <a:rPr lang="en-US" sz="1400" dirty="0" err="1">
+              <a:t>		</a:t>
+            </a:r>
+            <a:r>
+              <a:rPr lang="en-US" sz="1400" dirty="0">
+                <a:solidFill>
+                  <a:srgbClr val="000000"/>
+                </a:solidFill>
+                <a:latin typeface="Menlo"/>
+              </a:rPr>
+              <a:t> </a:t>
+            </a:r>
+            <a:r>
+              <a:rPr lang="en-US" sz="1400" dirty="0" smtClean="0">
+                <a:solidFill>
+                  <a:srgbClr val="000000"/>
+                </a:solidFill>
+                <a:latin typeface="Menlo"/>
+              </a:rPr>
+              <a:t>  .window(</a:t>
+            </a:r>
+            <a:r>
+              <a:rPr lang="en-US" sz="1400" dirty="0" err="1" smtClean="0">
                 <a:solidFill>
                   <a:srgbClr val="000000"/>
                 </a:solidFill>
@@ -22130,7 +21822,7 @@
               <a:t>Time.of</a:t>
             </a:r>
             <a:r>
-              <a:rPr lang="en-US" sz="1400" dirty="0">
+              <a:rPr lang="en-US" sz="1400" dirty="0" smtClean="0">
                 <a:solidFill>
                   <a:srgbClr val="000000"/>
                 </a:solidFill>
@@ -22139,7 +21831,7 @@
               <a:t>(</a:t>
             </a:r>
             <a:r>
-              <a:rPr lang="en-US" sz="1400" dirty="0">
+              <a:rPr lang="en-US" sz="1400" dirty="0" smtClean="0">
                 <a:solidFill>
                   <a:srgbClr val="0000FF"/>
                 </a:solidFill>
@@ -22148,7 +21840,7 @@
               <a:t>5</a:t>
             </a:r>
             <a:r>
-              <a:rPr lang="en-US" sz="1400" dirty="0">
+              <a:rPr lang="en-US" sz="1400" dirty="0" smtClean="0">
                 <a:solidFill>
                   <a:srgbClr val="000000"/>
                 </a:solidFill>
@@ -22157,7 +21849,7 @@
               <a:t>, </a:t>
             </a:r>
             <a:r>
-              <a:rPr lang="en-US" sz="1400" dirty="0" err="1">
+              <a:rPr lang="en-US" sz="1400" dirty="0" err="1" smtClean="0">
                 <a:solidFill>
                   <a:srgbClr val="000000"/>
                 </a:solidFill>
@@ -22166,7 +21858,7 @@
               <a:t>TimeUnit.</a:t>
             </a:r>
             <a:r>
-              <a:rPr lang="en-US" sz="1400" i="1" dirty="0" err="1">
+              <a:rPr lang="en-US" sz="1400" i="1" dirty="0" err="1" smtClean="0">
                 <a:solidFill>
                   <a:srgbClr val="000000"/>
                 </a:solidFill>
@@ -22175,22 +21867,13 @@
               <a:t>MINUTES</a:t>
             </a:r>
             <a:r>
-              <a:rPr lang="en-US" sz="1400" dirty="0">
-                <a:solidFill>
-                  <a:srgbClr val="000000"/>
-                </a:solidFill>
-                <a:latin typeface="Menlo"/>
-              </a:rPr>
-              <a:t>)</a:t>
-            </a:r>
-            <a:r>
               <a:rPr lang="en-US" sz="1400" dirty="0" smtClean="0">
                 <a:solidFill>
                   <a:srgbClr val="000000"/>
                 </a:solidFill>
                 <a:latin typeface="Menlo"/>
               </a:rPr>
-              <a:t>)</a:t>
+              <a:t>))</a:t>
             </a:r>
           </a:p>
           <a:p>
@@ -22213,7 +21896,25 @@
                 </a:solidFill>
                 <a:latin typeface="Menlo"/>
               </a:rPr>
-              <a:t>//sum up tuple field "1"</a:t>
+              <a:t>/</a:t>
+            </a:r>
+            <a:r>
+              <a:rPr lang="en-US" sz="1400" i="1" dirty="0" smtClean="0">
+                <a:solidFill>
+                  <a:srgbClr val="808080"/>
+                </a:solidFill>
+                <a:latin typeface="Menlo"/>
+              </a:rPr>
+              <a:t>/sum up tuple field "1"</a:t>
+            </a:r>
+            <a:r>
+              <a:rPr lang="en-US" sz="1400" i="1" dirty="0">
+                <a:solidFill>
+                  <a:srgbClr val="808080"/>
+                </a:solidFill>
+                <a:latin typeface="Menlo"/>
+              </a:rPr>
+              <a:t/>
             </a:r>
             <a:br>
               <a:rPr lang="en-US" sz="1400" i="1" dirty="0">
@@ -22233,22 +21934,13 @@
               <a:t>            </a:t>
             </a:r>
             <a:r>
-              <a:rPr lang="en-US" sz="1400" dirty="0">
-                <a:solidFill>
-                  <a:srgbClr val="000000"/>
-                </a:solidFill>
-                <a:latin typeface="Menlo"/>
-              </a:rPr>
-              <a:t>.sum</a:t>
-            </a:r>
-            <a:r>
               <a:rPr lang="en-US" sz="1400" dirty="0" smtClean="0">
                 <a:solidFill>
                   <a:srgbClr val="000000"/>
                 </a:solidFill>
                 <a:latin typeface="Menlo"/>
               </a:rPr>
-              <a:t>(</a:t>
+              <a:t>.sum(</a:t>
             </a:r>
             <a:r>
               <a:rPr lang="en-US" sz="1400" dirty="0" smtClean="0">
@@ -22633,7 +22325,7 @@
       </p:sp>
       <p:sp>
         <p:nvSpPr>
-          <p:cNvPr id="7" name="Content Placeholder 2"/>
+          <p:cNvPr id="6" name="Content Placeholder 2"/>
           <p:cNvSpPr>
             <a:spLocks noGrp="1"/>
           </p:cNvSpPr>
@@ -22764,45 +22456,30 @@
             </a:r>
             <a:r>
               <a:rPr lang="en-US" sz="1400" dirty="0" err="1" smtClean="0">
-                <a:solidFill>
-                  <a:srgbClr val="000000"/>
-                </a:solidFill>
                 <a:latin typeface="Menlo"/>
               </a:rPr>
               <a:t>StreamExecutionEnvironment</a:t>
             </a:r>
             <a:r>
               <a:rPr lang="en-US" sz="1400" dirty="0" smtClean="0">
-                <a:solidFill>
-                  <a:srgbClr val="000000"/>
-                </a:solidFill>
                 <a:latin typeface="Menlo"/>
               </a:rPr>
               <a:t> </a:t>
             </a:r>
             <a:r>
               <a:rPr lang="en-US" sz="1400" dirty="0" err="1">
-                <a:solidFill>
-                  <a:srgbClr val="000000"/>
-                </a:solidFill>
                 <a:latin typeface="Menlo"/>
               </a:rPr>
               <a:t>env</a:t>
             </a:r>
             <a:r>
               <a:rPr lang="en-US" sz="1400" dirty="0">
-                <a:solidFill>
-                  <a:srgbClr val="000000"/>
-                </a:solidFill>
                 <a:latin typeface="Menlo"/>
               </a:rPr>
               <a:t> = </a:t>
             </a:r>
             <a:r>
               <a:rPr lang="en-US" sz="1400" dirty="0" smtClean="0">
-                <a:solidFill>
-                  <a:srgbClr val="000000"/>
-                </a:solidFill>
                 <a:latin typeface="Menlo"/>
               </a:rPr>
               <a:t>				    		</a:t>
@@ -22814,54 +22491,36 @@
             </a:pPr>
             <a:r>
               <a:rPr lang="en-US" sz="1400" dirty="0">
-                <a:solidFill>
-                  <a:srgbClr val="000000"/>
-                </a:solidFill>
                 <a:latin typeface="Menlo"/>
               </a:rPr>
               <a:t>	</a:t>
             </a:r>
             <a:r>
               <a:rPr lang="en-US" sz="1400" dirty="0" smtClean="0">
-                <a:solidFill>
-                  <a:srgbClr val="000000"/>
-                </a:solidFill>
                 <a:latin typeface="Menlo"/>
               </a:rPr>
               <a:t>	</a:t>
             </a:r>
             <a:r>
               <a:rPr lang="en-US" sz="1400" dirty="0" err="1" smtClean="0">
-                <a:solidFill>
-                  <a:srgbClr val="000000"/>
-                </a:solidFill>
                 <a:latin typeface="Menlo"/>
               </a:rPr>
               <a:t>StreamExecutionEnvironment.</a:t>
             </a:r>
             <a:r>
               <a:rPr lang="en-US" sz="1400" i="1" dirty="0" err="1" smtClean="0">
-                <a:solidFill>
-                  <a:srgbClr val="000000"/>
-                </a:solidFill>
                 <a:latin typeface="Menlo"/>
               </a:rPr>
               <a:t>getExecutionEnvironment</a:t>
             </a:r>
             <a:r>
               <a:rPr lang="en-US" sz="1400" dirty="0">
-                <a:solidFill>
-                  <a:srgbClr val="000000"/>
-                </a:solidFill>
                 <a:latin typeface="Menlo"/>
               </a:rPr>
               <a:t>()</a:t>
             </a:r>
             <a:r>
               <a:rPr lang="en-US" sz="1400" dirty="0" smtClean="0">
-                <a:solidFill>
-                  <a:srgbClr val="000000"/>
-                </a:solidFill>
                 <a:latin typeface="Menlo"/>
               </a:rPr>
               <a:t>;</a:t>
@@ -23320,13 +22979,31 @@
               <a:buNone/>
             </a:pPr>
             <a:r>
+              <a:rPr lang="en-US" sz="1400" i="1" dirty="0">
+                <a:solidFill>
+                  <a:srgbClr val="000000"/>
+                </a:solidFill>
+                <a:latin typeface="Menlo"/>
+              </a:rPr>
+              <a:t> </a:t>
+            </a:r>
+            <a:r>
               <a:rPr lang="en-US" sz="1400" i="1" dirty="0" smtClean="0">
                 <a:solidFill>
-                  <a:srgbClr val="808080"/>
-                </a:solidFill>
-                <a:latin typeface="Menlo"/>
-              </a:rPr>
-              <a:t>            /</a:t>
+                  <a:srgbClr val="000000"/>
+                </a:solidFill>
+                <a:latin typeface="Menlo"/>
+              </a:rPr>
+              <a:t>           </a:t>
+            </a:r>
+            <a:r>
+              <a:rPr lang="en-US" sz="1400" i="1" dirty="0" smtClean="0">
+                <a:solidFill>
+                  <a:srgbClr val="808080"/>
+                </a:solidFill>
+                <a:latin typeface="Menlo"/>
+              </a:rPr>
+              <a:t>/</a:t>
             </a:r>
             <a:r>
               <a:rPr lang="en-US" sz="1400" i="1" dirty="0">
@@ -23335,7 +23012,16 @@
                 </a:solidFill>
                 <a:latin typeface="Menlo"/>
               </a:rPr>
-              <a:t>/ keep the last 5 minute of data</a:t>
+              <a:t>/ </a:t>
+            </a:r>
+            <a:r>
+              <a:rPr lang="en-US" sz="1400" i="1" dirty="0" smtClean="0">
+                <a:solidFill>
+                  <a:srgbClr val="808080"/>
+                </a:solidFill>
+                <a:latin typeface="Menlo"/>
+              </a:rPr>
+              <a:t>keep the last 5 minute of data</a:t>
             </a:r>
             <a:r>
               <a:rPr lang="en-US" sz="1400" dirty="0">
@@ -23355,34 +23041,34 @@
               </a:rPr>
             </a:br>
             <a:r>
-              <a:rPr lang="en-US" sz="1400" dirty="0">
-                <a:solidFill>
-                  <a:srgbClr val="000000"/>
-                </a:solidFill>
-                <a:latin typeface="Menlo"/>
-              </a:rPr>
-              <a:t>		   </a:t>
-            </a:r>
-            <a:r>
               <a:rPr lang="en-US" sz="1400" dirty="0" smtClean="0">
                 <a:solidFill>
                   <a:srgbClr val="000000"/>
                 </a:solidFill>
                 <a:latin typeface="Menlo"/>
               </a:rPr>
-              <a:t> .</a:t>
-            </a:r>
-            <a:r>
-              <a:rPr lang="en-US" sz="1400" dirty="0">
-                <a:solidFill>
-                  <a:srgbClr val="000000"/>
-                </a:solidFill>
-                <a:latin typeface="Menlo"/>
-              </a:rPr>
-              <a:t>window(</a:t>
-            </a:r>
-            <a:r>
-              <a:rPr lang="en-US" sz="1400" dirty="0" err="1">
+              <a:t>		</a:t>
+            </a:r>
+            <a:r>
+              <a:rPr lang="en-US" sz="1400" dirty="0">
+                <a:solidFill>
+                  <a:srgbClr val="000000"/>
+                </a:solidFill>
+                <a:latin typeface="Menlo"/>
+              </a:rPr>
+              <a:t> </a:t>
+            </a:r>
+            <a:r>
+              <a:rPr lang="en-US" sz="1400" dirty="0" smtClean="0">
+                <a:solidFill>
+                  <a:srgbClr val="000000"/>
+                </a:solidFill>
+                <a:latin typeface="Menlo"/>
+              </a:rPr>
+              <a:t>  .window(</a:t>
+            </a:r>
+            <a:r>
+              <a:rPr lang="en-US" sz="1400" dirty="0" err="1" smtClean="0">
                 <a:solidFill>
                   <a:srgbClr val="000000"/>
                 </a:solidFill>
@@ -23391,7 +23077,7 @@
               <a:t>Time.of</a:t>
             </a:r>
             <a:r>
-              <a:rPr lang="en-US" sz="1400" dirty="0">
+              <a:rPr lang="en-US" sz="1400" dirty="0" smtClean="0">
                 <a:solidFill>
                   <a:srgbClr val="000000"/>
                 </a:solidFill>
@@ -23400,7 +23086,7 @@
               <a:t>(</a:t>
             </a:r>
             <a:r>
-              <a:rPr lang="en-US" sz="1400" dirty="0">
+              <a:rPr lang="en-US" sz="1400" dirty="0" smtClean="0">
                 <a:solidFill>
                   <a:srgbClr val="0000FF"/>
                 </a:solidFill>
@@ -23409,7 +23095,7 @@
               <a:t>5</a:t>
             </a:r>
             <a:r>
-              <a:rPr lang="en-US" sz="1400" dirty="0">
+              <a:rPr lang="en-US" sz="1400" dirty="0" smtClean="0">
                 <a:solidFill>
                   <a:srgbClr val="000000"/>
                 </a:solidFill>
@@ -23418,7 +23104,7 @@
               <a:t>, </a:t>
             </a:r>
             <a:r>
-              <a:rPr lang="en-US" sz="1400" dirty="0" err="1">
+              <a:rPr lang="en-US" sz="1400" dirty="0" err="1" smtClean="0">
                 <a:solidFill>
                   <a:srgbClr val="000000"/>
                 </a:solidFill>
@@ -23427,7 +23113,7 @@
               <a:t>TimeUnit.</a:t>
             </a:r>
             <a:r>
-              <a:rPr lang="en-US" sz="1400" i="1" dirty="0" err="1">
+              <a:rPr lang="en-US" sz="1400" i="1" dirty="0" err="1" smtClean="0">
                 <a:solidFill>
                   <a:srgbClr val="000000"/>
                 </a:solidFill>
@@ -23436,22 +23122,13 @@
               <a:t>MINUTES</a:t>
             </a:r>
             <a:r>
-              <a:rPr lang="en-US" sz="1400" dirty="0">
-                <a:solidFill>
-                  <a:srgbClr val="000000"/>
-                </a:solidFill>
-                <a:latin typeface="Menlo"/>
-              </a:rPr>
-              <a:t>)</a:t>
-            </a:r>
-            <a:r>
               <a:rPr lang="en-US" sz="1400" dirty="0" smtClean="0">
                 <a:solidFill>
                   <a:srgbClr val="000000"/>
                 </a:solidFill>
                 <a:latin typeface="Menlo"/>
               </a:rPr>
-              <a:t>)</a:t>
+              <a:t>))</a:t>
             </a:r>
           </a:p>
           <a:p>
@@ -23474,7 +23151,25 @@
                 </a:solidFill>
                 <a:latin typeface="Menlo"/>
               </a:rPr>
-              <a:t>//sum up tuple field "1"</a:t>
+              <a:t>/</a:t>
+            </a:r>
+            <a:r>
+              <a:rPr lang="en-US" sz="1400" i="1" dirty="0" smtClean="0">
+                <a:solidFill>
+                  <a:srgbClr val="808080"/>
+                </a:solidFill>
+                <a:latin typeface="Menlo"/>
+              </a:rPr>
+              <a:t>/sum up tuple field "1"</a:t>
+            </a:r>
+            <a:r>
+              <a:rPr lang="en-US" sz="1400" i="1" dirty="0">
+                <a:solidFill>
+                  <a:srgbClr val="808080"/>
+                </a:solidFill>
+                <a:latin typeface="Menlo"/>
+              </a:rPr>
+              <a:t/>
             </a:r>
             <a:br>
               <a:rPr lang="en-US" sz="1400" i="1" dirty="0">
@@ -23494,22 +23189,13 @@
               <a:t>            </a:t>
             </a:r>
             <a:r>
-              <a:rPr lang="en-US" sz="1400" dirty="0">
-                <a:solidFill>
-                  <a:srgbClr val="000000"/>
-                </a:solidFill>
-                <a:latin typeface="Menlo"/>
-              </a:rPr>
-              <a:t>.sum</a:t>
-            </a:r>
-            <a:r>
               <a:rPr lang="en-US" sz="1400" dirty="0" smtClean="0">
                 <a:solidFill>
                   <a:srgbClr val="000000"/>
                 </a:solidFill>
                 <a:latin typeface="Menlo"/>
               </a:rPr>
-              <a:t>(</a:t>
+              <a:t>.sum(</a:t>
             </a:r>
             <a:r>
               <a:rPr lang="en-US" sz="1400" dirty="0" smtClean="0">
@@ -23896,7 +23582,7 @@
       </p:sp>
       <p:sp>
         <p:nvSpPr>
-          <p:cNvPr id="6" name="Content Placeholder 2"/>
+          <p:cNvPr id="7" name="Content Placeholder 2"/>
           <p:cNvSpPr>
             <a:spLocks noGrp="1"/>
           </p:cNvSpPr>
@@ -24027,45 +23713,30 @@
             </a:r>
             <a:r>
               <a:rPr lang="en-US" sz="1400" dirty="0" err="1" smtClean="0">
-                <a:solidFill>
-                  <a:srgbClr val="000000"/>
-                </a:solidFill>
                 <a:latin typeface="Menlo"/>
               </a:rPr>
               <a:t>StreamExecutionEnvironment</a:t>
             </a:r>
             <a:r>
               <a:rPr lang="en-US" sz="1400" dirty="0" smtClean="0">
-                <a:solidFill>
-                  <a:srgbClr val="000000"/>
-                </a:solidFill>
                 <a:latin typeface="Menlo"/>
               </a:rPr>
               <a:t> </a:t>
             </a:r>
             <a:r>
               <a:rPr lang="en-US" sz="1400" dirty="0" err="1">
-                <a:solidFill>
-                  <a:srgbClr val="000000"/>
-                </a:solidFill>
                 <a:latin typeface="Menlo"/>
               </a:rPr>
               <a:t>env</a:t>
             </a:r>
             <a:r>
               <a:rPr lang="en-US" sz="1400" dirty="0">
-                <a:solidFill>
-                  <a:srgbClr val="000000"/>
-                </a:solidFill>
                 <a:latin typeface="Menlo"/>
               </a:rPr>
               <a:t> = </a:t>
             </a:r>
             <a:r>
               <a:rPr lang="en-US" sz="1400" dirty="0" smtClean="0">
-                <a:solidFill>
-                  <a:srgbClr val="000000"/>
-                </a:solidFill>
                 <a:latin typeface="Menlo"/>
               </a:rPr>
               <a:t>				    		</a:t>
@@ -24077,54 +23748,36 @@
             </a:pPr>
             <a:r>
               <a:rPr lang="en-US" sz="1400" dirty="0">
-                <a:solidFill>
-                  <a:srgbClr val="000000"/>
-                </a:solidFill>
                 <a:latin typeface="Menlo"/>
               </a:rPr>
               <a:t>	</a:t>
             </a:r>
             <a:r>
               <a:rPr lang="en-US" sz="1400" dirty="0" smtClean="0">
-                <a:solidFill>
-                  <a:srgbClr val="000000"/>
-                </a:solidFill>
                 <a:latin typeface="Menlo"/>
               </a:rPr>
               <a:t>	</a:t>
             </a:r>
             <a:r>
               <a:rPr lang="en-US" sz="1400" dirty="0" err="1" smtClean="0">
-                <a:solidFill>
-                  <a:srgbClr val="000000"/>
-                </a:solidFill>
                 <a:latin typeface="Menlo"/>
               </a:rPr>
               <a:t>StreamExecutionEnvironment.</a:t>
             </a:r>
             <a:r>
               <a:rPr lang="en-US" sz="1400" i="1" dirty="0" err="1" smtClean="0">
-                <a:solidFill>
-                  <a:srgbClr val="000000"/>
-                </a:solidFill>
                 <a:latin typeface="Menlo"/>
               </a:rPr>
               <a:t>getExecutionEnvironment</a:t>
             </a:r>
             <a:r>
               <a:rPr lang="en-US" sz="1400" dirty="0">
-                <a:solidFill>
-                  <a:srgbClr val="000000"/>
-                </a:solidFill>
                 <a:latin typeface="Menlo"/>
               </a:rPr>
               <a:t>()</a:t>
             </a:r>
             <a:r>
               <a:rPr lang="en-US" sz="1400" dirty="0" smtClean="0">
-                <a:solidFill>
-                  <a:srgbClr val="000000"/>
-                </a:solidFill>
                 <a:latin typeface="Menlo"/>
               </a:rPr>
               <a:t>;</a:t>
@@ -24565,13 +24218,31 @@
               <a:buNone/>
             </a:pPr>
             <a:r>
+              <a:rPr lang="en-US" sz="1400" i="1" dirty="0">
+                <a:solidFill>
+                  <a:srgbClr val="000000"/>
+                </a:solidFill>
+                <a:latin typeface="Menlo"/>
+              </a:rPr>
+              <a:t> </a:t>
+            </a:r>
+            <a:r>
               <a:rPr lang="en-US" sz="1400" i="1" dirty="0" smtClean="0">
                 <a:solidFill>
-                  <a:srgbClr val="808080"/>
-                </a:solidFill>
-                <a:latin typeface="Menlo"/>
-              </a:rPr>
-              <a:t>            /</a:t>
+                  <a:srgbClr val="000000"/>
+                </a:solidFill>
+                <a:latin typeface="Menlo"/>
+              </a:rPr>
+              <a:t>           </a:t>
+            </a:r>
+            <a:r>
+              <a:rPr lang="en-US" sz="1400" i="1" dirty="0" smtClean="0">
+                <a:solidFill>
+                  <a:srgbClr val="808080"/>
+                </a:solidFill>
+                <a:latin typeface="Menlo"/>
+              </a:rPr>
+              <a:t>/</a:t>
             </a:r>
             <a:r>
               <a:rPr lang="en-US" sz="1400" i="1" dirty="0">
@@ -24580,7 +24251,16 @@
                 </a:solidFill>
                 <a:latin typeface="Menlo"/>
               </a:rPr>
-              <a:t>/ keep the last 5 minute of data</a:t>
+              <a:t>/ </a:t>
+            </a:r>
+            <a:r>
+              <a:rPr lang="en-US" sz="1400" i="1" dirty="0" smtClean="0">
+                <a:solidFill>
+                  <a:srgbClr val="808080"/>
+                </a:solidFill>
+                <a:latin typeface="Menlo"/>
+              </a:rPr>
+              <a:t>keep the last 5 minute of data</a:t>
             </a:r>
             <a:r>
               <a:rPr lang="en-US" sz="1400" dirty="0">
@@ -24600,26 +24280,35 @@
               </a:rPr>
             </a:br>
             <a:r>
-              <a:rPr lang="en-US" sz="1400" dirty="0">
-                <a:solidFill>
-                  <a:srgbClr val="000000"/>
-                </a:solidFill>
-                <a:latin typeface="Menlo"/>
-              </a:rPr>
-              <a:t>		   </a:t>
-            </a:r>
-            <a:r>
               <a:rPr lang="en-US" sz="1400" dirty="0" smtClean="0">
                 <a:solidFill>
                   <a:srgbClr val="000000"/>
                 </a:solidFill>
                 <a:latin typeface="Menlo"/>
               </a:rPr>
-              <a:t> .</a:t>
+              <a:t>		</a:t>
+            </a:r>
+            <a:r>
+              <a:rPr lang="en-US" sz="1400" dirty="0">
+                <a:solidFill>
+                  <a:srgbClr val="000000"/>
+                </a:solidFill>
+                <a:latin typeface="Menlo"/>
+              </a:rPr>
+              <a:t> </a:t>
             </a:r>
             <a:r>
               <a:rPr lang="en-US" sz="1400" dirty="0" smtClean="0">
                 <a:solidFill>
+                  <a:srgbClr val="000000"/>
+                </a:solidFill>
+                <a:latin typeface="Menlo"/>
+              </a:rPr>
+              <a:t>  .</a:t>
+            </a:r>
+            <a:r>
+              <a:rPr lang="en-US" sz="1400" dirty="0" smtClean="0">
+                <a:solidFill>
                   <a:srgbClr val="FF0000"/>
                 </a:solidFill>
                 <a:latin typeface="Menlo"/>
@@ -24627,7 +24316,7 @@
               <a:t>window</a:t>
             </a:r>
             <a:r>
-              <a:rPr lang="en-US" sz="1400" dirty="0">
+              <a:rPr lang="en-US" sz="1400" dirty="0" smtClean="0">
                 <a:solidFill>
                   <a:srgbClr val="000000"/>
                 </a:solidFill>
@@ -24636,7 +24325,7 @@
               <a:t>(</a:t>
             </a:r>
             <a:r>
-              <a:rPr lang="en-US" sz="1400" dirty="0" err="1">
+              <a:rPr lang="en-US" sz="1400" dirty="0" err="1" smtClean="0">
                 <a:solidFill>
                   <a:srgbClr val="000000"/>
                 </a:solidFill>
@@ -24645,7 +24334,7 @@
               <a:t>Time.of</a:t>
             </a:r>
             <a:r>
-              <a:rPr lang="en-US" sz="1400" dirty="0">
+              <a:rPr lang="en-US" sz="1400" dirty="0" smtClean="0">
                 <a:solidFill>
                   <a:srgbClr val="000000"/>
                 </a:solidFill>
@@ -24654,7 +24343,7 @@
               <a:t>(</a:t>
             </a:r>
             <a:r>
-              <a:rPr lang="en-US" sz="1400" dirty="0">
+              <a:rPr lang="en-US" sz="1400" dirty="0" smtClean="0">
                 <a:solidFill>
                   <a:srgbClr val="0000FF"/>
                 </a:solidFill>
@@ -24663,7 +24352,7 @@
               <a:t>5</a:t>
             </a:r>
             <a:r>
-              <a:rPr lang="en-US" sz="1400" dirty="0">
+              <a:rPr lang="en-US" sz="1400" dirty="0" smtClean="0">
                 <a:solidFill>
                   <a:srgbClr val="000000"/>
                 </a:solidFill>
@@ -24672,7 +24361,7 @@
               <a:t>, </a:t>
             </a:r>
             <a:r>
-              <a:rPr lang="en-US" sz="1400" dirty="0" err="1">
+              <a:rPr lang="en-US" sz="1400" dirty="0" err="1" smtClean="0">
                 <a:solidFill>
                   <a:srgbClr val="000000"/>
                 </a:solidFill>
@@ -24681,7 +24370,7 @@
               <a:t>TimeUnit.</a:t>
             </a:r>
             <a:r>
-              <a:rPr lang="en-US" sz="1400" i="1" dirty="0" err="1">
+              <a:rPr lang="en-US" sz="1400" i="1" dirty="0" err="1" smtClean="0">
                 <a:solidFill>
                   <a:srgbClr val="000000"/>
                 </a:solidFill>
@@ -24690,7 +24379,7 @@
               <a:t>MINUTES</a:t>
             </a:r>
             <a:r>
-              <a:rPr lang="en-US" sz="1400" dirty="0">
+              <a:rPr lang="en-US" sz="1400" dirty="0" smtClean="0">
                 <a:solidFill>
                   <a:srgbClr val="000000"/>
                 </a:solidFill>
@@ -24698,16 +24387,13 @@
               </a:rPr>
               <a:t>))</a:t>
             </a:r>
-            <a:br>
-              <a:rPr lang="en-US" sz="1400" dirty="0">
-                <a:solidFill>
-                  <a:srgbClr val="000000"/>
-                </a:solidFill>
-                <a:latin typeface="Menlo"/>
-              </a:rPr>
-            </a:br>
-            <a:r>
-              <a:rPr lang="en-US" sz="1400" dirty="0">
+          </a:p>
+          <a:p>
+            <a:pPr marL="0" indent="0">
+              <a:buNone/>
+            </a:pPr>
+            <a:r>
+              <a:rPr lang="en-US" sz="1400" dirty="0" smtClean="0">
                 <a:solidFill>
                   <a:srgbClr val="000000"/>
                 </a:solidFill>
@@ -24722,7 +24408,25 @@
                 </a:solidFill>
                 <a:latin typeface="Menlo"/>
               </a:rPr>
-              <a:t>//sum up tuple field "1"</a:t>
+              <a:t>/</a:t>
+            </a:r>
+            <a:r>
+              <a:rPr lang="en-US" sz="1400" i="1" dirty="0" smtClean="0">
+                <a:solidFill>
+                  <a:srgbClr val="808080"/>
+                </a:solidFill>
+                <a:latin typeface="Menlo"/>
+              </a:rPr>
+              <a:t>/sum up tuple field "1"</a:t>
+            </a:r>
+            <a:r>
+              <a:rPr lang="en-US" sz="1400" i="1" dirty="0">
+                <a:solidFill>
+                  <a:srgbClr val="808080"/>
+                </a:solidFill>
+                <a:latin typeface="Menlo"/>
+              </a:rPr>
+              <a:t/>
             </a:r>
             <a:br>
               <a:rPr lang="en-US" sz="1400" i="1" dirty="0">
@@ -24742,7 +24446,7 @@
               <a:t>            </a:t>
             </a:r>
             <a:r>
-              <a:rPr lang="en-US" sz="1400" dirty="0">
+              <a:rPr lang="en-US" sz="1400" dirty="0" smtClean="0">
                 <a:solidFill>
                   <a:srgbClr val="000000"/>
                 </a:solidFill>
@@ -24751,7 +24455,7 @@
               <a:t>.</a:t>
             </a:r>
             <a:r>
-              <a:rPr lang="en-US" sz="1400" dirty="0">
+              <a:rPr lang="en-US" sz="1400" dirty="0" smtClean="0">
                 <a:solidFill>
                   <a:srgbClr val="FF0000"/>
                 </a:solidFill>
@@ -25153,7 +24857,7 @@
       </p:sp>
       <p:sp>
         <p:nvSpPr>
-          <p:cNvPr id="8" name="Content Placeholder 2"/>
+          <p:cNvPr id="6" name="Content Placeholder 2"/>
           <p:cNvSpPr>
             <a:spLocks noGrp="1"/>
           </p:cNvSpPr>
@@ -25284,45 +24988,30 @@
             </a:r>
             <a:r>
               <a:rPr lang="en-US" sz="1400" dirty="0" err="1" smtClean="0">
-                <a:solidFill>
-                  <a:srgbClr val="000000"/>
-                </a:solidFill>
                 <a:latin typeface="Menlo"/>
               </a:rPr>
               <a:t>StreamExecutionEnvironment</a:t>
             </a:r>
             <a:r>
               <a:rPr lang="en-US" sz="1400" dirty="0" smtClean="0">
-                <a:solidFill>
-                  <a:srgbClr val="000000"/>
-                </a:solidFill>
                 <a:latin typeface="Menlo"/>
               </a:rPr>
               <a:t> </a:t>
             </a:r>
             <a:r>
               <a:rPr lang="en-US" sz="1400" dirty="0" err="1">
-                <a:solidFill>
-                  <a:srgbClr val="000000"/>
-                </a:solidFill>
                 <a:latin typeface="Menlo"/>
               </a:rPr>
               <a:t>env</a:t>
             </a:r>
             <a:r>
               <a:rPr lang="en-US" sz="1400" dirty="0">
-                <a:solidFill>
-                  <a:srgbClr val="000000"/>
-                </a:solidFill>
                 <a:latin typeface="Menlo"/>
               </a:rPr>
               <a:t> = </a:t>
             </a:r>
             <a:r>
               <a:rPr lang="en-US" sz="1400" dirty="0" smtClean="0">
-                <a:solidFill>
-                  <a:srgbClr val="000000"/>
-                </a:solidFill>
                 <a:latin typeface="Menlo"/>
               </a:rPr>
               <a:t>				    		</a:t>
@@ -25334,54 +25023,36 @@
             </a:pPr>
             <a:r>
               <a:rPr lang="en-US" sz="1400" dirty="0">
-                <a:solidFill>
-                  <a:srgbClr val="000000"/>
-                </a:solidFill>
                 <a:latin typeface="Menlo"/>
               </a:rPr>
               <a:t>	</a:t>
             </a:r>
             <a:r>
               <a:rPr lang="en-US" sz="1400" dirty="0" smtClean="0">
-                <a:solidFill>
-                  <a:srgbClr val="000000"/>
-                </a:solidFill>
                 <a:latin typeface="Menlo"/>
               </a:rPr>
               <a:t>	</a:t>
             </a:r>
             <a:r>
               <a:rPr lang="en-US" sz="1400" dirty="0" err="1" smtClean="0">
-                <a:solidFill>
-                  <a:srgbClr val="000000"/>
-                </a:solidFill>
                 <a:latin typeface="Menlo"/>
               </a:rPr>
               <a:t>StreamExecutionEnvironment.</a:t>
             </a:r>
             <a:r>
               <a:rPr lang="en-US" sz="1400" i="1" dirty="0" err="1" smtClean="0">
-                <a:solidFill>
-                  <a:srgbClr val="000000"/>
-                </a:solidFill>
                 <a:latin typeface="Menlo"/>
               </a:rPr>
               <a:t>getExecutionEnvironment</a:t>
             </a:r>
             <a:r>
               <a:rPr lang="en-US" sz="1400" dirty="0">
-                <a:solidFill>
-                  <a:srgbClr val="000000"/>
-                </a:solidFill>
                 <a:latin typeface="Menlo"/>
               </a:rPr>
               <a:t>()</a:t>
             </a:r>
             <a:r>
               <a:rPr lang="en-US" sz="1400" dirty="0" smtClean="0">
-                <a:solidFill>
-                  <a:srgbClr val="000000"/>
-                </a:solidFill>
                 <a:latin typeface="Menlo"/>
               </a:rPr>
               <a:t>;</a:t>
@@ -25831,13 +25502,31 @@
               <a:buNone/>
             </a:pPr>
             <a:r>
+              <a:rPr lang="en-US" sz="1400" i="1" dirty="0">
+                <a:solidFill>
+                  <a:srgbClr val="000000"/>
+                </a:solidFill>
+                <a:latin typeface="Menlo"/>
+              </a:rPr>
+              <a:t> </a:t>
+            </a:r>
+            <a:r>
               <a:rPr lang="en-US" sz="1400" i="1" dirty="0" smtClean="0">
                 <a:solidFill>
-                  <a:srgbClr val="808080"/>
-                </a:solidFill>
-                <a:latin typeface="Menlo"/>
-              </a:rPr>
-              <a:t>            /</a:t>
+                  <a:srgbClr val="000000"/>
+                </a:solidFill>
+                <a:latin typeface="Menlo"/>
+              </a:rPr>
+              <a:t>           </a:t>
+            </a:r>
+            <a:r>
+              <a:rPr lang="en-US" sz="1400" i="1" dirty="0" smtClean="0">
+                <a:solidFill>
+                  <a:srgbClr val="808080"/>
+                </a:solidFill>
+                <a:latin typeface="Menlo"/>
+              </a:rPr>
+              <a:t>/</a:t>
             </a:r>
             <a:r>
               <a:rPr lang="en-US" sz="1400" i="1" dirty="0">
@@ -25846,7 +25535,16 @@
                 </a:solidFill>
                 <a:latin typeface="Menlo"/>
               </a:rPr>
-              <a:t>/ keep the last 5 minute of data</a:t>
+              <a:t>/ </a:t>
+            </a:r>
+            <a:r>
+              <a:rPr lang="en-US" sz="1400" i="1" dirty="0" smtClean="0">
+                <a:solidFill>
+                  <a:srgbClr val="808080"/>
+                </a:solidFill>
+                <a:latin typeface="Menlo"/>
+              </a:rPr>
+              <a:t>keep the last 5 minute of data</a:t>
             </a:r>
             <a:r>
               <a:rPr lang="en-US" sz="1400" dirty="0">
@@ -25866,34 +25564,34 @@
               </a:rPr>
             </a:br>
             <a:r>
-              <a:rPr lang="en-US" sz="1400" dirty="0">
-                <a:solidFill>
-                  <a:srgbClr val="000000"/>
-                </a:solidFill>
-                <a:latin typeface="Menlo"/>
-              </a:rPr>
-              <a:t>		   </a:t>
-            </a:r>
-            <a:r>
               <a:rPr lang="en-US" sz="1400" dirty="0" smtClean="0">
                 <a:solidFill>
                   <a:srgbClr val="000000"/>
                 </a:solidFill>
                 <a:latin typeface="Menlo"/>
               </a:rPr>
-              <a:t> .</a:t>
-            </a:r>
-            <a:r>
-              <a:rPr lang="en-US" sz="1400" dirty="0">
-                <a:solidFill>
-                  <a:srgbClr val="000000"/>
-                </a:solidFill>
-                <a:latin typeface="Menlo"/>
-              </a:rPr>
-              <a:t>window(</a:t>
-            </a:r>
-            <a:r>
-              <a:rPr lang="en-US" sz="1400" dirty="0" err="1">
+              <a:t>		</a:t>
+            </a:r>
+            <a:r>
+              <a:rPr lang="en-US" sz="1400" dirty="0">
+                <a:solidFill>
+                  <a:srgbClr val="000000"/>
+                </a:solidFill>
+                <a:latin typeface="Menlo"/>
+              </a:rPr>
+              <a:t> </a:t>
+            </a:r>
+            <a:r>
+              <a:rPr lang="en-US" sz="1400" dirty="0" smtClean="0">
+                <a:solidFill>
+                  <a:srgbClr val="000000"/>
+                </a:solidFill>
+                <a:latin typeface="Menlo"/>
+              </a:rPr>
+              <a:t>  .window(</a:t>
+            </a:r>
+            <a:r>
+              <a:rPr lang="en-US" sz="1400" dirty="0" err="1" smtClean="0">
                 <a:solidFill>
                   <a:srgbClr val="000000"/>
                 </a:solidFill>
@@ -25902,7 +25600,7 @@
               <a:t>Time.of</a:t>
             </a:r>
             <a:r>
-              <a:rPr lang="en-US" sz="1400" dirty="0">
+              <a:rPr lang="en-US" sz="1400" dirty="0" smtClean="0">
                 <a:solidFill>
                   <a:srgbClr val="000000"/>
                 </a:solidFill>
@@ -25911,7 +25609,7 @@
               <a:t>(</a:t>
             </a:r>
             <a:r>
-              <a:rPr lang="en-US" sz="1400" dirty="0">
+              <a:rPr lang="en-US" sz="1400" dirty="0" smtClean="0">
                 <a:solidFill>
                   <a:srgbClr val="0000FF"/>
                 </a:solidFill>
@@ -25920,7 +25618,7 @@
               <a:t>5</a:t>
             </a:r>
             <a:r>
-              <a:rPr lang="en-US" sz="1400" dirty="0">
+              <a:rPr lang="en-US" sz="1400" dirty="0" smtClean="0">
                 <a:solidFill>
                   <a:srgbClr val="000000"/>
                 </a:solidFill>
@@ -25929,7 +25627,7 @@
               <a:t>, </a:t>
             </a:r>
             <a:r>
-              <a:rPr lang="en-US" sz="1400" dirty="0" err="1">
+              <a:rPr lang="en-US" sz="1400" dirty="0" err="1" smtClean="0">
                 <a:solidFill>
                   <a:srgbClr val="000000"/>
                 </a:solidFill>
@@ -25938,7 +25636,7 @@
               <a:t>TimeUnit.</a:t>
             </a:r>
             <a:r>
-              <a:rPr lang="en-US" sz="1400" i="1" dirty="0" err="1">
+              <a:rPr lang="en-US" sz="1400" i="1" dirty="0" err="1" smtClean="0">
                 <a:solidFill>
                   <a:srgbClr val="000000"/>
                 </a:solidFill>
@@ -25947,7 +25645,7 @@
               <a:t>MINUTES</a:t>
             </a:r>
             <a:r>
-              <a:rPr lang="en-US" sz="1400" dirty="0">
+              <a:rPr lang="en-US" sz="1400" dirty="0" smtClean="0">
                 <a:solidFill>
                   <a:srgbClr val="000000"/>
                 </a:solidFill>
@@ -25955,16 +25653,13 @@
               </a:rPr>
               <a:t>))</a:t>
             </a:r>
-            <a:br>
-              <a:rPr lang="en-US" sz="1400" dirty="0">
-                <a:solidFill>
-                  <a:srgbClr val="000000"/>
-                </a:solidFill>
-                <a:latin typeface="Menlo"/>
-              </a:rPr>
-            </a:br>
-            <a:r>
-              <a:rPr lang="en-US" sz="1400" dirty="0">
+          </a:p>
+          <a:p>
+            <a:pPr marL="0" indent="0">
+              <a:buNone/>
+            </a:pPr>
+            <a:r>
+              <a:rPr lang="en-US" sz="1400" dirty="0" smtClean="0">
                 <a:solidFill>
                   <a:srgbClr val="000000"/>
                 </a:solidFill>
@@ -25979,7 +25674,25 @@
                 </a:solidFill>
                 <a:latin typeface="Menlo"/>
               </a:rPr>
-              <a:t>//sum up tuple field "1"</a:t>
+              <a:t>/</a:t>
+            </a:r>
+            <a:r>
+              <a:rPr lang="en-US" sz="1400" i="1" dirty="0" smtClean="0">
+                <a:solidFill>
+                  <a:srgbClr val="808080"/>
+                </a:solidFill>
+                <a:latin typeface="Menlo"/>
+              </a:rPr>
+              <a:t>/sum up tuple field "1"</a:t>
+            </a:r>
+            <a:r>
+              <a:rPr lang="en-US" sz="1400" i="1" dirty="0">
+                <a:solidFill>
+                  <a:srgbClr val="808080"/>
+                </a:solidFill>
+                <a:latin typeface="Menlo"/>
+              </a:rPr>
+              <a:t/>
             </a:r>
             <a:br>
               <a:rPr lang="en-US" sz="1400" i="1" dirty="0">
@@ -25999,22 +25712,13 @@
               <a:t>            </a:t>
             </a:r>
             <a:r>
-              <a:rPr lang="en-US" sz="1400" dirty="0">
-                <a:solidFill>
-                  <a:srgbClr val="000000"/>
-                </a:solidFill>
-                <a:latin typeface="Menlo"/>
-              </a:rPr>
-              <a:t>.sum</a:t>
-            </a:r>
-            <a:r>
               <a:rPr lang="en-US" sz="1400" dirty="0" smtClean="0">
                 <a:solidFill>
                   <a:srgbClr val="000000"/>
                 </a:solidFill>
                 <a:latin typeface="Menlo"/>
               </a:rPr>
-              <a:t>(</a:t>
+              <a:t>.sum(</a:t>
             </a:r>
             <a:r>
               <a:rPr lang="en-US" sz="1400" dirty="0" smtClean="0">
@@ -26123,6 +25827,9 @@
             </a:r>
             <a:r>
               <a:rPr lang="en-US" sz="1400" dirty="0" err="1" smtClean="0">
+                <a:solidFill>
+                  <a:srgbClr val="000000"/>
+                </a:solidFill>
                 <a:latin typeface="Menlo"/>
               </a:rPr>
               <a:t>counts.print</a:t>

--- a/slides/flink_stream_basics.pptx
+++ b/slides/flink_stream_basics.pptx
@@ -149,7 +149,7 @@
   </p:defaultTextStyle>
   <p:extLst>
     <p:ext uri="{EFAFB233-063F-42B5-8137-9DF3F51BA10A}">
-      <p15:sldGuideLst xmlns="" xmlns:p15="http://schemas.microsoft.com/office/powerpoint/2012/main">
+      <p15:sldGuideLst xmlns:p15="http://schemas.microsoft.com/office/powerpoint/2012/main" xmlns="">
         <p15:guide id="1" orient="horz" pos="2160">
           <p15:clr>
             <a:srgbClr val="A4A3A4"/>
@@ -248,7 +248,7 @@
           <a:p>
             <a:fld id="{F01141F9-3E73-7448-86C2-E96D93FE379F}" type="datetimeFigureOut">
               <a:rPr lang="en-US" smtClean="0"/>
-              <a:t>10/12/15</a:t>
+              <a:t>29/03/16</a:t>
             </a:fld>
             <a:endParaRPr lang="en-US"/>
           </a:p>
@@ -4105,17 +4105,7 @@
                 <a:latin typeface="Avenir Book"/>
                 <a:cs typeface="Avenir Book"/>
               </a:rPr>
-              <a:t>December 10, </a:t>
-            </a:r>
-            <a:r>
-              <a:rPr lang="en-US" dirty="0" smtClean="0">
-                <a:solidFill>
-                  <a:schemeClr val="bg1"/>
-                </a:solidFill>
-                <a:latin typeface="Avenir Book"/>
-                <a:cs typeface="Avenir Book"/>
-              </a:rPr>
-              <a:t>2015</a:t>
+              <a:t>December 10, 2015</a:t>
             </a:r>
             <a:endParaRPr lang="en-US" dirty="0">
               <a:solidFill>
@@ -11755,11 +11745,7 @@
           <a:p>
             <a:r>
               <a:rPr lang="en-US" dirty="0" smtClean="0"/>
-              <a:t>Stream </a:t>
-            </a:r>
-            <a:r>
-              <a:rPr lang="en-US" dirty="0" smtClean="0"/>
-              <a:t>Processing</a:t>
+              <a:t>Stream Processing</a:t>
             </a:r>
           </a:p>
           <a:p>
@@ -11782,12 +11768,13 @@
           <a:p>
             <a:r>
               <a:rPr lang="en-US" dirty="0" smtClean="0"/>
-              <a:t>All examples here in </a:t>
+              <a:t>All examples here in Java for Flink </a:t>
             </a:r>
             <a:r>
               <a:rPr lang="en-US" dirty="0" smtClean="0"/>
-              <a:t>Java for Flink 0.10</a:t>
-            </a:r>
+              <a:t>1.0</a:t>
+            </a:r>
+            <a:endParaRPr lang="en-US" dirty="0" smtClean="0"/>
           </a:p>
           <a:p>
             <a:endParaRPr lang="en-US" sz="1400" dirty="0" smtClean="0"/>
@@ -11797,7 +11784,6 @@
               <a:rPr lang="en-US" dirty="0" smtClean="0"/>
               <a:t>Documentation available at </a:t>
             </a:r>
-            <a:endParaRPr lang="en-US" dirty="0" smtClean="0"/>
           </a:p>
           <a:p>
             <a:pPr marL="0" indent="0" algn="ctr">
@@ -12592,23 +12578,7 @@
           <a:p>
             <a:r>
               <a:rPr lang="en-US" dirty="0" smtClean="0"/>
-              <a:t>A DataStream </a:t>
-            </a:r>
-            <a:r>
-              <a:rPr lang="en-US" dirty="0" smtClean="0"/>
-              <a:t>can be </a:t>
-            </a:r>
-            <a:r>
-              <a:rPr lang="en-US" dirty="0" smtClean="0"/>
-              <a:t>organized by </a:t>
-            </a:r>
-            <a:r>
-              <a:rPr lang="en-US" dirty="0" smtClean="0"/>
-              <a:t>a </a:t>
-            </a:r>
-            <a:r>
-              <a:rPr lang="en-US" dirty="0" smtClean="0"/>
-              <a:t>key</a:t>
+              <a:t>A DataStream can be organized by a key</a:t>
             </a:r>
           </a:p>
           <a:p>
@@ -14066,11 +14036,7 @@
           <a:p>
             <a:r>
               <a:rPr lang="en-US" dirty="0" smtClean="0"/>
-              <a:t>Rich </a:t>
-            </a:r>
-            <a:r>
-              <a:rPr lang="en-US" dirty="0" smtClean="0"/>
-              <a:t>Functions</a:t>
+              <a:t>Rich Functions</a:t>
             </a:r>
             <a:endParaRPr lang="en-US" dirty="0"/>
           </a:p>
@@ -14500,15 +14466,7 @@
           <a:p>
             <a:r>
               <a:rPr lang="en-US" sz="2800" dirty="0" smtClean="0"/>
-              <a:t>Hands out </a:t>
-            </a:r>
-            <a:r>
-              <a:rPr lang="en-US" sz="2800" dirty="0" smtClean="0"/>
-              <a:t>partitioned </a:t>
-            </a:r>
-            <a:r>
-              <a:rPr lang="en-US" sz="2800" dirty="0" smtClean="0"/>
-              <a:t>state (later discussed)</a:t>
+              <a:t>Hands out partitioned state (later discussed)</a:t>
             </a:r>
           </a:p>
           <a:p>
@@ -15176,11 +15134,7 @@
           <a:p>
             <a:r>
               <a:rPr lang="en-US" sz="4000" dirty="0" smtClean="0"/>
-              <a:t>Data Sources: </a:t>
-            </a:r>
-            <a:r>
-              <a:rPr lang="en-US" sz="4000" dirty="0" smtClean="0"/>
-              <a:t>Files &amp; Sockets</a:t>
+              <a:t>Data Sources: Files &amp; Sockets</a:t>
             </a:r>
             <a:endParaRPr lang="en-US" sz="4000" dirty="0"/>
           </a:p>
@@ -15747,14 +15701,7 @@
                 <a:latin typeface="Menlo Regular"/>
                 <a:cs typeface="Menlo Regular"/>
               </a:rPr>
-              <a:t>)</a:t>
-            </a:r>
-            <a:r>
-              <a:rPr lang="en-US" sz="1600" dirty="0" smtClean="0">
-                <a:latin typeface="Menlo Regular"/>
-                <a:cs typeface="Menlo Regular"/>
-              </a:rPr>
-              <a:t>;</a:t>
+              <a:t>);</a:t>
             </a:r>
             <a:endParaRPr lang="en-US" sz="1600" dirty="0">
               <a:latin typeface="Menlo Regular"/>
@@ -16126,15 +16073,6 @@
               </a:rPr>
               <a:t>());</a:t>
             </a:r>
-            <a:r>
-              <a:rPr lang="en-US" sz="1600" dirty="0">
-                <a:solidFill>
-                  <a:srgbClr val="000000"/>
-                </a:solidFill>
-                <a:latin typeface="Menlo"/>
-              </a:rPr>
-              <a:t/>
-            </a:r>
             <a:br>
               <a:rPr lang="en-US" sz="1600" dirty="0">
                 <a:solidFill>
@@ -16567,10 +16505,6 @@
               </a:rPr>
               <a:t>()</a:t>
             </a:r>
-            <a:endParaRPr lang="en-US" b="1" dirty="0" smtClean="0">
-              <a:latin typeface="Avenir Book"/>
-              <a:cs typeface="Avenir Book"/>
-            </a:endParaRPr>
           </a:p>
           <a:p>
             <a:r>
@@ -16637,14 +16571,7 @@
                 <a:latin typeface="Menlo Regular"/>
                 <a:cs typeface="Menlo Regular"/>
               </a:rPr>
-              <a:t>“/path/to/file”</a:t>
-            </a:r>
-            <a:r>
-              <a:rPr lang="en-US" sz="2400" dirty="0" smtClean="0">
-                <a:latin typeface="Menlo Regular"/>
-                <a:cs typeface="Menlo Regular"/>
-              </a:rPr>
-              <a:t>)</a:t>
+              <a:t>“/path/to/file”)</a:t>
             </a:r>
           </a:p>
           <a:p>
@@ -17175,17 +17102,7 @@
                 <a:latin typeface="Avenir Book"/>
                 <a:cs typeface="Avenir Book"/>
               </a:rPr>
-              <a:t>Programs are lazily </a:t>
-            </a:r>
-            <a:r>
-              <a:rPr lang="en-US" sz="2600" dirty="0" smtClean="0">
-                <a:solidFill>
-                  <a:srgbClr val="000000"/>
-                </a:solidFill>
-                <a:latin typeface="Avenir Book"/>
-                <a:cs typeface="Avenir Book"/>
-              </a:rPr>
-              <a:t>executed when </a:t>
+              <a:t>Programs are lazily executed when </a:t>
             </a:r>
             <a:r>
               <a:rPr lang="en-US" sz="2600" dirty="0" smtClean="0">
@@ -17195,17 +17112,7 @@
                 <a:latin typeface="Menlo Regular"/>
                 <a:cs typeface="Menlo Regular"/>
               </a:rPr>
-              <a:t>execute</a:t>
-            </a:r>
-            <a:r>
-              <a:rPr lang="en-US" sz="2600" dirty="0" smtClean="0">
-                <a:solidFill>
-                  <a:srgbClr val="000000"/>
-                </a:solidFill>
-                <a:latin typeface="Menlo Regular"/>
-                <a:cs typeface="Menlo Regular"/>
-              </a:rPr>
-              <a:t>()</a:t>
+              <a:t>execute()</a:t>
             </a:r>
             <a:r>
               <a:rPr lang="en-US" sz="2600" dirty="0" smtClean="0">
@@ -17247,16 +17154,7 @@
                 </a:solidFill>
                 <a:latin typeface="Menlo"/>
               </a:rPr>
-              <a:t>DataStream</a:t>
-            </a:r>
-            <a:r>
-              <a:rPr lang="en-US" sz="2400" dirty="0" smtClean="0">
-                <a:solidFill>
-                  <a:srgbClr val="000000"/>
-                </a:solidFill>
-                <a:latin typeface="Menlo"/>
-              </a:rPr>
-              <a:t>&lt;</a:t>
+              <a:t>DataStream&lt;</a:t>
             </a:r>
             <a:r>
               <a:rPr lang="en-US" sz="2400" dirty="0">
@@ -17735,11 +17633,7 @@
             </a:br>
             <a:r>
               <a:rPr lang="en-US" dirty="0" smtClean="0"/>
-              <a:t>Operator </a:t>
-            </a:r>
-            <a:r>
-              <a:rPr lang="en-US" dirty="0" smtClean="0"/>
-              <a:t>State</a:t>
+              <a:t>Operator State</a:t>
             </a:r>
             <a:br>
               <a:rPr lang="en-US" dirty="0" smtClean="0"/>
@@ -17894,15 +17788,7 @@
             </a:r>
             <a:r>
               <a:rPr lang="en-US" sz="1800" dirty="0" smtClean="0"/>
-              <a:t>takes </a:t>
-            </a:r>
-            <a:r>
-              <a:rPr lang="en-US" sz="1800" dirty="0" smtClean="0"/>
-              <a:t>a </a:t>
-            </a:r>
-            <a:r>
-              <a:rPr lang="en-US" sz="1800" dirty="0" smtClean="0"/>
-              <a:t>checkpoint of an application every </a:t>
+              <a:t>takes a checkpoint of an application every </a:t>
             </a:r>
             <a:r>
               <a:rPr lang="en-US" sz="1800" i="1" dirty="0" smtClean="0"/>
@@ -17911,21 +17797,13 @@
             <a:r>
               <a:rPr lang="en-US" sz="1800" dirty="0" smtClean="0"/>
               <a:t> milliseconds and </a:t>
-            </a:r>
-            <a:r>
-              <a:rPr lang="en-US" sz="1800" dirty="0" smtClean="0"/>
-              <a:t/>
             </a:r>
             <a:br>
               <a:rPr lang="en-US" sz="1800" dirty="0" smtClean="0"/>
             </a:br>
             <a:r>
               <a:rPr lang="en-US" sz="1800" dirty="0" smtClean="0"/>
-              <a:t>rolls back </a:t>
-            </a:r>
-            <a:r>
-              <a:rPr lang="en-US" sz="1800" dirty="0" smtClean="0"/>
-              <a:t>to the </a:t>
+              <a:t>rolls back to the </a:t>
             </a:r>
             <a:r>
               <a:rPr lang="en-US" sz="1800" dirty="0" err="1" smtClean="0"/>
@@ -17933,11 +17811,7 @@
             </a:r>
             <a:r>
               <a:rPr lang="en-US" sz="1800" dirty="0" smtClean="0"/>
-              <a:t> state </a:t>
-            </a:r>
-            <a:r>
-              <a:rPr lang="en-US" sz="1800" dirty="0" smtClean="0"/>
-              <a:t>in case of a failure</a:t>
+              <a:t> state in case of a failure</a:t>
             </a:r>
           </a:p>
           <a:p>
@@ -17985,21 +17859,7 @@
                 <a:latin typeface="Menlo Regular"/>
                 <a:cs typeface="Menlo Regular"/>
               </a:rPr>
-              <a:t>(</a:t>
-            </a:r>
-            <a:r>
-              <a:rPr lang="en-US" sz="1600" dirty="0" smtClean="0">
-                <a:latin typeface="Menlo Regular"/>
-                <a:cs typeface="Menlo Regular"/>
-              </a:rPr>
-              <a:t>5000</a:t>
-            </a:r>
-            <a:r>
-              <a:rPr lang="en-US" sz="1600" dirty="0" smtClean="0">
-                <a:latin typeface="Menlo Regular"/>
-                <a:cs typeface="Menlo Regular"/>
-              </a:rPr>
-              <a:t>)</a:t>
+              <a:t>(5000)</a:t>
             </a:r>
           </a:p>
           <a:p>
@@ -18021,11 +17881,7 @@
           <a:p>
             <a:r>
               <a:rPr lang="en-US" sz="1800" dirty="0" smtClean="0"/>
-              <a:t>Enable at-least-once consistency (</a:t>
-            </a:r>
-            <a:r>
-              <a:rPr lang="en-US" sz="1800" dirty="0" smtClean="0"/>
-              <a:t>for lower latency)</a:t>
+              <a:t>Enable at-least-once consistency (for lower latency)</a:t>
             </a:r>
           </a:p>
           <a:p>
@@ -18047,14 +17903,7 @@
                 <a:latin typeface="Menlo Regular"/>
                 <a:cs typeface="Menlo Regular"/>
               </a:rPr>
-              <a:t>(</a:t>
-            </a:r>
-            <a:r>
-              <a:rPr lang="en-US" sz="1600" dirty="0" smtClean="0">
-                <a:latin typeface="Menlo Regular"/>
-                <a:cs typeface="Menlo Regular"/>
-              </a:rPr>
-              <a:t>5000</a:t>
+              <a:t>(5000</a:t>
             </a:r>
             <a:r>
               <a:rPr lang="en-US" sz="1600" dirty="0">
@@ -18098,11 +17947,7 @@
           <a:p>
             <a:r>
               <a:rPr lang="en-US" sz="1800" dirty="0" smtClean="0"/>
-              <a:t>Setting the interval to few seconds should be good for most </a:t>
-            </a:r>
-            <a:r>
-              <a:rPr lang="en-US" sz="1800" dirty="0" smtClean="0"/>
-              <a:t>application</a:t>
+              <a:t>Setting the interval to few seconds should be good for most application</a:t>
             </a:r>
           </a:p>
           <a:p>
@@ -18119,11 +17964,7 @@
             </a:r>
             <a:r>
               <a:rPr lang="en-US" sz="1800" dirty="0" smtClean="0"/>
-              <a:t> is not enabled, no recovery guarantees are </a:t>
-            </a:r>
-            <a:r>
-              <a:rPr lang="en-US" sz="1800" dirty="0" smtClean="0"/>
-              <a:t>provided</a:t>
+              <a:t> is not enabled, no recovery guarantees are provided</a:t>
             </a:r>
           </a:p>
           <a:p>
@@ -18161,7 +18002,6 @@
               <a:rPr lang="en-US" sz="1600" dirty="0"/>
               <a:t> </a:t>
             </a:r>
-            <a:endParaRPr lang="en-US" sz="1600" dirty="0"/>
           </a:p>
         </p:txBody>
       </p:sp>
@@ -18247,11 +18087,7 @@
             </a:r>
             <a:r>
               <a:rPr lang="en-US" dirty="0" smtClean="0"/>
-              <a:t> </a:t>
-            </a:r>
-            <a:r>
-              <a:rPr lang="en-US" dirty="0" smtClean="0"/>
-              <a:t>Functions</a:t>
+              <a:t> Functions</a:t>
             </a:r>
             <a:endParaRPr lang="en-US" dirty="0"/>
           </a:p>
@@ -18281,15 +18117,7 @@
             </a:pPr>
             <a:r>
               <a:rPr lang="en-US" dirty="0" smtClean="0"/>
-              <a:t>All DataStream </a:t>
-            </a:r>
-            <a:r>
-              <a:rPr lang="en-US" dirty="0" smtClean="0"/>
-              <a:t>functions can </a:t>
-            </a:r>
-            <a:r>
-              <a:rPr lang="en-US" dirty="0" smtClean="0"/>
-              <a:t>be </a:t>
+              <a:t>All DataStream functions can be </a:t>
             </a:r>
             <a:r>
               <a:rPr lang="en-US" dirty="0" err="1" smtClean="0"/>
@@ -18330,7 +18158,6 @@
               <a:rPr lang="en-US" dirty="0" smtClean="0"/>
               <a:t> is enabled).</a:t>
             </a:r>
-            <a:endParaRPr lang="en-US" dirty="0" smtClean="0"/>
           </a:p>
           <a:p>
             <a:pPr lvl="1"/>
@@ -18344,19 +18171,7 @@
             </a:pPr>
             <a:r>
               <a:rPr lang="en-US" dirty="0" smtClean="0"/>
-              <a:t>You can define two </a:t>
-            </a:r>
-            <a:r>
-              <a:rPr lang="en-US" dirty="0" smtClean="0"/>
-              <a:t>type</a:t>
-            </a:r>
-            <a:r>
-              <a:rPr lang="en-US" dirty="0" smtClean="0"/>
-              <a:t>s </a:t>
-            </a:r>
-            <a:r>
-              <a:rPr lang="en-US" dirty="0" smtClean="0"/>
-              <a:t>of state</a:t>
+              <a:t>You can define two types of state</a:t>
             </a:r>
           </a:p>
           <a:p>
@@ -18367,19 +18182,11 @@
             </a:pPr>
             <a:r>
               <a:rPr lang="en-US" i="1" dirty="0" smtClean="0"/>
-              <a:t>Local </a:t>
-            </a:r>
-            <a:r>
-              <a:rPr lang="en-US" i="1" dirty="0" smtClean="0"/>
-              <a:t>State</a:t>
+              <a:t>Local State</a:t>
             </a:r>
             <a:r>
               <a:rPr lang="en-US" dirty="0" smtClean="0"/>
-              <a:t>: </a:t>
-            </a:r>
-            <a:r>
-              <a:rPr lang="en-US" dirty="0" smtClean="0"/>
-              <a:t>Functions can </a:t>
+              <a:t>: Functions can </a:t>
             </a:r>
             <a:r>
               <a:rPr lang="en-US" dirty="0"/>
@@ -18393,7 +18200,6 @@
               <a:rPr lang="en-US" dirty="0" smtClean="0"/>
               <a:t>.</a:t>
             </a:r>
-            <a:endParaRPr lang="en-US" dirty="0" smtClean="0"/>
           </a:p>
           <a:p>
             <a:pPr lvl="1">
@@ -18613,16 +18419,7 @@
                 </a:solidFill>
                 <a:latin typeface="Menlo"/>
               </a:rPr>
-              <a:t>DataStream&lt;</a:t>
-            </a:r>
-            <a:r>
-              <a:rPr lang="en-US" sz="1300" dirty="0" smtClean="0">
-                <a:solidFill>
-                  <a:srgbClr val="000000"/>
-                </a:solidFill>
-                <a:latin typeface="Menlo"/>
-              </a:rPr>
-              <a:t>String&gt; </a:t>
+              <a:t>DataStream&lt;String&gt; </a:t>
             </a:r>
             <a:r>
               <a:rPr lang="en-US" sz="1300" dirty="0" err="1" smtClean="0">
@@ -18678,16 +18475,7 @@
                 </a:solidFill>
                 <a:latin typeface="Menlo"/>
               </a:rPr>
-              <a:t>(</a:t>
-            </a:r>
-            <a:r>
-              <a:rPr lang="en-US" sz="1300" dirty="0" smtClean="0">
-                <a:solidFill>
-                  <a:srgbClr val="000000"/>
-                </a:solidFill>
-                <a:latin typeface="Menlo"/>
-              </a:rPr>
-              <a:t>new </a:t>
+              <a:t>(new </a:t>
             </a:r>
             <a:r>
               <a:rPr lang="en-US" sz="1300" dirty="0" err="1" smtClean="0">
@@ -18765,12 +18553,6 @@
               </a:rPr>
               <a:t> </a:t>
             </a:r>
-            <a:endParaRPr lang="en-US" sz="1300" dirty="0" smtClean="0">
-              <a:solidFill>
-                <a:srgbClr val="000000"/>
-              </a:solidFill>
-              <a:latin typeface="Menlo"/>
-            </a:endParaRPr>
           </a:p>
           <a:p>
             <a:pPr marL="0" indent="0">
@@ -18810,25 +18592,7 @@
                 </a:solidFill>
                 <a:latin typeface="Menlo"/>
               </a:rPr>
-              <a:t>&lt;String</a:t>
-            </a:r>
-            <a:r>
-              <a:rPr lang="en-US" sz="1300" dirty="0" smtClean="0">
-                <a:solidFill>
-                  <a:srgbClr val="000000"/>
-                </a:solidFill>
-                <a:latin typeface="Menlo"/>
-              </a:rPr>
-              <a:t>, Long</a:t>
-            </a:r>
-            <a:r>
-              <a:rPr lang="en-US" sz="1300" dirty="0" smtClean="0">
-                <a:solidFill>
-                  <a:srgbClr val="000000"/>
-                </a:solidFill>
-                <a:latin typeface="Menlo"/>
-              </a:rPr>
-              <a:t>&gt;, </a:t>
+              <a:t>&lt;String, Long&gt;, </a:t>
             </a:r>
             <a:r>
               <a:rPr lang="en-US" sz="1300" dirty="0" err="1" smtClean="0">
@@ -18919,16 +18683,7 @@
                 </a:solidFill>
                 <a:latin typeface="Menlo"/>
               </a:rPr>
-              <a:t>= 0</a:t>
-            </a:r>
-            <a:r>
-              <a:rPr lang="en-US" sz="1300" dirty="0" smtClean="0">
-                <a:solidFill>
-                  <a:srgbClr val="000000"/>
-                </a:solidFill>
-                <a:latin typeface="Menlo"/>
-              </a:rPr>
-              <a:t>;</a:t>
+              <a:t>= 0;</a:t>
             </a:r>
             <a:endParaRPr lang="en-US" sz="1300" dirty="0">
               <a:solidFill>
@@ -19113,23 +18868,8 @@
                 </a:solidFill>
                 <a:latin typeface="Menlo"/>
               </a:rPr>
-              <a:t>()</a:t>
-            </a:r>
-            <a:r>
-              <a:rPr lang="en-US" sz="1300" dirty="0" smtClean="0">
-                <a:solidFill>
-                  <a:srgbClr val="000000"/>
-                </a:solidFill>
-                <a:latin typeface="Menlo"/>
-              </a:rPr>
-              <a:t>;</a:t>
-            </a:r>
-            <a:endParaRPr lang="en-US" sz="1300" dirty="0" smtClean="0">
-              <a:solidFill>
-                <a:srgbClr val="000000"/>
-              </a:solidFill>
-              <a:latin typeface="Menlo"/>
-            </a:endParaRPr>
+              <a:t>();</a:t>
+            </a:r>
           </a:p>
           <a:p>
             <a:pPr marL="0" indent="0">
@@ -19505,8 +19245,31 @@
                 </a:solidFill>
                 <a:latin typeface="Menlo"/>
               </a:rPr>
-              <a:t>(Long state</a:t>
-            </a:r>
+              <a:t>(Long state) </a:t>
+            </a:r>
+            <a:r>
+              <a:rPr lang="en-US" sz="1300" b="1" dirty="0">
+                <a:solidFill>
+                  <a:srgbClr val="000080"/>
+                </a:solidFill>
+                <a:latin typeface="Menlo"/>
+              </a:rPr>
+              <a:t>throws</a:t>
+            </a:r>
+            <a:r>
+              <a:rPr lang="en-US" sz="1300" dirty="0">
+                <a:solidFill>
+                  <a:srgbClr val="000000"/>
+                </a:solidFill>
+                <a:latin typeface="Menlo"/>
+              </a:rPr>
+              <a:t> Exception {</a:t>
+            </a:r>
+          </a:p>
+          <a:p>
+            <a:pPr marL="0" indent="0">
+              <a:buNone/>
+            </a:pPr>
             <a:r>
               <a:rPr lang="en-US" sz="1300" dirty="0" smtClean="0">
                 <a:solidFill>
@@ -19514,31 +19277,17 @@
                 </a:solidFill>
                 <a:latin typeface="Menlo"/>
               </a:rPr>
-              <a:t>) </a:t>
-            </a:r>
-            <a:r>
-              <a:rPr lang="en-US" sz="1300" b="1" dirty="0">
-                <a:solidFill>
-                  <a:srgbClr val="000080"/>
-                </a:solidFill>
-                <a:latin typeface="Menlo"/>
-              </a:rPr>
-              <a:t>throws</a:t>
-            </a:r>
-            <a:r>
-              <a:rPr lang="en-US" sz="1300" dirty="0">
-                <a:solidFill>
-                  <a:srgbClr val="000000"/>
-                </a:solidFill>
-                <a:latin typeface="Menlo"/>
-              </a:rPr>
-              <a:t> Exception {</a:t>
-            </a:r>
-          </a:p>
-          <a:p>
-            <a:pPr marL="0" indent="0">
-              <a:buNone/>
-            </a:pPr>
+              <a:t>		</a:t>
+            </a:r>
+            <a:r>
+              <a:rPr lang="en-US" sz="1300" dirty="0" err="1" smtClean="0">
+                <a:solidFill>
+                  <a:srgbClr val="000000"/>
+                </a:solidFill>
+                <a:latin typeface="Menlo"/>
+              </a:rPr>
+              <a:t>totalLength</a:t>
+            </a:r>
             <a:r>
               <a:rPr lang="en-US" sz="1300" dirty="0" smtClean="0">
                 <a:solidFill>
@@ -19546,43 +19295,7 @@
                 </a:solidFill>
                 <a:latin typeface="Menlo"/>
               </a:rPr>
-              <a:t>		</a:t>
-            </a:r>
-            <a:r>
-              <a:rPr lang="en-US" sz="1300" dirty="0" err="1" smtClean="0">
-                <a:solidFill>
-                  <a:srgbClr val="000000"/>
-                </a:solidFill>
-                <a:latin typeface="Menlo"/>
-              </a:rPr>
-              <a:t>totalLength</a:t>
-            </a:r>
-            <a:r>
-              <a:rPr lang="en-US" sz="1300" dirty="0" smtClean="0">
-                <a:solidFill>
-                  <a:srgbClr val="000000"/>
-                </a:solidFill>
-                <a:latin typeface="Menlo"/>
-              </a:rPr>
-              <a:t> = </a:t>
-            </a:r>
-            <a:r>
-              <a:rPr lang="en-US" sz="1300" dirty="0" smtClean="0">
-                <a:solidFill>
-                  <a:srgbClr val="000000"/>
-                </a:solidFill>
-                <a:latin typeface="Menlo"/>
-              </a:rPr>
-              <a:t>state</a:t>
-            </a:r>
-            <a:r>
-              <a:rPr lang="en-US" sz="1300" dirty="0" smtClean="0">
-                <a:solidFill>
-                  <a:srgbClr val="000000"/>
-                </a:solidFill>
-                <a:latin typeface="Menlo"/>
-              </a:rPr>
-              <a:t>;</a:t>
+              <a:t> = state;</a:t>
             </a:r>
             <a:r>
               <a:rPr lang="en-US" sz="1300" dirty="0">
@@ -19684,11 +19397,7 @@
           <a:p>
             <a:r>
               <a:rPr lang="en-US" dirty="0" smtClean="0"/>
-              <a:t>Defining </a:t>
-            </a:r>
-            <a:r>
-              <a:rPr lang="en-US" dirty="0" smtClean="0"/>
-              <a:t>Key-Partitioned </a:t>
+              <a:t>Defining Key-Partitioned </a:t>
             </a:r>
             <a:r>
               <a:rPr lang="en-US" dirty="0"/>
@@ -19770,7 +19479,16 @@
                 </a:solidFill>
                 <a:latin typeface="Menlo"/>
               </a:rPr>
-              <a:t>DataStream&lt;</a:t>
+              <a:t>DataStream&lt;Tuple2&lt;String, String&gt;&gt; </a:t>
+            </a:r>
+            <a:r>
+              <a:rPr lang="en-US" sz="1300" dirty="0" err="1" smtClean="0">
+                <a:solidFill>
+                  <a:srgbClr val="000000"/>
+                </a:solidFill>
+                <a:latin typeface="Menlo"/>
+              </a:rPr>
+              <a:t>aStream</a:t>
             </a:r>
             <a:r>
               <a:rPr lang="en-US" sz="1300" dirty="0" smtClean="0">
@@ -19779,7 +19497,21 @@
                 </a:solidFill>
                 <a:latin typeface="Menlo"/>
               </a:rPr>
-              <a:t>Tuple2&lt;String</a:t>
+              <a:t>;</a:t>
+            </a:r>
+          </a:p>
+          <a:p>
+            <a:pPr marL="0" indent="0">
+              <a:buNone/>
+            </a:pPr>
+            <a:r>
+              <a:rPr lang="en-US" sz="1300" dirty="0" err="1" smtClean="0">
+                <a:solidFill>
+                  <a:srgbClr val="000000"/>
+                </a:solidFill>
+                <a:latin typeface="Menlo"/>
+              </a:rPr>
+              <a:t>KeyedStream</a:t>
             </a:r>
             <a:r>
               <a:rPr lang="en-US" sz="1300" dirty="0" smtClean="0">
@@ -19788,7 +19520,16 @@
                 </a:solidFill>
                 <a:latin typeface="Menlo"/>
               </a:rPr>
-              <a:t>, String</a:t>
+              <a:t>&lt;Tuple2&lt;String, String&gt;, Tuple&gt; </a:t>
+            </a:r>
+            <a:r>
+              <a:rPr lang="en-US" sz="1300" dirty="0" err="1" smtClean="0">
+                <a:solidFill>
+                  <a:srgbClr val="000000"/>
+                </a:solidFill>
+                <a:latin typeface="Menlo"/>
+              </a:rPr>
+              <a:t>keyedStream</a:t>
             </a:r>
             <a:r>
               <a:rPr lang="en-US" sz="1300" dirty="0" smtClean="0">
@@ -19797,7 +19538,7 @@
                 </a:solidFill>
                 <a:latin typeface="Menlo"/>
               </a:rPr>
-              <a:t>&gt;&gt; </a:t>
+              <a:t> = </a:t>
             </a:r>
             <a:r>
               <a:rPr lang="en-US" sz="1300" dirty="0" err="1" smtClean="0">
@@ -19806,7 +19547,7 @@
                 </a:solidFill>
                 <a:latin typeface="Menlo"/>
               </a:rPr>
-              <a:t>aStream</a:t>
+              <a:t>aStream.keyBy</a:t>
             </a:r>
             <a:r>
               <a:rPr lang="en-US" sz="1300" dirty="0" smtClean="0">
@@ -19815,7 +19556,7 @@
                 </a:solidFill>
                 <a:latin typeface="Menlo"/>
               </a:rPr>
-              <a:t>;</a:t>
+              <a:t>(0);</a:t>
             </a:r>
           </a:p>
           <a:p>
@@ -19823,13 +19564,22 @@
               <a:buNone/>
             </a:pPr>
             <a:r>
+              <a:rPr lang="en-US" sz="1300" dirty="0" smtClean="0">
+                <a:solidFill>
+                  <a:srgbClr val="000000"/>
+                </a:solidFill>
+                <a:latin typeface="Menlo"/>
+              </a:rPr>
+              <a:t>DataStream&lt;Long&gt; lengths = </a:t>
+            </a:r>
+            <a:r>
               <a:rPr lang="en-US" sz="1300" dirty="0" err="1" smtClean="0">
                 <a:solidFill>
                   <a:srgbClr val="000000"/>
                 </a:solidFill>
                 <a:latin typeface="Menlo"/>
               </a:rPr>
-              <a:t>KeyedStream</a:t>
+              <a:t>keyedStream.map</a:t>
             </a:r>
             <a:r>
               <a:rPr lang="en-US" sz="1300" dirty="0" smtClean="0">
@@ -19838,102 +19588,7 @@
                 </a:solidFill>
                 <a:latin typeface="Menlo"/>
               </a:rPr>
-              <a:t>&lt;Tuple2&lt;String, String&gt;, Tuple&gt; </a:t>
-            </a:r>
-            <a:r>
-              <a:rPr lang="en-US" sz="1300" dirty="0" err="1" smtClean="0">
-                <a:solidFill>
-                  <a:srgbClr val="000000"/>
-                </a:solidFill>
-                <a:latin typeface="Menlo"/>
-              </a:rPr>
-              <a:t>keyedStream</a:t>
-            </a:r>
-            <a:r>
-              <a:rPr lang="en-US" sz="1300" dirty="0" smtClean="0">
-                <a:solidFill>
-                  <a:srgbClr val="000000"/>
-                </a:solidFill>
-                <a:latin typeface="Menlo"/>
-              </a:rPr>
-              <a:t> </a:t>
-            </a:r>
-            <a:r>
-              <a:rPr lang="en-US" sz="1300" dirty="0" smtClean="0">
-                <a:solidFill>
-                  <a:srgbClr val="000000"/>
-                </a:solidFill>
-                <a:latin typeface="Menlo"/>
-              </a:rPr>
-              <a:t>= </a:t>
-            </a:r>
-            <a:r>
-              <a:rPr lang="en-US" sz="1300" dirty="0" err="1" smtClean="0">
-                <a:solidFill>
-                  <a:srgbClr val="000000"/>
-                </a:solidFill>
-                <a:latin typeface="Menlo"/>
-              </a:rPr>
-              <a:t>aStream.keyBy</a:t>
-            </a:r>
-            <a:r>
-              <a:rPr lang="en-US" sz="1300" dirty="0" smtClean="0">
-                <a:solidFill>
-                  <a:srgbClr val="000000"/>
-                </a:solidFill>
-                <a:latin typeface="Menlo"/>
-              </a:rPr>
-              <a:t>(0</a:t>
-            </a:r>
-            <a:r>
-              <a:rPr lang="en-US" sz="1300" dirty="0" smtClean="0">
-                <a:solidFill>
-                  <a:srgbClr val="000000"/>
-                </a:solidFill>
-                <a:latin typeface="Menlo"/>
-              </a:rPr>
-              <a:t>);</a:t>
-            </a:r>
-          </a:p>
-          <a:p>
-            <a:pPr marL="0" indent="0">
-              <a:buNone/>
-            </a:pPr>
-            <a:r>
-              <a:rPr lang="en-US" sz="1300" dirty="0" smtClean="0">
-                <a:solidFill>
-                  <a:srgbClr val="000000"/>
-                </a:solidFill>
-                <a:latin typeface="Menlo"/>
-              </a:rPr>
-              <a:t>DataStream&lt;Long&gt; lengths = </a:t>
-            </a:r>
-            <a:r>
-              <a:rPr lang="en-US" sz="1300" dirty="0" err="1" smtClean="0">
-                <a:solidFill>
-                  <a:srgbClr val="000000"/>
-                </a:solidFill>
-                <a:latin typeface="Menlo"/>
-              </a:rPr>
-              <a:t>keyedStream.map</a:t>
-            </a:r>
-            <a:r>
-              <a:rPr lang="en-US" sz="1300" dirty="0" smtClean="0">
-                <a:solidFill>
-                  <a:srgbClr val="000000"/>
-                </a:solidFill>
-                <a:latin typeface="Menlo"/>
-              </a:rPr>
-              <a:t>(</a:t>
-            </a:r>
-            <a:r>
-              <a:rPr lang="en-US" sz="1300" dirty="0" smtClean="0">
-                <a:solidFill>
-                  <a:srgbClr val="000000"/>
-                </a:solidFill>
-                <a:latin typeface="Menlo"/>
-              </a:rPr>
-              <a:t>new </a:t>
+              <a:t>(new </a:t>
             </a:r>
             <a:r>
               <a:rPr lang="en-US" sz="1300" dirty="0" err="1" smtClean="0">
@@ -20277,7 +19932,16 @@
                 </a:solidFill>
                 <a:latin typeface="Menlo"/>
               </a:rPr>
-              <a:t>      </a:t>
+              <a:t>      			.</a:t>
+            </a:r>
+            <a:r>
+              <a:rPr lang="en-US" sz="1300" dirty="0" err="1">
+                <a:solidFill>
+                  <a:srgbClr val="FF0000"/>
+                </a:solidFill>
+                <a:latin typeface="Menlo"/>
+              </a:rPr>
+              <a:t>getKeyValueState</a:t>
             </a:r>
             <a:r>
               <a:rPr lang="en-US" sz="1300" dirty="0">
@@ -20286,16 +19950,16 @@
                 </a:solidFill>
                 <a:latin typeface="Menlo"/>
               </a:rPr>
-              <a:t>			.</a:t>
+              <a:t>("</a:t>
             </a:r>
             <a:r>
               <a:rPr lang="en-US" sz="1300" dirty="0" err="1">
                 <a:solidFill>
-                  <a:srgbClr val="FF0000"/>
-                </a:solidFill>
-                <a:latin typeface="Menlo"/>
-              </a:rPr>
-              <a:t>getKeyValueState</a:t>
+                  <a:srgbClr val="000000"/>
+                </a:solidFill>
+                <a:latin typeface="Menlo"/>
+              </a:rPr>
+              <a:t>totalLengthByKey</a:t>
             </a:r>
             <a:r>
               <a:rPr lang="en-US" sz="1300" dirty="0">
@@ -20304,7 +19968,7 @@
                 </a:solidFill>
                 <a:latin typeface="Menlo"/>
               </a:rPr>
-              <a:t>("</a:t>
+              <a:t>", </a:t>
             </a:r>
             <a:r>
               <a:rPr lang="en-US" sz="1300" dirty="0" err="1">
@@ -20313,7 +19977,7 @@
                 </a:solidFill>
                 <a:latin typeface="Menlo"/>
               </a:rPr>
-              <a:t>totalLengthByKey</a:t>
+              <a:t>Long.class</a:t>
             </a:r>
             <a:r>
               <a:rPr lang="en-US" sz="1300" dirty="0">
@@ -20322,34 +19986,7 @@
                 </a:solidFill>
                 <a:latin typeface="Menlo"/>
               </a:rPr>
-              <a:t>", </a:t>
-            </a:r>
-            <a:r>
-              <a:rPr lang="en-US" sz="1300" dirty="0" err="1">
-                <a:solidFill>
-                  <a:srgbClr val="000000"/>
-                </a:solidFill>
-                <a:latin typeface="Menlo"/>
-              </a:rPr>
-              <a:t>Long.class</a:t>
-            </a:r>
-            <a:r>
-              <a:rPr lang="en-US" sz="1300" dirty="0">
-                <a:solidFill>
-                  <a:srgbClr val="000000"/>
-                </a:solidFill>
-                <a:latin typeface="Menlo"/>
-              </a:rPr>
-              <a:t>, 0L)</a:t>
-            </a:r>
-            <a:r>
-              <a:rPr lang="en-US" sz="1300" dirty="0">
-                <a:solidFill>
-                  <a:srgbClr val="000000"/>
-                </a:solidFill>
-                <a:latin typeface="Menlo"/>
-              </a:rPr>
-              <a:t>;</a:t>
+              <a:t>, 0L);</a:t>
             </a:r>
           </a:p>
           <a:p>
@@ -20698,12 +20335,6 @@
               </a:rPr>
               <a:t>();</a:t>
             </a:r>
-            <a:endParaRPr lang="en-US" sz="1300" dirty="0">
-              <a:solidFill>
-                <a:srgbClr val="000000"/>
-              </a:solidFill>
-              <a:latin typeface="Menlo"/>
-            </a:endParaRPr>
           </a:p>
           <a:p>
             <a:pPr marL="0" indent="0">
@@ -21570,16 +21201,7 @@
                 </a:solidFill>
                 <a:latin typeface="Menlo"/>
               </a:rPr>
-              <a:t>           </a:t>
-            </a:r>
-            <a:r>
-              <a:rPr lang="en-US" sz="1400" dirty="0" smtClean="0">
-                <a:solidFill>
-                  <a:srgbClr val="000000"/>
-                </a:solidFill>
-                <a:latin typeface="Menlo"/>
-              </a:rPr>
-              <a:t> </a:t>
+              <a:t>            </a:t>
             </a:r>
             <a:r>
               <a:rPr lang="en-US" sz="1400" i="1" dirty="0">
@@ -21753,7 +21375,16 @@
                 </a:solidFill>
                 <a:latin typeface="Menlo"/>
               </a:rPr>
-              <a:t>  </a:t>
+              <a:t>  .</a:t>
+            </a:r>
+            <a:r>
+              <a:rPr lang="en-US" sz="1400" dirty="0" err="1" smtClean="0">
+                <a:solidFill>
+                  <a:srgbClr val="000000"/>
+                </a:solidFill>
+                <a:latin typeface="Menlo"/>
+              </a:rPr>
+              <a:t>timeWindow</a:t>
             </a:r>
             <a:r>
               <a:rPr lang="en-US" sz="1400" dirty="0" smtClean="0">
@@ -21762,7 +21393,7 @@
                 </a:solidFill>
                 <a:latin typeface="Menlo"/>
               </a:rPr>
-              <a:t>.</a:t>
+              <a:t>(</a:t>
             </a:r>
             <a:r>
               <a:rPr lang="en-US" sz="1400" dirty="0" err="1" smtClean="0">
@@ -21771,7 +21402,7 @@
                 </a:solidFill>
                 <a:latin typeface="Menlo"/>
               </a:rPr>
-              <a:t>timeWindow</a:t>
+              <a:t>Time.minutes</a:t>
             </a:r>
             <a:r>
               <a:rPr lang="en-US" sz="1400" dirty="0" smtClean="0">
@@ -21780,34 +21411,7 @@
                 </a:solidFill>
                 <a:latin typeface="Menlo"/>
               </a:rPr>
-              <a:t>(</a:t>
-            </a:r>
-            <a:r>
-              <a:rPr lang="en-US" sz="1400" dirty="0" err="1" smtClean="0">
-                <a:solidFill>
-                  <a:srgbClr val="000000"/>
-                </a:solidFill>
-                <a:latin typeface="Menlo"/>
-              </a:rPr>
-              <a:t>Time.minutes</a:t>
-            </a:r>
-            <a:r>
-              <a:rPr lang="en-US" sz="1400" dirty="0" smtClean="0">
-                <a:solidFill>
-                  <a:srgbClr val="000000"/>
-                </a:solidFill>
-                <a:latin typeface="Menlo"/>
-              </a:rPr>
-              <a:t>(5)</a:t>
-            </a:r>
-            <a:r>
-              <a:rPr lang="en-US" sz="1400" dirty="0" smtClean="0">
-                <a:solidFill>
-                  <a:srgbClr val="000000"/>
-                </a:solidFill>
-                <a:latin typeface="Menlo"/>
-              </a:rPr>
-              <a:t>)</a:t>
+              <a:t>(5))</a:t>
             </a:r>
           </a:p>
           <a:p>
@@ -22301,15 +21905,7 @@
             </a:r>
             <a:r>
               <a:rPr lang="en-US" dirty="0" smtClean="0"/>
-              <a:t> to </a:t>
-            </a:r>
-            <a:r>
-              <a:rPr lang="en-US" dirty="0" smtClean="0"/>
-              <a:t>print </a:t>
-            </a:r>
-            <a:r>
-              <a:rPr lang="en-US" dirty="0" smtClean="0"/>
-              <a:t>a DataStream</a:t>
+              <a:t> to print a DataStream</a:t>
             </a:r>
           </a:p>
         </p:txBody>

--- a/slides/flink_stream_basics.pptx
+++ b/slides/flink_stream_basics.pptx
@@ -248,7 +248,7 @@
           <a:p>
             <a:fld id="{F01141F9-3E73-7448-86C2-E96D93FE379F}" type="datetimeFigureOut">
               <a:rPr lang="en-US" smtClean="0"/>
-              <a:t>29/03/16</a:t>
+              <a:t>31/03/16</a:t>
             </a:fld>
             <a:endParaRPr lang="en-US"/>
           </a:p>
@@ -4075,48 +4075,6 @@
           </a:p>
         </p:txBody>
       </p:sp>
-      <p:sp>
-        <p:nvSpPr>
-          <p:cNvPr id="4" name="TextBox 3"/>
-          <p:cNvSpPr txBox="1"/>
-          <p:nvPr/>
-        </p:nvSpPr>
-        <p:spPr>
-          <a:xfrm>
-            <a:off x="3632248" y="6226328"/>
-            <a:ext cx="2228907" cy="369332"/>
-          </a:xfrm>
-          <a:prstGeom prst="rect">
-            <a:avLst/>
-          </a:prstGeom>
-          <a:noFill/>
-        </p:spPr>
-        <p:txBody>
-          <a:bodyPr wrap="none" rtlCol="0">
-            <a:spAutoFit/>
-          </a:bodyPr>
-          <a:lstStyle/>
-          <a:p>
-            <a:r>
-              <a:rPr lang="en-US" dirty="0" smtClean="0">
-                <a:solidFill>
-                  <a:schemeClr val="bg1"/>
-                </a:solidFill>
-                <a:latin typeface="Avenir Book"/>
-                <a:cs typeface="Avenir Book"/>
-              </a:rPr>
-              <a:t>December 10, 2015</a:t>
-            </a:r>
-            <a:endParaRPr lang="en-US" dirty="0">
-              <a:solidFill>
-                <a:schemeClr val="bg1"/>
-              </a:solidFill>
-              <a:latin typeface="Avenir Book"/>
-              <a:cs typeface="Avenir Book"/>
-            </a:endParaRPr>
-          </a:p>
-        </p:txBody>
-      </p:sp>
     </p:spTree>
     <p:extLst>
       <p:ext uri="{BB962C8B-B14F-4D97-AF65-F5344CB8AC3E}">
@@ -11768,13 +11726,8 @@
           <a:p>
             <a:r>
               <a:rPr lang="en-US" dirty="0" smtClean="0"/>
-              <a:t>All examples here in Java for Flink </a:t>
-            </a:r>
-            <a:r>
-              <a:rPr lang="en-US" dirty="0" smtClean="0"/>
-              <a:t>1.0</a:t>
-            </a:r>
-            <a:endParaRPr lang="en-US" dirty="0" smtClean="0"/>
+              <a:t>All examples here in Java for Flink 1.0</a:t>
+            </a:r>
           </a:p>
           <a:p>
             <a:endParaRPr lang="en-US" sz="1400" dirty="0" smtClean="0"/>
@@ -19742,7 +19695,7 @@
                 </a:solidFill>
                 <a:latin typeface="Menlo"/>
               </a:rPr>
-              <a:t>OperatorState</a:t>
+              <a:t>ValueState</a:t>
             </a:r>
             <a:r>
               <a:rPr lang="en-US" sz="1300" dirty="0" smtClean="0">
@@ -19935,13 +19888,13 @@
               <a:t>      			.</a:t>
             </a:r>
             <a:r>
-              <a:rPr lang="en-US" sz="1300" dirty="0" err="1">
+              <a:rPr lang="en-US" sz="1300" dirty="0" err="1" smtClean="0">
                 <a:solidFill>
                   <a:srgbClr val="FF0000"/>
                 </a:solidFill>
                 <a:latin typeface="Menlo"/>
               </a:rPr>
-              <a:t>getKeyValueState</a:t>
+              <a:t>getState</a:t>
             </a:r>
             <a:r>
               <a:rPr lang="en-US" sz="1300" dirty="0">

--- a/slides/flink_stream_basics.pptx
+++ b/slides/flink_stream_basics.pptx
@@ -45,8 +45,8 @@
     <p:sldId id="293" r:id="rId36"/>
     <p:sldId id="280" r:id="rId37"/>
     <p:sldId id="281" r:id="rId38"/>
-    <p:sldId id="283" r:id="rId39"/>
-    <p:sldId id="307" r:id="rId40"/>
+    <p:sldId id="307" r:id="rId39"/>
+    <p:sldId id="283" r:id="rId40"/>
     <p:sldId id="312" r:id="rId41"/>
     <p:sldId id="282" r:id="rId42"/>
     <p:sldId id="309" r:id="rId43"/>
@@ -155,7 +155,7 @@
   </p:defaultTextStyle>
   <p:extLst>
     <p:ext uri="{EFAFB233-063F-42B5-8137-9DF3F51BA10A}">
-      <p15:sldGuideLst xmlns="" xmlns:p15="http://schemas.microsoft.com/office/powerpoint/2012/main">
+      <p15:sldGuideLst xmlns:p15="http://schemas.microsoft.com/office/powerpoint/2012/main" xmlns="">
         <p15:guide id="1" orient="horz" pos="2160">
           <p15:clr>
             <a:srgbClr val="A4A3A4"/>
@@ -261,7 +261,7 @@
           </a:lstStyle>
           <a:p>
             <a:fld id="{7351C913-5E53-844A-A14F-3C999FB61B04}" type="datetimeFigureOut">
-              <a:t>09/09/2016</a:t>
+              <a:t>09/09/16</a:t>
             </a:fld>
             <a:endParaRPr lang="en-US"/>
           </a:p>
@@ -684,7 +684,7 @@
     </p:spTree>
     <p:extLst>
       <p:ext uri="{BB962C8B-B14F-4D97-AF65-F5344CB8AC3E}">
-        <p14:creationId xmlns:p14="http://schemas.microsoft.com/office/powerpoint/2010/main" val="1596181107"/>
+        <p14:creationId xmlns:p14="http://schemas.microsoft.com/office/powerpoint/2010/main" val="1859014670"/>
       </p:ext>
     </p:extLst>
   </p:cSld>
@@ -768,7 +768,7 @@
     </p:spTree>
     <p:extLst>
       <p:ext uri="{BB962C8B-B14F-4D97-AF65-F5344CB8AC3E}">
-        <p14:creationId xmlns:p14="http://schemas.microsoft.com/office/powerpoint/2010/main" val="1859014670"/>
+        <p14:creationId xmlns:p14="http://schemas.microsoft.com/office/powerpoint/2010/main" val="1596181107"/>
       </p:ext>
     </p:extLst>
   </p:cSld>
@@ -7592,8 +7592,8 @@
         </p:nvSpPr>
         <p:spPr>
           <a:xfrm>
-            <a:off x="1357204" y="1412032"/>
-            <a:ext cx="6429592" cy="611700"/>
+            <a:off x="1357204" y="719535"/>
+            <a:ext cx="6429592" cy="1996694"/>
           </a:xfrm>
           <a:prstGeom prst="rect">
             <a:avLst/>
@@ -7622,7 +7622,7 @@
               </a:defRPr>
             </a:pPr>
             <a:r>
-              <a:rPr lang="en-US" sz="3600" spc="-1">
+              <a:rPr lang="en-US" sz="5400" spc="-1" dirty="0">
                 <a:solidFill>
                   <a:srgbClr val="FFFFFF"/>
                 </a:solidFill>
@@ -7633,9 +7633,19 @@
                 </a:uFill>
                 <a:latin typeface="Calibri"/>
               </a:rPr>
-              <a:t>DataStream API: Basics</a:t>
-            </a:r>
-            <a:endParaRPr lang="en-US" sz="3600" spc="-1">
+              <a:t>DataStream API</a:t>
+            </a:r>
+          </a:p>
+          <a:p>
+            <a:pPr algn="ctr" defTabSz="328570" hangingPunct="0">
+              <a:defRPr sz="6400">
+                <a:latin typeface="Helvetica Neue Medium"/>
+                <a:ea typeface="Helvetica Neue Medium"/>
+                <a:cs typeface="Helvetica Neue Medium"/>
+                <a:sym typeface="Helvetica Neue Medium"/>
+              </a:defRPr>
+            </a:pPr>
+            <a:endParaRPr lang="en-US" sz="3600" spc="-1" dirty="0">
               <a:solidFill>
                 <a:srgbClr val="FFFFFF"/>
               </a:solidFill>
@@ -7644,27 +7654,43 @@
                   <a:srgbClr val="FFFFFF"/>
                 </a:solidFill>
               </a:uFill>
+              <a:latin typeface="Calibri"/>
+            </a:endParaRPr>
+          </a:p>
+          <a:p>
+            <a:pPr algn="ctr" defTabSz="328570" hangingPunct="0">
+              <a:defRPr sz="6400">
+                <a:latin typeface="Helvetica Neue Medium"/>
+                <a:ea typeface="Helvetica Neue Medium"/>
+                <a:cs typeface="Helvetica Neue Medium"/>
+                <a:sym typeface="Helvetica Neue Medium"/>
+              </a:defRPr>
+            </a:pPr>
+            <a:r>
+              <a:rPr lang="en-US" sz="3600" spc="-1" dirty="0" smtClean="0">
+                <a:solidFill>
+                  <a:srgbClr val="FFFFFF"/>
+                </a:solidFill>
+                <a:uFill>
+                  <a:solidFill>
+                    <a:srgbClr val="FFFFFF"/>
+                  </a:solidFill>
+                </a:uFill>
+                <a:latin typeface="Calibri"/>
+              </a:rPr>
+              <a:t>Basics</a:t>
+            </a:r>
+            <a:endParaRPr lang="en-US" sz="3600" spc="-1" dirty="0">
+              <a:solidFill>
+                <a:srgbClr val="FFFFFF"/>
+              </a:solidFill>
+              <a:uFill>
+                <a:solidFill>
+                  <a:srgbClr val="FFFFFF"/>
+                </a:solidFill>
+              </a:uFill>
               <a:latin typeface="Arial"/>
             </a:endParaRPr>
-          </a:p>
-        </p:txBody>
-      </p:sp>
-      <p:sp>
-        <p:nvSpPr>
-          <p:cNvPr id="2" name="Title 1"/>
-          <p:cNvSpPr>
-            <a:spLocks noGrp="1"/>
-          </p:cNvSpPr>
-          <p:nvPr>
-            <p:ph type="title"/>
-          </p:nvPr>
-        </p:nvSpPr>
-        <p:spPr/>
-        <p:txBody>
-          <a:bodyPr/>
-          <a:lstStyle/>
-          <a:p>
-            <a:endParaRPr lang="en-US"/>
           </a:p>
         </p:txBody>
       </p:sp>
@@ -7792,7 +7818,7 @@
         <p:spPr>
           <a:xfrm>
             <a:off x="5147280" y="5475914"/>
-            <a:ext cx="2648031" cy="1015663"/>
+            <a:ext cx="2778024" cy="1015663"/>
           </a:xfrm>
           <a:prstGeom prst="rect">
             <a:avLst/>
@@ -7811,7 +7837,23 @@
                   <a:schemeClr val="bg1"/>
                 </a:solidFill>
               </a:rPr>
-              <a:t>Flink v1.1.2 – 5.09.2016</a:t>
+              <a:t>Flink v1.1.2 – </a:t>
+            </a:r>
+            <a:r>
+              <a:rPr lang="nb-NO" sz="2000" dirty="0" smtClean="0">
+                <a:solidFill>
+                  <a:schemeClr val="bg1"/>
+                </a:solidFill>
+              </a:rPr>
+              <a:t>14.09.2016</a:t>
+            </a:r>
+            <a:r>
+              <a:rPr lang="nb-NO" sz="2000" dirty="0">
+                <a:solidFill>
+                  <a:schemeClr val="bg1"/>
+                </a:solidFill>
+              </a:rPr>
+              <a:t/>
             </a:r>
             <a:br>
               <a:rPr lang="nb-NO" sz="2000" dirty="0">
@@ -7829,7 +7871,7 @@
             </a:endParaRPr>
           </a:p>
           <a:p>
-            <a:endParaRPr lang="en-US" sz="2000"/>
+            <a:endParaRPr lang="en-US" sz="2000" dirty="0"/>
           </a:p>
         </p:txBody>
       </p:sp>
@@ -17469,9 +17511,7 @@
           </a:prstGeom>
           <a:noFill/>
           <a:ln>
-            <a:solidFill>
-              <a:srgbClr val="D9D9D9"/>
-            </a:solidFill>
+            <a:noFill/>
           </a:ln>
         </p:spPr>
         <p:txBody>
@@ -19010,9 +19050,7 @@
           </a:prstGeom>
           <a:noFill/>
           <a:ln>
-            <a:solidFill>
-              <a:srgbClr val="D9D9D9"/>
-            </a:solidFill>
+            <a:noFill/>
           </a:ln>
         </p:spPr>
         <p:txBody>
@@ -20238,14 +20276,14 @@
                 <a:gridCol w="1023120">
                   <a:extLst>
                     <a:ext uri="{9D8B030D-6E8A-4147-A177-3AD203B41FA5}">
-                      <a16:colId xmlns="" xmlns:a16="http://schemas.microsoft.com/office/drawing/2014/main" val="20000"/>
+                      <a16:colId xmlns:a16="http://schemas.microsoft.com/office/drawing/2014/main" xmlns="" val="20000"/>
                     </a:ext>
                   </a:extLst>
                 </a:gridCol>
                 <a:gridCol w="1023120">
                   <a:extLst>
                     <a:ext uri="{9D8B030D-6E8A-4147-A177-3AD203B41FA5}">
-                      <a16:colId xmlns="" xmlns:a16="http://schemas.microsoft.com/office/drawing/2014/main" val="20001"/>
+                      <a16:colId xmlns:a16="http://schemas.microsoft.com/office/drawing/2014/main" xmlns="" val="20001"/>
                     </a:ext>
                   </a:extLst>
                 </a:gridCol>
@@ -20379,7 +20417,7 @@
                 </a:tc>
                 <a:extLst>
                   <a:ext uri="{0D108BD9-81ED-4DB2-BD59-A6C34878D82A}">
-                    <a16:rowId xmlns="" xmlns:a16="http://schemas.microsoft.com/office/drawing/2014/main" val="10000"/>
+                    <a16:rowId xmlns:a16="http://schemas.microsoft.com/office/drawing/2014/main" xmlns="" val="10000"/>
                   </a:ext>
                 </a:extLst>
               </a:tr>
@@ -20405,14 +20443,14 @@
                 <a:gridCol w="1023120">
                   <a:extLst>
                     <a:ext uri="{9D8B030D-6E8A-4147-A177-3AD203B41FA5}">
-                      <a16:colId xmlns="" xmlns:a16="http://schemas.microsoft.com/office/drawing/2014/main" val="20000"/>
+                      <a16:colId xmlns:a16="http://schemas.microsoft.com/office/drawing/2014/main" xmlns="" val="20000"/>
                     </a:ext>
                   </a:extLst>
                 </a:gridCol>
                 <a:gridCol w="1023120">
                   <a:extLst>
                     <a:ext uri="{9D8B030D-6E8A-4147-A177-3AD203B41FA5}">
-                      <a16:colId xmlns="" xmlns:a16="http://schemas.microsoft.com/office/drawing/2014/main" val="20001"/>
+                      <a16:colId xmlns:a16="http://schemas.microsoft.com/office/drawing/2014/main" xmlns="" val="20001"/>
                     </a:ext>
                   </a:extLst>
                 </a:gridCol>
@@ -20546,7 +20584,7 @@
                 </a:tc>
                 <a:extLst>
                   <a:ext uri="{0D108BD9-81ED-4DB2-BD59-A6C34878D82A}">
-                    <a16:rowId xmlns="" xmlns:a16="http://schemas.microsoft.com/office/drawing/2014/main" val="10000"/>
+                    <a16:rowId xmlns:a16="http://schemas.microsoft.com/office/drawing/2014/main" xmlns="" val="10000"/>
                   </a:ext>
                 </a:extLst>
               </a:tr>
@@ -20572,7 +20610,7 @@
                 <a:gridCol w="1023120">
                   <a:extLst>
                     <a:ext uri="{9D8B030D-6E8A-4147-A177-3AD203B41FA5}">
-                      <a16:colId xmlns="" xmlns:a16="http://schemas.microsoft.com/office/drawing/2014/main" val="20000"/>
+                      <a16:colId xmlns:a16="http://schemas.microsoft.com/office/drawing/2014/main" xmlns="" val="20000"/>
                     </a:ext>
                   </a:extLst>
                 </a:gridCol>
@@ -20643,7 +20681,7 @@
                 </a:tc>
                 <a:extLst>
                   <a:ext uri="{0D108BD9-81ED-4DB2-BD59-A6C34878D82A}">
-                    <a16:rowId xmlns="" xmlns:a16="http://schemas.microsoft.com/office/drawing/2014/main" val="10000"/>
+                    <a16:rowId xmlns:a16="http://schemas.microsoft.com/office/drawing/2014/main" xmlns="" val="10000"/>
                   </a:ext>
                 </a:extLst>
               </a:tr>
@@ -20669,14 +20707,14 @@
                 <a:gridCol w="1023120">
                   <a:extLst>
                     <a:ext uri="{9D8B030D-6E8A-4147-A177-3AD203B41FA5}">
-                      <a16:colId xmlns="" xmlns:a16="http://schemas.microsoft.com/office/drawing/2014/main" val="20000"/>
+                      <a16:colId xmlns:a16="http://schemas.microsoft.com/office/drawing/2014/main" xmlns="" val="20000"/>
                     </a:ext>
                   </a:extLst>
                 </a:gridCol>
                 <a:gridCol w="1023120">
                   <a:extLst>
                     <a:ext uri="{9D8B030D-6E8A-4147-A177-3AD203B41FA5}">
-                      <a16:colId xmlns="" xmlns:a16="http://schemas.microsoft.com/office/drawing/2014/main" val="20001"/>
+                      <a16:colId xmlns:a16="http://schemas.microsoft.com/office/drawing/2014/main" xmlns="" val="20001"/>
                     </a:ext>
                   </a:extLst>
                 </a:gridCol>
@@ -20810,7 +20848,7 @@
                 </a:tc>
                 <a:extLst>
                   <a:ext uri="{0D108BD9-81ED-4DB2-BD59-A6C34878D82A}">
-                    <a16:rowId xmlns="" xmlns:a16="http://schemas.microsoft.com/office/drawing/2014/main" val="10000"/>
+                    <a16:rowId xmlns:a16="http://schemas.microsoft.com/office/drawing/2014/main" xmlns="" val="10000"/>
                   </a:ext>
                 </a:extLst>
               </a:tr>
@@ -20836,14 +20874,14 @@
                 <a:gridCol w="1023120">
                   <a:extLst>
                     <a:ext uri="{9D8B030D-6E8A-4147-A177-3AD203B41FA5}">
-                      <a16:colId xmlns="" xmlns:a16="http://schemas.microsoft.com/office/drawing/2014/main" val="20000"/>
+                      <a16:colId xmlns:a16="http://schemas.microsoft.com/office/drawing/2014/main" xmlns="" val="20000"/>
                     </a:ext>
                   </a:extLst>
                 </a:gridCol>
                 <a:gridCol w="1023120">
                   <a:extLst>
                     <a:ext uri="{9D8B030D-6E8A-4147-A177-3AD203B41FA5}">
-                      <a16:colId xmlns="" xmlns:a16="http://schemas.microsoft.com/office/drawing/2014/main" val="20001"/>
+                      <a16:colId xmlns:a16="http://schemas.microsoft.com/office/drawing/2014/main" xmlns="" val="20001"/>
                     </a:ext>
                   </a:extLst>
                 </a:gridCol>
@@ -20977,7 +21015,7 @@
                 </a:tc>
                 <a:extLst>
                   <a:ext uri="{0D108BD9-81ED-4DB2-BD59-A6C34878D82A}">
-                    <a16:rowId xmlns="" xmlns:a16="http://schemas.microsoft.com/office/drawing/2014/main" val="10000"/>
+                    <a16:rowId xmlns:a16="http://schemas.microsoft.com/office/drawing/2014/main" xmlns="" val="10000"/>
                   </a:ext>
                 </a:extLst>
               </a:tr>
@@ -21003,7 +21041,7 @@
                 <a:gridCol w="1023120">
                   <a:extLst>
                     <a:ext uri="{9D8B030D-6E8A-4147-A177-3AD203B41FA5}">
-                      <a16:colId xmlns="" xmlns:a16="http://schemas.microsoft.com/office/drawing/2014/main" val="20000"/>
+                      <a16:colId xmlns:a16="http://schemas.microsoft.com/office/drawing/2014/main" xmlns="" val="20000"/>
                     </a:ext>
                   </a:extLst>
                 </a:gridCol>
@@ -21074,7 +21112,7 @@
                 </a:tc>
                 <a:extLst>
                   <a:ext uri="{0D108BD9-81ED-4DB2-BD59-A6C34878D82A}">
-                    <a16:rowId xmlns="" xmlns:a16="http://schemas.microsoft.com/office/drawing/2014/main" val="10000"/>
+                    <a16:rowId xmlns:a16="http://schemas.microsoft.com/office/drawing/2014/main" xmlns="" val="10000"/>
                   </a:ext>
                 </a:extLst>
               </a:tr>
@@ -21548,9 +21586,7 @@
           </a:prstGeom>
           <a:noFill/>
           <a:ln>
-            <a:solidFill>
-              <a:srgbClr val="D9D9D9"/>
-            </a:solidFill>
+            <a:noFill/>
           </a:ln>
         </p:spPr>
         <p:txBody>
@@ -22481,9 +22517,7 @@
           </a:prstGeom>
           <a:noFill/>
           <a:ln>
-            <a:solidFill>
-              <a:srgbClr val="D9D9D9"/>
-            </a:solidFill>
+            <a:noFill/>
           </a:ln>
         </p:spPr>
         <p:txBody>
@@ -23054,9 +23088,7 @@
           </a:prstGeom>
           <a:noFill/>
           <a:ln>
-            <a:solidFill>
-              <a:srgbClr val="D9D9D9"/>
-            </a:solidFill>
+            <a:noFill/>
           </a:ln>
         </p:spPr>
         <p:txBody>
@@ -23540,15 +23572,17 @@
         </p:nvSpPr>
         <p:spPr>
           <a:xfrm>
-            <a:off x="457200" y="1474200"/>
-            <a:ext cx="8346240" cy="4651560"/>
+            <a:off x="457199" y="1474200"/>
+            <a:ext cx="8602133" cy="4651560"/>
           </a:xfrm>
           <a:prstGeom prst="rect">
             <a:avLst/>
           </a:prstGeom>
           <a:noFill/>
           <a:ln>
-            <a:noFill/>
+            <a:solidFill>
+              <a:srgbClr val="FFFFFF"/>
+            </a:solidFill>
           </a:ln>
         </p:spPr>
         <p:txBody>
@@ -23564,7 +23598,7 @@
               </a:buClr>
             </a:pPr>
             <a:r>
-              <a:rPr lang="en-US" sz="2800" b="0" strike="noStrike" spc="-1">
+              <a:rPr lang="en-US" sz="2800" b="0" strike="noStrike" spc="-1" dirty="0" smtClean="0">
                 <a:solidFill>
                   <a:srgbClr val="000000"/>
                 </a:solidFill>
@@ -23575,9 +23609,164 @@
                 </a:uFill>
                 <a:latin typeface="Calibri"/>
               </a:rPr>
-              <a:t>Optionally, you can specify how data is distributed between two transformations</a:t>
-            </a:r>
-            <a:endParaRPr lang="en-US" sz="3200" b="0" strike="noStrike" spc="-1">
+              <a:t>Specify </a:t>
+            </a:r>
+            <a:r>
+              <a:rPr lang="en-US" sz="2800" b="0" strike="noStrike" spc="-1" dirty="0">
+                <a:solidFill>
+                  <a:srgbClr val="000000"/>
+                </a:solidFill>
+                <a:uFill>
+                  <a:solidFill>
+                    <a:srgbClr val="FFFFFF"/>
+                  </a:solidFill>
+                </a:uFill>
+                <a:latin typeface="Calibri"/>
+              </a:rPr>
+              <a:t>how data is distributed between </a:t>
+            </a:r>
+            <a:r>
+              <a:rPr lang="en-US" sz="2800" b="0" strike="noStrike" spc="-1" dirty="0" smtClean="0">
+                <a:solidFill>
+                  <a:srgbClr val="000000"/>
+                </a:solidFill>
+                <a:uFill>
+                  <a:solidFill>
+                    <a:srgbClr val="FFFFFF"/>
+                  </a:solidFill>
+                </a:uFill>
+                <a:latin typeface="Calibri"/>
+              </a:rPr>
+              <a:t>transformations</a:t>
+            </a:r>
+            <a:br>
+              <a:rPr lang="en-US" sz="2800" b="0" strike="noStrike" spc="-1" dirty="0" smtClean="0">
+                <a:solidFill>
+                  <a:srgbClr val="000000"/>
+                </a:solidFill>
+                <a:uFill>
+                  <a:solidFill>
+                    <a:srgbClr val="FFFFFF"/>
+                  </a:solidFill>
+                </a:uFill>
+                <a:latin typeface="Calibri"/>
+              </a:rPr>
+            </a:br>
+            <a:endParaRPr lang="en-US" sz="3200" b="0" strike="noStrike" spc="-1" dirty="0">
+              <a:solidFill>
+                <a:srgbClr val="000000"/>
+              </a:solidFill>
+              <a:uFill>
+                <a:solidFill>
+                  <a:srgbClr val="FFFFFF"/>
+                </a:solidFill>
+              </a:uFill>
+              <a:latin typeface="Calibri"/>
+            </a:endParaRPr>
+          </a:p>
+          <a:p>
+            <a:pPr marL="343080" lvl="1" indent="-342720">
+              <a:buClr>
+                <a:srgbClr val="34AD91"/>
+              </a:buClr>
+              <a:buFont typeface="Wingdings" charset="2"/>
+              <a:buChar char=""/>
+            </a:pPr>
+            <a:r>
+              <a:rPr lang="en-US" sz="2400" strike="noStrike" spc="-1" dirty="0">
+                <a:solidFill>
+                  <a:srgbClr val="000000"/>
+                </a:solidFill>
+                <a:uFill>
+                  <a:solidFill>
+                    <a:srgbClr val="FFFFFF"/>
+                  </a:solidFill>
+                </a:uFill>
+                <a:latin typeface="Calibri"/>
+              </a:rPr>
+              <a:t>Forward</a:t>
+            </a:r>
+            <a:r>
+              <a:rPr lang="en-US" sz="2400" b="0" strike="noStrike" spc="-1" dirty="0">
+                <a:solidFill>
+                  <a:srgbClr val="000000"/>
+                </a:solidFill>
+                <a:uFill>
+                  <a:solidFill>
+                    <a:srgbClr val="FFFFFF"/>
+                  </a:solidFill>
+                </a:uFill>
+                <a:latin typeface="Calibri"/>
+              </a:rPr>
+              <a:t>: </a:t>
+            </a:r>
+            <a:r>
+              <a:rPr lang="en-US" sz="2400" spc="-1" dirty="0">
+                <a:solidFill>
+                  <a:srgbClr val="000000"/>
+                </a:solidFill>
+                <a:uFill>
+                  <a:solidFill>
+                    <a:srgbClr val="FFFFFF"/>
+                  </a:solidFill>
+                </a:uFill>
+              </a:rPr>
+              <a:t>Only local </a:t>
+            </a:r>
+            <a:r>
+              <a:rPr lang="en-US" sz="2400" spc="-1" dirty="0" smtClean="0">
+                <a:solidFill>
+                  <a:srgbClr val="000000"/>
+                </a:solidFill>
+                <a:uFill>
+                  <a:solidFill>
+                    <a:srgbClr val="FFFFFF"/>
+                  </a:solidFill>
+                </a:uFill>
+              </a:rPr>
+              <a:t>communication</a:t>
+            </a:r>
+            <a:br>
+              <a:rPr lang="en-US" sz="2400" spc="-1" dirty="0" smtClean="0">
+                <a:solidFill>
+                  <a:srgbClr val="000000"/>
+                </a:solidFill>
+                <a:uFill>
+                  <a:solidFill>
+                    <a:srgbClr val="FFFFFF"/>
+                  </a:solidFill>
+                </a:uFill>
+              </a:rPr>
+            </a:br>
+            <a:r>
+              <a:rPr lang="en-US" sz="2400" b="0" strike="noStrike" spc="-1" dirty="0" err="1" smtClean="0">
+                <a:solidFill>
+                  <a:srgbClr val="000000"/>
+                </a:solidFill>
+                <a:uFill>
+                  <a:solidFill>
+                    <a:srgbClr val="FFFFFF"/>
+                  </a:solidFill>
+                </a:uFill>
+                <a:latin typeface="Consolas"/>
+              </a:rPr>
+              <a:t>stream.forward</a:t>
+            </a:r>
+            <a:r>
+              <a:rPr lang="en-US" sz="2400" b="0" strike="noStrike" spc="-1" dirty="0">
+                <a:solidFill>
+                  <a:srgbClr val="000000"/>
+                </a:solidFill>
+                <a:uFill>
+                  <a:solidFill>
+                    <a:srgbClr val="FFFFFF"/>
+                  </a:solidFill>
+                </a:uFill>
+                <a:latin typeface="Consolas"/>
+              </a:rPr>
+              <a:t>()</a:t>
+            </a:r>
+            <a:endParaRPr lang="en-US" sz="3200" b="0" strike="noStrike" spc="-1" dirty="0">
               <a:solidFill>
                 <a:srgbClr val="000000"/>
               </a:solidFill>
@@ -23601,7 +23790,7 @@
               <a:buChar char=""/>
             </a:pPr>
             <a:r>
-              <a:rPr lang="en-US" sz="2800" b="1" strike="noStrike" spc="-1">
+              <a:rPr lang="en-US" sz="2400" strike="noStrike" spc="-1" dirty="0" smtClean="0">
                 <a:solidFill>
                   <a:srgbClr val="000000"/>
                 </a:solidFill>
@@ -23612,10 +23801,10 @@
                 </a:uFill>
                 <a:latin typeface="Calibri"/>
               </a:rPr>
-              <a:t>Forward</a:t>
-            </a:r>
-            <a:r>
-              <a:rPr lang="en-US" sz="2800" b="0" strike="noStrike" spc="-1">
+              <a:t>Rebalance</a:t>
+            </a:r>
+            <a:r>
+              <a:rPr lang="en-US" sz="2400" strike="noStrike" spc="-1" dirty="0">
                 <a:solidFill>
                   <a:srgbClr val="000000"/>
                 </a:solidFill>
@@ -23626,10 +23815,99 @@
                 </a:uFill>
                 <a:latin typeface="Calibri"/>
               </a:rPr>
-              <a:t>:</a:t>
-            </a:r>
-            <a:r>
-              <a:rPr lang="en-US" sz="3200" b="0" strike="noStrike" spc="-1">
+              <a:t>: </a:t>
+            </a:r>
+            <a:r>
+              <a:rPr lang="en-US" sz="2400" spc="-1" dirty="0">
+                <a:solidFill>
+                  <a:srgbClr val="000000"/>
+                </a:solidFill>
+                <a:uFill>
+                  <a:solidFill>
+                    <a:srgbClr val="FFFFFF"/>
+                  </a:solidFill>
+                </a:uFill>
+              </a:rPr>
+              <a:t>Round-robin </a:t>
+            </a:r>
+            <a:r>
+              <a:rPr lang="en-US" sz="2400" spc="-1" dirty="0" smtClean="0">
+                <a:solidFill>
+                  <a:srgbClr val="000000"/>
+                </a:solidFill>
+                <a:uFill>
+                  <a:solidFill>
+                    <a:srgbClr val="FFFFFF"/>
+                  </a:solidFill>
+                </a:uFill>
+              </a:rPr>
+              <a:t>partitioning</a:t>
+            </a:r>
+            <a:br>
+              <a:rPr lang="en-US" sz="2400" spc="-1" dirty="0" smtClean="0">
+                <a:solidFill>
+                  <a:srgbClr val="000000"/>
+                </a:solidFill>
+                <a:uFill>
+                  <a:solidFill>
+                    <a:srgbClr val="FFFFFF"/>
+                  </a:solidFill>
+                </a:uFill>
+              </a:rPr>
+            </a:br>
+            <a:r>
+              <a:rPr lang="en-US" sz="2400" strike="noStrike" spc="-1" dirty="0" err="1" smtClean="0">
+                <a:solidFill>
+                  <a:srgbClr val="000000"/>
+                </a:solidFill>
+                <a:uFill>
+                  <a:solidFill>
+                    <a:srgbClr val="FFFFFF"/>
+                  </a:solidFill>
+                </a:uFill>
+                <a:latin typeface="Consolas"/>
+              </a:rPr>
+              <a:t>stream.rebalance</a:t>
+            </a:r>
+            <a:r>
+              <a:rPr lang="en-US" sz="2400" strike="noStrike" spc="-1" dirty="0">
+                <a:solidFill>
+                  <a:srgbClr val="000000"/>
+                </a:solidFill>
+                <a:uFill>
+                  <a:solidFill>
+                    <a:srgbClr val="FFFFFF"/>
+                  </a:solidFill>
+                </a:uFill>
+                <a:latin typeface="Consolas"/>
+              </a:rPr>
+              <a:t>()</a:t>
+            </a:r>
+            <a:endParaRPr lang="en-US" sz="3200" strike="noStrike" spc="-1" dirty="0">
+              <a:solidFill>
+                <a:srgbClr val="000000"/>
+              </a:solidFill>
+              <a:uFill>
+                <a:solidFill>
+                  <a:srgbClr val="FFFFFF"/>
+                </a:solidFill>
+              </a:uFill>
+              <a:latin typeface="Calibri"/>
+            </a:endParaRPr>
+          </a:p>
+          <a:p>
+            <a:pPr marL="343080" indent="-342720">
+              <a:lnSpc>
+                <a:spcPct val="100000"/>
+              </a:lnSpc>
+              <a:buClr>
+                <a:srgbClr val="34AD91"/>
+              </a:buClr>
+              <a:buFont typeface="Wingdings" charset="2"/>
+              <a:buChar char=""/>
+            </a:pPr>
+            <a:r>
+              <a:rPr lang="en-US" sz="2400" strike="noStrike" spc="-1" dirty="0" smtClean="0">
                 <a:solidFill>
                   <a:srgbClr val="000000"/>
                 </a:solidFill>
@@ -23640,23 +23918,315 @@
                 </a:uFill>
                 <a:latin typeface="Calibri"/>
               </a:rPr>
+              <a:t>Partition </a:t>
+            </a:r>
+            <a:r>
+              <a:rPr lang="en-US" sz="2400" strike="noStrike" spc="-1" dirty="0">
+                <a:solidFill>
+                  <a:srgbClr val="000000"/>
+                </a:solidFill>
+                <a:uFill>
+                  <a:solidFill>
+                    <a:srgbClr val="FFFFFF"/>
+                  </a:solidFill>
+                </a:uFill>
+                <a:latin typeface="Calibri"/>
+              </a:rPr>
+              <a:t>by </a:t>
+            </a:r>
+            <a:r>
+              <a:rPr lang="en-US" sz="2400" strike="noStrike" spc="-1" dirty="0" smtClean="0">
+                <a:solidFill>
+                  <a:srgbClr val="000000"/>
+                </a:solidFill>
+                <a:uFill>
+                  <a:solidFill>
+                    <a:srgbClr val="FFFFFF"/>
+                  </a:solidFill>
+                </a:uFill>
+                <a:latin typeface="Calibri"/>
+              </a:rPr>
+              <a:t>hash</a:t>
+            </a:r>
+            <a:r>
+              <a:rPr lang="en-US" sz="2400" b="0" strike="noStrike" spc="-1" dirty="0" smtClean="0">
+                <a:solidFill>
+                  <a:srgbClr val="000000"/>
+                </a:solidFill>
+                <a:uFill>
+                  <a:solidFill>
+                    <a:srgbClr val="FFFFFF"/>
+                  </a:solidFill>
+                </a:uFill>
+                <a:latin typeface="Calibri"/>
+              </a:rPr>
+              <a:t/>
+            </a:r>
+            <a:br>
+              <a:rPr lang="en-US" sz="2400" b="0" strike="noStrike" spc="-1" dirty="0" smtClean="0">
+                <a:solidFill>
+                  <a:srgbClr val="000000"/>
+                </a:solidFill>
+                <a:uFill>
+                  <a:solidFill>
+                    <a:srgbClr val="FFFFFF"/>
+                  </a:solidFill>
+                </a:uFill>
+                <a:latin typeface="Calibri"/>
+              </a:rPr>
+            </a:br>
+            <a:r>
+              <a:rPr lang="en-US" sz="2400" b="0" strike="noStrike" spc="-1" dirty="0" err="1" smtClean="0">
+                <a:solidFill>
+                  <a:srgbClr val="000000"/>
+                </a:solidFill>
+                <a:uFill>
+                  <a:solidFill>
+                    <a:srgbClr val="FFFFFF"/>
+                  </a:solidFill>
+                </a:uFill>
+                <a:latin typeface="Consolas"/>
+              </a:rPr>
+              <a:t>stream.partitionByHash</a:t>
+            </a:r>
+            <a:r>
+              <a:rPr lang="en-US" sz="2400" b="0" strike="noStrike" spc="-1" dirty="0">
+                <a:solidFill>
+                  <a:srgbClr val="000000"/>
+                </a:solidFill>
+                <a:uFill>
+                  <a:solidFill>
+                    <a:srgbClr val="FFFFFF"/>
+                  </a:solidFill>
+                </a:uFill>
+                <a:latin typeface="Consolas"/>
+              </a:rPr>
+              <a:t>(...)</a:t>
+            </a:r>
+            <a:endParaRPr lang="en-US" sz="3200" b="0" strike="noStrike" spc="-1" dirty="0">
+              <a:solidFill>
+                <a:srgbClr val="000000"/>
+              </a:solidFill>
+              <a:uFill>
+                <a:solidFill>
+                  <a:srgbClr val="FFFFFF"/>
+                </a:solidFill>
+              </a:uFill>
+              <a:latin typeface="Calibri"/>
+            </a:endParaRPr>
+          </a:p>
+          <a:p>
+            <a:pPr marL="343080" indent="-342720">
+              <a:lnSpc>
+                <a:spcPct val="100000"/>
+              </a:lnSpc>
+              <a:buClr>
+                <a:srgbClr val="34AD91"/>
+              </a:buClr>
+              <a:buFont typeface="Wingdings" charset="2"/>
+              <a:buChar char=""/>
+            </a:pPr>
+            <a:r>
+              <a:rPr lang="en-US" sz="2400" strike="noStrike" spc="-1" dirty="0">
+                <a:solidFill>
+                  <a:srgbClr val="000000"/>
+                </a:solidFill>
+                <a:uFill>
+                  <a:solidFill>
+                    <a:srgbClr val="FFFFFF"/>
+                  </a:solidFill>
+                </a:uFill>
+                <a:latin typeface="Calibri"/>
+              </a:rPr>
+              <a:t>Custom </a:t>
+            </a:r>
+            <a:r>
+              <a:rPr lang="en-US" sz="2400" strike="noStrike" spc="-1" dirty="0" smtClean="0">
+                <a:solidFill>
+                  <a:srgbClr val="000000"/>
+                </a:solidFill>
+                <a:uFill>
+                  <a:solidFill>
+                    <a:srgbClr val="FFFFFF"/>
+                  </a:solidFill>
+                </a:uFill>
+                <a:latin typeface="Calibri"/>
+              </a:rPr>
+              <a:t>partitioning</a:t>
+            </a:r>
+            <a:r>
+              <a:rPr lang="en-US" sz="2600" spc="-1" dirty="0">
+                <a:solidFill>
+                  <a:srgbClr val="000000"/>
+                </a:solidFill>
+                <a:uFill>
+                  <a:solidFill>
+                    <a:srgbClr val="FFFFFF"/>
+                  </a:solidFill>
+                </a:uFill>
+                <a:latin typeface="Calibri"/>
+              </a:rPr>
+              <a:t/>
+            </a:r>
+            <a:br>
+              <a:rPr lang="en-US" sz="2600" spc="-1" dirty="0">
+                <a:solidFill>
+                  <a:srgbClr val="000000"/>
+                </a:solidFill>
+                <a:uFill>
+                  <a:solidFill>
+                    <a:srgbClr val="FFFFFF"/>
+                  </a:solidFill>
+                </a:uFill>
+                <a:latin typeface="Calibri"/>
+              </a:rPr>
+            </a:br>
+            <a:r>
+              <a:rPr lang="en-US" sz="2400" b="0" strike="noStrike" spc="-1" dirty="0" err="1" smtClean="0">
+                <a:solidFill>
+                  <a:srgbClr val="000000"/>
+                </a:solidFill>
+                <a:uFill>
+                  <a:solidFill>
+                    <a:srgbClr val="FFFFFF"/>
+                  </a:solidFill>
+                </a:uFill>
+                <a:latin typeface="Consolas"/>
+              </a:rPr>
+              <a:t>stream.partitionCustom</a:t>
+            </a:r>
+            <a:r>
+              <a:rPr lang="en-US" sz="2400" b="0" strike="noStrike" spc="-1" dirty="0">
+                <a:solidFill>
+                  <a:srgbClr val="000000"/>
+                </a:solidFill>
+                <a:uFill>
+                  <a:solidFill>
+                    <a:srgbClr val="FFFFFF"/>
+                  </a:solidFill>
+                </a:uFill>
+                <a:latin typeface="Consolas"/>
+              </a:rPr>
+              <a:t>(...)</a:t>
+            </a:r>
+            <a:endParaRPr lang="en-US" sz="3200" b="0" strike="noStrike" spc="-1" dirty="0">
+              <a:solidFill>
+                <a:srgbClr val="000000"/>
+              </a:solidFill>
+              <a:uFill>
+                <a:solidFill>
+                  <a:srgbClr val="FFFFFF"/>
+                </a:solidFill>
+              </a:uFill>
+              <a:latin typeface="Calibri"/>
+            </a:endParaRPr>
+          </a:p>
+          <a:p>
+            <a:pPr marL="343080" indent="-342720">
+              <a:lnSpc>
+                <a:spcPct val="100000"/>
+              </a:lnSpc>
+              <a:buClr>
+                <a:srgbClr val="34AD91"/>
+              </a:buClr>
+              <a:buFont typeface="Wingdings" charset="2"/>
+              <a:buChar char=""/>
+            </a:pPr>
+            <a:r>
+              <a:rPr lang="en-US" sz="2400" strike="noStrike" spc="-1" dirty="0">
+                <a:solidFill>
+                  <a:srgbClr val="000000"/>
+                </a:solidFill>
+                <a:uFill>
+                  <a:solidFill>
+                    <a:srgbClr val="FFFFFF"/>
+                  </a:solidFill>
+                </a:uFill>
+                <a:latin typeface="Calibri"/>
+              </a:rPr>
+              <a:t>Broadcast:</a:t>
+            </a:r>
+            <a:r>
+              <a:rPr lang="en-US" sz="2400" b="0" strike="noStrike" spc="-1" dirty="0">
+                <a:solidFill>
+                  <a:srgbClr val="000000"/>
+                </a:solidFill>
+                <a:uFill>
+                  <a:solidFill>
+                    <a:srgbClr val="FFFFFF"/>
+                  </a:solidFill>
+                </a:uFill>
+                <a:latin typeface="Calibri"/>
+              </a:rPr>
               <a:t> </a:t>
             </a:r>
             <a:r>
-              <a:rPr lang="en-US" sz="2400" b="0" strike="noStrike" spc="-1">
-                <a:solidFill>
-                  <a:srgbClr val="000000"/>
-                </a:solidFill>
-                <a:uFill>
-                  <a:solidFill>
-                    <a:srgbClr val="FFFFFF"/>
-                  </a:solidFill>
-                </a:uFill>
-                <a:latin typeface="Consolas"/>
-              </a:rPr>
-              <a:t>stream.forward()</a:t>
-            </a:r>
-            <a:endParaRPr lang="en-US" sz="3200" b="0" strike="noStrike" spc="-1">
+              <a:rPr lang="en-US" sz="2400" spc="-1" dirty="0">
+                <a:solidFill>
+                  <a:srgbClr val="000000"/>
+                </a:solidFill>
+                <a:uFill>
+                  <a:solidFill>
+                    <a:srgbClr val="FFFFFF"/>
+                  </a:solidFill>
+                </a:uFill>
+              </a:rPr>
+              <a:t>Broadcast to all </a:t>
+            </a:r>
+            <a:r>
+              <a:rPr lang="en-US" sz="2400" spc="-1" dirty="0" smtClean="0">
+                <a:solidFill>
+                  <a:srgbClr val="000000"/>
+                </a:solidFill>
+                <a:uFill>
+                  <a:solidFill>
+                    <a:srgbClr val="FFFFFF"/>
+                  </a:solidFill>
+                </a:uFill>
+              </a:rPr>
+              <a:t>nodes</a:t>
+            </a:r>
+            <a:br>
+              <a:rPr lang="en-US" sz="2400" spc="-1" dirty="0" smtClean="0">
+                <a:solidFill>
+                  <a:srgbClr val="000000"/>
+                </a:solidFill>
+                <a:uFill>
+                  <a:solidFill>
+                    <a:srgbClr val="FFFFFF"/>
+                  </a:solidFill>
+                </a:uFill>
+              </a:rPr>
+            </a:br>
+            <a:r>
+              <a:rPr lang="en-US" sz="2400" b="0" strike="noStrike" spc="-1" dirty="0" err="1" smtClean="0">
+                <a:solidFill>
+                  <a:srgbClr val="000000"/>
+                </a:solidFill>
+                <a:uFill>
+                  <a:solidFill>
+                    <a:srgbClr val="FFFFFF"/>
+                  </a:solidFill>
+                </a:uFill>
+                <a:latin typeface="Consolas"/>
+              </a:rPr>
+              <a:t>stream.broadcast</a:t>
+            </a:r>
+            <a:r>
+              <a:rPr lang="en-US" sz="2400" b="0" strike="noStrike" spc="-1" dirty="0">
+                <a:solidFill>
+                  <a:srgbClr val="000000"/>
+                </a:solidFill>
+                <a:uFill>
+                  <a:solidFill>
+                    <a:srgbClr val="FFFFFF"/>
+                  </a:solidFill>
+                </a:uFill>
+                <a:latin typeface="Consolas"/>
+              </a:rPr>
+              <a:t>()</a:t>
+            </a:r>
+            <a:endParaRPr lang="en-US" sz="3200" b="0" strike="noStrike" spc="-1" dirty="0">
               <a:solidFill>
                 <a:srgbClr val="000000"/>
               </a:solidFill>
@@ -23679,89 +24249,7 @@
               <a:buFont typeface="Arial"/>
               <a:buChar char="•"/>
             </a:pPr>
-            <a:r>
-              <a:rPr lang="en-US" sz="2400" b="0" strike="noStrike" spc="-1">
-                <a:solidFill>
-                  <a:srgbClr val="000000"/>
-                </a:solidFill>
-                <a:uFill>
-                  <a:solidFill>
-                    <a:srgbClr val="FFFFFF"/>
-                  </a:solidFill>
-                </a:uFill>
-                <a:latin typeface="Calibri"/>
-              </a:rPr>
-              <a:t>Only local communication</a:t>
-            </a:r>
-          </a:p>
-          <a:p>
-            <a:pPr marL="343080" indent="-342720">
-              <a:lnSpc>
-                <a:spcPct val="100000"/>
-              </a:lnSpc>
-              <a:buClr>
-                <a:srgbClr val="34AD91"/>
-              </a:buClr>
-              <a:buFont typeface="Wingdings" charset="2"/>
-              <a:buChar char=""/>
-            </a:pPr>
-            <a:r>
-              <a:rPr lang="en-US" sz="2800" b="1" strike="noStrike" spc="-1">
-                <a:solidFill>
-                  <a:srgbClr val="000000"/>
-                </a:solidFill>
-                <a:uFill>
-                  <a:solidFill>
-                    <a:srgbClr val="FFFFFF"/>
-                  </a:solidFill>
-                </a:uFill>
-                <a:latin typeface="Calibri"/>
-              </a:rPr>
-              <a:t>Rebalance</a:t>
-            </a:r>
-            <a:r>
-              <a:rPr lang="en-US" sz="2800" b="0" strike="noStrike" spc="-1">
-                <a:solidFill>
-                  <a:srgbClr val="000000"/>
-                </a:solidFill>
-                <a:uFill>
-                  <a:solidFill>
-                    <a:srgbClr val="FFFFFF"/>
-                  </a:solidFill>
-                </a:uFill>
-                <a:latin typeface="Calibri"/>
-              </a:rPr>
-              <a:t>:</a:t>
-            </a:r>
-            <a:r>
-              <a:rPr lang="en-US" sz="3200" b="0" strike="noStrike" spc="-1">
-                <a:solidFill>
-                  <a:srgbClr val="000000"/>
-                </a:solidFill>
-                <a:uFill>
-                  <a:solidFill>
-                    <a:srgbClr val="FFFFFF"/>
-                  </a:solidFill>
-                </a:uFill>
-                <a:latin typeface="Calibri"/>
-              </a:rPr>
-              <a:t> </a:t>
-            </a:r>
-            <a:r>
-              <a:rPr lang="en-US" sz="2400" b="0" strike="noStrike" spc="-1">
-                <a:solidFill>
-                  <a:srgbClr val="000000"/>
-                </a:solidFill>
-                <a:uFill>
-                  <a:solidFill>
-                    <a:srgbClr val="FFFFFF"/>
-                  </a:solidFill>
-                </a:uFill>
-                <a:latin typeface="Consolas"/>
-              </a:rPr>
-              <a:t>stream.rebalance()</a:t>
-            </a:r>
-            <a:endParaRPr lang="en-US" sz="3200" b="0" strike="noStrike" spc="-1">
+            <a:endParaRPr lang="en-US" sz="2400" b="0" strike="noStrike" spc="-1" dirty="0">
               <a:solidFill>
                 <a:srgbClr val="000000"/>
               </a:solidFill>
@@ -23772,295 +24260,6 @@
               </a:uFill>
               <a:latin typeface="Calibri"/>
             </a:endParaRPr>
-          </a:p>
-          <a:p>
-            <a:pPr marL="743040" lvl="1" indent="-285480">
-              <a:lnSpc>
-                <a:spcPct val="100000"/>
-              </a:lnSpc>
-              <a:buClr>
-                <a:srgbClr val="34AD91"/>
-              </a:buClr>
-              <a:buFont typeface="Arial"/>
-              <a:buChar char="•"/>
-            </a:pPr>
-            <a:r>
-              <a:rPr lang="en-US" sz="2400" b="0" strike="noStrike" spc="-1">
-                <a:solidFill>
-                  <a:srgbClr val="000000"/>
-                </a:solidFill>
-                <a:uFill>
-                  <a:solidFill>
-                    <a:srgbClr val="FFFFFF"/>
-                  </a:solidFill>
-                </a:uFill>
-                <a:latin typeface="Calibri"/>
-              </a:rPr>
-              <a:t>Round-robin partitioning</a:t>
-            </a:r>
-          </a:p>
-          <a:p>
-            <a:pPr marL="343080" indent="-342720">
-              <a:lnSpc>
-                <a:spcPct val="100000"/>
-              </a:lnSpc>
-              <a:buClr>
-                <a:srgbClr val="34AD91"/>
-              </a:buClr>
-              <a:buFont typeface="Wingdings" charset="2"/>
-              <a:buChar char=""/>
-            </a:pPr>
-            <a:r>
-              <a:rPr lang="en-US" sz="2800" b="1" strike="noStrike" spc="-1">
-                <a:solidFill>
-                  <a:srgbClr val="000000"/>
-                </a:solidFill>
-                <a:uFill>
-                  <a:solidFill>
-                    <a:srgbClr val="FFFFFF"/>
-                  </a:solidFill>
-                </a:uFill>
-                <a:latin typeface="Calibri"/>
-              </a:rPr>
-              <a:t>Partition by hash</a:t>
-            </a:r>
-            <a:r>
-              <a:rPr lang="en-US" sz="2800" b="0" strike="noStrike" spc="-1">
-                <a:solidFill>
-                  <a:srgbClr val="000000"/>
-                </a:solidFill>
-                <a:uFill>
-                  <a:solidFill>
-                    <a:srgbClr val="FFFFFF"/>
-                  </a:solidFill>
-                </a:uFill>
-                <a:latin typeface="Calibri"/>
-              </a:rPr>
-              <a:t>:</a:t>
-            </a:r>
-            <a:r>
-              <a:rPr lang="en-US" sz="3200" b="0" strike="noStrike" spc="-1">
-                <a:solidFill>
-                  <a:srgbClr val="000000"/>
-                </a:solidFill>
-                <a:uFill>
-                  <a:solidFill>
-                    <a:srgbClr val="FFFFFF"/>
-                  </a:solidFill>
-                </a:uFill>
-                <a:latin typeface="Calibri"/>
-              </a:rPr>
-              <a:t> </a:t>
-            </a:r>
-            <a:r>
-              <a:rPr lang="en-US" sz="2400" b="0" strike="noStrike" spc="-1">
-                <a:solidFill>
-                  <a:srgbClr val="000000"/>
-                </a:solidFill>
-                <a:uFill>
-                  <a:solidFill>
-                    <a:srgbClr val="FFFFFF"/>
-                  </a:solidFill>
-                </a:uFill>
-                <a:latin typeface="Consolas"/>
-              </a:rPr>
-              <a:t>stream.partitionByHash(...)</a:t>
-            </a:r>
-            <a:endParaRPr lang="en-US" sz="3200" b="0" strike="noStrike" spc="-1">
-              <a:solidFill>
-                <a:srgbClr val="000000"/>
-              </a:solidFill>
-              <a:uFill>
-                <a:solidFill>
-                  <a:srgbClr val="FFFFFF"/>
-                </a:solidFill>
-              </a:uFill>
-              <a:latin typeface="Calibri"/>
-            </a:endParaRPr>
-          </a:p>
-          <a:p>
-            <a:pPr marL="343080" indent="-342720">
-              <a:lnSpc>
-                <a:spcPct val="100000"/>
-              </a:lnSpc>
-              <a:buClr>
-                <a:srgbClr val="34AD91"/>
-              </a:buClr>
-              <a:buFont typeface="Wingdings" charset="2"/>
-              <a:buChar char=""/>
-            </a:pPr>
-            <a:r>
-              <a:rPr lang="en-US" sz="2600" b="1" strike="noStrike" spc="-1">
-                <a:solidFill>
-                  <a:srgbClr val="000000"/>
-                </a:solidFill>
-                <a:uFill>
-                  <a:solidFill>
-                    <a:srgbClr val="FFFFFF"/>
-                  </a:solidFill>
-                </a:uFill>
-                <a:latin typeface="Calibri"/>
-              </a:rPr>
-              <a:t>Custom partitioning</a:t>
-            </a:r>
-            <a:r>
-              <a:rPr lang="en-US" sz="2600" b="0" strike="noStrike" spc="-1">
-                <a:solidFill>
-                  <a:srgbClr val="000000"/>
-                </a:solidFill>
-                <a:uFill>
-                  <a:solidFill>
-                    <a:srgbClr val="FFFFFF"/>
-                  </a:solidFill>
-                </a:uFill>
-                <a:latin typeface="Calibri"/>
-              </a:rPr>
-              <a:t>:</a:t>
-            </a:r>
-            <a:r>
-              <a:rPr lang="en-US" sz="3200" b="0" strike="noStrike" spc="-1">
-                <a:solidFill>
-                  <a:srgbClr val="000000"/>
-                </a:solidFill>
-                <a:uFill>
-                  <a:solidFill>
-                    <a:srgbClr val="FFFFFF"/>
-                  </a:solidFill>
-                </a:uFill>
-                <a:latin typeface="Calibri"/>
-              </a:rPr>
-              <a:t> </a:t>
-            </a:r>
-            <a:r>
-              <a:rPr lang="en-US" sz="2400" b="0" strike="noStrike" spc="-1">
-                <a:solidFill>
-                  <a:srgbClr val="000000"/>
-                </a:solidFill>
-                <a:uFill>
-                  <a:solidFill>
-                    <a:srgbClr val="FFFFFF"/>
-                  </a:solidFill>
-                </a:uFill>
-                <a:latin typeface="Consolas"/>
-              </a:rPr>
-              <a:t>stream.partitionCustom(...)</a:t>
-            </a:r>
-            <a:endParaRPr lang="en-US" sz="3200" b="0" strike="noStrike" spc="-1">
-              <a:solidFill>
-                <a:srgbClr val="000000"/>
-              </a:solidFill>
-              <a:uFill>
-                <a:solidFill>
-                  <a:srgbClr val="FFFFFF"/>
-                </a:solidFill>
-              </a:uFill>
-              <a:latin typeface="Calibri"/>
-            </a:endParaRPr>
-          </a:p>
-          <a:p>
-            <a:pPr marL="343080" indent="-342720">
-              <a:lnSpc>
-                <a:spcPct val="100000"/>
-              </a:lnSpc>
-              <a:buClr>
-                <a:srgbClr val="34AD91"/>
-              </a:buClr>
-              <a:buFont typeface="Wingdings" charset="2"/>
-              <a:buChar char=""/>
-            </a:pPr>
-            <a:r>
-              <a:rPr lang="en-US" sz="2600" b="1" strike="noStrike" spc="-1">
-                <a:solidFill>
-                  <a:srgbClr val="000000"/>
-                </a:solidFill>
-                <a:uFill>
-                  <a:solidFill>
-                    <a:srgbClr val="FFFFFF"/>
-                  </a:solidFill>
-                </a:uFill>
-                <a:latin typeface="Calibri"/>
-              </a:rPr>
-              <a:t>Broadcast</a:t>
-            </a:r>
-            <a:r>
-              <a:rPr lang="en-US" sz="2600" b="0" strike="noStrike" spc="-1">
-                <a:solidFill>
-                  <a:srgbClr val="000000"/>
-                </a:solidFill>
-                <a:uFill>
-                  <a:solidFill>
-                    <a:srgbClr val="FFFFFF"/>
-                  </a:solidFill>
-                </a:uFill>
-                <a:latin typeface="Calibri"/>
-              </a:rPr>
-              <a:t>:</a:t>
-            </a:r>
-            <a:r>
-              <a:rPr lang="en-US" sz="3200" b="0" strike="noStrike" spc="-1">
-                <a:solidFill>
-                  <a:srgbClr val="000000"/>
-                </a:solidFill>
-                <a:uFill>
-                  <a:solidFill>
-                    <a:srgbClr val="FFFFFF"/>
-                  </a:solidFill>
-                </a:uFill>
-                <a:latin typeface="Calibri"/>
-              </a:rPr>
-              <a:t> </a:t>
-            </a:r>
-            <a:r>
-              <a:rPr lang="en-US" sz="2400" b="0" strike="noStrike" spc="-1">
-                <a:solidFill>
-                  <a:srgbClr val="000000"/>
-                </a:solidFill>
-                <a:uFill>
-                  <a:solidFill>
-                    <a:srgbClr val="FFFFFF"/>
-                  </a:solidFill>
-                </a:uFill>
-                <a:latin typeface="Consolas"/>
-              </a:rPr>
-              <a:t>stream.broadcast()</a:t>
-            </a:r>
-            <a:endParaRPr lang="en-US" sz="3200" b="0" strike="noStrike" spc="-1">
-              <a:solidFill>
-                <a:srgbClr val="000000"/>
-              </a:solidFill>
-              <a:uFill>
-                <a:solidFill>
-                  <a:srgbClr val="FFFFFF"/>
-                </a:solidFill>
-              </a:uFill>
-              <a:latin typeface="Calibri"/>
-            </a:endParaRPr>
-          </a:p>
-          <a:p>
-            <a:pPr marL="743040" lvl="1" indent="-285480">
-              <a:lnSpc>
-                <a:spcPct val="100000"/>
-              </a:lnSpc>
-              <a:buClr>
-                <a:srgbClr val="34AD91"/>
-              </a:buClr>
-              <a:buFont typeface="Arial"/>
-              <a:buChar char="•"/>
-            </a:pPr>
-            <a:r>
-              <a:rPr lang="en-US" sz="2400" b="0" strike="noStrike" spc="-1">
-                <a:solidFill>
-                  <a:srgbClr val="000000"/>
-                </a:solidFill>
-                <a:uFill>
-                  <a:solidFill>
-                    <a:srgbClr val="FFFFFF"/>
-                  </a:solidFill>
-                </a:uFill>
-                <a:latin typeface="Calibri"/>
-              </a:rPr>
-              <a:t>Broadcast to all nodes</a:t>
-            </a:r>
           </a:p>
         </p:txBody>
       </p:sp>
@@ -24626,6 +24825,19 @@
               <a:buChar char=""/>
             </a:pPr>
             <a:r>
+              <a:rPr lang="x-none" sz="3200" spc="-1" dirty="0" smtClean="0">
+                <a:solidFill>
+                  <a:srgbClr val="000000"/>
+                </a:solidFill>
+                <a:uFill>
+                  <a:solidFill>
+                    <a:srgbClr val="FFFFFF"/>
+                  </a:solidFill>
+                </a:uFill>
+              </a:rPr>
+              <a:t>keyBy() partitions </a:t>
+            </a:r>
+            <a:r>
               <a:rPr lang="x-none" sz="3200" spc="-1" dirty="0">
                 <a:solidFill>
                   <a:srgbClr val="000000"/>
@@ -24636,33 +24848,7 @@
                   </a:solidFill>
                 </a:uFill>
               </a:rPr>
-              <a:t>Flink partitions </a:t>
-            </a:r>
-            <a:r>
-              <a:rPr lang="x-none" sz="3200" spc="-1" dirty="0" err="1">
-                <a:solidFill>
-                  <a:srgbClr val="000000"/>
-                </a:solidFill>
-                <a:uFill>
-                  <a:solidFill>
-                    <a:srgbClr val="FFFFFF"/>
-                  </a:solidFill>
-                </a:uFill>
-              </a:rPr>
-              <a:t>DataStreams</a:t>
-            </a:r>
-            <a:r>
-              <a:rPr lang="x-none" sz="3200" spc="-1" dirty="0">
-                <a:solidFill>
-                  <a:srgbClr val="000000"/>
-                </a:solidFill>
-                <a:uFill>
-                  <a:solidFill>
-                    <a:srgbClr val="FFFFFF"/>
-                  </a:solidFill>
-                </a:uFill>
-              </a:rPr>
-              <a:t> on keys</a:t>
+              <a:t>DataStreams on keys</a:t>
             </a:r>
             <a:endParaRPr lang="x-none" sz="2800" spc="-1" dirty="0">
               <a:solidFill>
@@ -24673,6 +24859,40 @@
                   <a:srgbClr val="FFFFFF"/>
                 </a:solidFill>
               </a:uFill>
+            </a:endParaRPr>
+          </a:p>
+          <a:p>
+            <a:pPr marL="800280" lvl="1" indent="-342720">
+              <a:buClr>
+                <a:srgbClr val="34AD91"/>
+              </a:buClr>
+              <a:buFont typeface="Wingdings" charset="2"/>
+              <a:buChar char=""/>
+            </a:pPr>
+            <a:r>
+              <a:rPr lang="en-US" sz="3200" spc="-1" dirty="0" smtClean="0">
+                <a:solidFill>
+                  <a:srgbClr val="000000"/>
+                </a:solidFill>
+                <a:uFill>
+                  <a:solidFill>
+                    <a:srgbClr val="FFFFFF"/>
+                  </a:solidFill>
+                </a:uFill>
+                <a:latin typeface="Calibri"/>
+              </a:rPr>
+              <a:t>Keys are extracted from each element</a:t>
+            </a:r>
+            <a:endParaRPr lang="en-US" sz="3200" spc="-1" dirty="0">
+              <a:solidFill>
+                <a:srgbClr val="000000"/>
+              </a:solidFill>
+              <a:uFill>
+                <a:solidFill>
+                  <a:srgbClr val="FFFFFF"/>
+                </a:solidFill>
+              </a:uFill>
+              <a:latin typeface="Calibri"/>
             </a:endParaRPr>
           </a:p>
           <a:p>
@@ -24721,8 +24941,33 @@
                 </a:uFill>
                 <a:latin typeface="Calibri"/>
               </a:rPr>
-              <a:t>Not all data types can be used as keys!</a:t>
-            </a:r>
+              <a:t>Not all data types can be used as </a:t>
+            </a:r>
+            <a:r>
+              <a:rPr lang="x-none" sz="3200" b="0" strike="noStrike" spc="-1" dirty="0" smtClean="0">
+                <a:solidFill>
+                  <a:srgbClr val="000000"/>
+                </a:solidFill>
+                <a:uFill>
+                  <a:solidFill>
+                    <a:srgbClr val="FFFFFF"/>
+                  </a:solidFill>
+                </a:uFill>
+                <a:latin typeface="Calibri"/>
+              </a:rPr>
+              <a:t>keys</a:t>
+            </a:r>
+            <a:endParaRPr lang="x-none" sz="3200" b="0" strike="noStrike" spc="-1" dirty="0">
+              <a:solidFill>
+                <a:srgbClr val="000000"/>
+              </a:solidFill>
+              <a:uFill>
+                <a:solidFill>
+                  <a:srgbClr val="FFFFFF"/>
+                </a:solidFill>
+              </a:uFill>
+              <a:latin typeface="Calibri"/>
+            </a:endParaRPr>
           </a:p>
           <a:p>
             <a:pPr marL="743040" lvl="1" indent="-285480">
@@ -24872,7 +25117,7 @@
               </a:rPr>
               <a:t>nested fields can also be used as keys</a:t>
             </a:r>
-            <a:endParaRPr lang="x-none" sz="2800" b="0" strike="noStrike" spc="-1">
+            <a:endParaRPr lang="x-none" sz="2800" b="0" strike="noStrike" spc="-1" dirty="0">
               <a:solidFill>
                 <a:srgbClr val="000000"/>
               </a:solidFill>
@@ -25084,7 +25329,7 @@
               <a:buChar char=""/>
             </a:pPr>
             <a:r>
-              <a:rPr lang="en-US" sz="3000" b="0" strike="noStrike" spc="-1">
+              <a:rPr lang="en-US" sz="3000" b="0" strike="noStrike" spc="-1" dirty="0">
                 <a:solidFill>
                   <a:srgbClr val="000000"/>
                 </a:solidFill>
@@ -25097,7 +25342,7 @@
               </a:rPr>
               <a:t>Define keys by field position</a:t>
             </a:r>
-            <a:endParaRPr lang="en-US" sz="3200" b="0" strike="noStrike" spc="-1">
+            <a:endParaRPr lang="en-US" sz="3200" b="0" strike="noStrike" spc="-1" dirty="0">
               <a:solidFill>
                 <a:srgbClr val="000000"/>
               </a:solidFill>
@@ -25115,7 +25360,7 @@
                 <a:spcPct val="100000"/>
               </a:lnSpc>
             </a:pPr>
-            <a:endParaRPr lang="en-US" sz="2200" b="0" strike="noStrike" spc="-1">
+            <a:endParaRPr lang="en-US" b="0" strike="noStrike" spc="-1" dirty="0">
               <a:solidFill>
                 <a:srgbClr val="000000"/>
               </a:solidFill>
@@ -25134,7 +25379,7 @@
               </a:lnSpc>
             </a:pPr>
             <a:r>
-              <a:rPr lang="en-US" sz="2000" b="0" strike="noStrike" spc="-1">
+              <a:rPr lang="en-US" sz="2000" b="0" strike="noStrike" spc="-1" dirty="0">
                 <a:solidFill>
                   <a:srgbClr val="000000"/>
                 </a:solidFill>
@@ -25147,7 +25392,7 @@
               </a:rPr>
               <a:t>DataStream&lt;Tuple3&lt;Integer, String, Double&gt;&gt; d = …</a:t>
             </a:r>
-            <a:endParaRPr lang="en-US" sz="2000" b="0" strike="noStrike" spc="-1">
+            <a:endParaRPr lang="en-US" sz="2000" b="0" strike="noStrike" spc="-1" dirty="0">
               <a:solidFill>
                 <a:srgbClr val="000000"/>
               </a:solidFill>
@@ -25165,7 +25410,7 @@
                 <a:spcPct val="100000"/>
               </a:lnSpc>
             </a:pPr>
-            <a:endParaRPr lang="en-US" sz="2000" b="0" strike="noStrike" spc="-1">
+            <a:endParaRPr lang="en-US" sz="1400" b="0" strike="noStrike" spc="-1" dirty="0">
               <a:solidFill>
                 <a:schemeClr val="tx1">
                   <a:lumMod val="50000"/>
@@ -25187,7 +25432,7 @@
               </a:lnSpc>
             </a:pPr>
             <a:r>
-              <a:rPr lang="en-US" sz="2000" b="0" strike="noStrike" spc="-1">
+              <a:rPr lang="en-US" sz="2000" b="0" strike="noStrike" spc="-1" dirty="0">
                 <a:solidFill>
                   <a:schemeClr val="tx1">
                     <a:lumMod val="50000"/>
@@ -25203,7 +25448,7 @@
               </a:rPr>
               <a:t>// key stream by String field</a:t>
             </a:r>
-            <a:endParaRPr lang="en-US" sz="2000" b="0" strike="noStrike" spc="-1">
+            <a:endParaRPr lang="en-US" sz="2000" b="0" strike="noStrike" spc="-1" dirty="0">
               <a:solidFill>
                 <a:schemeClr val="tx1">
                   <a:lumMod val="50000"/>
@@ -25225,21 +25470,35 @@
               </a:lnSpc>
             </a:pPr>
             <a:r>
-              <a:rPr lang="en-US" sz="2000" b="0" strike="noStrike" spc="-1">
-                <a:solidFill>
-                  <a:srgbClr val="000000"/>
-                </a:solidFill>
-                <a:uFill>
-                  <a:solidFill>
-                    <a:srgbClr val="FFFFFF"/>
-                  </a:solidFill>
-                </a:uFill>
-                <a:latin typeface="Consolas"/>
-              </a:rPr>
-              <a:t>d.keyBy(</a:t>
-            </a:r>
-            <a:r>
-              <a:rPr lang="en-US" sz="2000" b="0" strike="noStrike" spc="-1">
+              <a:rPr lang="en-US" sz="2000" b="0" strike="noStrike" spc="-1" dirty="0" err="1">
+                <a:solidFill>
+                  <a:srgbClr val="000000"/>
+                </a:solidFill>
+                <a:uFill>
+                  <a:solidFill>
+                    <a:srgbClr val="FFFFFF"/>
+                  </a:solidFill>
+                </a:uFill>
+                <a:latin typeface="Consolas"/>
+              </a:rPr>
+              <a:t>d.keyBy</a:t>
+            </a:r>
+            <a:r>
+              <a:rPr lang="en-US" sz="2000" b="0" strike="noStrike" spc="-1" dirty="0">
+                <a:solidFill>
+                  <a:srgbClr val="000000"/>
+                </a:solidFill>
+                <a:uFill>
+                  <a:solidFill>
+                    <a:srgbClr val="FFFFFF"/>
+                  </a:solidFill>
+                </a:uFill>
+                <a:latin typeface="Consolas"/>
+              </a:rPr>
+              <a:t>(</a:t>
+            </a:r>
+            <a:r>
+              <a:rPr lang="en-US" sz="2000" b="0" strike="noStrike" spc="-1" dirty="0">
                 <a:solidFill>
                   <a:srgbClr val="FF0000"/>
                 </a:solidFill>
@@ -25253,7 +25512,7 @@
               <a:t>1</a:t>
             </a:r>
             <a:r>
-              <a:rPr lang="en-US" sz="2000" b="0" strike="noStrike" spc="-1">
+              <a:rPr lang="en-US" sz="2000" b="0" strike="noStrike" spc="-1" dirty="0">
                 <a:solidFill>
                   <a:srgbClr val="000000"/>
                 </a:solidFill>
@@ -25266,7 +25525,7 @@
               </a:rPr>
               <a:t>);</a:t>
             </a:r>
-            <a:endParaRPr lang="en-US" sz="2000" spc="-1">
+            <a:endParaRPr lang="en-US" sz="2000" spc="-1" dirty="0">
               <a:solidFill>
                 <a:srgbClr val="000000"/>
               </a:solidFill>
@@ -25284,7 +25543,7 @@
                 <a:spcPct val="100000"/>
               </a:lnSpc>
             </a:pPr>
-            <a:endParaRPr lang="en-US" sz="3200" b="0" strike="noStrike" spc="-1">
+            <a:endParaRPr lang="en-US" sz="3200" b="0" strike="noStrike" spc="-1" dirty="0">
               <a:solidFill>
                 <a:srgbClr val="000000"/>
               </a:solidFill>
@@ -25308,7 +25567,7 @@
               <a:buChar char=""/>
             </a:pPr>
             <a:r>
-              <a:rPr lang="en-US" sz="3000" b="0" strike="noStrike" spc="-1">
+              <a:rPr lang="en-US" sz="3000" b="0" strike="noStrike" spc="-1" dirty="0">
                 <a:solidFill>
                   <a:srgbClr val="000000"/>
                 </a:solidFill>
@@ -25321,7 +25580,7 @@
               </a:rPr>
               <a:t>Or field names</a:t>
             </a:r>
-            <a:endParaRPr lang="en-US" sz="3200" b="0" strike="noStrike" spc="-1">
+            <a:endParaRPr lang="en-US" sz="3200" b="0" strike="noStrike" spc="-1" dirty="0">
               <a:solidFill>
                 <a:srgbClr val="000000"/>
               </a:solidFill>
@@ -25339,7 +25598,7 @@
                 <a:spcPct val="100000"/>
               </a:lnSpc>
             </a:pPr>
-            <a:endParaRPr lang="en-US" sz="3200" b="0" strike="noStrike" spc="-1">
+            <a:endParaRPr lang="en-US" b="0" strike="noStrike" spc="-1" dirty="0">
               <a:solidFill>
                 <a:srgbClr val="000000"/>
               </a:solidFill>
@@ -25358,7 +25617,7 @@
               </a:lnSpc>
             </a:pPr>
             <a:r>
-              <a:rPr lang="en-US" sz="2000" b="0" strike="noStrike" spc="-1">
+              <a:rPr lang="en-US" sz="2000" b="0" strike="noStrike" spc="-1" dirty="0">
                 <a:solidFill>
                   <a:srgbClr val="7F7F7F"/>
                 </a:solidFill>
@@ -25371,7 +25630,7 @@
               </a:rPr>
               <a:t>// key stream by Double field</a:t>
             </a:r>
-            <a:endParaRPr lang="en-US" sz="2000" b="0" strike="noStrike" spc="-1">
+            <a:endParaRPr lang="en-US" sz="2000" b="0" strike="noStrike" spc="-1" dirty="0">
               <a:solidFill>
                 <a:srgbClr val="7F7F7F"/>
               </a:solidFill>
@@ -25390,21 +25649,35 @@
               </a:lnSpc>
             </a:pPr>
             <a:r>
-              <a:rPr lang="en-US" sz="2000" b="0" strike="noStrike" spc="-1">
-                <a:solidFill>
-                  <a:srgbClr val="000000"/>
-                </a:solidFill>
-                <a:uFill>
-                  <a:solidFill>
-                    <a:srgbClr val="FFFFFF"/>
-                  </a:solidFill>
-                </a:uFill>
-                <a:latin typeface="Consolas"/>
-              </a:rPr>
-              <a:t>d.keyBy(</a:t>
-            </a:r>
-            <a:r>
-              <a:rPr lang="en-US" sz="2000" b="0" strike="noStrike" spc="-1">
+              <a:rPr lang="en-US" sz="2000" b="0" strike="noStrike" spc="-1" dirty="0" err="1">
+                <a:solidFill>
+                  <a:srgbClr val="000000"/>
+                </a:solidFill>
+                <a:uFill>
+                  <a:solidFill>
+                    <a:srgbClr val="FFFFFF"/>
+                  </a:solidFill>
+                </a:uFill>
+                <a:latin typeface="Consolas"/>
+              </a:rPr>
+              <a:t>d.keyBy</a:t>
+            </a:r>
+            <a:r>
+              <a:rPr lang="en-US" sz="2000" b="0" strike="noStrike" spc="-1" dirty="0">
+                <a:solidFill>
+                  <a:srgbClr val="000000"/>
+                </a:solidFill>
+                <a:uFill>
+                  <a:solidFill>
+                    <a:srgbClr val="FFFFFF"/>
+                  </a:solidFill>
+                </a:uFill>
+                <a:latin typeface="Consolas"/>
+              </a:rPr>
+              <a:t>(</a:t>
+            </a:r>
+            <a:r>
+              <a:rPr lang="en-US" sz="2000" b="0" strike="noStrike" spc="-1" dirty="0">
                 <a:solidFill>
                   <a:srgbClr val="FF0000"/>
                 </a:solidFill>
@@ -25418,7 +25691,7 @@
               <a:t>"f2"</a:t>
             </a:r>
             <a:r>
-              <a:rPr lang="en-US" sz="2000" b="0" strike="noStrike" spc="-1">
+              <a:rPr lang="en-US" sz="2000" b="0" strike="noStrike" spc="-1" dirty="0">
                 <a:solidFill>
                   <a:srgbClr val="000000"/>
                 </a:solidFill>
@@ -25431,7 +25704,7 @@
               </a:rPr>
               <a:t>);</a:t>
             </a:r>
-            <a:endParaRPr lang="en-US" sz="2000" b="0" strike="noStrike" spc="-1">
+            <a:endParaRPr lang="en-US" sz="2000" b="0" strike="noStrike" spc="-1" dirty="0">
               <a:solidFill>
                 <a:srgbClr val="000000"/>
               </a:solidFill>
@@ -25449,7 +25722,7 @@
                 <a:spcPct val="100000"/>
               </a:lnSpc>
             </a:pPr>
-            <a:endParaRPr lang="en-US" sz="2200" b="0" strike="noStrike" spc="-1">
+            <a:endParaRPr lang="en-US" sz="2200" b="0" strike="noStrike" spc="-1" dirty="0">
               <a:solidFill>
                 <a:srgbClr val="000000"/>
               </a:solidFill>
@@ -25467,7 +25740,7 @@
                 <a:spcPct val="100000"/>
               </a:lnSpc>
             </a:pPr>
-            <a:endParaRPr lang="en-US" sz="3200" b="0" strike="noStrike" spc="-1">
+            <a:endParaRPr lang="en-US" sz="3200" b="0" strike="noStrike" spc="-1" dirty="0">
               <a:solidFill>
                 <a:srgbClr val="000000"/>
               </a:solidFill>
@@ -26135,7 +26408,7 @@
                 <a:spcPct val="100000"/>
               </a:lnSpc>
             </a:pPr>
-            <a:endParaRPr lang="en-US" sz="3200" b="0" strike="noStrike" spc="-1">
+            <a:endParaRPr lang="en-US" b="0" strike="noStrike" spc="-1" dirty="0">
               <a:solidFill>
                 <a:srgbClr val="000000"/>
               </a:solidFill>
@@ -26213,7 +26486,7 @@
               <a:t>: DataStream[Person] = </a:t>
             </a:r>
             <a:r>
-              <a:rPr lang="en-US" sz="2000" spc="-1">
+              <a:rPr lang="en-US" sz="2000" spc="-1" dirty="0">
                 <a:solidFill>
                   <a:srgbClr val="000000"/>
                 </a:solidFill>
@@ -26408,7 +26681,7 @@
                 <a:spcPct val="100000"/>
               </a:lnSpc>
             </a:pPr>
-            <a:endParaRPr lang="en-US" sz="3200" b="0" strike="noStrike" spc="-1">
+            <a:endParaRPr lang="en-US" sz="3200" b="0" strike="noStrike" spc="-1" dirty="0">
               <a:solidFill>
                 <a:srgbClr val="000000"/>
               </a:solidFill>
@@ -26796,7 +27069,7 @@
         <p:spPr>
           <a:xfrm>
             <a:off x="457200" y="1411560"/>
-            <a:ext cx="8229240" cy="2370600"/>
+            <a:ext cx="8229240" cy="2301678"/>
           </a:xfrm>
           <a:prstGeom prst="rect">
             <a:avLst/>
@@ -26821,7 +27094,7 @@
               <a:buChar char=""/>
             </a:pPr>
             <a:r>
-              <a:rPr lang="en-US" sz="2400" b="0" strike="noStrike" spc="-1">
+              <a:rPr lang="en-US" sz="2400" b="0" strike="noStrike" spc="-1" dirty="0">
                 <a:solidFill>
                   <a:srgbClr val="000000"/>
                 </a:solidFill>
@@ -26832,10 +27105,10 @@
                 </a:uFill>
                 <a:latin typeface="Calibri"/>
               </a:rPr>
-              <a:t>C</a:t>
-            </a:r>
-            <a:r>
-              <a:rPr lang="en-US" sz="2400" b="0" i="1" strike="noStrike" spc="-1">
+              <a:t>Connect two streams to correlate them with each </a:t>
+            </a:r>
+            <a:r>
+              <a:rPr lang="en-US" sz="2400" b="0" strike="noStrike" spc="-1" dirty="0" smtClean="0">
                 <a:solidFill>
                   <a:srgbClr val="000000"/>
                 </a:solidFill>
@@ -26846,30 +27119,18 @@
                 </a:uFill>
                 <a:latin typeface="Calibri"/>
               </a:rPr>
-              <a:t>onnect</a:t>
-            </a:r>
-            <a:r>
-              <a:rPr lang="en-US" sz="2400" b="0" strike="noStrike" spc="-1">
-                <a:solidFill>
-                  <a:srgbClr val="000000"/>
-                </a:solidFill>
-                <a:uFill>
-                  <a:solidFill>
-                    <a:srgbClr val="FFFFFF"/>
-                  </a:solidFill>
-                </a:uFill>
-                <a:latin typeface="Calibri"/>
-              </a:rPr>
-              <a:t> two streams to correlate them with each other</a:t>
-            </a:r>
-          </a:p>
-          <a:p>
-            <a:pPr>
-              <a:lnSpc>
-                <a:spcPct val="100000"/>
-              </a:lnSpc>
-            </a:pPr>
-            <a:endParaRPr lang="en-US" sz="3200" b="0" strike="noStrike" spc="-1">
+              <a:t>other</a:t>
+            </a:r>
+          </a:p>
+          <a:p>
+            <a:pPr marL="800280" lvl="1" indent="-342720">
+              <a:buClr>
+                <a:srgbClr val="34AD91"/>
+              </a:buClr>
+              <a:buFont typeface="Wingdings" charset="2"/>
+              <a:buChar char=""/>
+            </a:pPr>
+            <a:endParaRPr lang="en-US" sz="2400" b="0" strike="noStrike" spc="-1" dirty="0">
               <a:solidFill>
                 <a:srgbClr val="000000"/>
               </a:solidFill>
@@ -26893,7 +27154,7 @@
               <a:buChar char=""/>
             </a:pPr>
             <a:r>
-              <a:rPr lang="en-US" sz="2400" b="0" strike="noStrike" spc="-1">
+              <a:rPr lang="en-US" sz="2400" b="0" strike="noStrike" spc="-1" dirty="0">
                 <a:solidFill>
                   <a:srgbClr val="000000"/>
                 </a:solidFill>
@@ -26906,6 +27167,26 @@
               </a:rPr>
               <a:t>Apply functions on connected streams to share state</a:t>
             </a:r>
+          </a:p>
+          <a:p>
+            <a:pPr marL="800280" lvl="1" indent="-342720">
+              <a:buClr>
+                <a:srgbClr val="34AD91"/>
+              </a:buClr>
+              <a:buFont typeface="Wingdings" charset="2"/>
+              <a:buChar char=""/>
+            </a:pPr>
+            <a:endParaRPr lang="en-US" sz="2400" spc="-1" dirty="0">
+              <a:solidFill>
+                <a:srgbClr val="000000"/>
+              </a:solidFill>
+              <a:uFill>
+                <a:solidFill>
+                  <a:srgbClr val="FFFFFF"/>
+                </a:solidFill>
+              </a:uFill>
+              <a:latin typeface="Calibri"/>
+            </a:endParaRPr>
           </a:p>
           <a:p>
             <a:pPr marL="343080" indent="-342720">
@@ -26918,7 +27199,21 @@
               <a:buFont typeface="Wingdings" charset="2"/>
               <a:buChar char=""/>
             </a:pPr>
-            <a:endParaRPr lang="en-US" sz="2400" spc="-1">
+            <a:r>
+              <a:rPr lang="en-US" sz="2400" spc="-1" dirty="0">
+                <a:solidFill>
+                  <a:srgbClr val="000000"/>
+                </a:solidFill>
+                <a:uFill>
+                  <a:solidFill>
+                    <a:srgbClr val="FFFFFF"/>
+                  </a:solidFill>
+                </a:uFill>
+                <a:latin typeface="Calibri"/>
+              </a:rPr>
+              <a:t>Typical use case is to use one stream for control and another for data</a:t>
+            </a:r>
+            <a:endParaRPr lang="en-US" sz="2400" b="0" strike="noStrike" spc="-1" dirty="0">
               <a:solidFill>
                 <a:srgbClr val="000000"/>
               </a:solidFill>
@@ -26931,44 +27226,7 @@
             </a:endParaRPr>
           </a:p>
           <a:p>
-            <a:pPr marL="343080" indent="-342720">
-              <a:lnSpc>
-                <a:spcPct val="100000"/>
-              </a:lnSpc>
-              <a:buClr>
-                <a:srgbClr val="34AD91"/>
-              </a:buClr>
-              <a:buFont typeface="Wingdings" charset="2"/>
-              <a:buChar char=""/>
-            </a:pPr>
-            <a:r>
-              <a:rPr lang="en-US" sz="2400" spc="-1">
-                <a:solidFill>
-                  <a:srgbClr val="000000"/>
-                </a:solidFill>
-                <a:uFill>
-                  <a:solidFill>
-                    <a:srgbClr val="FFFFFF"/>
-                  </a:solidFill>
-                </a:uFill>
-                <a:latin typeface="Calibri"/>
-              </a:rPr>
-              <a:t>Typical use case is to use one stream for control and another for data</a:t>
-            </a:r>
-            <a:endParaRPr lang="en-US" sz="2400" b="0" strike="noStrike" spc="-1">
-              <a:solidFill>
-                <a:srgbClr val="000000"/>
-              </a:solidFill>
-              <a:uFill>
-                <a:solidFill>
-                  <a:srgbClr val="FFFFFF"/>
-                </a:solidFill>
-              </a:uFill>
-              <a:latin typeface="Calibri"/>
-            </a:endParaRPr>
-          </a:p>
-          <a:p>
-            <a:endParaRPr lang="en-US" sz="3200" b="0" strike="noStrike" spc="-1">
+            <a:endParaRPr lang="en-US" sz="3200" b="0" strike="noStrike" spc="-1" dirty="0">
               <a:solidFill>
                 <a:srgbClr val="000000"/>
               </a:solidFill>
@@ -27046,8 +27304,8 @@
         </p:nvSpPr>
         <p:spPr>
           <a:xfrm>
-            <a:off x="830868" y="4134960"/>
-            <a:ext cx="7855572" cy="2150640"/>
+            <a:off x="830868" y="3876524"/>
+            <a:ext cx="7855572" cy="2409076"/>
           </a:xfrm>
           <a:prstGeom prst="rect">
             <a:avLst/>
@@ -27079,7 +27337,7 @@
               </a:lnSpc>
             </a:pPr>
             <a:r>
-              <a:rPr lang="en-US" sz="2000" b="0" strike="noStrike" spc="-1">
+              <a:rPr lang="en-US" sz="2000" b="0" strike="noStrike" spc="-1" dirty="0">
                 <a:solidFill>
                   <a:srgbClr val="000000"/>
                 </a:solidFill>
@@ -27092,7 +27350,7 @@
               </a:rPr>
               <a:t>DataStream&lt;String&gt; control = …</a:t>
             </a:r>
-            <a:endParaRPr lang="en-US" sz="2000" b="0" strike="noStrike" spc="-1">
+            <a:endParaRPr lang="en-US" sz="2000" b="0" strike="noStrike" spc="-1" dirty="0">
               <a:solidFill>
                 <a:srgbClr val="000000"/>
               </a:solidFill>
@@ -27111,7 +27369,7 @@
               </a:lnSpc>
             </a:pPr>
             <a:r>
-              <a:rPr lang="en-US" sz="2000" b="0" strike="noStrike" spc="-1">
+              <a:rPr lang="en-US" sz="2000" b="0" strike="noStrike" spc="-1" dirty="0">
                 <a:solidFill>
                   <a:srgbClr val="000000"/>
                 </a:solidFill>
@@ -27124,7 +27382,7 @@
               </a:rPr>
               <a:t>DataStream&lt;String&gt; data = …</a:t>
             </a:r>
-            <a:endParaRPr lang="en-US" sz="2000" b="0" strike="noStrike" spc="-1">
+            <a:endParaRPr lang="en-US" sz="2000" b="0" strike="noStrike" spc="-1" dirty="0">
               <a:solidFill>
                 <a:srgbClr val="000000"/>
               </a:solidFill>
@@ -27142,7 +27400,7 @@
                 <a:spcPct val="100000"/>
               </a:lnSpc>
             </a:pPr>
-            <a:endParaRPr lang="en-US" sz="2000" b="0" strike="noStrike" spc="-1">
+            <a:endParaRPr lang="en-US" sz="2000" b="0" strike="noStrike" spc="-1" dirty="0">
               <a:solidFill>
                 <a:srgbClr val="000000"/>
               </a:solidFill>
@@ -27161,21 +27419,46 @@
               </a:lnSpc>
             </a:pPr>
             <a:r>
-              <a:rPr lang="en-US" sz="2000" b="0" strike="noStrike" spc="-1">
-                <a:solidFill>
-                  <a:srgbClr val="000000"/>
-                </a:solidFill>
-                <a:uFill>
-                  <a:solidFill>
-                    <a:srgbClr val="FFFFFF"/>
-                  </a:solidFill>
-                </a:uFill>
-                <a:latin typeface="Consolas"/>
-              </a:rPr>
-              <a:t>ConnectedStreams&lt;String, String&gt; coStream = 	control.</a:t>
-            </a:r>
-            <a:r>
-              <a:rPr lang="en-US" sz="2000" b="0" strike="noStrike" spc="-1">
+              <a:rPr lang="en-US" sz="2000" spc="-1" dirty="0">
+                <a:uFill>
+                  <a:solidFill>
+                    <a:srgbClr val="FFFFFF"/>
+                  </a:solidFill>
+                </a:uFill>
+                <a:latin typeface="Consolas" charset="0"/>
+              </a:rPr>
+              <a:t>DataStream&lt;String&gt; result </a:t>
+            </a:r>
+            <a:r>
+              <a:rPr lang="en-US" sz="2000" b="0" strike="noStrike" spc="-1" dirty="0" smtClean="0">
+                <a:solidFill>
+                  <a:srgbClr val="000000"/>
+                </a:solidFill>
+                <a:uFill>
+                  <a:solidFill>
+                    <a:srgbClr val="FFFFFF"/>
+                  </a:solidFill>
+                </a:uFill>
+                <a:latin typeface="Consolas"/>
+              </a:rPr>
+              <a:t>= </a:t>
+            </a:r>
+            <a:r>
+              <a:rPr lang="en-US" sz="2000" b="0" strike="noStrike" spc="-1" dirty="0" err="1" smtClean="0">
+                <a:solidFill>
+                  <a:srgbClr val="000000"/>
+                </a:solidFill>
+                <a:uFill>
+                  <a:solidFill>
+                    <a:srgbClr val="FFFFFF"/>
+                  </a:solidFill>
+                </a:uFill>
+                <a:latin typeface="Consolas"/>
+              </a:rPr>
+              <a:t>control</a:t>
+            </a:r>
+            <a:r>
+              <a:rPr lang="en-US" sz="2000" b="0" strike="noStrike" spc="-1" dirty="0" err="1" smtClean="0">
                 <a:solidFill>
                   <a:srgbClr val="FF0000"/>
                 </a:solidFill>
@@ -27186,32 +27469,136 @@
                 </a:uFill>
                 <a:latin typeface="Consolas"/>
               </a:rPr>
-              <a:t>connect</a:t>
-            </a:r>
-            <a:r>
-              <a:rPr lang="en-US" sz="2000" b="0" strike="noStrike" spc="-1">
-                <a:solidFill>
-                  <a:srgbClr val="000000"/>
-                </a:solidFill>
-                <a:uFill>
-                  <a:solidFill>
-                    <a:srgbClr val="FFFFFF"/>
-                  </a:solidFill>
-                </a:uFill>
-                <a:latin typeface="Consolas"/>
-              </a:rPr>
-              <a:t>(data);</a:t>
-            </a:r>
-            <a:endParaRPr lang="en-US" sz="2000" b="0" strike="noStrike" spc="-1">
-              <a:solidFill>
-                <a:srgbClr val="000000"/>
-              </a:solidFill>
-              <a:uFill>
-                <a:solidFill>
-                  <a:srgbClr val="FFFFFF"/>
-                </a:solidFill>
-              </a:uFill>
-              <a:latin typeface="Arial"/>
+              <a:t>.connect</a:t>
+            </a:r>
+            <a:r>
+              <a:rPr lang="en-US" sz="2000" b="0" strike="noStrike" spc="-1" dirty="0">
+                <a:solidFill>
+                  <a:srgbClr val="000000"/>
+                </a:solidFill>
+                <a:uFill>
+                  <a:solidFill>
+                    <a:srgbClr val="FFFFFF"/>
+                  </a:solidFill>
+                </a:uFill>
+                <a:latin typeface="Consolas"/>
+              </a:rPr>
+              <a:t>(data</a:t>
+            </a:r>
+            <a:r>
+              <a:rPr lang="en-US" sz="2000" b="0" strike="noStrike" spc="-1" dirty="0" smtClean="0">
+                <a:solidFill>
+                  <a:srgbClr val="000000"/>
+                </a:solidFill>
+                <a:uFill>
+                  <a:solidFill>
+                    <a:srgbClr val="FFFFFF"/>
+                  </a:solidFill>
+                </a:uFill>
+                <a:latin typeface="Consolas"/>
+              </a:rPr>
+              <a:t>)</a:t>
+            </a:r>
+          </a:p>
+          <a:p>
+            <a:r>
+              <a:rPr lang="en-US" sz="2000" spc="-1" dirty="0" smtClean="0">
+                <a:solidFill>
+                  <a:srgbClr val="FF0000"/>
+                </a:solidFill>
+                <a:uFill>
+                  <a:solidFill>
+                    <a:srgbClr val="FFFFFF"/>
+                  </a:solidFill>
+                </a:uFill>
+                <a:latin typeface="Consolas" charset="0"/>
+              </a:rPr>
+              <a:t>  .</a:t>
+            </a:r>
+            <a:r>
+              <a:rPr lang="en-US" sz="2000" spc="-1" dirty="0" err="1">
+                <a:solidFill>
+                  <a:srgbClr val="FF0000"/>
+                </a:solidFill>
+                <a:uFill>
+                  <a:solidFill>
+                    <a:srgbClr val="FFFFFF"/>
+                  </a:solidFill>
+                </a:uFill>
+                <a:latin typeface="Consolas" charset="0"/>
+              </a:rPr>
+              <a:t>flatMap</a:t>
+            </a:r>
+            <a:r>
+              <a:rPr lang="en-US" sz="2000" spc="-1" dirty="0">
+                <a:solidFill>
+                  <a:srgbClr val="FF0000"/>
+                </a:solidFill>
+                <a:uFill>
+                  <a:solidFill>
+                    <a:srgbClr val="FFFFFF"/>
+                  </a:solidFill>
+                </a:uFill>
+                <a:latin typeface="Consolas" charset="0"/>
+              </a:rPr>
+              <a:t>(new </a:t>
+            </a:r>
+            <a:r>
+              <a:rPr lang="en-US" sz="2000" spc="-1" dirty="0" err="1">
+                <a:solidFill>
+                  <a:srgbClr val="FF0000"/>
+                </a:solidFill>
+                <a:uFill>
+                  <a:solidFill>
+                    <a:srgbClr val="FFFFFF"/>
+                  </a:solidFill>
+                </a:uFill>
+                <a:latin typeface="Consolas" charset="0"/>
+              </a:rPr>
+              <a:t>MyCoFlatMap</a:t>
+            </a:r>
+            <a:r>
+              <a:rPr lang="en-US" sz="2000" spc="-1" dirty="0">
+                <a:solidFill>
+                  <a:srgbClr val="FF0000"/>
+                </a:solidFill>
+                <a:uFill>
+                  <a:solidFill>
+                    <a:srgbClr val="FFFFFF"/>
+                  </a:solidFill>
+                </a:uFill>
+                <a:latin typeface="Consolas" charset="0"/>
+              </a:rPr>
+              <a:t>())</a:t>
+            </a:r>
+            <a:r>
+              <a:rPr lang="en-US" sz="2000" spc="-1" dirty="0">
+                <a:uFill>
+                  <a:solidFill>
+                    <a:srgbClr val="FFFFFF"/>
+                  </a:solidFill>
+                </a:uFill>
+                <a:latin typeface="Consolas" charset="0"/>
+              </a:rPr>
+              <a:t>;</a:t>
+            </a:r>
+            <a:br>
+              <a:rPr lang="en-US" sz="2000" spc="-1" dirty="0">
+                <a:uFill>
+                  <a:solidFill>
+                    <a:srgbClr val="FFFFFF"/>
+                  </a:solidFill>
+                </a:uFill>
+                <a:latin typeface="Consolas" charset="0"/>
+              </a:rPr>
+            </a:br>
+            <a:endParaRPr lang="en-US" sz="2000" spc="-1" dirty="0">
+              <a:uFill>
+                <a:solidFill>
+                  <a:srgbClr val="FFFFFF"/>
+                </a:solidFill>
+              </a:uFill>
+              <a:latin typeface="Consolas" charset="0"/>
             </a:endParaRPr>
           </a:p>
         </p:txBody>
@@ -27416,152 +27803,730 @@
           <a:lstStyle/>
           <a:p>
             <a:r>
+              <a:rPr lang="en-US" sz="1600" strike="noStrike" spc="-1" dirty="0">
+                <a:solidFill>
+                  <a:srgbClr val="000080"/>
+                </a:solidFill>
+                <a:uFill>
+                  <a:solidFill>
+                    <a:srgbClr val="FFFFFF"/>
+                  </a:solidFill>
+                </a:uFill>
+                <a:latin typeface="Consolas" charset="0"/>
+              </a:rPr>
+              <a:t>private static final class </a:t>
+            </a:r>
+            <a:r>
+              <a:rPr lang="en-US" sz="1600" strike="noStrike" spc="-1" dirty="0">
+                <a:uFill>
+                  <a:solidFill>
+                    <a:srgbClr val="FFFFFF"/>
+                  </a:solidFill>
+                </a:uFill>
+                <a:latin typeface="Consolas" charset="0"/>
+              </a:rPr>
+              <a:t>MyCoFlatMap </a:t>
+            </a:r>
+          </a:p>
+          <a:p>
+            <a:r>
+              <a:rPr lang="en-US" sz="1600" strike="noStrike" spc="-1" dirty="0">
+                <a:solidFill>
+                  <a:srgbClr val="000080"/>
+                </a:solidFill>
+                <a:uFill>
+                  <a:solidFill>
+                    <a:srgbClr val="FFFFFF"/>
+                  </a:solidFill>
+                </a:uFill>
+                <a:latin typeface="Consolas" charset="0"/>
+              </a:rPr>
+              <a:t>  implements </a:t>
+            </a:r>
+            <a:r>
+              <a:rPr lang="en-US" sz="1600" strike="noStrike" spc="-1" dirty="0">
+                <a:uFill>
+                  <a:solidFill>
+                    <a:srgbClr val="FFFFFF"/>
+                  </a:solidFill>
+                </a:uFill>
+                <a:latin typeface="Consolas" charset="0"/>
+              </a:rPr>
+              <a:t>CoFlatMapFunction&lt;String, String, String&gt; {</a:t>
+            </a:r>
+            <a:r>
+              <a:rPr lang="en-US" sz="1600" b="1" strike="noStrike" spc="-1" dirty="0">
+                <a:uFill>
+                  <a:solidFill>
+                    <a:srgbClr val="FFFFFF"/>
+                  </a:solidFill>
+                </a:uFill>
+                <a:latin typeface="DejaVu Sans Mono" charset="0"/>
+              </a:rPr>
+              <a:t/>
+            </a:r>
+            <a:br>
+              <a:rPr lang="en-US" sz="1600" b="1" strike="noStrike" spc="-1" dirty="0">
+                <a:uFill>
+                  <a:solidFill>
+                    <a:srgbClr val="FFFFFF"/>
+                  </a:solidFill>
+                </a:uFill>
+                <a:latin typeface="DejaVu Sans Mono" charset="0"/>
+              </a:rPr>
+            </a:br>
+            <a:r>
+              <a:rPr lang="en-US" sz="1600" strike="noStrike" spc="-1" dirty="0">
+                <a:uFill>
+                  <a:solidFill>
+                    <a:srgbClr val="FFFFFF"/>
+                  </a:solidFill>
+                </a:uFill>
+                <a:latin typeface="Consolas" charset="0"/>
+              </a:rPr>
+              <a:t>    HashSet </a:t>
+            </a:r>
+            <a:r>
+              <a:rPr lang="en-US" sz="1600" strike="noStrike" spc="-1" dirty="0">
+                <a:solidFill>
+                  <a:srgbClr val="660E7A"/>
+                </a:solidFill>
+                <a:uFill>
+                  <a:solidFill>
+                    <a:srgbClr val="FFFFFF"/>
+                  </a:solidFill>
+                </a:uFill>
+                <a:latin typeface="Consolas" charset="0"/>
+              </a:rPr>
+              <a:t>blacklist </a:t>
+            </a:r>
+            <a:r>
+              <a:rPr lang="en-US" sz="1600" strike="noStrike" spc="-1" dirty="0">
+                <a:uFill>
+                  <a:solidFill>
+                    <a:srgbClr val="FFFFFF"/>
+                  </a:solidFill>
+                </a:uFill>
+                <a:latin typeface="Consolas" charset="0"/>
+              </a:rPr>
+              <a:t>= </a:t>
+            </a:r>
+            <a:r>
+              <a:rPr lang="en-US" sz="1600" strike="noStrike" spc="-1" dirty="0">
+                <a:solidFill>
+                  <a:srgbClr val="000080"/>
+                </a:solidFill>
+                <a:uFill>
+                  <a:solidFill>
+                    <a:srgbClr val="FFFFFF"/>
+                  </a:solidFill>
+                </a:uFill>
+                <a:latin typeface="Consolas" charset="0"/>
+              </a:rPr>
+              <a:t>new </a:t>
+            </a:r>
+            <a:r>
+              <a:rPr lang="en-US" sz="1600" strike="noStrike" spc="-1" dirty="0">
+                <a:uFill>
+                  <a:solidFill>
+                    <a:srgbClr val="FFFFFF"/>
+                  </a:solidFill>
+                </a:uFill>
+                <a:latin typeface="Consolas" charset="0"/>
+              </a:rPr>
+              <a:t>HashSet();</a:t>
+            </a:r>
+            <a:r>
+              <a:rPr lang="en-US" sz="1600" b="1" strike="noStrike" spc="-1" dirty="0">
+                <a:uFill>
+                  <a:solidFill>
+                    <a:srgbClr val="FFFFFF"/>
+                  </a:solidFill>
+                </a:uFill>
+                <a:latin typeface="DejaVu Sans Mono" charset="0"/>
+              </a:rPr>
+              <a:t/>
+            </a:r>
+            <a:br>
+              <a:rPr lang="en-US" sz="1600" b="1" strike="noStrike" spc="-1" dirty="0">
+                <a:uFill>
+                  <a:solidFill>
+                    <a:srgbClr val="FFFFFF"/>
+                  </a:solidFill>
+                </a:uFill>
+                <a:latin typeface="DejaVu Sans Mono" charset="0"/>
+              </a:rPr>
+            </a:br>
+            <a:r>
+              <a:rPr lang="en-US" sz="1600" b="1" strike="noStrike" spc="-1" dirty="0">
+                <a:uFill>
+                  <a:solidFill>
+                    <a:srgbClr val="FFFFFF"/>
+                  </a:solidFill>
+                </a:uFill>
+                <a:latin typeface="DejaVu Sans Mono" charset="0"/>
+              </a:rPr>
+              <a:t/>
+            </a:r>
+            <a:br>
+              <a:rPr lang="en-US" sz="1600" b="1" strike="noStrike" spc="-1" dirty="0">
+                <a:uFill>
+                  <a:solidFill>
+                    <a:srgbClr val="FFFFFF"/>
+                  </a:solidFill>
+                </a:uFill>
+                <a:latin typeface="DejaVu Sans Mono" charset="0"/>
+              </a:rPr>
+            </a:br>
+            <a:r>
+              <a:rPr lang="en-US" sz="1600" strike="noStrike" spc="-1" dirty="0">
+                <a:solidFill>
+                  <a:srgbClr val="808000"/>
+                </a:solidFill>
+                <a:uFill>
+                  <a:solidFill>
+                    <a:srgbClr val="FFFFFF"/>
+                  </a:solidFill>
+                </a:uFill>
+                <a:latin typeface="Consolas" charset="0"/>
+              </a:rPr>
+              <a:t>    @Override</a:t>
+            </a:r>
+            <a:r>
+              <a:rPr lang="en-US" sz="1600" b="1" strike="noStrike" spc="-1" dirty="0">
+                <a:uFill>
+                  <a:solidFill>
+                    <a:srgbClr val="FFFFFF"/>
+                  </a:solidFill>
+                </a:uFill>
+                <a:latin typeface="DejaVu Sans Mono" charset="0"/>
+              </a:rPr>
+              <a:t/>
+            </a:r>
+            <a:br>
+              <a:rPr lang="en-US" sz="1600" b="1" strike="noStrike" spc="-1" dirty="0">
+                <a:uFill>
+                  <a:solidFill>
+                    <a:srgbClr val="FFFFFF"/>
+                  </a:solidFill>
+                </a:uFill>
+                <a:latin typeface="DejaVu Sans Mono" charset="0"/>
+              </a:rPr>
+            </a:br>
+            <a:r>
+              <a:rPr lang="en-US" sz="1600" strike="noStrike" spc="-1" dirty="0">
+                <a:solidFill>
+                  <a:srgbClr val="000080"/>
+                </a:solidFill>
+                <a:uFill>
+                  <a:solidFill>
+                    <a:srgbClr val="FFFFFF"/>
+                  </a:solidFill>
+                </a:uFill>
+                <a:latin typeface="Consolas" charset="0"/>
+              </a:rPr>
+              <a:t>    public void </a:t>
+            </a:r>
+            <a:r>
+              <a:rPr lang="en-US" sz="1600" strike="noStrike" spc="-1" dirty="0">
+                <a:uFill>
+                  <a:solidFill>
+                    <a:srgbClr val="FFFFFF"/>
+                  </a:solidFill>
+                </a:uFill>
+                <a:latin typeface="Consolas" charset="0"/>
+              </a:rPr>
+              <a:t>flatMap1(String control_value, Collector&lt;String&gt; out) {</a:t>
+            </a:r>
+            <a:r>
+              <a:rPr lang="en-US" sz="1600" b="1" strike="noStrike" spc="-1" dirty="0">
+                <a:uFill>
+                  <a:solidFill>
+                    <a:srgbClr val="FFFFFF"/>
+                  </a:solidFill>
+                </a:uFill>
+                <a:latin typeface="DejaVu Sans Mono" charset="0"/>
+              </a:rPr>
+              <a:t/>
+            </a:r>
+            <a:br>
+              <a:rPr lang="en-US" sz="1600" b="1" strike="noStrike" spc="-1" dirty="0">
+                <a:uFill>
+                  <a:solidFill>
+                    <a:srgbClr val="FFFFFF"/>
+                  </a:solidFill>
+                </a:uFill>
+                <a:latin typeface="DejaVu Sans Mono" charset="0"/>
+              </a:rPr>
+            </a:br>
+            <a:r>
+              <a:rPr lang="en-US" sz="1600" strike="noStrike" spc="-1" dirty="0">
+                <a:solidFill>
+                  <a:srgbClr val="660E7A"/>
+                </a:solidFill>
+                <a:uFill>
+                  <a:solidFill>
+                    <a:srgbClr val="FFFFFF"/>
+                  </a:solidFill>
+                </a:uFill>
+                <a:latin typeface="Consolas" charset="0"/>
+              </a:rPr>
+              <a:t>        blacklist</a:t>
+            </a:r>
+            <a:r>
+              <a:rPr lang="en-US" sz="1600" strike="noStrike" spc="-1" dirty="0">
+                <a:uFill>
+                  <a:solidFill>
+                    <a:srgbClr val="FFFFFF"/>
+                  </a:solidFill>
+                </a:uFill>
+                <a:latin typeface="Consolas" charset="0"/>
+              </a:rPr>
+              <a:t>.add(control_value);</a:t>
+            </a:r>
+            <a:r>
+              <a:rPr lang="en-US" sz="1600" b="1" strike="noStrike" spc="-1" dirty="0">
+                <a:uFill>
+                  <a:solidFill>
+                    <a:srgbClr val="FFFFFF"/>
+                  </a:solidFill>
+                </a:uFill>
+                <a:latin typeface="DejaVu Sans Mono" charset="0"/>
+              </a:rPr>
+              <a:t/>
+            </a:r>
+            <a:br>
+              <a:rPr lang="en-US" sz="1600" b="1" strike="noStrike" spc="-1" dirty="0">
+                <a:uFill>
+                  <a:solidFill>
+                    <a:srgbClr val="FFFFFF"/>
+                  </a:solidFill>
+                </a:uFill>
+                <a:latin typeface="DejaVu Sans Mono" charset="0"/>
+              </a:rPr>
+            </a:br>
+            <a:r>
+              <a:rPr lang="en-US" sz="1600" strike="noStrike" spc="-1" dirty="0">
+                <a:uFill>
+                  <a:solidFill>
+                    <a:srgbClr val="FFFFFF"/>
+                  </a:solidFill>
+                </a:uFill>
+                <a:latin typeface="Consolas" charset="0"/>
+              </a:rPr>
+              <a:t>        out.collect(</a:t>
+            </a:r>
+            <a:r>
+              <a:rPr lang="en-US" sz="1600" strike="noStrike" spc="-1" dirty="0">
+                <a:solidFill>
+                  <a:srgbClr val="008000"/>
+                </a:solidFill>
+                <a:uFill>
+                  <a:solidFill>
+                    <a:srgbClr val="FFFFFF"/>
+                  </a:solidFill>
+                </a:uFill>
+                <a:latin typeface="Consolas" charset="0"/>
+              </a:rPr>
+              <a:t>"listed " </a:t>
+            </a:r>
+            <a:r>
+              <a:rPr lang="en-US" sz="1600" strike="noStrike" spc="-1" dirty="0">
+                <a:uFill>
+                  <a:solidFill>
+                    <a:srgbClr val="FFFFFF"/>
+                  </a:solidFill>
+                </a:uFill>
+                <a:latin typeface="Consolas" charset="0"/>
+              </a:rPr>
+              <a:t>+ control_value);</a:t>
+            </a:r>
+            <a:r>
+              <a:rPr lang="en-US" sz="1600" b="1" strike="noStrike" spc="-1" dirty="0">
+                <a:uFill>
+                  <a:solidFill>
+                    <a:srgbClr val="FFFFFF"/>
+                  </a:solidFill>
+                </a:uFill>
+                <a:latin typeface="DejaVu Sans Mono" charset="0"/>
+              </a:rPr>
+              <a:t/>
+            </a:r>
+            <a:br>
+              <a:rPr lang="en-US" sz="1600" b="1" strike="noStrike" spc="-1" dirty="0">
+                <a:uFill>
+                  <a:solidFill>
+                    <a:srgbClr val="FFFFFF"/>
+                  </a:solidFill>
+                </a:uFill>
+                <a:latin typeface="DejaVu Sans Mono" charset="0"/>
+              </a:rPr>
+            </a:br>
+            <a:r>
+              <a:rPr lang="en-US" sz="1600" strike="noStrike" spc="-1" dirty="0">
+                <a:uFill>
+                  <a:solidFill>
+                    <a:srgbClr val="FFFFFF"/>
+                  </a:solidFill>
+                </a:uFill>
+                <a:latin typeface="Consolas" charset="0"/>
+              </a:rPr>
+              <a:t>    }</a:t>
+            </a:r>
+            <a:r>
+              <a:rPr lang="en-US" sz="1600" b="1" strike="noStrike" spc="-1" dirty="0">
+                <a:uFill>
+                  <a:solidFill>
+                    <a:srgbClr val="FFFFFF"/>
+                  </a:solidFill>
+                </a:uFill>
+                <a:latin typeface="DejaVu Sans Mono" charset="0"/>
+              </a:rPr>
+              <a:t/>
+            </a:r>
+            <a:br>
+              <a:rPr lang="en-US" sz="1600" b="1" strike="noStrike" spc="-1" dirty="0">
+                <a:uFill>
+                  <a:solidFill>
+                    <a:srgbClr val="FFFFFF"/>
+                  </a:solidFill>
+                </a:uFill>
+                <a:latin typeface="DejaVu Sans Mono" charset="0"/>
+              </a:rPr>
+            </a:br>
+            <a:r>
+              <a:rPr lang="en-US" sz="1600" b="1" strike="noStrike" spc="-1" dirty="0">
+                <a:uFill>
+                  <a:solidFill>
+                    <a:srgbClr val="FFFFFF"/>
+                  </a:solidFill>
+                </a:uFill>
+                <a:latin typeface="DejaVu Sans Mono" charset="0"/>
+              </a:rPr>
+              <a:t/>
+            </a:r>
+            <a:br>
+              <a:rPr lang="en-US" sz="1600" b="1" strike="noStrike" spc="-1" dirty="0">
+                <a:uFill>
+                  <a:solidFill>
+                    <a:srgbClr val="FFFFFF"/>
+                  </a:solidFill>
+                </a:uFill>
+                <a:latin typeface="DejaVu Sans Mono" charset="0"/>
+              </a:rPr>
+            </a:br>
+            <a:r>
+              <a:rPr lang="en-US" sz="1600" strike="noStrike" spc="-1" dirty="0">
+                <a:solidFill>
+                  <a:srgbClr val="808000"/>
+                </a:solidFill>
+                <a:uFill>
+                  <a:solidFill>
+                    <a:srgbClr val="FFFFFF"/>
+                  </a:solidFill>
+                </a:uFill>
+                <a:latin typeface="Consolas" charset="0"/>
+              </a:rPr>
+              <a:t>    @Override</a:t>
+            </a:r>
+            <a:r>
+              <a:rPr lang="en-US" sz="1600" b="1" strike="noStrike" spc="-1" dirty="0">
+                <a:uFill>
+                  <a:solidFill>
+                    <a:srgbClr val="FFFFFF"/>
+                  </a:solidFill>
+                </a:uFill>
+                <a:latin typeface="DejaVu Sans Mono" charset="0"/>
+              </a:rPr>
+              <a:t/>
+            </a:r>
+            <a:br>
+              <a:rPr lang="en-US" sz="1600" b="1" strike="noStrike" spc="-1" dirty="0">
+                <a:uFill>
+                  <a:solidFill>
+                    <a:srgbClr val="FFFFFF"/>
+                  </a:solidFill>
+                </a:uFill>
+                <a:latin typeface="DejaVu Sans Mono" charset="0"/>
+              </a:rPr>
+            </a:br>
+            <a:r>
+              <a:rPr lang="en-US" sz="1600" strike="noStrike" spc="-1" dirty="0">
+                <a:solidFill>
+                  <a:srgbClr val="000080"/>
+                </a:solidFill>
+                <a:uFill>
+                  <a:solidFill>
+                    <a:srgbClr val="FFFFFF"/>
+                  </a:solidFill>
+                </a:uFill>
+                <a:latin typeface="Consolas" charset="0"/>
+              </a:rPr>
+              <a:t>    public void </a:t>
+            </a:r>
+            <a:r>
+              <a:rPr lang="en-US" sz="1600" strike="noStrike" spc="-1" dirty="0">
+                <a:uFill>
+                  <a:solidFill>
+                    <a:srgbClr val="FFFFFF"/>
+                  </a:solidFill>
+                </a:uFill>
+                <a:latin typeface="Consolas" charset="0"/>
+              </a:rPr>
+              <a:t>flatMap2(String data_value, Collector&lt;String&gt; out) {</a:t>
+            </a:r>
+            <a:r>
+              <a:rPr lang="en-US" sz="1600" b="1" strike="noStrike" spc="-1" dirty="0">
+                <a:uFill>
+                  <a:solidFill>
+                    <a:srgbClr val="FFFFFF"/>
+                  </a:solidFill>
+                </a:uFill>
+                <a:latin typeface="DejaVu Sans Mono" charset="0"/>
+              </a:rPr>
+              <a:t/>
+            </a:r>
+            <a:br>
+              <a:rPr lang="en-US" sz="1600" b="1" strike="noStrike" spc="-1" dirty="0">
+                <a:uFill>
+                  <a:solidFill>
+                    <a:srgbClr val="FFFFFF"/>
+                  </a:solidFill>
+                </a:uFill>
+                <a:latin typeface="DejaVu Sans Mono" charset="0"/>
+              </a:rPr>
+            </a:br>
+            <a:r>
+              <a:rPr lang="en-US" sz="1600" strike="noStrike" spc="-1" dirty="0">
+                <a:solidFill>
+                  <a:srgbClr val="000080"/>
+                </a:solidFill>
+                <a:uFill>
+                  <a:solidFill>
+                    <a:srgbClr val="FFFFFF"/>
+                  </a:solidFill>
+                </a:uFill>
+                <a:latin typeface="Consolas" charset="0"/>
+              </a:rPr>
+              <a:t>        if </a:t>
+            </a:r>
+            <a:r>
+              <a:rPr lang="en-US" sz="1600" strike="noStrike" spc="-1" dirty="0">
+                <a:uFill>
+                  <a:solidFill>
+                    <a:srgbClr val="FFFFFF"/>
+                  </a:solidFill>
+                </a:uFill>
+                <a:latin typeface="Consolas" charset="0"/>
+              </a:rPr>
+              <a:t>(</a:t>
+            </a:r>
+            <a:r>
+              <a:rPr lang="en-US" sz="1600" strike="noStrike" spc="-1" dirty="0">
+                <a:solidFill>
+                  <a:srgbClr val="660E7A"/>
+                </a:solidFill>
+                <a:uFill>
+                  <a:solidFill>
+                    <a:srgbClr val="FFFFFF"/>
+                  </a:solidFill>
+                </a:uFill>
+                <a:latin typeface="Consolas" charset="0"/>
+              </a:rPr>
+              <a:t>blacklist</a:t>
+            </a:r>
+            <a:r>
+              <a:rPr lang="en-US" sz="1600" strike="noStrike" spc="-1" dirty="0">
+                <a:uFill>
+                  <a:solidFill>
+                    <a:srgbClr val="FFFFFF"/>
+                  </a:solidFill>
+                </a:uFill>
+                <a:latin typeface="Consolas" charset="0"/>
+              </a:rPr>
+              <a:t>.contains(data_value)) {</a:t>
+            </a:r>
+            <a:r>
+              <a:rPr lang="en-US" sz="1600" b="1" strike="noStrike" spc="-1" dirty="0">
+                <a:uFill>
+                  <a:solidFill>
+                    <a:srgbClr val="FFFFFF"/>
+                  </a:solidFill>
+                </a:uFill>
+                <a:latin typeface="DejaVu Sans Mono" charset="0"/>
+              </a:rPr>
+              <a:t/>
+            </a:r>
+            <a:br>
+              <a:rPr lang="en-US" sz="1600" b="1" strike="noStrike" spc="-1" dirty="0">
+                <a:uFill>
+                  <a:solidFill>
+                    <a:srgbClr val="FFFFFF"/>
+                  </a:solidFill>
+                </a:uFill>
+                <a:latin typeface="DejaVu Sans Mono" charset="0"/>
+              </a:rPr>
+            </a:br>
+            <a:r>
+              <a:rPr lang="en-US" sz="1600" strike="noStrike" spc="-1" dirty="0">
+                <a:uFill>
+                  <a:solidFill>
+                    <a:srgbClr val="FFFFFF"/>
+                  </a:solidFill>
+                </a:uFill>
+                <a:latin typeface="Consolas" charset="0"/>
+              </a:rPr>
+              <a:t>            out.collect(</a:t>
+            </a:r>
+            <a:r>
+              <a:rPr lang="en-US" sz="1600" strike="noStrike" spc="-1" dirty="0">
+                <a:solidFill>
+                  <a:srgbClr val="008000"/>
+                </a:solidFill>
+                <a:uFill>
+                  <a:solidFill>
+                    <a:srgbClr val="FFFFFF"/>
+                  </a:solidFill>
+                </a:uFill>
+                <a:latin typeface="Consolas" charset="0"/>
+              </a:rPr>
+              <a:t>"skipped " </a:t>
+            </a:r>
+            <a:r>
+              <a:rPr lang="en-US" sz="1600" strike="noStrike" spc="-1" dirty="0">
+                <a:uFill>
+                  <a:solidFill>
+                    <a:srgbClr val="FFFFFF"/>
+                  </a:solidFill>
+                </a:uFill>
+                <a:latin typeface="Consolas" charset="0"/>
+              </a:rPr>
+              <a:t>+ data_value);</a:t>
+            </a:r>
+            <a:r>
+              <a:rPr lang="en-US" sz="1600" b="1" strike="noStrike" spc="-1" dirty="0">
+                <a:uFill>
+                  <a:solidFill>
+                    <a:srgbClr val="FFFFFF"/>
+                  </a:solidFill>
+                </a:uFill>
+                <a:latin typeface="DejaVu Sans Mono" charset="0"/>
+              </a:rPr>
+              <a:t/>
+            </a:r>
+            <a:br>
+              <a:rPr lang="en-US" sz="1600" b="1" strike="noStrike" spc="-1" dirty="0">
+                <a:uFill>
+                  <a:solidFill>
+                    <a:srgbClr val="FFFFFF"/>
+                  </a:solidFill>
+                </a:uFill>
+                <a:latin typeface="DejaVu Sans Mono" charset="0"/>
+              </a:rPr>
+            </a:br>
+            <a:r>
+              <a:rPr lang="en-US" sz="1600" strike="noStrike" spc="-1" dirty="0">
+                <a:uFill>
+                  <a:solidFill>
+                    <a:srgbClr val="FFFFFF"/>
+                  </a:solidFill>
+                </a:uFill>
+                <a:latin typeface="Consolas" charset="0"/>
+              </a:rPr>
+              <a:t>        } </a:t>
+            </a:r>
+            <a:r>
+              <a:rPr lang="en-US" sz="1600" strike="noStrike" spc="-1" dirty="0">
+                <a:solidFill>
+                  <a:srgbClr val="000080"/>
+                </a:solidFill>
+                <a:uFill>
+                  <a:solidFill>
+                    <a:srgbClr val="FFFFFF"/>
+                  </a:solidFill>
+                </a:uFill>
+                <a:latin typeface="Consolas" charset="0"/>
+              </a:rPr>
+              <a:t>else </a:t>
+            </a:r>
+            <a:r>
+              <a:rPr lang="en-US" sz="1600" strike="noStrike" spc="-1" dirty="0">
+                <a:uFill>
+                  <a:solidFill>
+                    <a:srgbClr val="FFFFFF"/>
+                  </a:solidFill>
+                </a:uFill>
+                <a:latin typeface="Consolas" charset="0"/>
+              </a:rPr>
+              <a:t>{</a:t>
+            </a:r>
+            <a:r>
+              <a:rPr lang="en-US" sz="1600" b="1" strike="noStrike" spc="-1" dirty="0">
+                <a:uFill>
+                  <a:solidFill>
+                    <a:srgbClr val="FFFFFF"/>
+                  </a:solidFill>
+                </a:uFill>
+                <a:latin typeface="DejaVu Sans Mono" charset="0"/>
+              </a:rPr>
+              <a:t/>
+            </a:r>
+            <a:br>
+              <a:rPr lang="en-US" sz="1600" b="1" strike="noStrike" spc="-1" dirty="0">
+                <a:uFill>
+                  <a:solidFill>
+                    <a:srgbClr val="FFFFFF"/>
+                  </a:solidFill>
+                </a:uFill>
+                <a:latin typeface="DejaVu Sans Mono" charset="0"/>
+              </a:rPr>
+            </a:br>
+            <a:r>
+              <a:rPr lang="en-US" sz="1600" strike="noStrike" spc="-1" dirty="0">
+                <a:uFill>
+                  <a:solidFill>
+                    <a:srgbClr val="FFFFFF"/>
+                  </a:solidFill>
+                </a:uFill>
+                <a:latin typeface="Consolas" charset="0"/>
+              </a:rPr>
+              <a:t>            out.collect(</a:t>
+            </a:r>
+            <a:r>
+              <a:rPr lang="en-US" sz="1600" strike="noStrike" spc="-1" dirty="0">
+                <a:solidFill>
+                  <a:srgbClr val="008000"/>
+                </a:solidFill>
+                <a:uFill>
+                  <a:solidFill>
+                    <a:srgbClr val="FFFFFF"/>
+                  </a:solidFill>
+                </a:uFill>
+                <a:latin typeface="Consolas" charset="0"/>
+              </a:rPr>
+              <a:t>"passed " </a:t>
+            </a:r>
+            <a:r>
+              <a:rPr lang="en-US" sz="1600" strike="noStrike" spc="-1" dirty="0">
+                <a:uFill>
+                  <a:solidFill>
+                    <a:srgbClr val="FFFFFF"/>
+                  </a:solidFill>
+                </a:uFill>
+                <a:latin typeface="Consolas" charset="0"/>
+              </a:rPr>
+              <a:t>+ data_value);</a:t>
+            </a:r>
+            <a:r>
               <a:rPr lang="en-US" sz="1600" b="0" strike="noStrike" spc="-1" dirty="0">
                 <a:uFill>
                   <a:solidFill>
                     <a:srgbClr val="FFFFFF"/>
                   </a:solidFill>
                 </a:uFill>
-                <a:latin typeface="Consolas" charset="0"/>
-              </a:rPr>
-              <a:t>StreamExecutionEnvironment env =   </a:t>
-            </a:r>
-          </a:p>
-          <a:p>
-            <a:r>
-              <a:rPr lang="en-US" sz="1600" b="0" strike="noStrike" spc="-1" dirty="0">
-                <a:uFill>
-                  <a:solidFill>
-                    <a:srgbClr val="FFFFFF"/>
-                  </a:solidFill>
-                </a:uFill>
-                <a:latin typeface="Consolas" charset="0"/>
-              </a:rPr>
-              <a:t>  StreamExecutionEnvironment.getExecutionEnvironment();</a:t>
-            </a:r>
-            <a:r>
-              <a:rPr lang="en-US" sz="1600" b="0" i="1" strike="noStrike" spc="-1" dirty="0">
-                <a:uFill>
-                  <a:solidFill>
-                    <a:srgbClr val="FFFFFF"/>
-                  </a:solidFill>
-                </a:uFill>
-                <a:latin typeface="Consolas" charset="0"/>
+                <a:latin typeface="DejaVu Sans Mono" charset="0"/>
               </a:rPr>
               <a:t/>
-            </a:r>
-            <a:br>
-              <a:rPr lang="en-US" sz="1600" b="0" i="1" strike="noStrike" spc="-1" dirty="0">
-                <a:uFill>
-                  <a:solidFill>
-                    <a:srgbClr val="FFFFFF"/>
-                  </a:solidFill>
-                </a:uFill>
-                <a:latin typeface="Consolas" charset="0"/>
-              </a:rPr>
-            </a:br>
-            <a:endParaRPr lang="en-US" sz="1600" b="0" i="1" strike="noStrike" spc="-1" dirty="0">
-              <a:uFill>
-                <a:solidFill>
-                  <a:srgbClr val="FFFFFF"/>
-                </a:solidFill>
-              </a:uFill>
-              <a:latin typeface="Consolas" charset="0"/>
-            </a:endParaRPr>
-          </a:p>
-          <a:p>
-            <a:r>
-              <a:rPr lang="en-US" sz="1600" b="0" i="1" strike="noStrike" spc="-1" dirty="0">
-                <a:solidFill>
-                  <a:srgbClr val="808080"/>
-                </a:solidFill>
-                <a:uFill>
-                  <a:solidFill>
-                    <a:srgbClr val="FFFFFF"/>
-                  </a:solidFill>
-                </a:uFill>
-                <a:latin typeface="Consolas" charset="0"/>
-              </a:rPr>
-              <a:t>// avoid race conditions in this example</a:t>
-            </a:r>
-            <a:r>
-              <a:rPr lang="en-US" sz="1600" b="0" i="1" strike="noStrike" spc="-1" dirty="0">
-                <a:uFill>
-                  <a:solidFill>
-                    <a:srgbClr val="FFFFFF"/>
-                  </a:solidFill>
-                </a:uFill>
-                <a:latin typeface="Consolas" charset="0"/>
-              </a:rPr>
-              <a:t/>
-            </a:r>
-            <a:br>
-              <a:rPr lang="en-US" sz="1600" b="0" i="1" strike="noStrike" spc="-1" dirty="0">
-                <a:uFill>
-                  <a:solidFill>
-                    <a:srgbClr val="FFFFFF"/>
-                  </a:solidFill>
-                </a:uFill>
-                <a:latin typeface="Consolas" charset="0"/>
-              </a:rPr>
-            </a:br>
-            <a:r>
-              <a:rPr lang="en-US" sz="1600" b="0" strike="noStrike" spc="-1" dirty="0">
-                <a:uFill>
-                  <a:solidFill>
-                    <a:srgbClr val="FFFFFF"/>
-                  </a:solidFill>
-                </a:uFill>
-                <a:latin typeface="Consolas" charset="0"/>
-              </a:rPr>
-              <a:t>env.</a:t>
-            </a:r>
-            <a:r>
-              <a:rPr lang="en-US" sz="1600" b="0" strike="noStrike" spc="-1" dirty="0" err="1">
-                <a:uFill>
-                  <a:solidFill>
-                    <a:srgbClr val="FFFFFF"/>
-                  </a:solidFill>
-                </a:uFill>
-                <a:latin typeface="Consolas" charset="0"/>
-              </a:rPr>
-              <a:t>setParallelism</a:t>
-            </a:r>
-            <a:r>
-              <a:rPr lang="en-US" sz="1600" b="0" strike="noStrike" spc="-1" dirty="0">
-                <a:uFill>
-                  <a:solidFill>
-                    <a:srgbClr val="FFFFFF"/>
-                  </a:solidFill>
-                </a:uFill>
-                <a:latin typeface="Consolas" charset="0"/>
-              </a:rPr>
-              <a:t>(</a:t>
-            </a:r>
-            <a:r>
-              <a:rPr lang="en-US" sz="1600" b="0" strike="noStrike" spc="-1" dirty="0">
-                <a:solidFill>
-                  <a:srgbClr val="0000FF"/>
-                </a:solidFill>
-                <a:uFill>
-                  <a:solidFill>
-                    <a:srgbClr val="FFFFFF"/>
-                  </a:solidFill>
-                </a:uFill>
-                <a:latin typeface="Consolas" charset="0"/>
-              </a:rPr>
-              <a:t>1</a:t>
-            </a:r>
-            <a:r>
-              <a:rPr lang="en-US" sz="1600" b="0" strike="noStrike" spc="-1" dirty="0">
-                <a:uFill>
-                  <a:solidFill>
-                    <a:srgbClr val="FFFFFF"/>
-                  </a:solidFill>
-                </a:uFill>
-                <a:latin typeface="Consolas" charset="0"/>
-              </a:rPr>
-              <a:t>);</a:t>
             </a:r>
             <a:br>
               <a:rPr lang="en-US" sz="1600" b="0" strike="noStrike" spc="-1" dirty="0">
@@ -27570,9 +28535,31 @@
                     <a:srgbClr val="FFFFFF"/>
                   </a:solidFill>
                 </a:uFill>
+                <a:latin typeface="DejaVu Sans Mono" charset="0"/>
+              </a:rPr>
+            </a:br>
+            <a:r>
+              <a:rPr lang="en-US" sz="1600" b="0" strike="noStrike" spc="-1" dirty="0">
+                <a:uFill>
+                  <a:solidFill>
+                    <a:srgbClr val="FFFFFF"/>
+                  </a:solidFill>
+                </a:uFill>
                 <a:latin typeface="Consolas" charset="0"/>
               </a:rPr>
-            </a:br>
+              <a:t>        </a:t>
+            </a:r>
+            <a:r>
+              <a:rPr lang="en-US" sz="1600" strike="noStrike" spc="-1" dirty="0">
+                <a:uFill>
+                  <a:solidFill>
+                    <a:srgbClr val="FFFFFF"/>
+                  </a:solidFill>
+                </a:uFill>
+                <a:latin typeface="Consolas" charset="0"/>
+              </a:rPr>
+              <a:t>}</a:t>
+            </a:r>
             <a:r>
               <a:rPr lang="en-US" sz="1600" b="0" strike="noStrike" spc="-1" dirty="0">
                 <a:uFill>
@@ -27580,7 +28567,7 @@
                     <a:srgbClr val="FFFFFF"/>
                   </a:solidFill>
                 </a:uFill>
-                <a:latin typeface="Consolas" charset="0"/>
+                <a:latin typeface="DejaVu Sans Mono" charset="0"/>
               </a:rPr>
               <a:t/>
             </a:r>
@@ -27591,9 +28578,31 @@
                     <a:srgbClr val="FFFFFF"/>
                   </a:solidFill>
                 </a:uFill>
+                <a:latin typeface="DejaVu Sans Mono" charset="0"/>
+              </a:rPr>
+            </a:br>
+            <a:r>
+              <a:rPr lang="en-US" sz="1600" b="0" strike="noStrike" spc="-1" dirty="0">
+                <a:uFill>
+                  <a:solidFill>
+                    <a:srgbClr val="FFFFFF"/>
+                  </a:solidFill>
+                </a:uFill>
                 <a:latin typeface="Consolas" charset="0"/>
               </a:rPr>
-            </a:br>
+              <a:t>    </a:t>
+            </a:r>
+            <a:r>
+              <a:rPr lang="en-US" sz="1600" strike="noStrike" spc="-1" dirty="0">
+                <a:uFill>
+                  <a:solidFill>
+                    <a:srgbClr val="FFFFFF"/>
+                  </a:solidFill>
+                </a:uFill>
+                <a:latin typeface="Consolas" charset="0"/>
+              </a:rPr>
+              <a:t>}</a:t>
+            </a:r>
             <a:r>
               <a:rPr lang="en-US" sz="1600" b="0" strike="noStrike" spc="-1" dirty="0">
                 <a:uFill>
@@ -27601,108 +28610,9 @@
                     <a:srgbClr val="FFFFFF"/>
                   </a:solidFill>
                 </a:uFill>
-                <a:latin typeface="Consolas" charset="0"/>
-              </a:rPr>
-              <a:t>DataStream&lt;String&gt; </a:t>
-            </a:r>
-            <a:r>
-              <a:rPr lang="en-US" sz="1600" b="0" strike="noStrike" spc="-1" dirty="0">
-                <a:solidFill>
-                  <a:srgbClr val="FF0000"/>
-                </a:solidFill>
-                <a:uFill>
-                  <a:solidFill>
-                    <a:srgbClr val="FFFFFF"/>
-                  </a:solidFill>
-                </a:uFill>
-                <a:latin typeface="Consolas" charset="0"/>
-              </a:rPr>
-              <a:t>control </a:t>
-            </a:r>
-            <a:r>
-              <a:rPr lang="en-US" sz="1600" b="0" strike="noStrike" spc="-1" dirty="0">
-                <a:uFill>
-                  <a:solidFill>
-                    <a:srgbClr val="FFFFFF"/>
-                  </a:solidFill>
-                </a:uFill>
-                <a:latin typeface="Consolas" charset="0"/>
-              </a:rPr>
-              <a:t>= </a:t>
-            </a:r>
-          </a:p>
-          <a:p>
-            <a:r>
-              <a:rPr lang="en-US" sz="1600" spc="-1" dirty="0">
-                <a:uFill>
-                  <a:solidFill>
-                    <a:srgbClr val="FFFFFF"/>
-                  </a:solidFill>
-                </a:uFill>
-                <a:latin typeface="Consolas" charset="0"/>
-              </a:rPr>
-              <a:t>    </a:t>
-            </a:r>
-            <a:r>
-              <a:rPr lang="en-US" sz="1600" b="0" strike="noStrike" spc="-1" dirty="0">
-                <a:uFill>
-                  <a:solidFill>
-                    <a:srgbClr val="FFFFFF"/>
-                  </a:solidFill>
-                </a:uFill>
-                <a:latin typeface="Consolas" charset="0"/>
-              </a:rPr>
-              <a:t>env.fromElements(</a:t>
-            </a:r>
-            <a:r>
-              <a:rPr lang="en-US" sz="1600" b="1" strike="noStrike" spc="-1" dirty="0">
-                <a:solidFill>
-                  <a:srgbClr val="008000"/>
-                </a:solidFill>
-                <a:uFill>
-                  <a:solidFill>
-                    <a:srgbClr val="FFFFFF"/>
-                  </a:solidFill>
-                </a:uFill>
-                <a:latin typeface="Consolas" charset="0"/>
-              </a:rPr>
-              <a:t>"DROP"</a:t>
-            </a:r>
-            <a:r>
-              <a:rPr lang="en-US" sz="1600" b="0" strike="noStrike" spc="-1" dirty="0">
-                <a:uFill>
-                  <a:solidFill>
-                    <a:srgbClr val="FFFFFF"/>
-                  </a:solidFill>
-                </a:uFill>
-                <a:latin typeface="Consolas" charset="0"/>
-              </a:rPr>
-              <a:t>, </a:t>
-            </a:r>
-            <a:r>
-              <a:rPr lang="en-US" sz="1600" b="1" strike="noStrike" spc="-1" dirty="0">
-                <a:solidFill>
-                  <a:srgbClr val="008000"/>
-                </a:solidFill>
-                <a:uFill>
-                  <a:solidFill>
-                    <a:srgbClr val="FFFFFF"/>
-                  </a:solidFill>
-                </a:uFill>
-                <a:latin typeface="Consolas" charset="0"/>
-              </a:rPr>
-              <a:t>"IGNORE"</a:t>
-            </a:r>
-            <a:r>
-              <a:rPr lang="en-US" sz="1600" b="0" strike="noStrike" spc="-1" dirty="0">
-                <a:uFill>
-                  <a:solidFill>
-                    <a:srgbClr val="FFFFFF"/>
-                  </a:solidFill>
-                </a:uFill>
-                <a:latin typeface="Consolas" charset="0"/>
-              </a:rPr>
-              <a:t>);</a:t>
+                <a:latin typeface="DejaVu Sans Mono" charset="0"/>
+              </a:rPr>
+              <a:t/>
             </a:r>
             <a:br>
               <a:rPr lang="en-US" sz="1600" b="0" strike="noStrike" spc="-1" dirty="0">
@@ -27711,428 +28621,29 @@
                     <a:srgbClr val="FFFFFF"/>
                   </a:solidFill>
                 </a:uFill>
+                <a:latin typeface="DejaVu Sans Mono" charset="0"/>
+              </a:rPr>
+            </a:br>
+            <a:r>
+              <a:rPr lang="en-US" sz="1600" strike="noStrike" spc="-1" dirty="0">
+                <a:uFill>
+                  <a:solidFill>
+                    <a:srgbClr val="FFFFFF"/>
+                  </a:solidFill>
+                </a:uFill>
                 <a:latin typeface="Consolas" charset="0"/>
               </a:rPr>
-            </a:br>
-            <a:endParaRPr lang="en-US" sz="1600" b="0" strike="noStrike" spc="-1" dirty="0">
-              <a:uFill>
-                <a:solidFill>
-                  <a:srgbClr val="FFFFFF"/>
-                </a:solidFill>
-              </a:uFill>
-              <a:latin typeface="Consolas" charset="0"/>
-            </a:endParaRPr>
-          </a:p>
-          <a:p>
-            <a:r>
-              <a:rPr lang="en-US" sz="1600" b="0" strike="noStrike" spc="-1" dirty="0">
-                <a:uFill>
-                  <a:solidFill>
-                    <a:srgbClr val="FFFFFF"/>
-                  </a:solidFill>
-                </a:uFill>
-                <a:latin typeface="Consolas" charset="0"/>
-              </a:rPr>
-              <a:t>DataStream&lt;String&gt; </a:t>
-            </a:r>
-            <a:r>
-              <a:rPr lang="en-US" sz="1600" b="0" strike="noStrike" spc="-1" dirty="0">
-                <a:solidFill>
-                  <a:srgbClr val="FF0000"/>
-                </a:solidFill>
-                <a:uFill>
-                  <a:solidFill>
-                    <a:srgbClr val="FFFFFF"/>
-                  </a:solidFill>
-                </a:uFill>
-                <a:latin typeface="Consolas" charset="0"/>
-              </a:rPr>
-              <a:t>data </a:t>
-            </a:r>
-            <a:r>
-              <a:rPr lang="en-US" sz="1600" b="0" strike="noStrike" spc="-1" dirty="0">
-                <a:uFill>
-                  <a:solidFill>
-                    <a:srgbClr val="FFFFFF"/>
-                  </a:solidFill>
-                </a:uFill>
-                <a:latin typeface="Consolas" charset="0"/>
-              </a:rPr>
-              <a:t>= </a:t>
-            </a:r>
-          </a:p>
-          <a:p>
-            <a:r>
-              <a:rPr lang="en-US" sz="1600" spc="-1" dirty="0">
-                <a:uFill>
-                  <a:solidFill>
-                    <a:srgbClr val="FFFFFF"/>
-                  </a:solidFill>
-                </a:uFill>
-                <a:latin typeface="Consolas" charset="0"/>
-              </a:rPr>
-              <a:t>    </a:t>
-            </a:r>
-            <a:r>
-              <a:rPr lang="en-US" sz="1600" b="0" strike="noStrike" spc="-1" dirty="0">
-                <a:uFill>
-                  <a:solidFill>
-                    <a:srgbClr val="FFFFFF"/>
-                  </a:solidFill>
-                </a:uFill>
-                <a:latin typeface="Consolas" charset="0"/>
-              </a:rPr>
-              <a:t>env.fromElements(</a:t>
-            </a:r>
-            <a:r>
-              <a:rPr lang="en-US" sz="1600" b="1" strike="noStrike" spc="-1" dirty="0">
-                <a:solidFill>
-                  <a:srgbClr val="008000"/>
-                </a:solidFill>
-                <a:uFill>
-                  <a:solidFill>
-                    <a:srgbClr val="FFFFFF"/>
-                  </a:solidFill>
-                </a:uFill>
-                <a:latin typeface="Consolas" charset="0"/>
-              </a:rPr>
-              <a:t>"data"</a:t>
-            </a:r>
-            <a:r>
-              <a:rPr lang="en-US" sz="1600" b="0" strike="noStrike" spc="-1" dirty="0">
-                <a:uFill>
-                  <a:solidFill>
-                    <a:srgbClr val="FFFFFF"/>
-                  </a:solidFill>
-                </a:uFill>
-                <a:latin typeface="Consolas" charset="0"/>
-              </a:rPr>
-              <a:t>, </a:t>
-            </a:r>
-            <a:r>
-              <a:rPr lang="en-US" sz="1600" b="1" strike="noStrike" spc="-1" dirty="0">
-                <a:solidFill>
-                  <a:srgbClr val="008000"/>
-                </a:solidFill>
-                <a:uFill>
-                  <a:solidFill>
-                    <a:srgbClr val="FFFFFF"/>
-                  </a:solidFill>
-                </a:uFill>
-                <a:latin typeface="Consolas" charset="0"/>
-              </a:rPr>
-              <a:t>"DROP"</a:t>
-            </a:r>
-            <a:r>
-              <a:rPr lang="en-US" sz="1600" b="0" strike="noStrike" spc="-1" dirty="0">
-                <a:uFill>
-                  <a:solidFill>
-                    <a:srgbClr val="FFFFFF"/>
-                  </a:solidFill>
-                </a:uFill>
-                <a:latin typeface="Consolas" charset="0"/>
-              </a:rPr>
-              <a:t>, </a:t>
-            </a:r>
-            <a:r>
-              <a:rPr lang="en-US" sz="1600" b="1" strike="noStrike" spc="-1" dirty="0">
-                <a:solidFill>
-                  <a:srgbClr val="008000"/>
-                </a:solidFill>
-                <a:uFill>
-                  <a:solidFill>
-                    <a:srgbClr val="FFFFFF"/>
-                  </a:solidFill>
-                </a:uFill>
-                <a:latin typeface="Consolas" charset="0"/>
-              </a:rPr>
-              <a:t>"artisans"</a:t>
-            </a:r>
-            <a:r>
-              <a:rPr lang="en-US" sz="1600" b="0" strike="noStrike" spc="-1" dirty="0">
-                <a:uFill>
-                  <a:solidFill>
-                    <a:srgbClr val="FFFFFF"/>
-                  </a:solidFill>
-                </a:uFill>
-                <a:latin typeface="Consolas" charset="0"/>
-              </a:rPr>
-              <a:t>, </a:t>
-            </a:r>
-            <a:r>
-              <a:rPr lang="en-US" sz="1600" b="1" strike="noStrike" spc="-1" dirty="0">
-                <a:solidFill>
-                  <a:srgbClr val="008000"/>
-                </a:solidFill>
-                <a:uFill>
-                  <a:solidFill>
-                    <a:srgbClr val="FFFFFF"/>
-                  </a:solidFill>
-                </a:uFill>
-                <a:latin typeface="Consolas" charset="0"/>
-              </a:rPr>
-              <a:t>"IGNORE"</a:t>
-            </a:r>
-            <a:r>
-              <a:rPr lang="en-US" sz="1600" b="0" strike="noStrike" spc="-1" dirty="0">
-                <a:uFill>
-                  <a:solidFill>
-                    <a:srgbClr val="FFFFFF"/>
-                  </a:solidFill>
-                </a:uFill>
-                <a:latin typeface="Consolas" charset="0"/>
-              </a:rPr>
-              <a:t>);</a:t>
-            </a:r>
-            <a:br>
-              <a:rPr lang="en-US" sz="1600" b="0" strike="noStrike" spc="-1" dirty="0">
-                <a:uFill>
-                  <a:solidFill>
-                    <a:srgbClr val="FFFFFF"/>
-                  </a:solidFill>
-                </a:uFill>
-                <a:latin typeface="Consolas" charset="0"/>
-              </a:rPr>
-            </a:br>
-            <a:endParaRPr lang="en-US" sz="1600" b="0" strike="noStrike" spc="-1" dirty="0">
-              <a:uFill>
-                <a:solidFill>
-                  <a:srgbClr val="FFFFFF"/>
-                </a:solidFill>
-              </a:uFill>
-              <a:latin typeface="Consolas" charset="0"/>
-            </a:endParaRPr>
-          </a:p>
-          <a:p>
-            <a:r>
-              <a:rPr lang="en-US" sz="1600" b="0" strike="noStrike" spc="-1" dirty="0" err="1">
-                <a:uFill>
-                  <a:solidFill>
-                    <a:srgbClr val="FFFFFF"/>
-                  </a:solidFill>
-                </a:uFill>
-                <a:latin typeface="Consolas" charset="0"/>
-              </a:rPr>
-              <a:t>ConnectedStreams</a:t>
-            </a:r>
-            <a:r>
-              <a:rPr lang="en-US" sz="1600" b="0" strike="noStrike" spc="-1" dirty="0">
-                <a:uFill>
-                  <a:solidFill>
-                    <a:srgbClr val="FFFFFF"/>
-                  </a:solidFill>
-                </a:uFill>
-                <a:latin typeface="Consolas" charset="0"/>
-              </a:rPr>
-              <a:t>&lt;String, String&gt; </a:t>
-            </a:r>
-            <a:r>
-              <a:rPr lang="en-US" sz="1600" b="0" strike="noStrike" spc="-1" dirty="0">
-                <a:solidFill>
-                  <a:srgbClr val="FF0000"/>
-                </a:solidFill>
-                <a:uFill>
-                  <a:solidFill>
-                    <a:srgbClr val="FFFFFF"/>
-                  </a:solidFill>
-                </a:uFill>
-                <a:latin typeface="Consolas" charset="0"/>
-              </a:rPr>
-              <a:t>coStream = control.connect(data)</a:t>
-            </a:r>
-            <a:r>
-              <a:rPr lang="en-US" sz="1600" b="0" strike="noStrike" spc="-1" dirty="0">
-                <a:uFill>
-                  <a:solidFill>
-                    <a:srgbClr val="FFFFFF"/>
-                  </a:solidFill>
-                </a:uFill>
-                <a:latin typeface="Consolas" charset="0"/>
-              </a:rPr>
-              <a:t>;</a:t>
-            </a:r>
-            <a:br>
-              <a:rPr lang="en-US" sz="1600" b="0" strike="noStrike" spc="-1" dirty="0">
-                <a:uFill>
-                  <a:solidFill>
-                    <a:srgbClr val="FFFFFF"/>
-                  </a:solidFill>
-                </a:uFill>
-                <a:latin typeface="Consolas" charset="0"/>
-              </a:rPr>
-            </a:br>
-            <a:r>
-              <a:rPr lang="en-US" sz="1600" b="0" strike="noStrike" spc="-1" dirty="0">
-                <a:uFill>
-                  <a:solidFill>
-                    <a:srgbClr val="FFFFFF"/>
-                  </a:solidFill>
-                </a:uFill>
-                <a:latin typeface="Consolas" charset="0"/>
-              </a:rPr>
-              <a:t/>
-            </a:r>
-            <a:br>
-              <a:rPr lang="en-US" sz="1600" b="0" strike="noStrike" spc="-1" dirty="0">
-                <a:uFill>
-                  <a:solidFill>
-                    <a:srgbClr val="FFFFFF"/>
-                  </a:solidFill>
-                </a:uFill>
-                <a:latin typeface="Consolas" charset="0"/>
-              </a:rPr>
-            </a:br>
-            <a:r>
-              <a:rPr lang="en-US" sz="1600" b="0" strike="noStrike" spc="-1" dirty="0">
-                <a:uFill>
-                  <a:solidFill>
-                    <a:srgbClr val="FFFFFF"/>
-                  </a:solidFill>
-                </a:uFill>
-                <a:latin typeface="Consolas" charset="0"/>
-              </a:rPr>
-              <a:t>DataStream&lt;String&gt; result = </a:t>
-            </a:r>
-            <a:r>
-              <a:rPr lang="en-US" sz="1600" b="0" strike="noStrike" spc="-1" dirty="0">
-                <a:solidFill>
-                  <a:srgbClr val="FF0000"/>
-                </a:solidFill>
-                <a:uFill>
-                  <a:solidFill>
-                    <a:srgbClr val="FFFFFF"/>
-                  </a:solidFill>
-                </a:uFill>
-                <a:latin typeface="Consolas" charset="0"/>
-              </a:rPr>
-              <a:t>coStream.flatMap(</a:t>
-            </a:r>
-            <a:r>
-              <a:rPr lang="en-US" sz="1600" b="1" strike="noStrike" spc="-1" dirty="0">
-                <a:solidFill>
-                  <a:srgbClr val="FF0000"/>
-                </a:solidFill>
-                <a:uFill>
-                  <a:solidFill>
-                    <a:srgbClr val="FFFFFF"/>
-                  </a:solidFill>
-                </a:uFill>
-                <a:latin typeface="Consolas" charset="0"/>
-              </a:rPr>
-              <a:t>new </a:t>
-            </a:r>
-            <a:r>
-              <a:rPr lang="en-US" sz="1600" b="0" strike="noStrike" spc="-1" dirty="0">
-                <a:solidFill>
-                  <a:srgbClr val="FF0000"/>
-                </a:solidFill>
-                <a:uFill>
-                  <a:solidFill>
-                    <a:srgbClr val="FFFFFF"/>
-                  </a:solidFill>
-                </a:uFill>
-                <a:latin typeface="Consolas" charset="0"/>
-              </a:rPr>
-              <a:t>MyCoFlatMap())</a:t>
-            </a:r>
-            <a:r>
-              <a:rPr lang="en-US" sz="1600" b="0" strike="noStrike" spc="-1" dirty="0">
-                <a:uFill>
-                  <a:solidFill>
-                    <a:srgbClr val="FFFFFF"/>
-                  </a:solidFill>
-                </a:uFill>
-                <a:latin typeface="Consolas" charset="0"/>
-              </a:rPr>
-              <a:t>;</a:t>
-            </a:r>
-            <a:br>
-              <a:rPr lang="en-US" sz="1600" b="0" strike="noStrike" spc="-1" dirty="0">
-                <a:uFill>
-                  <a:solidFill>
-                    <a:srgbClr val="FFFFFF"/>
-                  </a:solidFill>
-                </a:uFill>
-                <a:latin typeface="Consolas" charset="0"/>
-              </a:rPr>
-            </a:br>
-            <a:endParaRPr lang="en-US" sz="1600" b="0" strike="noStrike" spc="-1" dirty="0">
-              <a:uFill>
-                <a:solidFill>
-                  <a:srgbClr val="FFFFFF"/>
-                </a:solidFill>
-              </a:uFill>
-              <a:latin typeface="Consolas" charset="0"/>
-            </a:endParaRPr>
-          </a:p>
-          <a:p>
-            <a:r>
-              <a:rPr lang="en-US" sz="1600" b="0" strike="noStrike" spc="-1" dirty="0">
-                <a:uFill>
-                  <a:solidFill>
-                    <a:srgbClr val="FFFFFF"/>
-                  </a:solidFill>
-                </a:uFill>
-                <a:latin typeface="Consolas" charset="0"/>
-              </a:rPr>
-              <a:t>result.print();</a:t>
-            </a:r>
-            <a:br>
-              <a:rPr lang="en-US" sz="1600" b="0" strike="noStrike" spc="-1" dirty="0">
-                <a:uFill>
-                  <a:solidFill>
-                    <a:srgbClr val="FFFFFF"/>
-                  </a:solidFill>
-                </a:uFill>
-                <a:latin typeface="Consolas" charset="0"/>
-              </a:rPr>
-            </a:br>
-            <a:r>
-              <a:rPr lang="en-US" sz="1600" b="0" strike="noStrike" spc="-1" dirty="0">
-                <a:uFill>
-                  <a:solidFill>
-                    <a:srgbClr val="FFFFFF"/>
-                  </a:solidFill>
-                </a:uFill>
-                <a:latin typeface="Consolas" charset="0"/>
-              </a:rPr>
-              <a:t/>
-            </a:r>
-            <a:br>
-              <a:rPr lang="en-US" sz="1600" b="0" strike="noStrike" spc="-1" dirty="0">
-                <a:uFill>
-                  <a:solidFill>
-                    <a:srgbClr val="FFFFFF"/>
-                  </a:solidFill>
-                </a:uFill>
-                <a:latin typeface="Consolas" charset="0"/>
-              </a:rPr>
-            </a:br>
-            <a:r>
-              <a:rPr lang="en-US" sz="1600" b="0" strike="noStrike" spc="-1" dirty="0">
-                <a:uFill>
-                  <a:solidFill>
-                    <a:srgbClr val="FFFFFF"/>
-                  </a:solidFill>
-                </a:uFill>
-                <a:latin typeface="Consolas" charset="0"/>
-              </a:rPr>
-              <a:t>env.execute();</a:t>
-            </a:r>
-          </a:p>
-          <a:p>
-            <a:endParaRPr lang="en-US" sz="1600" b="0" strike="noStrike" spc="-1" dirty="0">
-              <a:uFill>
-                <a:solidFill>
-                  <a:srgbClr val="FFFFFF"/>
-                </a:solidFill>
-              </a:uFill>
-              <a:latin typeface="Consolas" charset="0"/>
-            </a:endParaRPr>
+              <a:t>}</a:t>
+            </a:r>
           </a:p>
         </p:txBody>
       </p:sp>
     </p:spTree>
+    <p:extLst>
+      <p:ext uri="{BB962C8B-B14F-4D97-AF65-F5344CB8AC3E}">
+        <p14:creationId xmlns:p14="http://schemas.microsoft.com/office/powerpoint/2010/main" val="3654657356"/>
+      </p:ext>
+    </p:extLst>
   </p:cSld>
   <p:clrMapOvr>
     <a:masterClrMapping/>
@@ -28332,10 +28843,7 @@
           <a:lstStyle/>
           <a:p>
             <a:r>
-              <a:rPr lang="en-US" sz="1600" strike="noStrike" spc="-1" dirty="0">
-                <a:solidFill>
-                  <a:srgbClr val="000080"/>
-                </a:solidFill>
+              <a:rPr lang="en-US" sz="1600" b="0" strike="noStrike" spc="-1" dirty="0">
                 <a:uFill>
                   <a:solidFill>
                     <a:srgbClr val="FFFFFF"/>
@@ -28343,10 +28851,12 @@
                 </a:uFill>
                 <a:latin typeface="Consolas" charset="0"/>
               </a:rPr>
-              <a:t>private static final class </a:t>
-            </a:r>
-            <a:r>
-              <a:rPr lang="en-US" sz="1600" strike="noStrike" spc="-1" dirty="0">
+              <a:t>StreamExecutionEnvironment env =   </a:t>
+            </a:r>
+          </a:p>
+          <a:p>
+            <a:r>
+              <a:rPr lang="en-US" sz="1600" b="0" strike="noStrike" spc="-1" dirty="0">
                 <a:uFill>
                   <a:solidFill>
                     <a:srgbClr val="FFFFFF"/>
@@ -28354,15 +28864,10 @@
                 </a:uFill>
                 <a:latin typeface="Consolas" charset="0"/>
               </a:rPr>
-              <a:t>MyCoFlatMap </a:t>
-            </a:r>
-          </a:p>
-          <a:p>
-            <a:r>
-              <a:rPr lang="en-US" sz="1600" strike="noStrike" spc="-1" dirty="0">
-                <a:solidFill>
-                  <a:srgbClr val="000080"/>
-                </a:solidFill>
+              <a:t>  StreamExecutionEnvironment.getExecutionEnvironment();</a:t>
+            </a:r>
+            <a:r>
+              <a:rPr lang="en-US" sz="1600" b="0" i="1" strike="noStrike" spc="-1" dirty="0">
                 <a:uFill>
                   <a:solidFill>
                     <a:srgbClr val="FFFFFF"/>
@@ -28370,10 +28875,10 @@
                 </a:uFill>
                 <a:latin typeface="Consolas" charset="0"/>
               </a:rPr>
-              <a:t>  implements </a:t>
-            </a:r>
-            <a:r>
-              <a:rPr lang="en-US" sz="1600" strike="noStrike" spc="-1" dirty="0">
+              <a:t/>
+            </a:r>
+            <a:br>
+              <a:rPr lang="en-US" sz="1600" b="0" i="1" strike="noStrike" spc="-1" dirty="0">
                 <a:uFill>
                   <a:solidFill>
                     <a:srgbClr val="FFFFFF"/>
@@ -28381,31 +28886,118 @@
                 </a:uFill>
                 <a:latin typeface="Consolas" charset="0"/>
               </a:rPr>
-              <a:t>CoFlatMapFunction&lt;String, String, String&gt; {</a:t>
+            </a:br>
+            <a:endParaRPr lang="en-US" sz="1600" b="0" i="1" strike="noStrike" spc="-1" dirty="0">
+              <a:uFill>
+                <a:solidFill>
+                  <a:srgbClr val="FFFFFF"/>
+                </a:solidFill>
+              </a:uFill>
+              <a:latin typeface="Consolas" charset="0"/>
+            </a:endParaRPr>
+          </a:p>
+          <a:p>
+            <a:r>
+              <a:rPr lang="en-US" sz="1600" b="0" strike="noStrike" spc="-1" dirty="0" smtClean="0">
+                <a:uFill>
+                  <a:solidFill>
+                    <a:srgbClr val="FFFFFF"/>
+                  </a:solidFill>
+                </a:uFill>
+                <a:latin typeface="Consolas" charset="0"/>
+              </a:rPr>
+              <a:t>DataStream</a:t>
+            </a:r>
+            <a:r>
+              <a:rPr lang="en-US" sz="1600" b="0" strike="noStrike" spc="-1" dirty="0">
+                <a:uFill>
+                  <a:solidFill>
+                    <a:srgbClr val="FFFFFF"/>
+                  </a:solidFill>
+                </a:uFill>
+                <a:latin typeface="Consolas" charset="0"/>
+              </a:rPr>
+              <a:t>&lt;String&gt; </a:t>
+            </a:r>
+            <a:r>
+              <a:rPr lang="en-US" sz="1600" b="0" strike="noStrike" spc="-1" dirty="0">
+                <a:solidFill>
+                  <a:srgbClr val="FF0000"/>
+                </a:solidFill>
+                <a:uFill>
+                  <a:solidFill>
+                    <a:srgbClr val="FFFFFF"/>
+                  </a:solidFill>
+                </a:uFill>
+                <a:latin typeface="Consolas" charset="0"/>
+              </a:rPr>
+              <a:t>control </a:t>
+            </a:r>
+            <a:r>
+              <a:rPr lang="en-US" sz="1600" b="0" strike="noStrike" spc="-1" dirty="0">
+                <a:uFill>
+                  <a:solidFill>
+                    <a:srgbClr val="FFFFFF"/>
+                  </a:solidFill>
+                </a:uFill>
+                <a:latin typeface="Consolas" charset="0"/>
+              </a:rPr>
+              <a:t>= </a:t>
+            </a:r>
+          </a:p>
+          <a:p>
+            <a:r>
+              <a:rPr lang="en-US" sz="1600" spc="-1" dirty="0">
+                <a:uFill>
+                  <a:solidFill>
+                    <a:srgbClr val="FFFFFF"/>
+                  </a:solidFill>
+                </a:uFill>
+                <a:latin typeface="Consolas" charset="0"/>
+              </a:rPr>
+              <a:t>    </a:t>
+            </a:r>
+            <a:r>
+              <a:rPr lang="en-US" sz="1600" b="0" strike="noStrike" spc="-1" dirty="0">
+                <a:uFill>
+                  <a:solidFill>
+                    <a:srgbClr val="FFFFFF"/>
+                  </a:solidFill>
+                </a:uFill>
+                <a:latin typeface="Consolas" charset="0"/>
+              </a:rPr>
+              <a:t>env.fromElements(</a:t>
             </a:r>
             <a:r>
               <a:rPr lang="en-US" sz="1600" b="1" strike="noStrike" spc="-1" dirty="0">
-                <a:uFill>
-                  <a:solidFill>
-                    <a:srgbClr val="FFFFFF"/>
-                  </a:solidFill>
-                </a:uFill>
-                <a:latin typeface="DejaVu Sans Mono" charset="0"/>
-              </a:rPr>
-              <a:t/>
-            </a:r>
-            <a:br>
+                <a:solidFill>
+                  <a:srgbClr val="008000"/>
+                </a:solidFill>
+                <a:uFill>
+                  <a:solidFill>
+                    <a:srgbClr val="FFFFFF"/>
+                  </a:solidFill>
+                </a:uFill>
+                <a:latin typeface="Consolas" charset="0"/>
+              </a:rPr>
+              <a:t>"DROP"</a:t>
+            </a:r>
+            <a:r>
+              <a:rPr lang="en-US" sz="1600" b="0" strike="noStrike" spc="-1" dirty="0">
+                <a:uFill>
+                  <a:solidFill>
+                    <a:srgbClr val="FFFFFF"/>
+                  </a:solidFill>
+                </a:uFill>
+                <a:latin typeface="Consolas" charset="0"/>
+              </a:rPr>
+              <a:t>, </a:t>
+            </a:r>
+            <a:r>
               <a:rPr lang="en-US" sz="1600" b="1" strike="noStrike" spc="-1" dirty="0">
-                <a:uFill>
-                  <a:solidFill>
-                    <a:srgbClr val="FFFFFF"/>
-                  </a:solidFill>
-                </a:uFill>
-                <a:latin typeface="DejaVu Sans Mono" charset="0"/>
-              </a:rPr>
-            </a:br>
-            <a:r>
-              <a:rPr lang="en-US" sz="1600" strike="noStrike" spc="-1" dirty="0">
+                <a:solidFill>
+                  <a:srgbClr val="008000"/>
+                </a:solidFill>
                 <a:uFill>
                   <a:solidFill>
                     <a:srgbClr val="FFFFFF"/>
@@ -28413,13 +29005,10 @@
                 </a:uFill>
                 <a:latin typeface="Consolas" charset="0"/>
               </a:rPr>
-              <a:t>    HashSet </a:t>
-            </a:r>
-            <a:r>
-              <a:rPr lang="en-US" sz="1600" strike="noStrike" spc="-1" dirty="0">
-                <a:solidFill>
-                  <a:srgbClr val="660E7A"/>
-                </a:solidFill>
+              <a:t>"IGNORE"</a:t>
+            </a:r>
+            <a:r>
+              <a:rPr lang="en-US" sz="1600" b="0" strike="noStrike" spc="-1" dirty="0">
                 <a:uFill>
                   <a:solidFill>
                     <a:srgbClr val="FFFFFF"/>
@@ -28427,635 +29016,7 @@
                 </a:uFill>
                 <a:latin typeface="Consolas" charset="0"/>
               </a:rPr>
-              <a:t>blacklist </a:t>
-            </a:r>
-            <a:r>
-              <a:rPr lang="en-US" sz="1600" strike="noStrike" spc="-1" dirty="0">
-                <a:uFill>
-                  <a:solidFill>
-                    <a:srgbClr val="FFFFFF"/>
-                  </a:solidFill>
-                </a:uFill>
-                <a:latin typeface="Consolas" charset="0"/>
-              </a:rPr>
-              <a:t>= </a:t>
-            </a:r>
-            <a:r>
-              <a:rPr lang="en-US" sz="1600" strike="noStrike" spc="-1" dirty="0">
-                <a:solidFill>
-                  <a:srgbClr val="000080"/>
-                </a:solidFill>
-                <a:uFill>
-                  <a:solidFill>
-                    <a:srgbClr val="FFFFFF"/>
-                  </a:solidFill>
-                </a:uFill>
-                <a:latin typeface="Consolas" charset="0"/>
-              </a:rPr>
-              <a:t>new </a:t>
-            </a:r>
-            <a:r>
-              <a:rPr lang="en-US" sz="1600" strike="noStrike" spc="-1" dirty="0">
-                <a:uFill>
-                  <a:solidFill>
-                    <a:srgbClr val="FFFFFF"/>
-                  </a:solidFill>
-                </a:uFill>
-                <a:latin typeface="Consolas" charset="0"/>
-              </a:rPr>
-              <a:t>HashSet();</a:t>
-            </a:r>
-            <a:r>
-              <a:rPr lang="en-US" sz="1600" b="1" strike="noStrike" spc="-1" dirty="0">
-                <a:uFill>
-                  <a:solidFill>
-                    <a:srgbClr val="FFFFFF"/>
-                  </a:solidFill>
-                </a:uFill>
-                <a:latin typeface="DejaVu Sans Mono" charset="0"/>
-              </a:rPr>
-              <a:t/>
-            </a:r>
-            <a:br>
-              <a:rPr lang="en-US" sz="1600" b="1" strike="noStrike" spc="-1" dirty="0">
-                <a:uFill>
-                  <a:solidFill>
-                    <a:srgbClr val="FFFFFF"/>
-                  </a:solidFill>
-                </a:uFill>
-                <a:latin typeface="DejaVu Sans Mono" charset="0"/>
-              </a:rPr>
-            </a:br>
-            <a:r>
-              <a:rPr lang="en-US" sz="1600" b="1" strike="noStrike" spc="-1" dirty="0">
-                <a:uFill>
-                  <a:solidFill>
-                    <a:srgbClr val="FFFFFF"/>
-                  </a:solidFill>
-                </a:uFill>
-                <a:latin typeface="DejaVu Sans Mono" charset="0"/>
-              </a:rPr>
-              <a:t/>
-            </a:r>
-            <a:br>
-              <a:rPr lang="en-US" sz="1600" b="1" strike="noStrike" spc="-1" dirty="0">
-                <a:uFill>
-                  <a:solidFill>
-                    <a:srgbClr val="FFFFFF"/>
-                  </a:solidFill>
-                </a:uFill>
-                <a:latin typeface="DejaVu Sans Mono" charset="0"/>
-              </a:rPr>
-            </a:br>
-            <a:r>
-              <a:rPr lang="en-US" sz="1600" strike="noStrike" spc="-1" dirty="0">
-                <a:solidFill>
-                  <a:srgbClr val="808000"/>
-                </a:solidFill>
-                <a:uFill>
-                  <a:solidFill>
-                    <a:srgbClr val="FFFFFF"/>
-                  </a:solidFill>
-                </a:uFill>
-                <a:latin typeface="Consolas" charset="0"/>
-              </a:rPr>
-              <a:t>    @Override</a:t>
-            </a:r>
-            <a:r>
-              <a:rPr lang="en-US" sz="1600" b="1" strike="noStrike" spc="-1" dirty="0">
-                <a:uFill>
-                  <a:solidFill>
-                    <a:srgbClr val="FFFFFF"/>
-                  </a:solidFill>
-                </a:uFill>
-                <a:latin typeface="DejaVu Sans Mono" charset="0"/>
-              </a:rPr>
-              <a:t/>
-            </a:r>
-            <a:br>
-              <a:rPr lang="en-US" sz="1600" b="1" strike="noStrike" spc="-1" dirty="0">
-                <a:uFill>
-                  <a:solidFill>
-                    <a:srgbClr val="FFFFFF"/>
-                  </a:solidFill>
-                </a:uFill>
-                <a:latin typeface="DejaVu Sans Mono" charset="0"/>
-              </a:rPr>
-            </a:br>
-            <a:r>
-              <a:rPr lang="en-US" sz="1600" strike="noStrike" spc="-1" dirty="0">
-                <a:solidFill>
-                  <a:srgbClr val="000080"/>
-                </a:solidFill>
-                <a:uFill>
-                  <a:solidFill>
-                    <a:srgbClr val="FFFFFF"/>
-                  </a:solidFill>
-                </a:uFill>
-                <a:latin typeface="Consolas" charset="0"/>
-              </a:rPr>
-              <a:t>    public void </a:t>
-            </a:r>
-            <a:r>
-              <a:rPr lang="en-US" sz="1600" strike="noStrike" spc="-1" dirty="0">
-                <a:uFill>
-                  <a:solidFill>
-                    <a:srgbClr val="FFFFFF"/>
-                  </a:solidFill>
-                </a:uFill>
-                <a:latin typeface="Consolas" charset="0"/>
-              </a:rPr>
-              <a:t>flatMap1(String control_value, Collector&lt;String&gt; out) {</a:t>
-            </a:r>
-            <a:r>
-              <a:rPr lang="en-US" sz="1600" b="1" strike="noStrike" spc="-1" dirty="0">
-                <a:uFill>
-                  <a:solidFill>
-                    <a:srgbClr val="FFFFFF"/>
-                  </a:solidFill>
-                </a:uFill>
-                <a:latin typeface="DejaVu Sans Mono" charset="0"/>
-              </a:rPr>
-              <a:t/>
-            </a:r>
-            <a:br>
-              <a:rPr lang="en-US" sz="1600" b="1" strike="noStrike" spc="-1" dirty="0">
-                <a:uFill>
-                  <a:solidFill>
-                    <a:srgbClr val="FFFFFF"/>
-                  </a:solidFill>
-                </a:uFill>
-                <a:latin typeface="DejaVu Sans Mono" charset="0"/>
-              </a:rPr>
-            </a:br>
-            <a:r>
-              <a:rPr lang="en-US" sz="1600" strike="noStrike" spc="-1" dirty="0">
-                <a:solidFill>
-                  <a:srgbClr val="660E7A"/>
-                </a:solidFill>
-                <a:uFill>
-                  <a:solidFill>
-                    <a:srgbClr val="FFFFFF"/>
-                  </a:solidFill>
-                </a:uFill>
-                <a:latin typeface="Consolas" charset="0"/>
-              </a:rPr>
-              <a:t>        blacklist</a:t>
-            </a:r>
-            <a:r>
-              <a:rPr lang="en-US" sz="1600" strike="noStrike" spc="-1" dirty="0">
-                <a:uFill>
-                  <a:solidFill>
-                    <a:srgbClr val="FFFFFF"/>
-                  </a:solidFill>
-                </a:uFill>
-                <a:latin typeface="Consolas" charset="0"/>
-              </a:rPr>
-              <a:t>.add(control_value);</a:t>
-            </a:r>
-            <a:r>
-              <a:rPr lang="en-US" sz="1600" b="1" strike="noStrike" spc="-1" dirty="0">
-                <a:uFill>
-                  <a:solidFill>
-                    <a:srgbClr val="FFFFFF"/>
-                  </a:solidFill>
-                </a:uFill>
-                <a:latin typeface="DejaVu Sans Mono" charset="0"/>
-              </a:rPr>
-              <a:t/>
-            </a:r>
-            <a:br>
-              <a:rPr lang="en-US" sz="1600" b="1" strike="noStrike" spc="-1" dirty="0">
-                <a:uFill>
-                  <a:solidFill>
-                    <a:srgbClr val="FFFFFF"/>
-                  </a:solidFill>
-                </a:uFill>
-                <a:latin typeface="DejaVu Sans Mono" charset="0"/>
-              </a:rPr>
-            </a:br>
-            <a:r>
-              <a:rPr lang="en-US" sz="1600" strike="noStrike" spc="-1" dirty="0">
-                <a:uFill>
-                  <a:solidFill>
-                    <a:srgbClr val="FFFFFF"/>
-                  </a:solidFill>
-                </a:uFill>
-                <a:latin typeface="Consolas" charset="0"/>
-              </a:rPr>
-              <a:t>        out.collect(</a:t>
-            </a:r>
-            <a:r>
-              <a:rPr lang="en-US" sz="1600" strike="noStrike" spc="-1" dirty="0">
-                <a:solidFill>
-                  <a:srgbClr val="008000"/>
-                </a:solidFill>
-                <a:uFill>
-                  <a:solidFill>
-                    <a:srgbClr val="FFFFFF"/>
-                  </a:solidFill>
-                </a:uFill>
-                <a:latin typeface="Consolas" charset="0"/>
-              </a:rPr>
-              <a:t>"listed " </a:t>
-            </a:r>
-            <a:r>
-              <a:rPr lang="en-US" sz="1600" strike="noStrike" spc="-1" dirty="0">
-                <a:uFill>
-                  <a:solidFill>
-                    <a:srgbClr val="FFFFFF"/>
-                  </a:solidFill>
-                </a:uFill>
-                <a:latin typeface="Consolas" charset="0"/>
-              </a:rPr>
-              <a:t>+ control_value);</a:t>
-            </a:r>
-            <a:r>
-              <a:rPr lang="en-US" sz="1600" b="1" strike="noStrike" spc="-1" dirty="0">
-                <a:uFill>
-                  <a:solidFill>
-                    <a:srgbClr val="FFFFFF"/>
-                  </a:solidFill>
-                </a:uFill>
-                <a:latin typeface="DejaVu Sans Mono" charset="0"/>
-              </a:rPr>
-              <a:t/>
-            </a:r>
-            <a:br>
-              <a:rPr lang="en-US" sz="1600" b="1" strike="noStrike" spc="-1" dirty="0">
-                <a:uFill>
-                  <a:solidFill>
-                    <a:srgbClr val="FFFFFF"/>
-                  </a:solidFill>
-                </a:uFill>
-                <a:latin typeface="DejaVu Sans Mono" charset="0"/>
-              </a:rPr>
-            </a:br>
-            <a:r>
-              <a:rPr lang="en-US" sz="1600" strike="noStrike" spc="-1" dirty="0">
-                <a:uFill>
-                  <a:solidFill>
-                    <a:srgbClr val="FFFFFF"/>
-                  </a:solidFill>
-                </a:uFill>
-                <a:latin typeface="Consolas" charset="0"/>
-              </a:rPr>
-              <a:t>    }</a:t>
-            </a:r>
-            <a:r>
-              <a:rPr lang="en-US" sz="1600" b="1" strike="noStrike" spc="-1" dirty="0">
-                <a:uFill>
-                  <a:solidFill>
-                    <a:srgbClr val="FFFFFF"/>
-                  </a:solidFill>
-                </a:uFill>
-                <a:latin typeface="DejaVu Sans Mono" charset="0"/>
-              </a:rPr>
-              <a:t/>
-            </a:r>
-            <a:br>
-              <a:rPr lang="en-US" sz="1600" b="1" strike="noStrike" spc="-1" dirty="0">
-                <a:uFill>
-                  <a:solidFill>
-                    <a:srgbClr val="FFFFFF"/>
-                  </a:solidFill>
-                </a:uFill>
-                <a:latin typeface="DejaVu Sans Mono" charset="0"/>
-              </a:rPr>
-            </a:br>
-            <a:r>
-              <a:rPr lang="en-US" sz="1600" b="1" strike="noStrike" spc="-1" dirty="0">
-                <a:uFill>
-                  <a:solidFill>
-                    <a:srgbClr val="FFFFFF"/>
-                  </a:solidFill>
-                </a:uFill>
-                <a:latin typeface="DejaVu Sans Mono" charset="0"/>
-              </a:rPr>
-              <a:t/>
-            </a:r>
-            <a:br>
-              <a:rPr lang="en-US" sz="1600" b="1" strike="noStrike" spc="-1" dirty="0">
-                <a:uFill>
-                  <a:solidFill>
-                    <a:srgbClr val="FFFFFF"/>
-                  </a:solidFill>
-                </a:uFill>
-                <a:latin typeface="DejaVu Sans Mono" charset="0"/>
-              </a:rPr>
-            </a:br>
-            <a:r>
-              <a:rPr lang="en-US" sz="1600" strike="noStrike" spc="-1" dirty="0">
-                <a:solidFill>
-                  <a:srgbClr val="808000"/>
-                </a:solidFill>
-                <a:uFill>
-                  <a:solidFill>
-                    <a:srgbClr val="FFFFFF"/>
-                  </a:solidFill>
-                </a:uFill>
-                <a:latin typeface="Consolas" charset="0"/>
-              </a:rPr>
-              <a:t>    @Override</a:t>
-            </a:r>
-            <a:r>
-              <a:rPr lang="en-US" sz="1600" b="1" strike="noStrike" spc="-1" dirty="0">
-                <a:uFill>
-                  <a:solidFill>
-                    <a:srgbClr val="FFFFFF"/>
-                  </a:solidFill>
-                </a:uFill>
-                <a:latin typeface="DejaVu Sans Mono" charset="0"/>
-              </a:rPr>
-              <a:t/>
-            </a:r>
-            <a:br>
-              <a:rPr lang="en-US" sz="1600" b="1" strike="noStrike" spc="-1" dirty="0">
-                <a:uFill>
-                  <a:solidFill>
-                    <a:srgbClr val="FFFFFF"/>
-                  </a:solidFill>
-                </a:uFill>
-                <a:latin typeface="DejaVu Sans Mono" charset="0"/>
-              </a:rPr>
-            </a:br>
-            <a:r>
-              <a:rPr lang="en-US" sz="1600" strike="noStrike" spc="-1" dirty="0">
-                <a:solidFill>
-                  <a:srgbClr val="000080"/>
-                </a:solidFill>
-                <a:uFill>
-                  <a:solidFill>
-                    <a:srgbClr val="FFFFFF"/>
-                  </a:solidFill>
-                </a:uFill>
-                <a:latin typeface="Consolas" charset="0"/>
-              </a:rPr>
-              <a:t>    public void </a:t>
-            </a:r>
-            <a:r>
-              <a:rPr lang="en-US" sz="1600" strike="noStrike" spc="-1" dirty="0">
-                <a:uFill>
-                  <a:solidFill>
-                    <a:srgbClr val="FFFFFF"/>
-                  </a:solidFill>
-                </a:uFill>
-                <a:latin typeface="Consolas" charset="0"/>
-              </a:rPr>
-              <a:t>flatMap2(String data_value, Collector&lt;String&gt; out) {</a:t>
-            </a:r>
-            <a:r>
-              <a:rPr lang="en-US" sz="1600" b="1" strike="noStrike" spc="-1" dirty="0">
-                <a:uFill>
-                  <a:solidFill>
-                    <a:srgbClr val="FFFFFF"/>
-                  </a:solidFill>
-                </a:uFill>
-                <a:latin typeface="DejaVu Sans Mono" charset="0"/>
-              </a:rPr>
-              <a:t/>
-            </a:r>
-            <a:br>
-              <a:rPr lang="en-US" sz="1600" b="1" strike="noStrike" spc="-1" dirty="0">
-                <a:uFill>
-                  <a:solidFill>
-                    <a:srgbClr val="FFFFFF"/>
-                  </a:solidFill>
-                </a:uFill>
-                <a:latin typeface="DejaVu Sans Mono" charset="0"/>
-              </a:rPr>
-            </a:br>
-            <a:r>
-              <a:rPr lang="en-US" sz="1600" strike="noStrike" spc="-1" dirty="0">
-                <a:solidFill>
-                  <a:srgbClr val="000080"/>
-                </a:solidFill>
-                <a:uFill>
-                  <a:solidFill>
-                    <a:srgbClr val="FFFFFF"/>
-                  </a:solidFill>
-                </a:uFill>
-                <a:latin typeface="Consolas" charset="0"/>
-              </a:rPr>
-              <a:t>        if </a:t>
-            </a:r>
-            <a:r>
-              <a:rPr lang="en-US" sz="1600" strike="noStrike" spc="-1" dirty="0">
-                <a:uFill>
-                  <a:solidFill>
-                    <a:srgbClr val="FFFFFF"/>
-                  </a:solidFill>
-                </a:uFill>
-                <a:latin typeface="Consolas" charset="0"/>
-              </a:rPr>
-              <a:t>(</a:t>
-            </a:r>
-            <a:r>
-              <a:rPr lang="en-US" sz="1600" strike="noStrike" spc="-1" dirty="0">
-                <a:solidFill>
-                  <a:srgbClr val="660E7A"/>
-                </a:solidFill>
-                <a:uFill>
-                  <a:solidFill>
-                    <a:srgbClr val="FFFFFF"/>
-                  </a:solidFill>
-                </a:uFill>
-                <a:latin typeface="Consolas" charset="0"/>
-              </a:rPr>
-              <a:t>blacklist</a:t>
-            </a:r>
-            <a:r>
-              <a:rPr lang="en-US" sz="1600" strike="noStrike" spc="-1" dirty="0">
-                <a:uFill>
-                  <a:solidFill>
-                    <a:srgbClr val="FFFFFF"/>
-                  </a:solidFill>
-                </a:uFill>
-                <a:latin typeface="Consolas" charset="0"/>
-              </a:rPr>
-              <a:t>.contains(data_value)) {</a:t>
-            </a:r>
-            <a:r>
-              <a:rPr lang="en-US" sz="1600" b="1" strike="noStrike" spc="-1" dirty="0">
-                <a:uFill>
-                  <a:solidFill>
-                    <a:srgbClr val="FFFFFF"/>
-                  </a:solidFill>
-                </a:uFill>
-                <a:latin typeface="DejaVu Sans Mono" charset="0"/>
-              </a:rPr>
-              <a:t/>
-            </a:r>
-            <a:br>
-              <a:rPr lang="en-US" sz="1600" b="1" strike="noStrike" spc="-1" dirty="0">
-                <a:uFill>
-                  <a:solidFill>
-                    <a:srgbClr val="FFFFFF"/>
-                  </a:solidFill>
-                </a:uFill>
-                <a:latin typeface="DejaVu Sans Mono" charset="0"/>
-              </a:rPr>
-            </a:br>
-            <a:r>
-              <a:rPr lang="en-US" sz="1600" strike="noStrike" spc="-1" dirty="0">
-                <a:uFill>
-                  <a:solidFill>
-                    <a:srgbClr val="FFFFFF"/>
-                  </a:solidFill>
-                </a:uFill>
-                <a:latin typeface="Consolas" charset="0"/>
-              </a:rPr>
-              <a:t>            out.collect(</a:t>
-            </a:r>
-            <a:r>
-              <a:rPr lang="en-US" sz="1600" strike="noStrike" spc="-1" dirty="0">
-                <a:solidFill>
-                  <a:srgbClr val="008000"/>
-                </a:solidFill>
-                <a:uFill>
-                  <a:solidFill>
-                    <a:srgbClr val="FFFFFF"/>
-                  </a:solidFill>
-                </a:uFill>
-                <a:latin typeface="Consolas" charset="0"/>
-              </a:rPr>
-              <a:t>"skipped " </a:t>
-            </a:r>
-            <a:r>
-              <a:rPr lang="en-US" sz="1600" strike="noStrike" spc="-1" dirty="0">
-                <a:uFill>
-                  <a:solidFill>
-                    <a:srgbClr val="FFFFFF"/>
-                  </a:solidFill>
-                </a:uFill>
-                <a:latin typeface="Consolas" charset="0"/>
-              </a:rPr>
-              <a:t>+ data_value);</a:t>
-            </a:r>
-            <a:r>
-              <a:rPr lang="en-US" sz="1600" b="1" strike="noStrike" spc="-1" dirty="0">
-                <a:uFill>
-                  <a:solidFill>
-                    <a:srgbClr val="FFFFFF"/>
-                  </a:solidFill>
-                </a:uFill>
-                <a:latin typeface="DejaVu Sans Mono" charset="0"/>
-              </a:rPr>
-              <a:t/>
-            </a:r>
-            <a:br>
-              <a:rPr lang="en-US" sz="1600" b="1" strike="noStrike" spc="-1" dirty="0">
-                <a:uFill>
-                  <a:solidFill>
-                    <a:srgbClr val="FFFFFF"/>
-                  </a:solidFill>
-                </a:uFill>
-                <a:latin typeface="DejaVu Sans Mono" charset="0"/>
-              </a:rPr>
-            </a:br>
-            <a:r>
-              <a:rPr lang="en-US" sz="1600" strike="noStrike" spc="-1" dirty="0">
-                <a:uFill>
-                  <a:solidFill>
-                    <a:srgbClr val="FFFFFF"/>
-                  </a:solidFill>
-                </a:uFill>
-                <a:latin typeface="Consolas" charset="0"/>
-              </a:rPr>
-              <a:t>        } </a:t>
-            </a:r>
-            <a:r>
-              <a:rPr lang="en-US" sz="1600" strike="noStrike" spc="-1" dirty="0">
-                <a:solidFill>
-                  <a:srgbClr val="000080"/>
-                </a:solidFill>
-                <a:uFill>
-                  <a:solidFill>
-                    <a:srgbClr val="FFFFFF"/>
-                  </a:solidFill>
-                </a:uFill>
-                <a:latin typeface="Consolas" charset="0"/>
-              </a:rPr>
-              <a:t>else </a:t>
-            </a:r>
-            <a:r>
-              <a:rPr lang="en-US" sz="1600" strike="noStrike" spc="-1" dirty="0">
-                <a:uFill>
-                  <a:solidFill>
-                    <a:srgbClr val="FFFFFF"/>
-                  </a:solidFill>
-                </a:uFill>
-                <a:latin typeface="Consolas" charset="0"/>
-              </a:rPr>
-              <a:t>{</a:t>
-            </a:r>
-            <a:r>
-              <a:rPr lang="en-US" sz="1600" b="1" strike="noStrike" spc="-1" dirty="0">
-                <a:uFill>
-                  <a:solidFill>
-                    <a:srgbClr val="FFFFFF"/>
-                  </a:solidFill>
-                </a:uFill>
-                <a:latin typeface="DejaVu Sans Mono" charset="0"/>
-              </a:rPr>
-              <a:t/>
-            </a:r>
-            <a:br>
-              <a:rPr lang="en-US" sz="1600" b="1" strike="noStrike" spc="-1" dirty="0">
-                <a:uFill>
-                  <a:solidFill>
-                    <a:srgbClr val="FFFFFF"/>
-                  </a:solidFill>
-                </a:uFill>
-                <a:latin typeface="DejaVu Sans Mono" charset="0"/>
-              </a:rPr>
-            </a:br>
-            <a:r>
-              <a:rPr lang="en-US" sz="1600" strike="noStrike" spc="-1" dirty="0">
-                <a:uFill>
-                  <a:solidFill>
-                    <a:srgbClr val="FFFFFF"/>
-                  </a:solidFill>
-                </a:uFill>
-                <a:latin typeface="Consolas" charset="0"/>
-              </a:rPr>
-              <a:t>            out.collect(</a:t>
-            </a:r>
-            <a:r>
-              <a:rPr lang="en-US" sz="1600" strike="noStrike" spc="-1" dirty="0">
-                <a:solidFill>
-                  <a:srgbClr val="008000"/>
-                </a:solidFill>
-                <a:uFill>
-                  <a:solidFill>
-                    <a:srgbClr val="FFFFFF"/>
-                  </a:solidFill>
-                </a:uFill>
-                <a:latin typeface="Consolas" charset="0"/>
-              </a:rPr>
-              <a:t>"passed " </a:t>
-            </a:r>
-            <a:r>
-              <a:rPr lang="en-US" sz="1600" strike="noStrike" spc="-1" dirty="0">
-                <a:uFill>
-                  <a:solidFill>
-                    <a:srgbClr val="FFFFFF"/>
-                  </a:solidFill>
-                </a:uFill>
-                <a:latin typeface="Consolas" charset="0"/>
-              </a:rPr>
-              <a:t>+ data_value);</a:t>
-            </a:r>
-            <a:r>
-              <a:rPr lang="en-US" sz="1600" b="0" strike="noStrike" spc="-1" dirty="0">
-                <a:uFill>
-                  <a:solidFill>
-                    <a:srgbClr val="FFFFFF"/>
-                  </a:solidFill>
-                </a:uFill>
-                <a:latin typeface="DejaVu Sans Mono" charset="0"/>
-              </a:rPr>
-              <a:t/>
+              <a:t>);</a:t>
             </a:r>
             <a:br>
               <a:rPr lang="en-US" sz="1600" b="0" strike="noStrike" spc="-1" dirty="0">
@@ -29064,9 +29025,19 @@
                     <a:srgbClr val="FFFFFF"/>
                   </a:solidFill>
                 </a:uFill>
-                <a:latin typeface="DejaVu Sans Mono" charset="0"/>
+                <a:latin typeface="Consolas" charset="0"/>
               </a:rPr>
             </a:br>
+            <a:endParaRPr lang="en-US" sz="1600" b="0" strike="noStrike" spc="-1" dirty="0">
+              <a:uFill>
+                <a:solidFill>
+                  <a:srgbClr val="FFFFFF"/>
+                </a:solidFill>
+              </a:uFill>
+              <a:latin typeface="Consolas" charset="0"/>
+            </a:endParaRPr>
+          </a:p>
+          <a:p>
             <a:r>
               <a:rPr lang="en-US" sz="1600" b="0" strike="noStrike" spc="-1" dirty="0">
                 <a:uFill>
@@ -29076,10 +29047,13 @@
                 </a:uFill>
                 <a:latin typeface="Consolas" charset="0"/>
               </a:rPr>
-              <a:t>        </a:t>
-            </a:r>
-            <a:r>
-              <a:rPr lang="en-US" sz="1600" strike="noStrike" spc="-1" dirty="0">
+              <a:t>DataStream&lt;String&gt; </a:t>
+            </a:r>
+            <a:r>
+              <a:rPr lang="en-US" sz="1600" b="0" strike="noStrike" spc="-1" dirty="0">
+                <a:solidFill>
+                  <a:srgbClr val="FF0000"/>
+                </a:solidFill>
                 <a:uFill>
                   <a:solidFill>
                     <a:srgbClr val="FFFFFF"/>
@@ -29087,7 +29061,7 @@
                 </a:uFill>
                 <a:latin typeface="Consolas" charset="0"/>
               </a:rPr>
-              <a:t>}</a:t>
+              <a:t>data </a:t>
             </a:r>
             <a:r>
               <a:rPr lang="en-US" sz="1600" b="0" strike="noStrike" spc="-1" dirty="0">
@@ -29096,9 +29070,133 @@
                     <a:srgbClr val="FFFFFF"/>
                   </a:solidFill>
                 </a:uFill>
-                <a:latin typeface="DejaVu Sans Mono" charset="0"/>
-              </a:rPr>
-              <a:t/>
+                <a:latin typeface="Consolas" charset="0"/>
+              </a:rPr>
+              <a:t>= </a:t>
+            </a:r>
+          </a:p>
+          <a:p>
+            <a:r>
+              <a:rPr lang="en-US" sz="1600" spc="-1" dirty="0">
+                <a:uFill>
+                  <a:solidFill>
+                    <a:srgbClr val="FFFFFF"/>
+                  </a:solidFill>
+                </a:uFill>
+                <a:latin typeface="Consolas" charset="0"/>
+              </a:rPr>
+              <a:t>    </a:t>
+            </a:r>
+            <a:r>
+              <a:rPr lang="en-US" sz="1600" b="0" strike="noStrike" spc="-1" dirty="0">
+                <a:uFill>
+                  <a:solidFill>
+                    <a:srgbClr val="FFFFFF"/>
+                  </a:solidFill>
+                </a:uFill>
+                <a:latin typeface="Consolas" charset="0"/>
+              </a:rPr>
+              <a:t>env.fromElements(</a:t>
+            </a:r>
+            <a:r>
+              <a:rPr lang="en-US" sz="1600" b="1" strike="noStrike" spc="-1" dirty="0">
+                <a:solidFill>
+                  <a:srgbClr val="008000"/>
+                </a:solidFill>
+                <a:uFill>
+                  <a:solidFill>
+                    <a:srgbClr val="FFFFFF"/>
+                  </a:solidFill>
+                </a:uFill>
+                <a:latin typeface="Consolas" charset="0"/>
+              </a:rPr>
+              <a:t>"data"</a:t>
+            </a:r>
+            <a:r>
+              <a:rPr lang="en-US" sz="1600" b="0" strike="noStrike" spc="-1" dirty="0">
+                <a:uFill>
+                  <a:solidFill>
+                    <a:srgbClr val="FFFFFF"/>
+                  </a:solidFill>
+                </a:uFill>
+                <a:latin typeface="Consolas" charset="0"/>
+              </a:rPr>
+              <a:t>, </a:t>
+            </a:r>
+            <a:r>
+              <a:rPr lang="en-US" sz="1600" b="1" strike="noStrike" spc="-1" dirty="0">
+                <a:solidFill>
+                  <a:srgbClr val="008000"/>
+                </a:solidFill>
+                <a:uFill>
+                  <a:solidFill>
+                    <a:srgbClr val="FFFFFF"/>
+                  </a:solidFill>
+                </a:uFill>
+                <a:latin typeface="Consolas" charset="0"/>
+              </a:rPr>
+              <a:t>"DROP"</a:t>
+            </a:r>
+            <a:r>
+              <a:rPr lang="en-US" sz="1600" b="0" strike="noStrike" spc="-1" dirty="0">
+                <a:uFill>
+                  <a:solidFill>
+                    <a:srgbClr val="FFFFFF"/>
+                  </a:solidFill>
+                </a:uFill>
+                <a:latin typeface="Consolas" charset="0"/>
+              </a:rPr>
+              <a:t>, </a:t>
+            </a:r>
+            <a:r>
+              <a:rPr lang="en-US" sz="1600" b="1" strike="noStrike" spc="-1" dirty="0">
+                <a:solidFill>
+                  <a:srgbClr val="008000"/>
+                </a:solidFill>
+                <a:uFill>
+                  <a:solidFill>
+                    <a:srgbClr val="FFFFFF"/>
+                  </a:solidFill>
+                </a:uFill>
+                <a:latin typeface="Consolas" charset="0"/>
+              </a:rPr>
+              <a:t>"artisans"</a:t>
+            </a:r>
+            <a:r>
+              <a:rPr lang="en-US" sz="1600" b="0" strike="noStrike" spc="-1" dirty="0">
+                <a:uFill>
+                  <a:solidFill>
+                    <a:srgbClr val="FFFFFF"/>
+                  </a:solidFill>
+                </a:uFill>
+                <a:latin typeface="Consolas" charset="0"/>
+              </a:rPr>
+              <a:t>, </a:t>
+            </a:r>
+            <a:r>
+              <a:rPr lang="en-US" sz="1600" b="1" strike="noStrike" spc="-1" dirty="0">
+                <a:solidFill>
+                  <a:srgbClr val="008000"/>
+                </a:solidFill>
+                <a:uFill>
+                  <a:solidFill>
+                    <a:srgbClr val="FFFFFF"/>
+                  </a:solidFill>
+                </a:uFill>
+                <a:latin typeface="Consolas" charset="0"/>
+              </a:rPr>
+              <a:t>"IGNORE"</a:t>
+            </a:r>
+            <a:r>
+              <a:rPr lang="en-US" sz="1600" b="0" strike="noStrike" spc="-1" dirty="0">
+                <a:uFill>
+                  <a:solidFill>
+                    <a:srgbClr val="FFFFFF"/>
+                  </a:solidFill>
+                </a:uFill>
+                <a:latin typeface="Consolas" charset="0"/>
+              </a:rPr>
+              <a:t>);</a:t>
             </a:r>
             <a:br>
               <a:rPr lang="en-US" sz="1600" b="0" strike="noStrike" spc="-1" dirty="0">
@@ -29107,11 +29205,120 @@
                     <a:srgbClr val="FFFFFF"/>
                   </a:solidFill>
                 </a:uFill>
-                <a:latin typeface="DejaVu Sans Mono" charset="0"/>
+                <a:latin typeface="Consolas" charset="0"/>
               </a:rPr>
             </a:br>
+            <a:endParaRPr lang="en-US" sz="1600" b="0" strike="noStrike" spc="-1" dirty="0">
+              <a:uFill>
+                <a:solidFill>
+                  <a:srgbClr val="FFFFFF"/>
+                </a:solidFill>
+              </a:uFill>
+              <a:latin typeface="Consolas" charset="0"/>
+            </a:endParaRPr>
+          </a:p>
+          <a:p>
+            <a:r>
+              <a:rPr lang="en-US" sz="1600" spc="-1" dirty="0">
+                <a:uFill>
+                  <a:solidFill>
+                    <a:srgbClr val="FFFFFF"/>
+                  </a:solidFill>
+                </a:uFill>
+                <a:latin typeface="Consolas" charset="0"/>
+              </a:rPr>
+              <a:t>DataStream&lt;String&gt; result =</a:t>
+            </a:r>
+            <a:r>
+              <a:rPr lang="en-US" sz="1600" b="0" strike="noStrike" spc="-1" dirty="0" smtClean="0">
+                <a:solidFill>
+                  <a:srgbClr val="FF0000"/>
+                </a:solidFill>
+                <a:uFill>
+                  <a:solidFill>
+                    <a:srgbClr val="FFFFFF"/>
+                  </a:solidFill>
+                </a:uFill>
+                <a:latin typeface="Consolas" charset="0"/>
+              </a:rPr>
+              <a:t> control</a:t>
+            </a:r>
+            <a:br>
+              <a:rPr lang="en-US" sz="1600" b="0" strike="noStrike" spc="-1" dirty="0" smtClean="0">
+                <a:solidFill>
+                  <a:srgbClr val="FF0000"/>
+                </a:solidFill>
+                <a:uFill>
+                  <a:solidFill>
+                    <a:srgbClr val="FFFFFF"/>
+                  </a:solidFill>
+                </a:uFill>
+                <a:latin typeface="Consolas" charset="0"/>
+              </a:rPr>
+            </a:br>
+            <a:r>
+              <a:rPr lang="en-US" sz="1600" b="0" strike="noStrike" spc="-1" dirty="0" smtClean="0">
+                <a:solidFill>
+                  <a:srgbClr val="FF0000"/>
+                </a:solidFill>
+                <a:uFill>
+                  <a:solidFill>
+                    <a:srgbClr val="FFFFFF"/>
+                  </a:solidFill>
+                </a:uFill>
+                <a:latin typeface="Consolas" charset="0"/>
+              </a:rPr>
+              <a:t>  .broadcast()</a:t>
+            </a:r>
+          </a:p>
+          <a:p>
+            <a:r>
+              <a:rPr lang="en-US" sz="1600" spc="-1" dirty="0">
+                <a:solidFill>
+                  <a:srgbClr val="FF0000"/>
+                </a:solidFill>
+                <a:uFill>
+                  <a:solidFill>
+                    <a:srgbClr val="FFFFFF"/>
+                  </a:solidFill>
+                </a:uFill>
+                <a:latin typeface="Consolas" charset="0"/>
+              </a:rPr>
+              <a:t> </a:t>
+            </a:r>
+            <a:r>
+              <a:rPr lang="en-US" sz="1600" spc="-1" dirty="0" smtClean="0">
+                <a:solidFill>
+                  <a:srgbClr val="FF0000"/>
+                </a:solidFill>
+                <a:uFill>
+                  <a:solidFill>
+                    <a:srgbClr val="FFFFFF"/>
+                  </a:solidFill>
+                </a:uFill>
+                <a:latin typeface="Consolas" charset="0"/>
+              </a:rPr>
+              <a:t> </a:t>
+            </a:r>
+            <a:r>
+              <a:rPr lang="en-US" sz="1600" b="0" strike="noStrike" spc="-1" dirty="0" smtClean="0">
+                <a:solidFill>
+                  <a:srgbClr val="FF0000"/>
+                </a:solidFill>
+                <a:uFill>
+                  <a:solidFill>
+                    <a:srgbClr val="FFFFFF"/>
+                  </a:solidFill>
+                </a:uFill>
+                <a:latin typeface="Consolas" charset="0"/>
+              </a:rPr>
+              <a:t>.</a:t>
+            </a:r>
             <a:r>
               <a:rPr lang="en-US" sz="1600" b="0" strike="noStrike" spc="-1" dirty="0">
+                <a:solidFill>
+                  <a:srgbClr val="FF0000"/>
+                </a:solidFill>
                 <a:uFill>
                   <a:solidFill>
                     <a:srgbClr val="FFFFFF"/>
@@ -29119,10 +29326,13 @@
                 </a:uFill>
                 <a:latin typeface="Consolas" charset="0"/>
               </a:rPr>
-              <a:t>    </a:t>
-            </a:r>
-            <a:r>
-              <a:rPr lang="en-US" sz="1600" strike="noStrike" spc="-1" dirty="0">
+              <a:t>connect(data</a:t>
+            </a:r>
+            <a:r>
+              <a:rPr lang="en-US" sz="1600" b="0" strike="noStrike" spc="-1" dirty="0" smtClean="0">
+                <a:solidFill>
+                  <a:srgbClr val="FF0000"/>
+                </a:solidFill>
                 <a:uFill>
                   <a:solidFill>
                     <a:srgbClr val="FFFFFF"/>
@@ -29130,7 +29340,7 @@
                 </a:uFill>
                 <a:latin typeface="Consolas" charset="0"/>
               </a:rPr>
-              <a:t>}</a:t>
+              <a:t>)</a:t>
             </a:r>
             <a:r>
               <a:rPr lang="en-US" sz="1600" b="0" strike="noStrike" spc="-1" dirty="0">
@@ -29139,7 +29349,7 @@
                     <a:srgbClr val="FFFFFF"/>
                   </a:solidFill>
                 </a:uFill>
-                <a:latin typeface="DejaVu Sans Mono" charset="0"/>
+                <a:latin typeface="Consolas" charset="0"/>
               </a:rPr>
               <a:t/>
             </a:r>
@@ -29150,11 +29360,53 @@
                     <a:srgbClr val="FFFFFF"/>
                   </a:solidFill>
                 </a:uFill>
-                <a:latin typeface="DejaVu Sans Mono" charset="0"/>
+                <a:latin typeface="Consolas" charset="0"/>
               </a:rPr>
             </a:br>
             <a:r>
+              <a:rPr lang="en-US" sz="1600" b="0" strike="noStrike" spc="-1" dirty="0" smtClean="0">
+                <a:uFill>
+                  <a:solidFill>
+                    <a:srgbClr val="FFFFFF"/>
+                  </a:solidFill>
+                </a:uFill>
+                <a:latin typeface="Consolas" charset="0"/>
+              </a:rPr>
+              <a:t>  </a:t>
+            </a:r>
+            <a:r>
+              <a:rPr lang="en-US" sz="1600" b="0" strike="noStrike" spc="-1" dirty="0" smtClean="0">
+                <a:solidFill>
+                  <a:srgbClr val="FF0000"/>
+                </a:solidFill>
+                <a:uFill>
+                  <a:solidFill>
+                    <a:srgbClr val="FFFFFF"/>
+                  </a:solidFill>
+                </a:uFill>
+                <a:latin typeface="Consolas" charset="0"/>
+              </a:rPr>
+              <a:t>.</a:t>
+            </a:r>
+            <a:r>
+              <a:rPr lang="en-US" sz="1600" b="0" strike="noStrike" spc="-1" dirty="0">
+                <a:solidFill>
+                  <a:srgbClr val="FF0000"/>
+                </a:solidFill>
+                <a:uFill>
+                  <a:solidFill>
+                    <a:srgbClr val="FFFFFF"/>
+                  </a:solidFill>
+                </a:uFill>
+                <a:latin typeface="Consolas" charset="0"/>
+              </a:rPr>
+              <a:t>flatMap(</a:t>
+            </a:r>
+            <a:r>
               <a:rPr lang="en-US" sz="1600" strike="noStrike" spc="-1" dirty="0">
+                <a:solidFill>
+                  <a:srgbClr val="FF0000"/>
+                </a:solidFill>
                 <a:uFill>
                   <a:solidFill>
                     <a:srgbClr val="FFFFFF"/>
@@ -29162,17 +29414,124 @@
                 </a:uFill>
                 <a:latin typeface="Consolas" charset="0"/>
               </a:rPr>
-              <a:t>}</a:t>
-            </a:r>
+              <a:t>new</a:t>
+            </a:r>
+            <a:r>
+              <a:rPr lang="en-US" sz="1600" b="1" strike="noStrike" spc="-1" dirty="0">
+                <a:solidFill>
+                  <a:srgbClr val="FF0000"/>
+                </a:solidFill>
+                <a:uFill>
+                  <a:solidFill>
+                    <a:srgbClr val="FFFFFF"/>
+                  </a:solidFill>
+                </a:uFill>
+                <a:latin typeface="Consolas" charset="0"/>
+              </a:rPr>
+              <a:t> </a:t>
+            </a:r>
+            <a:r>
+              <a:rPr lang="en-US" sz="1600" b="0" strike="noStrike" spc="-1" dirty="0">
+                <a:solidFill>
+                  <a:srgbClr val="FF0000"/>
+                </a:solidFill>
+                <a:uFill>
+                  <a:solidFill>
+                    <a:srgbClr val="FFFFFF"/>
+                  </a:solidFill>
+                </a:uFill>
+                <a:latin typeface="Consolas" charset="0"/>
+              </a:rPr>
+              <a:t>MyCoFlatMap())</a:t>
+            </a:r>
+            <a:r>
+              <a:rPr lang="en-US" sz="1600" b="0" strike="noStrike" spc="-1" dirty="0">
+                <a:uFill>
+                  <a:solidFill>
+                    <a:srgbClr val="FFFFFF"/>
+                  </a:solidFill>
+                </a:uFill>
+                <a:latin typeface="Consolas" charset="0"/>
+              </a:rPr>
+              <a:t>;</a:t>
+            </a:r>
+            <a:br>
+              <a:rPr lang="en-US" sz="1600" b="0" strike="noStrike" spc="-1" dirty="0">
+                <a:uFill>
+                  <a:solidFill>
+                    <a:srgbClr val="FFFFFF"/>
+                  </a:solidFill>
+                </a:uFill>
+                <a:latin typeface="Consolas" charset="0"/>
+              </a:rPr>
+            </a:br>
+            <a:endParaRPr lang="en-US" sz="1600" b="0" strike="noStrike" spc="-1" dirty="0">
+              <a:uFill>
+                <a:solidFill>
+                  <a:srgbClr val="FFFFFF"/>
+                </a:solidFill>
+              </a:uFill>
+              <a:latin typeface="Consolas" charset="0"/>
+            </a:endParaRPr>
+          </a:p>
+          <a:p>
+            <a:r>
+              <a:rPr lang="en-US" sz="1600" b="0" strike="noStrike" spc="-1" dirty="0">
+                <a:uFill>
+                  <a:solidFill>
+                    <a:srgbClr val="FFFFFF"/>
+                  </a:solidFill>
+                </a:uFill>
+                <a:latin typeface="Consolas" charset="0"/>
+              </a:rPr>
+              <a:t>result.print();</a:t>
+            </a:r>
+            <a:br>
+              <a:rPr lang="en-US" sz="1600" b="0" strike="noStrike" spc="-1" dirty="0">
+                <a:uFill>
+                  <a:solidFill>
+                    <a:srgbClr val="FFFFFF"/>
+                  </a:solidFill>
+                </a:uFill>
+                <a:latin typeface="Consolas" charset="0"/>
+              </a:rPr>
+            </a:br>
+            <a:r>
+              <a:rPr lang="en-US" sz="1600" b="0" strike="noStrike" spc="-1" dirty="0" err="1" smtClean="0">
+                <a:uFill>
+                  <a:solidFill>
+                    <a:srgbClr val="FFFFFF"/>
+                  </a:solidFill>
+                </a:uFill>
+                <a:latin typeface="Consolas" charset="0"/>
+              </a:rPr>
+              <a:t>env.execute</a:t>
+            </a:r>
+            <a:r>
+              <a:rPr lang="en-US" sz="1600" b="0" strike="noStrike" spc="-1" dirty="0">
+                <a:uFill>
+                  <a:solidFill>
+                    <a:srgbClr val="FFFFFF"/>
+                  </a:solidFill>
+                </a:uFill>
+                <a:latin typeface="Consolas" charset="0"/>
+              </a:rPr>
+              <a:t>();</a:t>
+            </a:r>
+          </a:p>
+          <a:p>
+            <a:endParaRPr lang="en-US" sz="1600" b="0" strike="noStrike" spc="-1" dirty="0">
+              <a:uFill>
+                <a:solidFill>
+                  <a:srgbClr val="FFFFFF"/>
+                </a:solidFill>
+              </a:uFill>
+              <a:latin typeface="Consolas" charset="0"/>
+            </a:endParaRPr>
           </a:p>
         </p:txBody>
       </p:sp>
     </p:spTree>
-    <p:extLst>
-      <p:ext uri="{BB962C8B-B14F-4D97-AF65-F5344CB8AC3E}">
-        <p14:creationId xmlns:p14="http://schemas.microsoft.com/office/powerpoint/2010/main" val="3654657356"/>
-      </p:ext>
-    </p:extLst>
   </p:cSld>
   <p:clrMapOvr>
     <a:masterClrMapping/>

--- a/slides/flink_stream_basics.pptx
+++ b/slides/flink_stream_basics.pptx
@@ -1,6 +1,6 @@
 
 <file path=ppt/presentation.xml><?xml version="1.0" encoding="utf-8"?>
-<p:presentation xmlns:a="http://schemas.openxmlformats.org/drawingml/2006/main" xmlns:r="http://schemas.openxmlformats.org/officeDocument/2006/relationships" xmlns:p="http://schemas.openxmlformats.org/presentationml/2006/main" strictFirstAndLastChars="0" embedTrueTypeFonts="1" saveSubsetFonts="1" autoCompressPictures="0">
+<p:presentation xmlns:a="http://schemas.openxmlformats.org/drawingml/2006/main" xmlns:r="http://schemas.openxmlformats.org/officeDocument/2006/relationships" xmlns:p="http://schemas.openxmlformats.org/presentationml/2006/main" strictFirstAndLastChars="0" saveSubsetFonts="1" autoCompressPictures="0">
   <p:sldMasterIdLst>
     <p:sldMasterId id="2147483661" r:id="rId1"/>
   </p:sldMasterIdLst>
@@ -35,17 +35,17 @@
     <p:sldId id="280" r:id="rId26"/>
     <p:sldId id="281" r:id="rId27"/>
     <p:sldId id="282" r:id="rId28"/>
-    <p:sldId id="283" r:id="rId29"/>
-    <p:sldId id="284" r:id="rId30"/>
-    <p:sldId id="285" r:id="rId31"/>
-    <p:sldId id="286" r:id="rId32"/>
-    <p:sldId id="287" r:id="rId33"/>
-    <p:sldId id="288" r:id="rId34"/>
-    <p:sldId id="289" r:id="rId35"/>
-    <p:sldId id="290" r:id="rId36"/>
-    <p:sldId id="291" r:id="rId37"/>
-    <p:sldId id="292" r:id="rId38"/>
-    <p:sldId id="293" r:id="rId39"/>
+    <p:sldId id="284" r:id="rId29"/>
+    <p:sldId id="285" r:id="rId30"/>
+    <p:sldId id="286" r:id="rId31"/>
+    <p:sldId id="287" r:id="rId32"/>
+    <p:sldId id="288" r:id="rId33"/>
+    <p:sldId id="289" r:id="rId34"/>
+    <p:sldId id="290" r:id="rId35"/>
+    <p:sldId id="291" r:id="rId36"/>
+    <p:sldId id="292" r:id="rId37"/>
+    <p:sldId id="293" r:id="rId38"/>
+    <p:sldId id="301" r:id="rId39"/>
     <p:sldId id="294" r:id="rId40"/>
     <p:sldId id="295" r:id="rId41"/>
     <p:sldId id="296" r:id="rId42"/>
@@ -258,6 +258,22 @@
       </a:defRPr>
     </a:lvl9pPr>
   </p:defaultTextStyle>
+  <p:extLst>
+    <p:ext uri="{EFAFB233-063F-42B5-8137-9DF3F51BA10A}">
+      <p15:sldGuideLst xmlns:p15="http://schemas.microsoft.com/office/powerpoint/2012/main">
+        <p15:guide id="1" orient="horz" pos="2160">
+          <p15:clr>
+            <a:srgbClr val="A4A3A4"/>
+          </p15:clr>
+        </p15:guide>
+        <p15:guide id="2" pos="2880">
+          <p15:clr>
+            <a:srgbClr val="A4A3A4"/>
+          </p15:clr>
+        </p15:guide>
+      </p15:sldGuideLst>
+    </p:ext>
+  </p:extLst>
 </p:presentation>
 </file>
 
@@ -2337,8 +2353,8 @@
         </p:nvSpPr>
         <p:spPr>
           <a:xfrm>
-            <a:off x="1003785" y="685631"/>
-            <a:ext cx="4850429" cy="3429513"/>
+            <a:off x="1143000" y="685800"/>
+            <a:ext cx="4572000" cy="3429000"/>
           </a:xfrm>
           <a:custGeom>
             <a:avLst/>
@@ -2559,8 +2575,8 @@
         </p:nvSpPr>
         <p:spPr>
           <a:xfrm>
-            <a:off x="1003785" y="685631"/>
-            <a:ext cx="4850429" cy="3429513"/>
+            <a:off x="1143000" y="685800"/>
+            <a:ext cx="4572000" cy="3429000"/>
           </a:xfrm>
           <a:custGeom>
             <a:avLst/>
@@ -2664,8 +2680,8 @@
         </p:nvSpPr>
         <p:spPr>
           <a:xfrm>
-            <a:off x="1003785" y="685631"/>
-            <a:ext cx="4850429" cy="3429513"/>
+            <a:off x="1143000" y="685800"/>
+            <a:ext cx="4572000" cy="3429000"/>
           </a:xfrm>
           <a:custGeom>
             <a:avLst/>
@@ -2706,7 +2722,7 @@
   <p:cSld>
     <p:spTree>
       <p:nvGrpSpPr>
-        <p:cNvPr id="1" name="Shape 299"/>
+        <p:cNvPr id="1" name="Shape 306"/>
         <p:cNvGrpSpPr/>
         <p:nvPr/>
       </p:nvGrpSpPr>
@@ -2720,7 +2736,7 @@
       </p:grpSpPr>
       <p:sp>
         <p:nvSpPr>
-          <p:cNvPr id="300" name="Shape 300"/>
+          <p:cNvPr id="307" name="Shape 307"/>
           <p:cNvSpPr txBox="1">
             <a:spLocks noGrp="1"/>
           </p:cNvSpPr>
@@ -2759,7 +2775,7 @@
       </p:sp>
       <p:sp>
         <p:nvSpPr>
-          <p:cNvPr id="301" name="Shape 301"/>
+          <p:cNvPr id="308" name="Shape 308"/>
           <p:cNvSpPr>
             <a:spLocks noGrp="1" noRot="1" noChangeAspect="1"/>
           </p:cNvSpPr>
@@ -2811,7 +2827,7 @@
   <p:cSld>
     <p:spTree>
       <p:nvGrpSpPr>
-        <p:cNvPr id="1" name="Shape 306"/>
+        <p:cNvPr id="1" name="Shape 312"/>
         <p:cNvGrpSpPr/>
         <p:nvPr/>
       </p:nvGrpSpPr>
@@ -2825,7 +2841,7 @@
       </p:grpSpPr>
       <p:sp>
         <p:nvSpPr>
-          <p:cNvPr id="307" name="Shape 307"/>
+          <p:cNvPr id="313" name="Shape 313"/>
           <p:cNvSpPr txBox="1">
             <a:spLocks noGrp="1"/>
           </p:cNvSpPr>
@@ -2864,7 +2880,7 @@
       </p:sp>
       <p:sp>
         <p:nvSpPr>
-          <p:cNvPr id="308" name="Shape 308"/>
+          <p:cNvPr id="314" name="Shape 314"/>
           <p:cNvSpPr>
             <a:spLocks noGrp="1" noRot="1" noChangeAspect="1"/>
           </p:cNvSpPr>
@@ -2874,8 +2890,8 @@
         </p:nvSpPr>
         <p:spPr>
           <a:xfrm>
-            <a:off x="1003785" y="685631"/>
-            <a:ext cx="4850429" cy="3429513"/>
+            <a:off x="1143000" y="685800"/>
+            <a:ext cx="4572000" cy="3429000"/>
           </a:xfrm>
           <a:custGeom>
             <a:avLst/>
@@ -3021,7 +3037,7 @@
   <p:cSld>
     <p:spTree>
       <p:nvGrpSpPr>
-        <p:cNvPr id="1" name="Shape 312"/>
+        <p:cNvPr id="1" name="Shape 319"/>
         <p:cNvGrpSpPr/>
         <p:nvPr/>
       </p:nvGrpSpPr>
@@ -3035,7 +3051,7 @@
       </p:grpSpPr>
       <p:sp>
         <p:nvSpPr>
-          <p:cNvPr id="313" name="Shape 313"/>
+          <p:cNvPr id="320" name="Shape 320"/>
           <p:cNvSpPr txBox="1">
             <a:spLocks noGrp="1"/>
           </p:cNvSpPr>
@@ -3074,7 +3090,7 @@
       </p:sp>
       <p:sp>
         <p:nvSpPr>
-          <p:cNvPr id="314" name="Shape 314"/>
+          <p:cNvPr id="321" name="Shape 321"/>
           <p:cNvSpPr>
             <a:spLocks noGrp="1" noRot="1" noChangeAspect="1"/>
           </p:cNvSpPr>
@@ -3126,111 +3142,6 @@
   <p:cSld>
     <p:spTree>
       <p:nvGrpSpPr>
-        <p:cNvPr id="1" name="Shape 319"/>
-        <p:cNvGrpSpPr/>
-        <p:nvPr/>
-      </p:nvGrpSpPr>
-      <p:grpSpPr>
-        <a:xfrm>
-          <a:off x="0" y="0"/>
-          <a:ext cx="0" cy="0"/>
-          <a:chOff x="0" y="0"/>
-          <a:chExt cx="0" cy="0"/>
-        </a:xfrm>
-      </p:grpSpPr>
-      <p:sp>
-        <p:nvSpPr>
-          <p:cNvPr id="320" name="Shape 320"/>
-          <p:cNvSpPr txBox="1">
-            <a:spLocks noGrp="1"/>
-          </p:cNvSpPr>
-          <p:nvPr>
-            <p:ph type="body" idx="1"/>
-          </p:nvPr>
-        </p:nvSpPr>
-        <p:spPr>
-          <a:xfrm>
-            <a:off x="685511" y="4343235"/>
-            <a:ext cx="5486975" cy="4115143"/>
-          </a:xfrm>
-          <a:prstGeom prst="rect">
-            <a:avLst/>
-          </a:prstGeom>
-          <a:noFill/>
-          <a:ln>
-            <a:noFill/>
-          </a:ln>
-        </p:spPr>
-        <p:txBody>
-          <a:bodyPr lIns="81350" tIns="81350" rIns="81350" bIns="81350" anchor="ctr" anchorCtr="0">
-            <a:noAutofit/>
-          </a:bodyPr>
-          <a:lstStyle/>
-          <a:p>
-            <a:pPr lvl="0">
-              <a:spcBef>
-                <a:spcPts val="0"/>
-              </a:spcBef>
-              <a:buNone/>
-            </a:pPr>
-            <a:endParaRPr/>
-          </a:p>
-        </p:txBody>
-      </p:sp>
-      <p:sp>
-        <p:nvSpPr>
-          <p:cNvPr id="321" name="Shape 321"/>
-          <p:cNvSpPr>
-            <a:spLocks noGrp="1" noRot="1" noChangeAspect="1"/>
-          </p:cNvSpPr>
-          <p:nvPr>
-            <p:ph type="sldImg" idx="2"/>
-          </p:nvPr>
-        </p:nvSpPr>
-        <p:spPr>
-          <a:xfrm>
-            <a:off x="1003785" y="685631"/>
-            <a:ext cx="4850429" cy="3429513"/>
-          </a:xfrm>
-          <a:custGeom>
-            <a:avLst/>
-            <a:gdLst/>
-            <a:ahLst/>
-            <a:cxnLst/>
-            <a:rect l="0" t="0" r="0" b="0"/>
-            <a:pathLst>
-              <a:path w="120000" h="120000" extrusionOk="0">
-                <a:moveTo>
-                  <a:pt x="0" y="0"/>
-                </a:moveTo>
-                <a:lnTo>
-                  <a:pt x="120000" y="0"/>
-                </a:lnTo>
-                <a:lnTo>
-                  <a:pt x="120000" y="120000"/>
-                </a:lnTo>
-                <a:lnTo>
-                  <a:pt x="0" y="120000"/>
-                </a:lnTo>
-                <a:close/>
-              </a:path>
-            </a:pathLst>
-          </a:custGeom>
-        </p:spPr>
-      </p:sp>
-    </p:spTree>
-  </p:cSld>
-  <p:clrMapOvr>
-    <a:masterClrMapping/>
-  </p:clrMapOvr>
-</p:notes>
-</file>
-
-<file path=ppt/notesSlides/notesSlide32.xml><?xml version="1.0" encoding="utf-8"?>
-<p:notes xmlns:a="http://schemas.openxmlformats.org/drawingml/2006/main" xmlns:r="http://schemas.openxmlformats.org/officeDocument/2006/relationships" xmlns:p="http://schemas.openxmlformats.org/presentationml/2006/main" showMasterSp="0" showMasterPhAnim="0">
-  <p:cSld>
-    <p:spTree>
-      <p:nvGrpSpPr>
         <p:cNvPr id="1" name="Shape 326"/>
         <p:cNvGrpSpPr/>
         <p:nvPr/>
@@ -3294,8 +3205,8 @@
         </p:nvSpPr>
         <p:spPr>
           <a:xfrm>
-            <a:off x="1003785" y="685631"/>
-            <a:ext cx="4850429" cy="3429513"/>
+            <a:off x="1143000" y="685800"/>
+            <a:ext cx="4572000" cy="3429000"/>
           </a:xfrm>
           <a:custGeom>
             <a:avLst/>
@@ -3331,7 +3242,7 @@
 </p:notes>
 </file>
 
-<file path=ppt/notesSlides/notesSlide33.xml><?xml version="1.0" encoding="utf-8"?>
+<file path=ppt/notesSlides/notesSlide32.xml><?xml version="1.0" encoding="utf-8"?>
 <p:notes xmlns:a="http://schemas.openxmlformats.org/drawingml/2006/main" xmlns:r="http://schemas.openxmlformats.org/officeDocument/2006/relationships" xmlns:p="http://schemas.openxmlformats.org/presentationml/2006/main" showMasterSp="0" showMasterPhAnim="0">
   <p:cSld>
     <p:spTree>
@@ -3399,8 +3310,8 @@
         </p:nvSpPr>
         <p:spPr>
           <a:xfrm>
-            <a:off x="1003785" y="685631"/>
-            <a:ext cx="4850429" cy="3429513"/>
+            <a:off x="1143000" y="685800"/>
+            <a:ext cx="4572000" cy="3429000"/>
           </a:xfrm>
           <a:custGeom>
             <a:avLst/>
@@ -3436,7 +3347,7 @@
 </p:notes>
 </file>
 
-<file path=ppt/notesSlides/notesSlide34.xml><?xml version="1.0" encoding="utf-8"?>
+<file path=ppt/notesSlides/notesSlide33.xml><?xml version="1.0" encoding="utf-8"?>
 <p:notes xmlns:a="http://schemas.openxmlformats.org/drawingml/2006/main" xmlns:r="http://schemas.openxmlformats.org/officeDocument/2006/relationships" xmlns:p="http://schemas.openxmlformats.org/presentationml/2006/main" showMasterSp="0" showMasterPhAnim="0">
   <p:cSld>
     <p:spTree>
@@ -3504,8 +3415,8 @@
         </p:nvSpPr>
         <p:spPr>
           <a:xfrm>
-            <a:off x="1003785" y="685631"/>
-            <a:ext cx="4850429" cy="3429513"/>
+            <a:off x="1143000" y="685800"/>
+            <a:ext cx="4572000" cy="3429000"/>
           </a:xfrm>
           <a:custGeom>
             <a:avLst/>
@@ -3541,7 +3452,7 @@
 </p:notes>
 </file>
 
-<file path=ppt/notesSlides/notesSlide35.xml><?xml version="1.0" encoding="utf-8"?>
+<file path=ppt/notesSlides/notesSlide34.xml><?xml version="1.0" encoding="utf-8"?>
 <p:notes xmlns:a="http://schemas.openxmlformats.org/drawingml/2006/main" xmlns:r="http://schemas.openxmlformats.org/officeDocument/2006/relationships" xmlns:p="http://schemas.openxmlformats.org/presentationml/2006/main" showMasterSp="0" showMasterPhAnim="0">
   <p:cSld>
     <p:spTree>
@@ -3609,8 +3520,8 @@
         </p:nvSpPr>
         <p:spPr>
           <a:xfrm>
-            <a:off x="1003785" y="685631"/>
-            <a:ext cx="4850429" cy="3429513"/>
+            <a:off x="1143000" y="685800"/>
+            <a:ext cx="4572000" cy="3429000"/>
           </a:xfrm>
           <a:custGeom>
             <a:avLst/>
@@ -3646,7 +3557,7 @@
 </p:notes>
 </file>
 
-<file path=ppt/notesSlides/notesSlide36.xml><?xml version="1.0" encoding="utf-8"?>
+<file path=ppt/notesSlides/notesSlide35.xml><?xml version="1.0" encoding="utf-8"?>
 <p:notes xmlns:a="http://schemas.openxmlformats.org/drawingml/2006/main" xmlns:r="http://schemas.openxmlformats.org/officeDocument/2006/relationships" xmlns:p="http://schemas.openxmlformats.org/presentationml/2006/main" showMasterSp="0" showMasterPhAnim="0">
   <p:cSld>
     <p:spTree>
@@ -3675,8 +3586,8 @@
         </p:nvSpPr>
         <p:spPr>
           <a:xfrm>
-            <a:off x="1003785" y="685631"/>
-            <a:ext cx="4850429" cy="3429513"/>
+            <a:off x="1143000" y="685800"/>
+            <a:ext cx="4572000" cy="3429000"/>
           </a:xfrm>
           <a:custGeom>
             <a:avLst/>
@@ -3807,7 +3718,7 @@
                 <a:cs typeface="Calibri"/>
                 <a:sym typeface="Calibri"/>
               </a:rPr>
-              <a:t>36</a:t>
+              <a:t>35</a:t>
             </a:fld>
             <a:endParaRPr lang="en" sz="1100">
               <a:solidFill>
@@ -3829,7 +3740,7 @@
 </p:notes>
 </file>
 
-<file path=ppt/notesSlides/notesSlide37.xml><?xml version="1.0" encoding="utf-8"?>
+<file path=ppt/notesSlides/notesSlide36.xml><?xml version="1.0" encoding="utf-8"?>
 <p:notes xmlns:a="http://schemas.openxmlformats.org/drawingml/2006/main" xmlns:r="http://schemas.openxmlformats.org/officeDocument/2006/relationships" xmlns:p="http://schemas.openxmlformats.org/presentationml/2006/main" showMasterSp="0" showMasterPhAnim="0">
   <p:cSld>
     <p:spTree>
@@ -3858,8 +3769,8 @@
         </p:nvSpPr>
         <p:spPr>
           <a:xfrm>
-            <a:off x="1003785" y="685631"/>
-            <a:ext cx="4850429" cy="3429513"/>
+            <a:off x="1143000" y="685800"/>
+            <a:ext cx="4572000" cy="3429000"/>
           </a:xfrm>
           <a:custGeom>
             <a:avLst/>
@@ -3990,7 +3901,7 @@
                 <a:cs typeface="Calibri"/>
                 <a:sym typeface="Calibri"/>
               </a:rPr>
-              <a:t>37</a:t>
+              <a:t>36</a:t>
             </a:fld>
             <a:endParaRPr lang="en" sz="1100">
               <a:solidFill>
@@ -4012,7 +3923,7 @@
 </p:notes>
 </file>
 
-<file path=ppt/notesSlides/notesSlide38.xml><?xml version="1.0" encoding="utf-8"?>
+<file path=ppt/notesSlides/notesSlide37.xml><?xml version="1.0" encoding="utf-8"?>
 <p:notes xmlns:a="http://schemas.openxmlformats.org/drawingml/2006/main" xmlns:r="http://schemas.openxmlformats.org/officeDocument/2006/relationships" xmlns:p="http://schemas.openxmlformats.org/presentationml/2006/main" showMasterSp="0" showMasterPhAnim="0">
   <p:cSld>
     <p:spTree>
@@ -4041,8 +3952,8 @@
         </p:nvSpPr>
         <p:spPr>
           <a:xfrm>
-            <a:off x="1003785" y="685631"/>
-            <a:ext cx="4850429" cy="3429513"/>
+            <a:off x="1143000" y="685800"/>
+            <a:ext cx="4572000" cy="3429000"/>
           </a:xfrm>
           <a:custGeom>
             <a:avLst/>
@@ -4173,7 +4084,7 @@
                 <a:cs typeface="Calibri"/>
                 <a:sym typeface="Calibri"/>
               </a:rPr>
-              <a:t>38</a:t>
+              <a:t>37</a:t>
             </a:fld>
             <a:endParaRPr lang="en" sz="1100">
               <a:solidFill>
@@ -4188,6 +4099,80 @@
         </p:txBody>
       </p:sp>
     </p:spTree>
+  </p:cSld>
+  <p:clrMapOvr>
+    <a:masterClrMapping/>
+  </p:clrMapOvr>
+</p:notes>
+</file>
+
+<file path=ppt/notesSlides/notesSlide38.xml><?xml version="1.0" encoding="utf-8"?>
+<p:notes xmlns:a="http://schemas.openxmlformats.org/drawingml/2006/main" xmlns:r="http://schemas.openxmlformats.org/officeDocument/2006/relationships" xmlns:p="http://schemas.openxmlformats.org/presentationml/2006/main">
+  <p:cSld>
+    <p:spTree>
+      <p:nvGrpSpPr>
+        <p:cNvPr id="1" name=""/>
+        <p:cNvGrpSpPr/>
+        <p:nvPr/>
+      </p:nvGrpSpPr>
+      <p:grpSpPr>
+        <a:xfrm>
+          <a:off x="0" y="0"/>
+          <a:ext cx="0" cy="0"/>
+          <a:chOff x="0" y="0"/>
+          <a:chExt cx="0" cy="0"/>
+        </a:xfrm>
+      </p:grpSpPr>
+      <p:sp>
+        <p:nvSpPr>
+          <p:cNvPr id="2" name="Slide Image Placeholder 1"/>
+          <p:cNvSpPr>
+            <a:spLocks noGrp="1" noRot="1" noChangeAspect="1"/>
+          </p:cNvSpPr>
+          <p:nvPr>
+            <p:ph type="sldImg"/>
+          </p:nvPr>
+        </p:nvSpPr>
+        <p:spPr>
+          <a:xfrm>
+            <a:off x="1143000" y="685800"/>
+            <a:ext cx="4572000" cy="3429000"/>
+          </a:xfrm>
+        </p:spPr>
+      </p:sp>
+      <p:sp>
+        <p:nvSpPr>
+          <p:cNvPr id="3" name="Notes Placeholder 2"/>
+          <p:cNvSpPr>
+            <a:spLocks noGrp="1"/>
+          </p:cNvSpPr>
+          <p:nvPr>
+            <p:ph type="body" idx="1"/>
+          </p:nvPr>
+        </p:nvSpPr>
+        <p:spPr/>
+        <p:txBody>
+          <a:bodyPr/>
+          <a:lstStyle/>
+          <a:p>
+            <a:r>
+              <a:rPr lang="en-US" dirty="0" smtClean="0"/>
+              <a:t>Managed</a:t>
+            </a:r>
+            <a:r>
+              <a:rPr lang="en-US" baseline="0" dirty="0" smtClean="0"/>
+              <a:t> broadcast state is coming, along with side inputs. But it’s not here yet.</a:t>
+            </a:r>
+            <a:endParaRPr lang="en-US" dirty="0"/>
+          </a:p>
+        </p:txBody>
+      </p:sp>
+    </p:spTree>
+    <p:extLst>
+      <p:ext uri="{BB962C8B-B14F-4D97-AF65-F5344CB8AC3E}">
+        <p14:creationId xmlns:p14="http://schemas.microsoft.com/office/powerpoint/2010/main" val="445350935"/>
+      </p:ext>
+    </p:extLst>
   </p:cSld>
   <p:clrMapOvr>
     <a:masterClrMapping/>
@@ -4263,8 +4248,8 @@
         </p:nvSpPr>
         <p:spPr>
           <a:xfrm>
-            <a:off x="1003785" y="685631"/>
-            <a:ext cx="4850429" cy="3429513"/>
+            <a:off x="1143000" y="685800"/>
+            <a:ext cx="4572000" cy="3429000"/>
           </a:xfrm>
           <a:custGeom>
             <a:avLst/>
@@ -4473,8 +4458,8 @@
         </p:nvSpPr>
         <p:spPr>
           <a:xfrm>
-            <a:off x="1003785" y="685631"/>
-            <a:ext cx="4850429" cy="3429513"/>
+            <a:off x="1143000" y="685800"/>
+            <a:ext cx="4572000" cy="3429000"/>
           </a:xfrm>
           <a:custGeom>
             <a:avLst/>
@@ -4578,8 +4563,8 @@
         </p:nvSpPr>
         <p:spPr>
           <a:xfrm>
-            <a:off x="1003785" y="685631"/>
-            <a:ext cx="4850429" cy="3429513"/>
+            <a:off x="1143000" y="685800"/>
+            <a:ext cx="4572000" cy="3429000"/>
           </a:xfrm>
           <a:custGeom>
             <a:avLst/>
@@ -4683,8 +4668,8 @@
         </p:nvSpPr>
         <p:spPr>
           <a:xfrm>
-            <a:off x="1003785" y="685631"/>
-            <a:ext cx="4850429" cy="3429513"/>
+            <a:off x="1143000" y="685800"/>
+            <a:ext cx="4572000" cy="3429000"/>
           </a:xfrm>
           <a:custGeom>
             <a:avLst/>
@@ -4893,8 +4878,8 @@
         </p:nvSpPr>
         <p:spPr>
           <a:xfrm>
-            <a:off x="1003785" y="685631"/>
-            <a:ext cx="4850429" cy="3429513"/>
+            <a:off x="1143000" y="685800"/>
+            <a:ext cx="4572000" cy="3429000"/>
           </a:xfrm>
           <a:custGeom>
             <a:avLst/>
@@ -4998,8 +4983,8 @@
         </p:nvSpPr>
         <p:spPr>
           <a:xfrm>
-            <a:off x="1003785" y="685631"/>
-            <a:ext cx="4850429" cy="3429513"/>
+            <a:off x="1143000" y="685800"/>
+            <a:ext cx="4572000" cy="3429000"/>
           </a:xfrm>
           <a:custGeom>
             <a:avLst/>
@@ -15746,19 +15731,7 @@
                 <a:cs typeface="Calibri"/>
                 <a:sym typeface="Calibri"/>
               </a:rPr>
-              <a:t>27</a:t>
-            </a:r>
-            <a:r>
-              <a:rPr lang="en-US" sz="2000" dirty="0" smtClean="0">
-                <a:solidFill>
-                  <a:schemeClr val="lt1"/>
-                </a:solidFill>
-                <a:latin typeface="Calibri"/>
-                <a:ea typeface="Calibri"/>
-                <a:cs typeface="Calibri"/>
-                <a:sym typeface="Calibri"/>
-              </a:rPr>
-              <a:t>.02.</a:t>
+              <a:t>27.02.</a:t>
             </a:r>
             <a:r>
               <a:rPr lang="en" sz="2000" dirty="0" smtClean="0">
@@ -30020,16 +29993,28 @@
               <a:buNone/>
             </a:pPr>
             <a:r>
-              <a:rPr lang="en" sz="4400" b="0" strike="noStrike">
-                <a:solidFill>
-                  <a:srgbClr val="000000"/>
-                </a:solidFill>
-                <a:latin typeface="Calibri"/>
-                <a:ea typeface="Calibri"/>
-                <a:cs typeface="Calibri"/>
-                <a:sym typeface="Calibri"/>
-              </a:rPr>
-              <a:t>Reduce &amp; Fold (conceptually)</a:t>
+              <a:rPr lang="en" sz="4400" b="0" strike="noStrike" dirty="0" smtClean="0">
+                <a:solidFill>
+                  <a:srgbClr val="000000"/>
+                </a:solidFill>
+                <a:latin typeface="Calibri"/>
+                <a:ea typeface="Calibri"/>
+                <a:cs typeface="Calibri"/>
+                <a:sym typeface="Calibri"/>
+              </a:rPr>
+              <a:t>Reduce </a:t>
+            </a:r>
+            <a:r>
+              <a:rPr lang="en" sz="4400" b="0" strike="noStrike" dirty="0">
+                <a:solidFill>
+                  <a:srgbClr val="000000"/>
+                </a:solidFill>
+                <a:latin typeface="Calibri"/>
+                <a:ea typeface="Calibri"/>
+                <a:cs typeface="Calibri"/>
+                <a:sym typeface="Calibri"/>
+              </a:rPr>
+              <a:t>(conceptually)</a:t>
             </a:r>
           </a:p>
         </p:txBody>
@@ -30042,8 +30027,8 @@
         </p:nvSpPr>
         <p:spPr>
           <a:xfrm>
-            <a:off x="278526" y="1474200"/>
-            <a:ext cx="8634298" cy="4984920"/>
+            <a:off x="457200" y="1474200"/>
+            <a:ext cx="8455624" cy="4984920"/>
           </a:xfrm>
           <a:prstGeom prst="rect">
             <a:avLst/>
@@ -30070,7 +30055,7 @@
               <a:buNone/>
             </a:pPr>
             <a:r>
-              <a:rPr lang="en" sz="1800">
+              <a:rPr lang="en" sz="1800" dirty="0">
                 <a:solidFill>
                   <a:srgbClr val="000000"/>
                 </a:solidFill>
@@ -30082,7 +30067,7 @@
               <a:t>public Integer </a:t>
             </a:r>
             <a:r>
-              <a:rPr lang="en" sz="1800">
+              <a:rPr lang="en" sz="1800" dirty="0">
                 <a:solidFill>
                   <a:srgbClr val="FF0000"/>
                 </a:solidFill>
@@ -30094,7 +30079,7 @@
               <a:t>reduce</a:t>
             </a:r>
             <a:r>
-              <a:rPr lang="en" sz="1800">
+              <a:rPr lang="en" sz="1800" dirty="0">
                 <a:solidFill>
                   <a:srgbClr val="000000"/>
                 </a:solidFill>
@@ -30118,7 +30103,7 @@
               <a:buNone/>
             </a:pPr>
             <a:r>
-              <a:rPr lang="en" sz="1800">
+              <a:rPr lang="en" sz="1800" dirty="0">
                 <a:solidFill>
                   <a:srgbClr val="000000"/>
                 </a:solidFill>
@@ -30142,7 +30127,7 @@
               <a:buNone/>
             </a:pPr>
             <a:r>
-              <a:rPr lang="en" sz="1800">
+              <a:rPr lang="en" sz="1800" dirty="0">
                 <a:solidFill>
                   <a:srgbClr val="000000"/>
                 </a:solidFill>
@@ -30164,7 +30149,7 @@
               </a:spcBef>
               <a:buNone/>
             </a:pPr>
-            <a:endParaRPr sz="1600" b="0" strike="noStrike">
+            <a:endParaRPr sz="1600" b="0" strike="noStrike" dirty="0">
               <a:solidFill>
                 <a:srgbClr val="000000"/>
               </a:solidFill>
@@ -30184,283 +30169,7 @@
               </a:spcBef>
               <a:buNone/>
             </a:pPr>
-            <a:endParaRPr sz="2000">
-              <a:solidFill>
-                <a:srgbClr val="000000"/>
-              </a:solidFill>
-              <a:latin typeface="Calibri"/>
-              <a:ea typeface="Calibri"/>
-              <a:cs typeface="Calibri"/>
-              <a:sym typeface="Calibri"/>
-            </a:endParaRPr>
-          </a:p>
-          <a:p>
-            <a:pPr marL="0" marR="0" lvl="0" indent="0" algn="l" rtl="0">
-              <a:lnSpc>
-                <a:spcPct val="100000"/>
-              </a:lnSpc>
-              <a:spcBef>
-                <a:spcPts val="0"/>
-              </a:spcBef>
-              <a:buNone/>
-            </a:pPr>
-            <a:endParaRPr sz="2000" b="0" strike="noStrike">
-              <a:solidFill>
-                <a:srgbClr val="000000"/>
-              </a:solidFill>
-              <a:latin typeface="Calibri"/>
-              <a:ea typeface="Calibri"/>
-              <a:cs typeface="Calibri"/>
-              <a:sym typeface="Calibri"/>
-            </a:endParaRPr>
-          </a:p>
-          <a:p>
-            <a:pPr marL="0" marR="0" lvl="0" indent="0" algn="l" rtl="0">
-              <a:lnSpc>
-                <a:spcPct val="100000"/>
-              </a:lnSpc>
-              <a:spcBef>
-                <a:spcPts val="0"/>
-              </a:spcBef>
-              <a:buNone/>
-            </a:pPr>
-            <a:endParaRPr sz="1800">
-              <a:solidFill>
-                <a:srgbClr val="000000"/>
-              </a:solidFill>
-              <a:latin typeface="Consolas"/>
-              <a:ea typeface="Consolas"/>
-              <a:cs typeface="Consolas"/>
-              <a:sym typeface="Consolas"/>
-            </a:endParaRPr>
-          </a:p>
-          <a:p>
-            <a:pPr marL="0" marR="0" lvl="0" indent="0" algn="l" rtl="0">
-              <a:lnSpc>
-                <a:spcPct val="100000"/>
-              </a:lnSpc>
-              <a:spcBef>
-                <a:spcPts val="0"/>
-              </a:spcBef>
-              <a:buNone/>
-            </a:pPr>
-            <a:endParaRPr sz="1800">
-              <a:solidFill>
-                <a:srgbClr val="000000"/>
-              </a:solidFill>
-              <a:latin typeface="Consolas"/>
-              <a:ea typeface="Consolas"/>
-              <a:cs typeface="Consolas"/>
-              <a:sym typeface="Consolas"/>
-            </a:endParaRPr>
-          </a:p>
-          <a:p>
-            <a:pPr marL="0" marR="0" lvl="0" indent="0" algn="l" rtl="0">
-              <a:lnSpc>
-                <a:spcPct val="100000"/>
-              </a:lnSpc>
-              <a:spcBef>
-                <a:spcPts val="0"/>
-              </a:spcBef>
-              <a:buNone/>
-            </a:pPr>
-            <a:endParaRPr sz="1800">
-              <a:solidFill>
-                <a:srgbClr val="000000"/>
-              </a:solidFill>
-              <a:latin typeface="Consolas"/>
-              <a:ea typeface="Consolas"/>
-              <a:cs typeface="Consolas"/>
-              <a:sym typeface="Consolas"/>
-            </a:endParaRPr>
-          </a:p>
-          <a:p>
-            <a:pPr marL="0" marR="0" lvl="0" indent="0" algn="l" rtl="0">
-              <a:lnSpc>
-                <a:spcPct val="100000"/>
-              </a:lnSpc>
-              <a:spcBef>
-                <a:spcPts val="0"/>
-              </a:spcBef>
-              <a:buNone/>
-            </a:pPr>
-            <a:endParaRPr sz="1800">
-              <a:solidFill>
-                <a:srgbClr val="000000"/>
-              </a:solidFill>
-              <a:latin typeface="Consolas"/>
-              <a:ea typeface="Consolas"/>
-              <a:cs typeface="Consolas"/>
-              <a:sym typeface="Consolas"/>
-            </a:endParaRPr>
-          </a:p>
-          <a:p>
-            <a:pPr marL="0" marR="0" lvl="0" indent="0" algn="l" rtl="0">
-              <a:lnSpc>
-                <a:spcPct val="100000"/>
-              </a:lnSpc>
-              <a:spcBef>
-                <a:spcPts val="0"/>
-              </a:spcBef>
-              <a:buSzPct val="25000"/>
-              <a:buNone/>
-            </a:pPr>
-            <a:r>
-              <a:rPr lang="en" sz="1800">
-                <a:solidFill>
-                  <a:srgbClr val="000000"/>
-                </a:solidFill>
-                <a:latin typeface="Consolas"/>
-                <a:ea typeface="Consolas"/>
-                <a:cs typeface="Consolas"/>
-                <a:sym typeface="Consolas"/>
-              </a:rPr>
-              <a:t>public String </a:t>
-            </a:r>
-            <a:r>
-              <a:rPr lang="en" sz="1800">
-                <a:solidFill>
-                  <a:srgbClr val="FF0000"/>
-                </a:solidFill>
-                <a:latin typeface="Consolas"/>
-                <a:ea typeface="Consolas"/>
-                <a:cs typeface="Consolas"/>
-                <a:sym typeface="Consolas"/>
-              </a:rPr>
-              <a:t>fold</a:t>
-            </a:r>
-            <a:r>
-              <a:rPr lang="en" sz="1800">
-                <a:solidFill>
-                  <a:srgbClr val="000000"/>
-                </a:solidFill>
-                <a:latin typeface="Consolas"/>
-                <a:ea typeface="Consolas"/>
-                <a:cs typeface="Consolas"/>
-                <a:sym typeface="Consolas"/>
-              </a:rPr>
-              <a:t>(String current_value, Integer i) { </a:t>
-            </a:r>
-          </a:p>
-          <a:p>
-            <a:pPr marL="0" marR="0" lvl="0" indent="0" algn="l" rtl="0">
-              <a:lnSpc>
-                <a:spcPct val="100000"/>
-              </a:lnSpc>
-              <a:spcBef>
-                <a:spcPts val="0"/>
-              </a:spcBef>
-              <a:buSzPct val="25000"/>
-              <a:buNone/>
-            </a:pPr>
-            <a:r>
-              <a:rPr lang="en" sz="1800">
-                <a:solidFill>
-                  <a:srgbClr val="000000"/>
-                </a:solidFill>
-                <a:latin typeface="Consolas"/>
-                <a:ea typeface="Consolas"/>
-                <a:cs typeface="Consolas"/>
-                <a:sym typeface="Consolas"/>
-              </a:rPr>
-              <a:t>    return current_value + String.valueOf(i); </a:t>
-            </a:r>
-          </a:p>
-          <a:p>
-            <a:pPr marL="0" marR="0" lvl="0" indent="0" algn="l" rtl="0">
-              <a:lnSpc>
-                <a:spcPct val="100000"/>
-              </a:lnSpc>
-              <a:spcBef>
-                <a:spcPts val="0"/>
-              </a:spcBef>
-              <a:buSzPct val="25000"/>
-              <a:buNone/>
-            </a:pPr>
-            <a:r>
-              <a:rPr lang="en" sz="1800">
-                <a:solidFill>
-                  <a:srgbClr val="000000"/>
-                </a:solidFill>
-                <a:latin typeface="Consolas"/>
-                <a:ea typeface="Consolas"/>
-                <a:cs typeface="Consolas"/>
-                <a:sym typeface="Consolas"/>
-              </a:rPr>
-              <a:t>}</a:t>
-            </a:r>
-          </a:p>
-          <a:p>
-            <a:pPr marL="0" marR="0" lvl="0" indent="0" algn="l" rtl="0">
-              <a:lnSpc>
-                <a:spcPct val="100000"/>
-              </a:lnSpc>
-              <a:spcBef>
-                <a:spcPts val="0"/>
-              </a:spcBef>
-              <a:buNone/>
-            </a:pPr>
-            <a:endParaRPr sz="1800">
-              <a:solidFill>
-                <a:srgbClr val="000000"/>
-              </a:solidFill>
-              <a:latin typeface="Consolas"/>
-              <a:ea typeface="Consolas"/>
-              <a:cs typeface="Consolas"/>
-              <a:sym typeface="Consolas"/>
-            </a:endParaRPr>
-          </a:p>
-          <a:p>
-            <a:pPr marL="0" marR="0" lvl="0" indent="0" algn="l" rtl="0">
-              <a:lnSpc>
-                <a:spcPct val="100000"/>
-              </a:lnSpc>
-              <a:spcBef>
-                <a:spcPts val="0"/>
-              </a:spcBef>
-              <a:buNone/>
-            </a:pPr>
-            <a:endParaRPr sz="2000">
-              <a:solidFill>
-                <a:srgbClr val="000000"/>
-              </a:solidFill>
-              <a:latin typeface="Calibri"/>
-              <a:ea typeface="Calibri"/>
-              <a:cs typeface="Calibri"/>
-              <a:sym typeface="Calibri"/>
-            </a:endParaRPr>
-          </a:p>
-          <a:p>
-            <a:pPr marL="0" marR="0" lvl="0" indent="0" algn="l" rtl="0">
-              <a:lnSpc>
-                <a:spcPct val="100000"/>
-              </a:lnSpc>
-              <a:spcBef>
-                <a:spcPts val="0"/>
-              </a:spcBef>
-              <a:buNone/>
-            </a:pPr>
-            <a:endParaRPr sz="1800" b="0" strike="noStrike">
-              <a:solidFill>
-                <a:srgbClr val="000000"/>
-              </a:solidFill>
-              <a:latin typeface="Calibri"/>
-              <a:ea typeface="Calibri"/>
-              <a:cs typeface="Calibri"/>
-              <a:sym typeface="Calibri"/>
-            </a:endParaRPr>
-          </a:p>
-          <a:p>
-            <a:pPr marL="0" marR="0" lvl="0" indent="0" algn="l" rtl="0">
-              <a:lnSpc>
-                <a:spcPct val="100000"/>
-              </a:lnSpc>
-              <a:spcBef>
-                <a:spcPts val="0"/>
-              </a:spcBef>
-              <a:buNone/>
-            </a:pPr>
-            <a:endParaRPr sz="1400" b="0" strike="noStrike">
+            <a:endParaRPr sz="2000" dirty="0">
               <a:solidFill>
                 <a:srgbClr val="000000"/>
               </a:solidFill>
@@ -30627,106 +30336,6 @@
                 <a:sym typeface="Calibri"/>
               </a:rPr>
               <a:t>()  means: (((1 + 2) + 3) + 4) = 10</a:t>
-            </a:r>
-          </a:p>
-        </p:txBody>
-      </p:sp>
-      <p:sp>
-        <p:nvSpPr>
-          <p:cNvPr id="283" name="Shape 283"/>
-          <p:cNvSpPr txBox="1"/>
-          <p:nvPr/>
-        </p:nvSpPr>
-        <p:spPr>
-          <a:xfrm>
-            <a:off x="470291" y="5567660"/>
-            <a:ext cx="8216147" cy="400109"/>
-          </a:xfrm>
-          <a:prstGeom prst="rect">
-            <a:avLst/>
-          </a:prstGeom>
-          <a:solidFill>
-            <a:srgbClr val="C5D8F1"/>
-          </a:solidFill>
-          <a:ln>
-            <a:noFill/>
-          </a:ln>
-        </p:spPr>
-        <p:txBody>
-          <a:bodyPr lIns="91425" tIns="45700" rIns="91425" bIns="45700" anchor="t" anchorCtr="0">
-            <a:noAutofit/>
-          </a:bodyPr>
-          <a:lstStyle/>
-          <a:p>
-            <a:pPr marL="0" marR="0" lvl="0" indent="0" algn="l" rtl="0">
-              <a:lnSpc>
-                <a:spcPct val="100000"/>
-              </a:lnSpc>
-              <a:spcBef>
-                <a:spcPts val="0"/>
-              </a:spcBef>
-              <a:buSzPct val="25000"/>
-              <a:buNone/>
-            </a:pPr>
-            <a:r>
-              <a:rPr lang="en" sz="2000">
-                <a:solidFill>
-                  <a:srgbClr val="000000"/>
-                </a:solidFill>
-                <a:latin typeface="Calibri"/>
-                <a:ea typeface="Calibri"/>
-                <a:cs typeface="Calibri"/>
-                <a:sym typeface="Calibri"/>
-              </a:rPr>
-              <a:t>[1, 2, 3, 4] </a:t>
-            </a:r>
-            <a:r>
-              <a:rPr lang="en" sz="2000">
-                <a:solidFill>
-                  <a:srgbClr val="000000"/>
-                </a:solidFill>
-                <a:latin typeface="Noto Sans Symbols"/>
-                <a:ea typeface="Noto Sans Symbols"/>
-                <a:cs typeface="Noto Sans Symbols"/>
-                <a:sym typeface="Noto Sans Symbols"/>
-              </a:rPr>
-              <a:t>➔</a:t>
-            </a:r>
-            <a:r>
-              <a:rPr lang="en" sz="2000">
-                <a:solidFill>
-                  <a:srgbClr val="000000"/>
-                </a:solidFill>
-                <a:latin typeface="Calibri"/>
-                <a:ea typeface="Calibri"/>
-                <a:cs typeface="Calibri"/>
-                <a:sym typeface="Calibri"/>
-              </a:rPr>
-              <a:t> </a:t>
-            </a:r>
-            <a:r>
-              <a:rPr lang="en" sz="2000">
-                <a:solidFill>
-                  <a:srgbClr val="FF0000"/>
-                </a:solidFill>
-                <a:latin typeface="Calibri"/>
-                <a:ea typeface="Calibri"/>
-                <a:cs typeface="Calibri"/>
-                <a:sym typeface="Calibri"/>
-              </a:rPr>
-              <a:t>fold</a:t>
-            </a:r>
-            <a:r>
-              <a:rPr lang="en" sz="2000">
-                <a:solidFill>
-                  <a:srgbClr val="000000"/>
-                </a:solidFill>
-                <a:latin typeface="Calibri"/>
-                <a:ea typeface="Calibri"/>
-                <a:cs typeface="Calibri"/>
-                <a:sym typeface="Calibri"/>
-              </a:rPr>
-              <a:t>("start-")  means: (((("start-" + 1) + 2) + 3) + 4) = "start-1234"</a:t>
             </a:r>
           </a:p>
         </p:txBody>
@@ -30792,17 +30401,62 @@
               <a:buNone/>
             </a:pPr>
             <a:r>
-              <a:rPr lang="en" sz="4400" b="0" strike="noStrike">
-                <a:solidFill>
-                  <a:srgbClr val="000000"/>
-                </a:solidFill>
-                <a:latin typeface="Calibri"/>
-                <a:ea typeface="Calibri"/>
-                <a:cs typeface="Calibri"/>
-                <a:sym typeface="Calibri"/>
-              </a:rPr>
-              <a:t>Reduce &amp; Fold on Streams</a:t>
-            </a:r>
+              <a:rPr lang="en" sz="4400" b="0" strike="noStrike" dirty="0">
+                <a:solidFill>
+                  <a:srgbClr val="000000"/>
+                </a:solidFill>
+                <a:latin typeface="Calibri"/>
+                <a:ea typeface="Calibri"/>
+                <a:cs typeface="Calibri"/>
+                <a:sym typeface="Calibri"/>
+              </a:rPr>
+              <a:t>Reduce </a:t>
+            </a:r>
+            <a:r>
+              <a:rPr lang="en" sz="4400" b="0" strike="noStrike" dirty="0" smtClean="0">
+                <a:solidFill>
+                  <a:srgbClr val="000000"/>
+                </a:solidFill>
+                <a:latin typeface="Calibri"/>
+                <a:ea typeface="Calibri"/>
+                <a:cs typeface="Calibri"/>
+                <a:sym typeface="Calibri"/>
+              </a:rPr>
+              <a:t>on </a:t>
+            </a:r>
+            <a:r>
+              <a:rPr lang="en-US" sz="4400" b="0" strike="noStrike" dirty="0" smtClean="0">
+                <a:solidFill>
+                  <a:srgbClr val="000000"/>
+                </a:solidFill>
+                <a:latin typeface="Calibri"/>
+                <a:ea typeface="Calibri"/>
+                <a:cs typeface="Calibri"/>
+                <a:sym typeface="Calibri"/>
+              </a:rPr>
+              <a:t>a </a:t>
+            </a:r>
+            <a:r>
+              <a:rPr lang="en" sz="4400" b="0" strike="noStrike" dirty="0" smtClean="0">
+                <a:solidFill>
+                  <a:srgbClr val="000000"/>
+                </a:solidFill>
+                <a:latin typeface="Calibri"/>
+                <a:ea typeface="Calibri"/>
+                <a:cs typeface="Calibri"/>
+                <a:sym typeface="Calibri"/>
+              </a:rPr>
+              <a:t>Stream</a:t>
+            </a:r>
+            <a:endParaRPr lang="en" sz="4400" b="0" strike="noStrike" dirty="0">
+              <a:solidFill>
+                <a:srgbClr val="000000"/>
+              </a:solidFill>
+              <a:latin typeface="Calibri"/>
+              <a:ea typeface="Calibri"/>
+              <a:cs typeface="Calibri"/>
+              <a:sym typeface="Calibri"/>
+            </a:endParaRPr>
           </a:p>
         </p:txBody>
       </p:sp>
@@ -31529,7 +31183,7 @@
               <a:buNone/>
             </a:pPr>
             <a:r>
-              <a:rPr lang="en" sz="1600">
+              <a:rPr lang="en" sz="1600" dirty="0">
                 <a:solidFill>
                   <a:srgbClr val="000000"/>
                 </a:solidFill>
@@ -31550,7 +31204,7 @@
               <a:buNone/>
             </a:pPr>
             <a:r>
-              <a:rPr lang="en" sz="1600">
+              <a:rPr lang="en" sz="1600" dirty="0">
                 <a:solidFill>
                   <a:srgbClr val="000000"/>
                 </a:solidFill>
@@ -31562,7 +31216,19 @@
               <a:t>  </a:t>
             </a:r>
             <a:r>
-              <a:rPr lang="en" sz="1600">
+              <a:rPr lang="en" sz="1600" dirty="0" err="1">
+                <a:solidFill>
+                  <a:schemeClr val="tx1"/>
+                </a:solidFill>
+                <a:latin typeface="Consolas"/>
+                <a:ea typeface="Consolas"/>
+                <a:cs typeface="Consolas"/>
+                <a:sym typeface="Consolas"/>
+              </a:rPr>
+              <a:t>odd_and_evens.</a:t>
+            </a:r>
+            <a:r>
+              <a:rPr lang="en" sz="1600" dirty="0" err="1">
                 <a:solidFill>
                   <a:srgbClr val="FF0000"/>
                 </a:solidFill>
@@ -31571,19 +31237,43 @@
                 <a:cs typeface="Consolas"/>
                 <a:sym typeface="Consolas"/>
               </a:rPr>
-              <a:t>odd_and_evens</a:t>
-            </a:r>
-            <a:r>
-              <a:rPr lang="en" sz="1600">
-                <a:solidFill>
-                  <a:srgbClr val="000000"/>
-                </a:solidFill>
-                <a:latin typeface="Consolas"/>
-                <a:ea typeface="Consolas"/>
-                <a:cs typeface="Consolas"/>
-                <a:sym typeface="Consolas"/>
-              </a:rPr>
-              <a:t>.reduce(new ReduceFunction&lt;Tuple2&lt;String, Integer&gt;&gt;() {</a:t>
+              <a:t>reduce</a:t>
+            </a:r>
+            <a:r>
+              <a:rPr lang="en" sz="1600" dirty="0">
+                <a:solidFill>
+                  <a:schemeClr val="tx1"/>
+                </a:solidFill>
+                <a:latin typeface="Consolas"/>
+                <a:ea typeface="Consolas"/>
+                <a:cs typeface="Consolas"/>
+                <a:sym typeface="Consolas"/>
+              </a:rPr>
+              <a:t>(new </a:t>
+            </a:r>
+            <a:r>
+              <a:rPr lang="en" sz="1600" dirty="0" err="1">
+                <a:solidFill>
+                  <a:srgbClr val="FF0000"/>
+                </a:solidFill>
+                <a:latin typeface="Consolas"/>
+                <a:ea typeface="Consolas"/>
+                <a:cs typeface="Consolas"/>
+                <a:sym typeface="Consolas"/>
+              </a:rPr>
+              <a:t>ReduceFunction</a:t>
+            </a:r>
+            <a:r>
+              <a:rPr lang="en" sz="1600" dirty="0">
+                <a:solidFill>
+                  <a:schemeClr val="tx1"/>
+                </a:solidFill>
+                <a:latin typeface="Consolas"/>
+                <a:ea typeface="Consolas"/>
+                <a:cs typeface="Consolas"/>
+                <a:sym typeface="Consolas"/>
+              </a:rPr>
+              <a:t>&lt;Tuple2&lt;String, Integer&gt;&gt;() {</a:t>
             </a:r>
           </a:p>
           <a:p>
@@ -31595,9 +31285,9 @@
               <a:buNone/>
             </a:pPr>
             <a:r>
-              <a:rPr lang="en" sz="1600">
-                <a:solidFill>
-                  <a:srgbClr val="000000"/>
+              <a:rPr lang="en" sz="1600" dirty="0">
+                <a:solidFill>
+                  <a:schemeClr val="tx1"/>
                 </a:solidFill>
                 <a:latin typeface="Consolas"/>
                 <a:ea typeface="Consolas"/>
@@ -31616,16 +31306,40 @@
               <a:buNone/>
             </a:pPr>
             <a:r>
-              <a:rPr lang="en" sz="1600">
-                <a:solidFill>
-                  <a:srgbClr val="000000"/>
-                </a:solidFill>
-                <a:latin typeface="Consolas"/>
-                <a:ea typeface="Consolas"/>
-                <a:cs typeface="Consolas"/>
-                <a:sym typeface="Consolas"/>
-              </a:rPr>
-              <a:t>    public Tuple2&lt;String, Integer&gt; reduce(</a:t>
+              <a:rPr lang="en" sz="1600" dirty="0">
+                <a:solidFill>
+                  <a:schemeClr val="tx1"/>
+                </a:solidFill>
+                <a:latin typeface="Consolas"/>
+                <a:ea typeface="Consolas"/>
+                <a:cs typeface="Consolas"/>
+                <a:sym typeface="Consolas"/>
+              </a:rPr>
+              <a:t>    public Tuple2&lt;String, Integer&gt; </a:t>
+            </a:r>
+            <a:r>
+              <a:rPr lang="en" sz="1600" dirty="0">
+                <a:solidFill>
+                  <a:srgbClr val="FF0000"/>
+                </a:solidFill>
+                <a:latin typeface="Consolas"/>
+                <a:ea typeface="Consolas"/>
+                <a:cs typeface="Consolas"/>
+                <a:sym typeface="Consolas"/>
+              </a:rPr>
+              <a:t>reduce</a:t>
+            </a:r>
+            <a:r>
+              <a:rPr lang="en" sz="1600" dirty="0">
+                <a:solidFill>
+                  <a:schemeClr val="tx1"/>
+                </a:solidFill>
+                <a:latin typeface="Consolas"/>
+                <a:ea typeface="Consolas"/>
+                <a:cs typeface="Consolas"/>
+                <a:sym typeface="Consolas"/>
+              </a:rPr>
+              <a:t>(</a:t>
             </a:r>
           </a:p>
           <a:p>
@@ -31637,9 +31351,9 @@
               <a:buNone/>
             </a:pPr>
             <a:r>
-              <a:rPr lang="en" sz="1600">
-                <a:solidFill>
-                  <a:srgbClr val="000000"/>
+              <a:rPr lang="en" sz="1600" dirty="0">
+                <a:solidFill>
+                  <a:schemeClr val="tx1"/>
                 </a:solidFill>
                 <a:latin typeface="Consolas"/>
                 <a:ea typeface="Consolas"/>
@@ -31658,9 +31372,9 @@
               <a:buNone/>
             </a:pPr>
             <a:r>
-              <a:rPr lang="en" sz="1600">
-                <a:solidFill>
-                  <a:srgbClr val="000000"/>
+              <a:rPr lang="en" sz="1600" dirty="0">
+                <a:solidFill>
+                  <a:schemeClr val="tx1"/>
                 </a:solidFill>
                 <a:latin typeface="Consolas"/>
                 <a:ea typeface="Consolas"/>
@@ -31679,9 +31393,9 @@
               <a:buNone/>
             </a:pPr>
             <a:r>
-              <a:rPr lang="en" sz="1600">
-                <a:solidFill>
-                  <a:srgbClr val="000000"/>
+              <a:rPr lang="en" sz="1600" dirty="0">
+                <a:solidFill>
+                  <a:schemeClr val="tx1"/>
                 </a:solidFill>
                 <a:latin typeface="Consolas"/>
                 <a:ea typeface="Consolas"/>
@@ -31691,7 +31405,7 @@
               <a:t>          </a:t>
             </a:r>
             <a:r>
-              <a:rPr lang="en" sz="1600">
+              <a:rPr lang="en" sz="1600" dirty="0">
                 <a:solidFill>
                   <a:srgbClr val="FF0000"/>
                 </a:solidFill>
@@ -31703,9 +31417,9 @@
               <a:t>return new Tuple2&lt;&gt;(t1.f0, t1.f1 + t2.f1)</a:t>
             </a:r>
             <a:r>
-              <a:rPr lang="en" sz="1600">
-                <a:solidFill>
-                  <a:srgbClr val="000000"/>
+              <a:rPr lang="en" sz="1600" dirty="0">
+                <a:solidFill>
+                  <a:schemeClr val="tx1"/>
                 </a:solidFill>
                 <a:latin typeface="Consolas"/>
                 <a:ea typeface="Consolas"/>
@@ -31724,7 +31438,7 @@
               <a:buNone/>
             </a:pPr>
             <a:r>
-              <a:rPr lang="en" sz="1600">
+              <a:rPr lang="en" sz="1600" dirty="0">
                 <a:solidFill>
                   <a:srgbClr val="000000"/>
                 </a:solidFill>
@@ -31745,7 +31459,7 @@
               <a:buNone/>
             </a:pPr>
             <a:r>
-              <a:rPr lang="en" sz="1600">
+              <a:rPr lang="en" sz="1600" dirty="0">
                 <a:solidFill>
                   <a:srgbClr val="000000"/>
                 </a:solidFill>
@@ -31764,7 +31478,7 @@
               </a:spcBef>
               <a:buNone/>
             </a:pPr>
-            <a:endParaRPr sz="1600">
+            <a:endParaRPr sz="1600" dirty="0">
               <a:solidFill>
                 <a:srgbClr val="000000"/>
               </a:solidFill>
@@ -31783,9 +31497,9 @@
               <a:buNone/>
             </a:pPr>
             <a:r>
-              <a:rPr lang="en" sz="1600">
-                <a:solidFill>
-                  <a:srgbClr val="FF0000"/>
+              <a:rPr lang="en" sz="1600" dirty="0" err="1">
+                <a:solidFill>
+                  <a:schemeClr val="tx1"/>
                 </a:solidFill>
                 <a:latin typeface="Consolas"/>
                 <a:ea typeface="Consolas"/>
@@ -31795,9 +31509,9 @@
               <a:t>sums.print</a:t>
             </a:r>
             <a:r>
-              <a:rPr lang="en" sz="1600">
-                <a:solidFill>
-                  <a:srgbClr val="000000"/>
+              <a:rPr lang="en" sz="1600" dirty="0">
+                <a:solidFill>
+                  <a:schemeClr val="tx1"/>
                 </a:solidFill>
                 <a:latin typeface="Consolas"/>
                 <a:ea typeface="Consolas"/>
@@ -31816,16 +31530,28 @@
               <a:buNone/>
             </a:pPr>
             <a:r>
-              <a:rPr lang="en" sz="1600">
-                <a:solidFill>
-                  <a:srgbClr val="000000"/>
-                </a:solidFill>
-                <a:latin typeface="Consolas"/>
-                <a:ea typeface="Consolas"/>
-                <a:cs typeface="Consolas"/>
-                <a:sym typeface="Consolas"/>
-              </a:rPr>
-              <a:t>env.execute();</a:t>
+              <a:rPr lang="en" sz="1600" dirty="0" err="1">
+                <a:solidFill>
+                  <a:srgbClr val="000000"/>
+                </a:solidFill>
+                <a:latin typeface="Consolas"/>
+                <a:ea typeface="Consolas"/>
+                <a:cs typeface="Consolas"/>
+                <a:sym typeface="Consolas"/>
+              </a:rPr>
+              <a:t>env.execute</a:t>
+            </a:r>
+            <a:r>
+              <a:rPr lang="en" sz="1600" dirty="0">
+                <a:solidFill>
+                  <a:srgbClr val="000000"/>
+                </a:solidFill>
+                <a:latin typeface="Consolas"/>
+                <a:ea typeface="Consolas"/>
+                <a:cs typeface="Consolas"/>
+                <a:sym typeface="Consolas"/>
+              </a:rPr>
+              <a:t>();</a:t>
             </a:r>
           </a:p>
           <a:p>
@@ -31835,7 +31561,7 @@
               </a:spcBef>
               <a:buNone/>
             </a:pPr>
-            <a:endParaRPr sz="1600">
+            <a:endParaRPr sz="1600" dirty="0">
               <a:solidFill>
                 <a:srgbClr val="000000"/>
               </a:solidFill>
@@ -31854,7 +31580,7 @@
               <a:buNone/>
             </a:pPr>
             <a:r>
-              <a:rPr lang="en" sz="1600">
+              <a:rPr lang="en" sz="1600" dirty="0">
                 <a:solidFill>
                   <a:srgbClr val="000000"/>
                 </a:solidFill>
@@ -31875,7 +31601,7 @@
               <a:buNone/>
             </a:pPr>
             <a:r>
-              <a:rPr lang="en" sz="1600">
+              <a:rPr lang="en" sz="1600" dirty="0">
                 <a:solidFill>
                   <a:srgbClr val="000000"/>
                 </a:solidFill>
@@ -31896,7 +31622,7 @@
               <a:buNone/>
             </a:pPr>
             <a:r>
-              <a:rPr lang="en" sz="1600">
+              <a:rPr lang="en" sz="1600" dirty="0">
                 <a:solidFill>
                   <a:srgbClr val="000000"/>
                 </a:solidFill>
@@ -31917,7 +31643,7 @@
               <a:buNone/>
             </a:pPr>
             <a:r>
-              <a:rPr lang="en" sz="1600">
+              <a:rPr lang="en" sz="1600" dirty="0">
                 <a:solidFill>
                   <a:srgbClr val="000000"/>
                 </a:solidFill>
@@ -31936,7 +31662,7 @@
               </a:spcBef>
               <a:buNone/>
             </a:pPr>
-            <a:endParaRPr sz="1600">
+            <a:endParaRPr sz="1600" dirty="0">
               <a:solidFill>
                 <a:srgbClr val="000000"/>
               </a:solidFill>
@@ -31957,544 +31683,6 @@
 </file>
 
 <file path=ppt/slides/slide28.xml><?xml version="1.0" encoding="utf-8"?>
-<p:sld xmlns:a="http://schemas.openxmlformats.org/drawingml/2006/main" xmlns:r="http://schemas.openxmlformats.org/officeDocument/2006/relationships" xmlns:p="http://schemas.openxmlformats.org/presentationml/2006/main">
-  <p:cSld>
-    <p:spTree>
-      <p:nvGrpSpPr>
-        <p:cNvPr id="1" name="Shape 302"/>
-        <p:cNvGrpSpPr/>
-        <p:nvPr/>
-      </p:nvGrpSpPr>
-      <p:grpSpPr>
-        <a:xfrm>
-          <a:off x="0" y="0"/>
-          <a:ext cx="0" cy="0"/>
-          <a:chOff x="0" y="0"/>
-          <a:chExt cx="0" cy="0"/>
-        </a:xfrm>
-      </p:grpSpPr>
-      <p:sp>
-        <p:nvSpPr>
-          <p:cNvPr id="303" name="Shape 303"/>
-          <p:cNvSpPr txBox="1"/>
-          <p:nvPr/>
-        </p:nvSpPr>
-        <p:spPr>
-          <a:xfrm>
-            <a:off x="457200" y="274680"/>
-            <a:ext cx="7474320" cy="898200"/>
-          </a:xfrm>
-          <a:prstGeom prst="rect">
-            <a:avLst/>
-          </a:prstGeom>
-          <a:noFill/>
-          <a:ln>
-            <a:noFill/>
-          </a:ln>
-        </p:spPr>
-        <p:txBody>
-          <a:bodyPr lIns="91425" tIns="45700" rIns="91425" bIns="45700" anchor="ctr" anchorCtr="0">
-            <a:noAutofit/>
-          </a:bodyPr>
-          <a:lstStyle/>
-          <a:p>
-            <a:pPr marL="0" marR="0" lvl="0" indent="0" algn="l" rtl="0">
-              <a:lnSpc>
-                <a:spcPct val="100000"/>
-              </a:lnSpc>
-              <a:spcBef>
-                <a:spcPts val="0"/>
-              </a:spcBef>
-              <a:buSzPct val="25000"/>
-              <a:buNone/>
-            </a:pPr>
-            <a:r>
-              <a:rPr lang="en" sz="4400" b="0" strike="noStrike">
-                <a:solidFill>
-                  <a:srgbClr val="000000"/>
-                </a:solidFill>
-                <a:latin typeface="Calibri"/>
-                <a:ea typeface="Calibri"/>
-                <a:cs typeface="Calibri"/>
-                <a:sym typeface="Calibri"/>
-              </a:rPr>
-              <a:t>Data Distribution Strategies</a:t>
-            </a:r>
-          </a:p>
-        </p:txBody>
-      </p:sp>
-      <p:sp>
-        <p:nvSpPr>
-          <p:cNvPr id="304" name="Shape 304"/>
-          <p:cNvSpPr txBox="1"/>
-          <p:nvPr/>
-        </p:nvSpPr>
-        <p:spPr>
-          <a:xfrm>
-            <a:off x="457199" y="1474200"/>
-            <a:ext cx="8602133" cy="4651559"/>
-          </a:xfrm>
-          <a:prstGeom prst="rect">
-            <a:avLst/>
-          </a:prstGeom>
-          <a:noFill/>
-          <a:ln w="9525" cap="flat" cmpd="sng">
-            <a:solidFill>
-              <a:srgbClr val="FFFFFF"/>
-            </a:solidFill>
-            <a:prstDash val="solid"/>
-            <a:round/>
-            <a:headEnd type="none" w="med" len="med"/>
-            <a:tailEnd type="none" w="med" len="med"/>
-          </a:ln>
-        </p:spPr>
-        <p:txBody>
-          <a:bodyPr lIns="91425" tIns="45700" rIns="91425" bIns="45700" anchor="t" anchorCtr="0">
-            <a:noAutofit/>
-          </a:bodyPr>
-          <a:lstStyle/>
-          <a:p>
-            <a:pPr marL="360" marR="0" lvl="0" indent="-360" algn="l" rtl="0">
-              <a:lnSpc>
-                <a:spcPct val="150000"/>
-              </a:lnSpc>
-              <a:spcBef>
-                <a:spcPts val="0"/>
-              </a:spcBef>
-              <a:buSzPct val="25000"/>
-              <a:buNone/>
-            </a:pPr>
-            <a:r>
-              <a:rPr lang="en" sz="2800" b="0" strike="noStrike" dirty="0">
-                <a:solidFill>
-                  <a:srgbClr val="000000"/>
-                </a:solidFill>
-                <a:latin typeface="Calibri"/>
-                <a:ea typeface="Calibri"/>
-                <a:cs typeface="Calibri"/>
-                <a:sym typeface="Calibri"/>
-              </a:rPr>
-              <a:t>Specify how data is distributed between transformations</a:t>
-            </a:r>
-          </a:p>
-          <a:p>
-            <a:pPr marL="343080" marR="0" lvl="1" indent="-343080" algn="l" rtl="0">
-              <a:spcBef>
-                <a:spcPts val="0"/>
-              </a:spcBef>
-              <a:spcAft>
-                <a:spcPts val="1000"/>
-              </a:spcAft>
-              <a:buClr>
-                <a:srgbClr val="34AD91"/>
-              </a:buClr>
-              <a:buSzPct val="100000"/>
-              <a:buFont typeface="Noto Sans Symbols"/>
-              <a:buChar char="▪"/>
-            </a:pPr>
-            <a:r>
-              <a:rPr lang="en" sz="2400" b="0" i="0" u="none" strike="noStrike" cap="none" dirty="0">
-                <a:solidFill>
-                  <a:srgbClr val="000000"/>
-                </a:solidFill>
-                <a:latin typeface="Calibri"/>
-                <a:ea typeface="Calibri"/>
-                <a:cs typeface="Calibri"/>
-                <a:sym typeface="Calibri"/>
-              </a:rPr>
-              <a:t>Forward: Only local communication</a:t>
-            </a:r>
-            <a:br>
-              <a:rPr lang="en" sz="2400" b="0" i="0" u="none" strike="noStrike" cap="none" dirty="0">
-                <a:solidFill>
-                  <a:srgbClr val="000000"/>
-                </a:solidFill>
-                <a:latin typeface="Calibri"/>
-                <a:ea typeface="Calibri"/>
-                <a:cs typeface="Calibri"/>
-                <a:sym typeface="Calibri"/>
-              </a:rPr>
-            </a:br>
-            <a:r>
-              <a:rPr lang="en" sz="2400" i="0" u="none" strike="noStrike" cap="none" dirty="0">
-                <a:solidFill>
-                  <a:srgbClr val="000000"/>
-                </a:solidFill>
-                <a:latin typeface="Consolas"/>
-                <a:ea typeface="Consolas"/>
-                <a:cs typeface="Consolas"/>
-                <a:sym typeface="Consolas"/>
-              </a:rPr>
-              <a:t>stream.forward()</a:t>
-            </a:r>
-          </a:p>
-          <a:p>
-            <a:pPr marL="343080" marR="0" lvl="0" indent="-343080" algn="l" rtl="0">
-              <a:lnSpc>
-                <a:spcPct val="100000"/>
-              </a:lnSpc>
-              <a:spcBef>
-                <a:spcPts val="0"/>
-              </a:spcBef>
-              <a:spcAft>
-                <a:spcPts val="1000"/>
-              </a:spcAft>
-              <a:buClr>
-                <a:srgbClr val="34AD91"/>
-              </a:buClr>
-              <a:buSzPct val="100000"/>
-              <a:buFont typeface="Noto Sans Symbols"/>
-              <a:buChar char="▪"/>
-            </a:pPr>
-            <a:r>
-              <a:rPr lang="en" sz="2400" strike="noStrike" dirty="0">
-                <a:solidFill>
-                  <a:srgbClr val="000000"/>
-                </a:solidFill>
-                <a:latin typeface="Calibri"/>
-                <a:ea typeface="Calibri"/>
-                <a:cs typeface="Calibri"/>
-                <a:sym typeface="Calibri"/>
-              </a:rPr>
-              <a:t>Rebalance: </a:t>
-            </a:r>
-            <a:r>
-              <a:rPr lang="en" sz="2400" dirty="0">
-                <a:solidFill>
-                  <a:srgbClr val="000000"/>
-                </a:solidFill>
-                <a:latin typeface="Calibri"/>
-                <a:ea typeface="Calibri"/>
-                <a:cs typeface="Calibri"/>
-                <a:sym typeface="Calibri"/>
-              </a:rPr>
-              <a:t>Round-robin partitioning</a:t>
-            </a:r>
-            <a:br>
-              <a:rPr lang="en" sz="2400" dirty="0">
-                <a:solidFill>
-                  <a:srgbClr val="000000"/>
-                </a:solidFill>
-                <a:latin typeface="Calibri"/>
-                <a:ea typeface="Calibri"/>
-                <a:cs typeface="Calibri"/>
-                <a:sym typeface="Calibri"/>
-              </a:rPr>
-            </a:br>
-            <a:r>
-              <a:rPr lang="en" sz="2400" strike="noStrike" dirty="0">
-                <a:solidFill>
-                  <a:srgbClr val="000000"/>
-                </a:solidFill>
-                <a:latin typeface="Consolas"/>
-                <a:ea typeface="Consolas"/>
-                <a:cs typeface="Consolas"/>
-                <a:sym typeface="Consolas"/>
-              </a:rPr>
-              <a:t>stream.rebalance()</a:t>
-            </a:r>
-          </a:p>
-          <a:p>
-            <a:pPr marL="343080" marR="0" lvl="0" indent="-343080" algn="l" rtl="0">
-              <a:lnSpc>
-                <a:spcPct val="100000"/>
-              </a:lnSpc>
-              <a:spcBef>
-                <a:spcPts val="0"/>
-              </a:spcBef>
-              <a:spcAft>
-                <a:spcPts val="1000"/>
-              </a:spcAft>
-              <a:buClr>
-                <a:srgbClr val="34AD91"/>
-              </a:buClr>
-              <a:buSzPct val="100000"/>
-              <a:buFont typeface="Noto Sans Symbols"/>
-              <a:buChar char="▪"/>
-            </a:pPr>
-            <a:r>
-              <a:rPr lang="en" sz="2400" strike="noStrike" dirty="0">
-                <a:solidFill>
-                  <a:srgbClr val="000000"/>
-                </a:solidFill>
-                <a:latin typeface="Calibri"/>
-                <a:ea typeface="Calibri"/>
-                <a:cs typeface="Calibri"/>
-                <a:sym typeface="Calibri"/>
-              </a:rPr>
-              <a:t>Partition by hash</a:t>
-            </a:r>
-            <a:r>
-              <a:rPr lang="en" sz="2400" b="0" strike="noStrike" dirty="0">
-                <a:solidFill>
-                  <a:srgbClr val="000000"/>
-                </a:solidFill>
-                <a:latin typeface="Calibri"/>
-                <a:ea typeface="Calibri"/>
-                <a:cs typeface="Calibri"/>
-                <a:sym typeface="Calibri"/>
-              </a:rPr>
-              <a:t/>
-            </a:r>
-            <a:br>
-              <a:rPr lang="en" sz="2400" b="0" strike="noStrike" dirty="0">
-                <a:solidFill>
-                  <a:srgbClr val="000000"/>
-                </a:solidFill>
-                <a:latin typeface="Calibri"/>
-                <a:ea typeface="Calibri"/>
-                <a:cs typeface="Calibri"/>
-                <a:sym typeface="Calibri"/>
-              </a:rPr>
-            </a:br>
-            <a:r>
-              <a:rPr lang="en" sz="2400" b="0" strike="noStrike" dirty="0">
-                <a:solidFill>
-                  <a:srgbClr val="000000"/>
-                </a:solidFill>
-                <a:latin typeface="Consolas"/>
-                <a:ea typeface="Consolas"/>
-                <a:cs typeface="Consolas"/>
-                <a:sym typeface="Consolas"/>
-              </a:rPr>
-              <a:t>stream.partitionByHash(...)</a:t>
-            </a:r>
-          </a:p>
-          <a:p>
-            <a:pPr marL="343080" marR="0" lvl="0" indent="-343080" algn="l" rtl="0">
-              <a:lnSpc>
-                <a:spcPct val="100000"/>
-              </a:lnSpc>
-              <a:spcBef>
-                <a:spcPts val="0"/>
-              </a:spcBef>
-              <a:spcAft>
-                <a:spcPts val="1000"/>
-              </a:spcAft>
-              <a:buClr>
-                <a:srgbClr val="34AD91"/>
-              </a:buClr>
-              <a:buSzPct val="108333"/>
-              <a:buFont typeface="Noto Sans Symbols"/>
-              <a:buChar char="▪"/>
-            </a:pPr>
-            <a:r>
-              <a:rPr lang="en" sz="2400" strike="noStrike" dirty="0">
-                <a:solidFill>
-                  <a:srgbClr val="000000"/>
-                </a:solidFill>
-                <a:latin typeface="Calibri"/>
-                <a:ea typeface="Calibri"/>
-                <a:cs typeface="Calibri"/>
-                <a:sym typeface="Calibri"/>
-              </a:rPr>
-              <a:t>Custom partitioning</a:t>
-            </a:r>
-            <a:r>
-              <a:rPr lang="en" sz="2600" dirty="0">
-                <a:solidFill>
-                  <a:srgbClr val="000000"/>
-                </a:solidFill>
-                <a:latin typeface="Calibri"/>
-                <a:ea typeface="Calibri"/>
-                <a:cs typeface="Calibri"/>
-                <a:sym typeface="Calibri"/>
-              </a:rPr>
-              <a:t/>
-            </a:r>
-            <a:br>
-              <a:rPr lang="en" sz="2600" dirty="0">
-                <a:solidFill>
-                  <a:srgbClr val="000000"/>
-                </a:solidFill>
-                <a:latin typeface="Calibri"/>
-                <a:ea typeface="Calibri"/>
-                <a:cs typeface="Calibri"/>
-                <a:sym typeface="Calibri"/>
-              </a:rPr>
-            </a:br>
-            <a:r>
-              <a:rPr lang="en" sz="2400" b="0" strike="noStrike" dirty="0">
-                <a:solidFill>
-                  <a:srgbClr val="000000"/>
-                </a:solidFill>
-                <a:latin typeface="Consolas"/>
-                <a:ea typeface="Consolas"/>
-                <a:cs typeface="Consolas"/>
-                <a:sym typeface="Consolas"/>
-              </a:rPr>
-              <a:t>stream.partitionCustom(...)</a:t>
-            </a:r>
-          </a:p>
-          <a:p>
-            <a:pPr marL="343080" marR="0" lvl="0" indent="-343080" algn="l" rtl="0">
-              <a:lnSpc>
-                <a:spcPct val="100000"/>
-              </a:lnSpc>
-              <a:spcBef>
-                <a:spcPts val="0"/>
-              </a:spcBef>
-              <a:buClr>
-                <a:srgbClr val="34AD91"/>
-              </a:buClr>
-              <a:buSzPct val="100000"/>
-              <a:buFont typeface="Noto Sans Symbols"/>
-              <a:buChar char="▪"/>
-            </a:pPr>
-            <a:r>
-              <a:rPr lang="en" sz="2400" strike="noStrike" dirty="0">
-                <a:solidFill>
-                  <a:srgbClr val="000000"/>
-                </a:solidFill>
-                <a:latin typeface="Calibri"/>
-                <a:ea typeface="Calibri"/>
-                <a:cs typeface="Calibri"/>
-                <a:sym typeface="Calibri"/>
-              </a:rPr>
-              <a:t>Broadcast:</a:t>
-            </a:r>
-            <a:r>
-              <a:rPr lang="en" sz="2400" b="0" strike="noStrike" dirty="0">
-                <a:solidFill>
-                  <a:srgbClr val="000000"/>
-                </a:solidFill>
-                <a:latin typeface="Calibri"/>
-                <a:ea typeface="Calibri"/>
-                <a:cs typeface="Calibri"/>
-                <a:sym typeface="Calibri"/>
-              </a:rPr>
-              <a:t> </a:t>
-            </a:r>
-            <a:r>
-              <a:rPr lang="en" sz="2400" dirty="0">
-                <a:solidFill>
-                  <a:srgbClr val="000000"/>
-                </a:solidFill>
-                <a:latin typeface="Calibri"/>
-                <a:ea typeface="Calibri"/>
-                <a:cs typeface="Calibri"/>
-                <a:sym typeface="Calibri"/>
-              </a:rPr>
-              <a:t>Broadcast to all nodes</a:t>
-            </a:r>
-            <a:br>
-              <a:rPr lang="en" sz="2400" dirty="0">
-                <a:solidFill>
-                  <a:srgbClr val="000000"/>
-                </a:solidFill>
-                <a:latin typeface="Calibri"/>
-                <a:ea typeface="Calibri"/>
-                <a:cs typeface="Calibri"/>
-                <a:sym typeface="Calibri"/>
-              </a:rPr>
-            </a:br>
-            <a:r>
-              <a:rPr lang="en" sz="2400" b="0" strike="noStrike" dirty="0">
-                <a:solidFill>
-                  <a:srgbClr val="000000"/>
-                </a:solidFill>
-                <a:latin typeface="Consolas"/>
-                <a:ea typeface="Consolas"/>
-                <a:cs typeface="Consolas"/>
-                <a:sym typeface="Consolas"/>
-              </a:rPr>
-              <a:t>stream.broadcast()</a:t>
-            </a:r>
-          </a:p>
-          <a:p>
-            <a:pPr marL="743040" marR="0" lvl="1" indent="-285840" algn="l" rtl="0">
-              <a:lnSpc>
-                <a:spcPct val="100000"/>
-              </a:lnSpc>
-              <a:spcBef>
-                <a:spcPts val="0"/>
-              </a:spcBef>
-              <a:buClr>
-                <a:srgbClr val="34AD91"/>
-              </a:buClr>
-              <a:buFont typeface="Arial"/>
-              <a:buNone/>
-            </a:pPr>
-            <a:endParaRPr sz="2400" b="0" i="0" u="none" strike="noStrike" cap="none" dirty="0">
-              <a:solidFill>
-                <a:srgbClr val="000000"/>
-              </a:solidFill>
-              <a:latin typeface="Calibri"/>
-              <a:ea typeface="Calibri"/>
-              <a:cs typeface="Calibri"/>
-              <a:sym typeface="Calibri"/>
-            </a:endParaRPr>
-          </a:p>
-        </p:txBody>
-      </p:sp>
-      <p:sp>
-        <p:nvSpPr>
-          <p:cNvPr id="305" name="Shape 305"/>
-          <p:cNvSpPr txBox="1"/>
-          <p:nvPr/>
-        </p:nvSpPr>
-        <p:spPr>
-          <a:xfrm>
-            <a:off x="6553080" y="6356519"/>
-            <a:ext cx="2133360" cy="364679"/>
-          </a:xfrm>
-          <a:prstGeom prst="rect">
-            <a:avLst/>
-          </a:prstGeom>
-          <a:noFill/>
-          <a:ln>
-            <a:noFill/>
-          </a:ln>
-        </p:spPr>
-        <p:txBody>
-          <a:bodyPr lIns="91425" tIns="45700" rIns="91425" bIns="45700" anchor="ctr" anchorCtr="0">
-            <a:noAutofit/>
-          </a:bodyPr>
-          <a:lstStyle/>
-          <a:p>
-            <a:pPr marL="0" marR="0" lvl="0" indent="0" algn="r" rtl="0">
-              <a:lnSpc>
-                <a:spcPct val="100000"/>
-              </a:lnSpc>
-              <a:spcBef>
-                <a:spcPts val="0"/>
-              </a:spcBef>
-              <a:buSzPct val="25000"/>
-              <a:buNone/>
-            </a:pPr>
-            <a:fld id="{00000000-1234-1234-1234-123412341234}" type="slidenum">
-              <a:rPr lang="en" sz="1200" b="0" strike="noStrike">
-                <a:solidFill>
-                  <a:srgbClr val="8B8B8B"/>
-                </a:solidFill>
-                <a:latin typeface="Calibri"/>
-                <a:ea typeface="Calibri"/>
-                <a:cs typeface="Calibri"/>
-                <a:sym typeface="Calibri"/>
-              </a:rPr>
-              <a:t>28</a:t>
-            </a:fld>
-            <a:endParaRPr lang="en" sz="1200" b="0" strike="noStrike">
-              <a:solidFill>
-                <a:srgbClr val="8B8B8B"/>
-              </a:solidFill>
-              <a:latin typeface="Calibri"/>
-              <a:ea typeface="Calibri"/>
-              <a:cs typeface="Calibri"/>
-              <a:sym typeface="Calibri"/>
-            </a:endParaRPr>
-          </a:p>
-        </p:txBody>
-      </p:sp>
-    </p:spTree>
-  </p:cSld>
-  <p:clrMapOvr>
-    <a:masterClrMapping/>
-  </p:clrMapOvr>
-</p:sld>
-</file>
-
-<file path=ppt/slides/slide29.xml><?xml version="1.0" encoding="utf-8"?>
 <p:sld xmlns:a="http://schemas.openxmlformats.org/drawingml/2006/main" xmlns:r="http://schemas.openxmlformats.org/officeDocument/2006/relationships" xmlns:p="http://schemas.openxmlformats.org/presentationml/2006/main">
   <p:cSld>
     <p:spTree>
@@ -32606,11 +31794,509 @@
                 <a:cs typeface="Calibri"/>
                 <a:sym typeface="Calibri"/>
               </a:rPr>
+              <a:t>28</a:t>
+            </a:fld>
+            <a:endParaRPr lang="en" sz="1200" b="0" strike="noStrike">
+              <a:solidFill>
+                <a:srgbClr val="FFFFFF"/>
+              </a:solidFill>
+              <a:latin typeface="Calibri"/>
+              <a:ea typeface="Calibri"/>
+              <a:cs typeface="Calibri"/>
+              <a:sym typeface="Calibri"/>
+            </a:endParaRPr>
+          </a:p>
+        </p:txBody>
+      </p:sp>
+    </p:spTree>
+  </p:cSld>
+  <p:clrMapOvr>
+    <a:masterClrMapping/>
+  </p:clrMapOvr>
+</p:sld>
+</file>
+
+<file path=ppt/slides/slide29.xml><?xml version="1.0" encoding="utf-8"?>
+<p:sld xmlns:a="http://schemas.openxmlformats.org/drawingml/2006/main" xmlns:r="http://schemas.openxmlformats.org/officeDocument/2006/relationships" xmlns:p="http://schemas.openxmlformats.org/presentationml/2006/main">
+  <p:cSld>
+    <p:spTree>
+      <p:nvGrpSpPr>
+        <p:cNvPr id="1" name="Shape 315"/>
+        <p:cNvGrpSpPr/>
+        <p:nvPr/>
+      </p:nvGrpSpPr>
+      <p:grpSpPr>
+        <a:xfrm>
+          <a:off x="0" y="0"/>
+          <a:ext cx="0" cy="0"/>
+          <a:chOff x="0" y="0"/>
+          <a:chExt cx="0" cy="0"/>
+        </a:xfrm>
+      </p:grpSpPr>
+      <p:sp>
+        <p:nvSpPr>
+          <p:cNvPr id="316" name="Shape 316"/>
+          <p:cNvSpPr txBox="1"/>
+          <p:nvPr/>
+        </p:nvSpPr>
+        <p:spPr>
+          <a:xfrm>
+            <a:off x="457200" y="334195"/>
+            <a:ext cx="7474320" cy="838683"/>
+          </a:xfrm>
+          <a:prstGeom prst="rect">
+            <a:avLst/>
+          </a:prstGeom>
+          <a:noFill/>
+          <a:ln>
+            <a:noFill/>
+          </a:ln>
+        </p:spPr>
+        <p:txBody>
+          <a:bodyPr lIns="91425" tIns="45700" rIns="91425" bIns="45700" anchor="ctr" anchorCtr="0">
+            <a:noAutofit/>
+          </a:bodyPr>
+          <a:lstStyle/>
+          <a:p>
+            <a:pPr marL="0" marR="0" lvl="0" indent="0" algn="l" rtl="0">
+              <a:lnSpc>
+                <a:spcPct val="100000"/>
+              </a:lnSpc>
+              <a:spcBef>
+                <a:spcPts val="0"/>
+              </a:spcBef>
+              <a:buSzPct val="25000"/>
+              <a:buNone/>
+            </a:pPr>
+            <a:r>
+              <a:rPr lang="en" sz="4400">
+                <a:solidFill>
+                  <a:srgbClr val="000000"/>
+                </a:solidFill>
+                <a:latin typeface="Calibri"/>
+                <a:ea typeface="Calibri"/>
+                <a:cs typeface="Calibri"/>
+                <a:sym typeface="Calibri"/>
+              </a:rPr>
+              <a:t>Keyed Streams</a:t>
+            </a:r>
+          </a:p>
+        </p:txBody>
+      </p:sp>
+      <p:sp>
+        <p:nvSpPr>
+          <p:cNvPr id="317" name="Shape 317"/>
+          <p:cNvSpPr txBox="1"/>
+          <p:nvPr/>
+        </p:nvSpPr>
+        <p:spPr>
+          <a:xfrm>
+            <a:off x="457200" y="1474200"/>
+            <a:ext cx="8443440" cy="5246640"/>
+          </a:xfrm>
+          <a:prstGeom prst="rect">
+            <a:avLst/>
+          </a:prstGeom>
+          <a:noFill/>
+          <a:ln>
+            <a:noFill/>
+          </a:ln>
+        </p:spPr>
+        <p:txBody>
+          <a:bodyPr lIns="91425" tIns="45700" rIns="91425" bIns="45700" anchor="t" anchorCtr="0">
+            <a:noAutofit/>
+          </a:bodyPr>
+          <a:lstStyle/>
+          <a:p>
+            <a:pPr marL="343080" marR="0" lvl="1" indent="-343080" algn="l" rtl="0">
+              <a:spcBef>
+                <a:spcPts val="0"/>
+              </a:spcBef>
+              <a:buClr>
+                <a:srgbClr val="34AD91"/>
+              </a:buClr>
+              <a:buSzPct val="100000"/>
+              <a:buFont typeface="Noto Sans Symbols"/>
+              <a:buChar char="▪"/>
+            </a:pPr>
+            <a:r>
+              <a:rPr lang="en" sz="3200" b="0" i="0" u="none" strike="noStrike" cap="none" dirty="0">
+                <a:solidFill>
+                  <a:srgbClr val="000000"/>
+                </a:solidFill>
+                <a:latin typeface="Calibri"/>
+                <a:ea typeface="Calibri"/>
+                <a:cs typeface="Calibri"/>
+                <a:sym typeface="Calibri"/>
+              </a:rPr>
+              <a:t>keyBy() partitions DataStreams on keys</a:t>
+            </a:r>
+          </a:p>
+          <a:p>
+            <a:pPr marL="800280" lvl="1" indent="-343079">
+              <a:buClr>
+                <a:srgbClr val="34AD91"/>
+              </a:buClr>
+              <a:buSzPct val="100000"/>
+              <a:buFont typeface="Noto Sans Symbols"/>
+              <a:buChar char="▪"/>
+            </a:pPr>
+            <a:r>
+              <a:rPr lang="en-US" sz="2800" dirty="0">
+                <a:latin typeface="Calibri"/>
+                <a:ea typeface="Calibri"/>
+                <a:cs typeface="Calibri"/>
+                <a:sym typeface="Calibri"/>
+              </a:rPr>
+              <a:t>k</a:t>
+            </a:r>
+            <a:r>
+              <a:rPr lang="en" sz="2800" b="0" i="0" u="none" strike="noStrike" cap="none" dirty="0" smtClean="0">
+                <a:solidFill>
+                  <a:srgbClr val="000000"/>
+                </a:solidFill>
+                <a:latin typeface="Calibri"/>
+                <a:ea typeface="Calibri"/>
+                <a:cs typeface="Calibri"/>
+                <a:sym typeface="Calibri"/>
+              </a:rPr>
+              <a:t>eys </a:t>
+            </a:r>
+            <a:r>
+              <a:rPr lang="en" sz="2800" b="0" i="0" u="none" strike="noStrike" cap="none" dirty="0">
+                <a:solidFill>
+                  <a:srgbClr val="000000"/>
+                </a:solidFill>
+                <a:latin typeface="Calibri"/>
+                <a:ea typeface="Calibri"/>
+                <a:cs typeface="Calibri"/>
+                <a:sym typeface="Calibri"/>
+              </a:rPr>
+              <a:t>are extracted from each element</a:t>
+            </a:r>
+          </a:p>
+          <a:p>
+            <a:pPr marL="343080" marR="0" lvl="0" indent="-343080" algn="l" rtl="0">
+              <a:lnSpc>
+                <a:spcPct val="100000"/>
+              </a:lnSpc>
+              <a:spcBef>
+                <a:spcPts val="0"/>
+              </a:spcBef>
+              <a:buClr>
+                <a:srgbClr val="34AD91"/>
+              </a:buClr>
+              <a:buFont typeface="Noto Sans Symbols"/>
+              <a:buNone/>
+            </a:pPr>
+            <a:endParaRPr sz="3200" b="0" strike="noStrike" dirty="0">
+              <a:solidFill>
+                <a:srgbClr val="000000"/>
+              </a:solidFill>
+              <a:latin typeface="Calibri"/>
+              <a:ea typeface="Calibri"/>
+              <a:cs typeface="Calibri"/>
+              <a:sym typeface="Calibri"/>
+            </a:endParaRPr>
+          </a:p>
+          <a:p>
+            <a:pPr marL="343080" marR="0" lvl="0" indent="-343080" algn="l" rtl="0">
+              <a:lnSpc>
+                <a:spcPct val="100000"/>
+              </a:lnSpc>
+              <a:spcBef>
+                <a:spcPts val="0"/>
+              </a:spcBef>
+              <a:buClr>
+                <a:srgbClr val="34AD91"/>
+              </a:buClr>
+              <a:buSzPct val="100000"/>
+              <a:buFont typeface="Noto Sans Symbols"/>
+              <a:buChar char="▪"/>
+            </a:pPr>
+            <a:r>
+              <a:rPr lang="en" sz="3200" b="0" strike="noStrike" dirty="0">
+                <a:solidFill>
+                  <a:srgbClr val="000000"/>
+                </a:solidFill>
+                <a:latin typeface="Calibri"/>
+                <a:ea typeface="Calibri"/>
+                <a:cs typeface="Calibri"/>
+                <a:sym typeface="Calibri"/>
+              </a:rPr>
+              <a:t>Not all data types can be used as keys</a:t>
+            </a:r>
+          </a:p>
+          <a:p>
+            <a:pPr marL="743040" lvl="1" indent="-285840">
+              <a:buClr>
+                <a:srgbClr val="34AD91"/>
+              </a:buClr>
+              <a:buSzPct val="100000"/>
+              <a:buFont typeface="Arial"/>
+              <a:buChar char="▪"/>
+            </a:pPr>
+            <a:r>
+              <a:rPr lang="en-US" sz="2800" dirty="0" smtClean="0">
+                <a:solidFill>
+                  <a:schemeClr val="dk1"/>
+                </a:solidFill>
+                <a:latin typeface="Calibri"/>
+                <a:ea typeface="Calibri"/>
+                <a:cs typeface="Calibri"/>
+                <a:sym typeface="Calibri"/>
+              </a:rPr>
+              <a:t>can’t use arrays as</a:t>
+            </a:r>
+            <a:r>
+              <a:rPr lang="en" sz="2800" dirty="0" smtClean="0">
+                <a:solidFill>
+                  <a:schemeClr val="dk1"/>
+                </a:solidFill>
+                <a:latin typeface="Calibri"/>
+                <a:ea typeface="Calibri"/>
+                <a:cs typeface="Calibri"/>
+                <a:sym typeface="Calibri"/>
+              </a:rPr>
+              <a:t> key</a:t>
+            </a:r>
+            <a:r>
+              <a:rPr lang="en-US" sz="2800" dirty="0" smtClean="0">
+                <a:solidFill>
+                  <a:schemeClr val="dk1"/>
+                </a:solidFill>
+                <a:latin typeface="Calibri"/>
+                <a:ea typeface="Calibri"/>
+                <a:cs typeface="Calibri"/>
+                <a:sym typeface="Calibri"/>
+              </a:rPr>
+              <a:t>s</a:t>
+            </a:r>
+            <a:endParaRPr lang="en" sz="2800" dirty="0">
+              <a:solidFill>
+                <a:schemeClr val="dk1"/>
+              </a:solidFill>
+              <a:latin typeface="Calibri"/>
+              <a:ea typeface="Calibri"/>
+              <a:cs typeface="Calibri"/>
+              <a:sym typeface="Calibri"/>
+            </a:endParaRPr>
+          </a:p>
+          <a:p>
+            <a:pPr marL="743040" lvl="1" indent="-285840">
+              <a:buClr>
+                <a:srgbClr val="34AD91"/>
+              </a:buClr>
+              <a:buSzPct val="100000"/>
+              <a:buFont typeface="Arial"/>
+              <a:buChar char="▪"/>
+            </a:pPr>
+            <a:r>
+              <a:rPr lang="en" sz="2800" dirty="0" smtClean="0">
+                <a:solidFill>
+                  <a:schemeClr val="dk1"/>
+                </a:solidFill>
+                <a:latin typeface="Calibri"/>
+                <a:ea typeface="Calibri"/>
+                <a:cs typeface="Calibri"/>
+                <a:sym typeface="Calibri"/>
+              </a:rPr>
+              <a:t>key types must be comparable</a:t>
+            </a:r>
+            <a:endParaRPr lang="en" sz="2800" b="0" i="0" u="none" strike="noStrike" cap="none" dirty="0" smtClean="0">
+              <a:solidFill>
+                <a:schemeClr val="dk1"/>
+              </a:solidFill>
+              <a:latin typeface="Calibri"/>
+              <a:ea typeface="Calibri"/>
+              <a:cs typeface="Calibri"/>
+              <a:sym typeface="Calibri"/>
+            </a:endParaRPr>
+          </a:p>
+          <a:p>
+            <a:pPr marL="743040" marR="0" lvl="1" indent="-285840" algn="l" rtl="0">
+              <a:spcBef>
+                <a:spcPts val="0"/>
+              </a:spcBef>
+              <a:buClr>
+                <a:srgbClr val="34AD91"/>
+              </a:buClr>
+              <a:buFont typeface="Arial"/>
+              <a:buNone/>
+            </a:pPr>
+            <a:endParaRPr sz="2800" b="0" i="0" u="none" strike="noStrike" cap="none" dirty="0" smtClean="0">
+              <a:solidFill>
+                <a:schemeClr val="dk1"/>
+              </a:solidFill>
+              <a:latin typeface="Calibri"/>
+              <a:ea typeface="Calibri"/>
+              <a:cs typeface="Calibri"/>
+              <a:sym typeface="Calibri"/>
+            </a:endParaRPr>
+          </a:p>
+          <a:p>
+            <a:pPr marL="285840" marR="0" lvl="0" indent="-285840" algn="l" rtl="0">
+              <a:spcBef>
+                <a:spcPts val="0"/>
+              </a:spcBef>
+              <a:buClr>
+                <a:srgbClr val="34AD91"/>
+              </a:buClr>
+              <a:buSzPct val="100000"/>
+              <a:buFont typeface="Arial"/>
+              <a:buChar char="▪"/>
+            </a:pPr>
+            <a:r>
+              <a:rPr lang="en" sz="3200" dirty="0" smtClean="0">
+                <a:solidFill>
+                  <a:schemeClr val="dk1"/>
+                </a:solidFill>
+                <a:latin typeface="Calibri"/>
+                <a:ea typeface="Calibri"/>
+                <a:cs typeface="Calibri"/>
+                <a:sym typeface="Calibri"/>
+              </a:rPr>
+              <a:t>C</a:t>
+            </a:r>
+            <a:r>
+              <a:rPr lang="en" sz="3200" b="0" strike="noStrike" dirty="0" smtClean="0">
+                <a:solidFill>
+                  <a:schemeClr val="dk1"/>
+                </a:solidFill>
+                <a:latin typeface="Calibri"/>
+                <a:ea typeface="Calibri"/>
+                <a:cs typeface="Calibri"/>
+                <a:sym typeface="Calibri"/>
+              </a:rPr>
+              <a:t>omposite </a:t>
+            </a:r>
+            <a:r>
+              <a:rPr lang="en" sz="3200" b="0" strike="noStrike" dirty="0">
+                <a:solidFill>
+                  <a:schemeClr val="dk1"/>
+                </a:solidFill>
+                <a:latin typeface="Calibri"/>
+                <a:ea typeface="Calibri"/>
+                <a:cs typeface="Calibri"/>
+                <a:sym typeface="Calibri"/>
+              </a:rPr>
+              <a:t>types can be used as keys</a:t>
+            </a:r>
+          </a:p>
+          <a:p>
+            <a:pPr marL="743040" marR="0" lvl="1" indent="-285840" algn="l" rtl="0">
+              <a:spcBef>
+                <a:spcPts val="0"/>
+              </a:spcBef>
+              <a:buClr>
+                <a:srgbClr val="34AD91"/>
+              </a:buClr>
+              <a:buSzPct val="100000"/>
+              <a:buFont typeface="Arial"/>
+              <a:buChar char="▪"/>
+            </a:pPr>
+            <a:r>
+              <a:rPr lang="en" sz="2800" b="0" i="0" u="none" strike="noStrike" cap="none" dirty="0" smtClean="0">
+                <a:solidFill>
+                  <a:schemeClr val="dk1"/>
+                </a:solidFill>
+                <a:latin typeface="Calibri"/>
+                <a:ea typeface="Calibri"/>
+                <a:cs typeface="Calibri"/>
+                <a:sym typeface="Calibri"/>
+              </a:rPr>
+              <a:t>all the fields must be key types</a:t>
+            </a:r>
+          </a:p>
+          <a:p>
+            <a:pPr marL="743040" marR="0" lvl="1" indent="-285840" algn="l" rtl="0">
+              <a:spcBef>
+                <a:spcPts val="0"/>
+              </a:spcBef>
+              <a:buClr>
+                <a:srgbClr val="34AD91"/>
+              </a:buClr>
+              <a:buSzPct val="100000"/>
+              <a:buFont typeface="Arial"/>
+              <a:buChar char="▪"/>
+            </a:pPr>
+            <a:r>
+              <a:rPr lang="en" sz="2800" b="0" i="0" u="none" strike="noStrike" cap="none" dirty="0" smtClean="0">
+                <a:solidFill>
+                  <a:srgbClr val="000000"/>
+                </a:solidFill>
+                <a:latin typeface="Calibri"/>
+                <a:ea typeface="Calibri"/>
+                <a:cs typeface="Calibri"/>
+                <a:sym typeface="Calibri"/>
+              </a:rPr>
+              <a:t>nested </a:t>
+            </a:r>
+            <a:r>
+              <a:rPr lang="en" sz="2800" b="0" i="0" u="none" strike="noStrike" cap="none" dirty="0">
+                <a:solidFill>
+                  <a:srgbClr val="000000"/>
+                </a:solidFill>
+                <a:latin typeface="Calibri"/>
+                <a:ea typeface="Calibri"/>
+                <a:cs typeface="Calibri"/>
+                <a:sym typeface="Calibri"/>
+              </a:rPr>
+              <a:t>fields can also be used as keys</a:t>
+            </a:r>
+          </a:p>
+        </p:txBody>
+      </p:sp>
+      <p:sp>
+        <p:nvSpPr>
+          <p:cNvPr id="318" name="Shape 318"/>
+          <p:cNvSpPr txBox="1"/>
+          <p:nvPr/>
+        </p:nvSpPr>
+        <p:spPr>
+          <a:xfrm>
+            <a:off x="6553080" y="6356519"/>
+            <a:ext cx="2133360" cy="364679"/>
+          </a:xfrm>
+          <a:prstGeom prst="rect">
+            <a:avLst/>
+          </a:prstGeom>
+          <a:noFill/>
+          <a:ln>
+            <a:noFill/>
+          </a:ln>
+        </p:spPr>
+        <p:txBody>
+          <a:bodyPr lIns="91425" tIns="45700" rIns="91425" bIns="45700" anchor="ctr" anchorCtr="0">
+            <a:noAutofit/>
+          </a:bodyPr>
+          <a:lstStyle/>
+          <a:p>
+            <a:pPr marL="0" marR="0" lvl="0" indent="0" algn="r" rtl="0">
+              <a:lnSpc>
+                <a:spcPct val="100000"/>
+              </a:lnSpc>
+              <a:spcBef>
+                <a:spcPts val="0"/>
+              </a:spcBef>
+              <a:buSzPct val="25000"/>
+              <a:buNone/>
+            </a:pPr>
+            <a:fld id="{00000000-1234-1234-1234-123412341234}" type="slidenum">
+              <a:rPr lang="en" sz="1200" b="0" strike="noStrike">
+                <a:solidFill>
+                  <a:srgbClr val="8B8B8B"/>
+                </a:solidFill>
+                <a:latin typeface="Calibri"/>
+                <a:ea typeface="Calibri"/>
+                <a:cs typeface="Calibri"/>
+                <a:sym typeface="Calibri"/>
+              </a:rPr>
               <a:t>29</a:t>
             </a:fld>
             <a:endParaRPr lang="en" sz="1200" b="0" strike="noStrike">
               <a:solidFill>
-                <a:srgbClr val="FFFFFF"/>
+                <a:srgbClr val="8B8B8B"/>
               </a:solidFill>
               <a:latin typeface="Calibri"/>
               <a:ea typeface="Calibri"/>
@@ -32845,504 +32531,6 @@
   <p:cSld>
     <p:spTree>
       <p:nvGrpSpPr>
-        <p:cNvPr id="1" name="Shape 315"/>
-        <p:cNvGrpSpPr/>
-        <p:nvPr/>
-      </p:nvGrpSpPr>
-      <p:grpSpPr>
-        <a:xfrm>
-          <a:off x="0" y="0"/>
-          <a:ext cx="0" cy="0"/>
-          <a:chOff x="0" y="0"/>
-          <a:chExt cx="0" cy="0"/>
-        </a:xfrm>
-      </p:grpSpPr>
-      <p:sp>
-        <p:nvSpPr>
-          <p:cNvPr id="316" name="Shape 316"/>
-          <p:cNvSpPr txBox="1"/>
-          <p:nvPr/>
-        </p:nvSpPr>
-        <p:spPr>
-          <a:xfrm>
-            <a:off x="457200" y="334195"/>
-            <a:ext cx="7474320" cy="838683"/>
-          </a:xfrm>
-          <a:prstGeom prst="rect">
-            <a:avLst/>
-          </a:prstGeom>
-          <a:noFill/>
-          <a:ln>
-            <a:noFill/>
-          </a:ln>
-        </p:spPr>
-        <p:txBody>
-          <a:bodyPr lIns="91425" tIns="45700" rIns="91425" bIns="45700" anchor="ctr" anchorCtr="0">
-            <a:noAutofit/>
-          </a:bodyPr>
-          <a:lstStyle/>
-          <a:p>
-            <a:pPr marL="0" marR="0" lvl="0" indent="0" algn="l" rtl="0">
-              <a:lnSpc>
-                <a:spcPct val="100000"/>
-              </a:lnSpc>
-              <a:spcBef>
-                <a:spcPts val="0"/>
-              </a:spcBef>
-              <a:buSzPct val="25000"/>
-              <a:buNone/>
-            </a:pPr>
-            <a:r>
-              <a:rPr lang="en" sz="4400">
-                <a:solidFill>
-                  <a:srgbClr val="000000"/>
-                </a:solidFill>
-                <a:latin typeface="Calibri"/>
-                <a:ea typeface="Calibri"/>
-                <a:cs typeface="Calibri"/>
-                <a:sym typeface="Calibri"/>
-              </a:rPr>
-              <a:t>Keyed Streams</a:t>
-            </a:r>
-          </a:p>
-        </p:txBody>
-      </p:sp>
-      <p:sp>
-        <p:nvSpPr>
-          <p:cNvPr id="317" name="Shape 317"/>
-          <p:cNvSpPr txBox="1"/>
-          <p:nvPr/>
-        </p:nvSpPr>
-        <p:spPr>
-          <a:xfrm>
-            <a:off x="457200" y="1474200"/>
-            <a:ext cx="8443440" cy="5246640"/>
-          </a:xfrm>
-          <a:prstGeom prst="rect">
-            <a:avLst/>
-          </a:prstGeom>
-          <a:noFill/>
-          <a:ln>
-            <a:noFill/>
-          </a:ln>
-        </p:spPr>
-        <p:txBody>
-          <a:bodyPr lIns="91425" tIns="45700" rIns="91425" bIns="45700" anchor="t" anchorCtr="0">
-            <a:noAutofit/>
-          </a:bodyPr>
-          <a:lstStyle/>
-          <a:p>
-            <a:pPr marL="343080" marR="0" lvl="1" indent="-343080" algn="l" rtl="0">
-              <a:spcBef>
-                <a:spcPts val="0"/>
-              </a:spcBef>
-              <a:buClr>
-                <a:srgbClr val="34AD91"/>
-              </a:buClr>
-              <a:buSzPct val="100000"/>
-              <a:buFont typeface="Noto Sans Symbols"/>
-              <a:buChar char="▪"/>
-            </a:pPr>
-            <a:r>
-              <a:rPr lang="en" sz="3200" b="0" i="0" u="none" strike="noStrike" cap="none" dirty="0">
-                <a:solidFill>
-                  <a:srgbClr val="000000"/>
-                </a:solidFill>
-                <a:latin typeface="Calibri"/>
-                <a:ea typeface="Calibri"/>
-                <a:cs typeface="Calibri"/>
-                <a:sym typeface="Calibri"/>
-              </a:rPr>
-              <a:t>keyBy() partitions DataStreams on keys</a:t>
-            </a:r>
-          </a:p>
-          <a:p>
-            <a:pPr marL="800280" lvl="1" indent="-343079">
-              <a:buClr>
-                <a:srgbClr val="34AD91"/>
-              </a:buClr>
-              <a:buSzPct val="100000"/>
-              <a:buFont typeface="Noto Sans Symbols"/>
-              <a:buChar char="▪"/>
-            </a:pPr>
-            <a:r>
-              <a:rPr lang="en-US" sz="2800" dirty="0">
-                <a:latin typeface="Calibri"/>
-                <a:ea typeface="Calibri"/>
-                <a:cs typeface="Calibri"/>
-                <a:sym typeface="Calibri"/>
-              </a:rPr>
-              <a:t>k</a:t>
-            </a:r>
-            <a:r>
-              <a:rPr lang="en" sz="2800" b="0" i="0" u="none" strike="noStrike" cap="none" dirty="0" smtClean="0">
-                <a:solidFill>
-                  <a:srgbClr val="000000"/>
-                </a:solidFill>
-                <a:latin typeface="Calibri"/>
-                <a:ea typeface="Calibri"/>
-                <a:cs typeface="Calibri"/>
-                <a:sym typeface="Calibri"/>
-              </a:rPr>
-              <a:t>eys </a:t>
-            </a:r>
-            <a:r>
-              <a:rPr lang="en" sz="2800" b="0" i="0" u="none" strike="noStrike" cap="none" dirty="0">
-                <a:solidFill>
-                  <a:srgbClr val="000000"/>
-                </a:solidFill>
-                <a:latin typeface="Calibri"/>
-                <a:ea typeface="Calibri"/>
-                <a:cs typeface="Calibri"/>
-                <a:sym typeface="Calibri"/>
-              </a:rPr>
-              <a:t>are extracted from each element</a:t>
-            </a:r>
-          </a:p>
-          <a:p>
-            <a:pPr marL="343080" marR="0" lvl="0" indent="-343080" algn="l" rtl="0">
-              <a:lnSpc>
-                <a:spcPct val="100000"/>
-              </a:lnSpc>
-              <a:spcBef>
-                <a:spcPts val="0"/>
-              </a:spcBef>
-              <a:buClr>
-                <a:srgbClr val="34AD91"/>
-              </a:buClr>
-              <a:buFont typeface="Noto Sans Symbols"/>
-              <a:buNone/>
-            </a:pPr>
-            <a:endParaRPr sz="3200" b="0" strike="noStrike" dirty="0">
-              <a:solidFill>
-                <a:srgbClr val="000000"/>
-              </a:solidFill>
-              <a:latin typeface="Calibri"/>
-              <a:ea typeface="Calibri"/>
-              <a:cs typeface="Calibri"/>
-              <a:sym typeface="Calibri"/>
-            </a:endParaRPr>
-          </a:p>
-          <a:p>
-            <a:pPr marL="343080" marR="0" lvl="0" indent="-343080" algn="l" rtl="0">
-              <a:lnSpc>
-                <a:spcPct val="100000"/>
-              </a:lnSpc>
-              <a:spcBef>
-                <a:spcPts val="0"/>
-              </a:spcBef>
-              <a:buClr>
-                <a:srgbClr val="34AD91"/>
-              </a:buClr>
-              <a:buSzPct val="100000"/>
-              <a:buFont typeface="Noto Sans Symbols"/>
-              <a:buChar char="▪"/>
-            </a:pPr>
-            <a:r>
-              <a:rPr lang="en" sz="3200" b="0" strike="noStrike" dirty="0">
-                <a:solidFill>
-                  <a:srgbClr val="000000"/>
-                </a:solidFill>
-                <a:latin typeface="Calibri"/>
-                <a:ea typeface="Calibri"/>
-                <a:cs typeface="Calibri"/>
-                <a:sym typeface="Calibri"/>
-              </a:rPr>
-              <a:t>Not all data types can be used as keys</a:t>
-            </a:r>
-          </a:p>
-          <a:p>
-            <a:pPr marL="743040" lvl="1" indent="-285840">
-              <a:buClr>
-                <a:srgbClr val="34AD91"/>
-              </a:buClr>
-              <a:buSzPct val="100000"/>
-              <a:buFont typeface="Arial"/>
-              <a:buChar char="▪"/>
-            </a:pPr>
-            <a:r>
-              <a:rPr lang="en-US" sz="2800" dirty="0" smtClean="0">
-                <a:solidFill>
-                  <a:schemeClr val="dk1"/>
-                </a:solidFill>
-                <a:latin typeface="Calibri"/>
-                <a:ea typeface="Calibri"/>
-                <a:cs typeface="Calibri"/>
-                <a:sym typeface="Calibri"/>
-              </a:rPr>
-              <a:t>can’t use arrays as</a:t>
-            </a:r>
-            <a:r>
-              <a:rPr lang="en" sz="2800" dirty="0" smtClean="0">
-                <a:solidFill>
-                  <a:schemeClr val="dk1"/>
-                </a:solidFill>
-                <a:latin typeface="Calibri"/>
-                <a:ea typeface="Calibri"/>
-                <a:cs typeface="Calibri"/>
-                <a:sym typeface="Calibri"/>
-              </a:rPr>
-              <a:t> key</a:t>
-            </a:r>
-            <a:r>
-              <a:rPr lang="en-US" sz="2800" dirty="0" smtClean="0">
-                <a:solidFill>
-                  <a:schemeClr val="dk1"/>
-                </a:solidFill>
-                <a:latin typeface="Calibri"/>
-                <a:ea typeface="Calibri"/>
-                <a:cs typeface="Calibri"/>
-                <a:sym typeface="Calibri"/>
-              </a:rPr>
-              <a:t>s</a:t>
-            </a:r>
-            <a:endParaRPr lang="en" sz="2800" dirty="0">
-              <a:solidFill>
-                <a:schemeClr val="dk1"/>
-              </a:solidFill>
-              <a:latin typeface="Calibri"/>
-              <a:ea typeface="Calibri"/>
-              <a:cs typeface="Calibri"/>
-              <a:sym typeface="Calibri"/>
-            </a:endParaRPr>
-          </a:p>
-          <a:p>
-            <a:pPr marL="743040" lvl="1" indent="-285840">
-              <a:buClr>
-                <a:srgbClr val="34AD91"/>
-              </a:buClr>
-              <a:buSzPct val="100000"/>
-              <a:buFont typeface="Arial"/>
-              <a:buChar char="▪"/>
-            </a:pPr>
-            <a:r>
-              <a:rPr lang="en" sz="2800" dirty="0" smtClean="0">
-                <a:solidFill>
-                  <a:schemeClr val="dk1"/>
-                </a:solidFill>
-                <a:latin typeface="Calibri"/>
-                <a:ea typeface="Calibri"/>
-                <a:cs typeface="Calibri"/>
-                <a:sym typeface="Calibri"/>
-              </a:rPr>
-              <a:t>key types must be comparable</a:t>
-            </a:r>
-            <a:endParaRPr lang="en" sz="2800" b="0" i="0" u="none" strike="noStrike" cap="none" dirty="0" smtClean="0">
-              <a:solidFill>
-                <a:schemeClr val="dk1"/>
-              </a:solidFill>
-              <a:latin typeface="Calibri"/>
-              <a:ea typeface="Calibri"/>
-              <a:cs typeface="Calibri"/>
-              <a:sym typeface="Calibri"/>
-            </a:endParaRPr>
-          </a:p>
-          <a:p>
-            <a:pPr marL="743040" marR="0" lvl="1" indent="-285840" algn="l" rtl="0">
-              <a:spcBef>
-                <a:spcPts val="0"/>
-              </a:spcBef>
-              <a:buClr>
-                <a:srgbClr val="34AD91"/>
-              </a:buClr>
-              <a:buFont typeface="Arial"/>
-              <a:buNone/>
-            </a:pPr>
-            <a:endParaRPr sz="2800" b="0" i="0" u="none" strike="noStrike" cap="none" dirty="0" smtClean="0">
-              <a:solidFill>
-                <a:schemeClr val="dk1"/>
-              </a:solidFill>
-              <a:latin typeface="Calibri"/>
-              <a:ea typeface="Calibri"/>
-              <a:cs typeface="Calibri"/>
-              <a:sym typeface="Calibri"/>
-            </a:endParaRPr>
-          </a:p>
-          <a:p>
-            <a:pPr marL="285840" marR="0" lvl="0" indent="-285840" algn="l" rtl="0">
-              <a:spcBef>
-                <a:spcPts val="0"/>
-              </a:spcBef>
-              <a:buClr>
-                <a:srgbClr val="34AD91"/>
-              </a:buClr>
-              <a:buSzPct val="100000"/>
-              <a:buFont typeface="Arial"/>
-              <a:buChar char="▪"/>
-            </a:pPr>
-            <a:r>
-              <a:rPr lang="en" sz="3200" dirty="0" smtClean="0">
-                <a:solidFill>
-                  <a:schemeClr val="dk1"/>
-                </a:solidFill>
-                <a:latin typeface="Calibri"/>
-                <a:ea typeface="Calibri"/>
-                <a:cs typeface="Calibri"/>
-                <a:sym typeface="Calibri"/>
-              </a:rPr>
-              <a:t>C</a:t>
-            </a:r>
-            <a:r>
-              <a:rPr lang="en" sz="3200" b="0" strike="noStrike" dirty="0" smtClean="0">
-                <a:solidFill>
-                  <a:schemeClr val="dk1"/>
-                </a:solidFill>
-                <a:latin typeface="Calibri"/>
-                <a:ea typeface="Calibri"/>
-                <a:cs typeface="Calibri"/>
-                <a:sym typeface="Calibri"/>
-              </a:rPr>
-              <a:t>omposite </a:t>
-            </a:r>
-            <a:r>
-              <a:rPr lang="en" sz="3200" b="0" strike="noStrike" dirty="0">
-                <a:solidFill>
-                  <a:schemeClr val="dk1"/>
-                </a:solidFill>
-                <a:latin typeface="Calibri"/>
-                <a:ea typeface="Calibri"/>
-                <a:cs typeface="Calibri"/>
-                <a:sym typeface="Calibri"/>
-              </a:rPr>
-              <a:t>types can be used as keys</a:t>
-            </a:r>
-          </a:p>
-          <a:p>
-            <a:pPr marL="743040" marR="0" lvl="1" indent="-285840" algn="l" rtl="0">
-              <a:spcBef>
-                <a:spcPts val="0"/>
-              </a:spcBef>
-              <a:buClr>
-                <a:srgbClr val="34AD91"/>
-              </a:buClr>
-              <a:buSzPct val="100000"/>
-              <a:buFont typeface="Arial"/>
-              <a:buChar char="▪"/>
-            </a:pPr>
-            <a:r>
-              <a:rPr lang="en" sz="2800" b="0" i="0" u="none" strike="noStrike" cap="none" dirty="0" smtClean="0">
-                <a:solidFill>
-                  <a:schemeClr val="dk1"/>
-                </a:solidFill>
-                <a:latin typeface="Calibri"/>
-                <a:ea typeface="Calibri"/>
-                <a:cs typeface="Calibri"/>
-                <a:sym typeface="Calibri"/>
-              </a:rPr>
-              <a:t>all the fields must be key types</a:t>
-            </a:r>
-          </a:p>
-          <a:p>
-            <a:pPr marL="743040" marR="0" lvl="1" indent="-285840" algn="l" rtl="0">
-              <a:spcBef>
-                <a:spcPts val="0"/>
-              </a:spcBef>
-              <a:buClr>
-                <a:srgbClr val="34AD91"/>
-              </a:buClr>
-              <a:buSzPct val="100000"/>
-              <a:buFont typeface="Arial"/>
-              <a:buChar char="▪"/>
-            </a:pPr>
-            <a:r>
-              <a:rPr lang="en" sz="2800" b="0" i="0" u="none" strike="noStrike" cap="none" dirty="0" smtClean="0">
-                <a:solidFill>
-                  <a:srgbClr val="000000"/>
-                </a:solidFill>
-                <a:latin typeface="Calibri"/>
-                <a:ea typeface="Calibri"/>
-                <a:cs typeface="Calibri"/>
-                <a:sym typeface="Calibri"/>
-              </a:rPr>
-              <a:t>nested </a:t>
-            </a:r>
-            <a:r>
-              <a:rPr lang="en" sz="2800" b="0" i="0" u="none" strike="noStrike" cap="none" dirty="0">
-                <a:solidFill>
-                  <a:srgbClr val="000000"/>
-                </a:solidFill>
-                <a:latin typeface="Calibri"/>
-                <a:ea typeface="Calibri"/>
-                <a:cs typeface="Calibri"/>
-                <a:sym typeface="Calibri"/>
-              </a:rPr>
-              <a:t>fields can also be used as keys</a:t>
-            </a:r>
-          </a:p>
-        </p:txBody>
-      </p:sp>
-      <p:sp>
-        <p:nvSpPr>
-          <p:cNvPr id="318" name="Shape 318"/>
-          <p:cNvSpPr txBox="1"/>
-          <p:nvPr/>
-        </p:nvSpPr>
-        <p:spPr>
-          <a:xfrm>
-            <a:off x="6553080" y="6356519"/>
-            <a:ext cx="2133360" cy="364679"/>
-          </a:xfrm>
-          <a:prstGeom prst="rect">
-            <a:avLst/>
-          </a:prstGeom>
-          <a:noFill/>
-          <a:ln>
-            <a:noFill/>
-          </a:ln>
-        </p:spPr>
-        <p:txBody>
-          <a:bodyPr lIns="91425" tIns="45700" rIns="91425" bIns="45700" anchor="ctr" anchorCtr="0">
-            <a:noAutofit/>
-          </a:bodyPr>
-          <a:lstStyle/>
-          <a:p>
-            <a:pPr marL="0" marR="0" lvl="0" indent="0" algn="r" rtl="0">
-              <a:lnSpc>
-                <a:spcPct val="100000"/>
-              </a:lnSpc>
-              <a:spcBef>
-                <a:spcPts val="0"/>
-              </a:spcBef>
-              <a:buSzPct val="25000"/>
-              <a:buNone/>
-            </a:pPr>
-            <a:fld id="{00000000-1234-1234-1234-123412341234}" type="slidenum">
-              <a:rPr lang="en" sz="1200" b="0" strike="noStrike">
-                <a:solidFill>
-                  <a:srgbClr val="8B8B8B"/>
-                </a:solidFill>
-                <a:latin typeface="Calibri"/>
-                <a:ea typeface="Calibri"/>
-                <a:cs typeface="Calibri"/>
-                <a:sym typeface="Calibri"/>
-              </a:rPr>
-              <a:t>30</a:t>
-            </a:fld>
-            <a:endParaRPr lang="en" sz="1200" b="0" strike="noStrike">
-              <a:solidFill>
-                <a:srgbClr val="8B8B8B"/>
-              </a:solidFill>
-              <a:latin typeface="Calibri"/>
-              <a:ea typeface="Calibri"/>
-              <a:cs typeface="Calibri"/>
-              <a:sym typeface="Calibri"/>
-            </a:endParaRPr>
-          </a:p>
-        </p:txBody>
-      </p:sp>
-    </p:spTree>
-  </p:cSld>
-  <p:clrMapOvr>
-    <a:masterClrMapping/>
-  </p:clrMapOvr>
-</p:sld>
-</file>
-
-<file path=ppt/slides/slide31.xml><?xml version="1.0" encoding="utf-8"?>
-<p:sld xmlns:a="http://schemas.openxmlformats.org/drawingml/2006/main" xmlns:r="http://schemas.openxmlformats.org/officeDocument/2006/relationships" xmlns:p="http://schemas.openxmlformats.org/presentationml/2006/main">
-  <p:cSld>
-    <p:spTree>
-      <p:nvGrpSpPr>
         <p:cNvPr id="1" name="Shape 322"/>
         <p:cNvGrpSpPr/>
         <p:nvPr/>
@@ -33820,7 +33008,7 @@
                 <a:cs typeface="Calibri"/>
                 <a:sym typeface="Calibri"/>
               </a:rPr>
-              <a:t>31</a:t>
+              <a:t>30</a:t>
             </a:fld>
             <a:endParaRPr lang="en" sz="1200" b="0" strike="noStrike">
               <a:solidFill>
@@ -33842,7 +33030,7 @@
 </p:sld>
 </file>
 
-<file path=ppt/slides/slide32.xml><?xml version="1.0" encoding="utf-8"?>
+<file path=ppt/slides/slide31.xml><?xml version="1.0" encoding="utf-8"?>
 <p:sld xmlns:a="http://schemas.openxmlformats.org/drawingml/2006/main" xmlns:r="http://schemas.openxmlformats.org/officeDocument/2006/relationships" xmlns:p="http://schemas.openxmlformats.org/presentationml/2006/main">
   <p:cSld>
     <p:spTree>
@@ -34176,7 +33364,7 @@
                 <a:cs typeface="Calibri"/>
                 <a:sym typeface="Calibri"/>
               </a:rPr>
-              <a:t>32</a:t>
+              <a:t>31</a:t>
             </a:fld>
             <a:endParaRPr lang="en" sz="1200" b="0" strike="noStrike">
               <a:solidFill>
@@ -34198,7 +33386,7 @@
 </p:sld>
 </file>
 
-<file path=ppt/slides/slide33.xml><?xml version="1.0" encoding="utf-8"?>
+<file path=ppt/slides/slide32.xml><?xml version="1.0" encoding="utf-8"?>
 <p:sld xmlns:a="http://schemas.openxmlformats.org/drawingml/2006/main" xmlns:r="http://schemas.openxmlformats.org/officeDocument/2006/relationships" xmlns:p="http://schemas.openxmlformats.org/presentationml/2006/main">
   <p:cSld>
     <p:spTree>
@@ -34580,7 +33768,7 @@
                 <a:cs typeface="Calibri"/>
                 <a:sym typeface="Calibri"/>
               </a:rPr>
-              <a:t>33</a:t>
+              <a:t>32</a:t>
             </a:fld>
             <a:endParaRPr lang="en" sz="1200" b="0" strike="noStrike">
               <a:solidFill>
@@ -34602,7 +33790,7 @@
 </p:sld>
 </file>
 
-<file path=ppt/slides/slide34.xml><?xml version="1.0" encoding="utf-8"?>
+<file path=ppt/slides/slide33.xml><?xml version="1.0" encoding="utf-8"?>
 <p:sld xmlns:a="http://schemas.openxmlformats.org/drawingml/2006/main" xmlns:r="http://schemas.openxmlformats.org/officeDocument/2006/relationships" xmlns:p="http://schemas.openxmlformats.org/presentationml/2006/main">
   <p:cSld>
     <p:spTree>
@@ -34757,7 +33945,7 @@
                 <a:cs typeface="Calibri"/>
                 <a:sym typeface="Calibri"/>
               </a:rPr>
-              <a:t>34</a:t>
+              <a:t>33</a:t>
             </a:fld>
             <a:endParaRPr lang="en" sz="1200" b="0" strike="noStrike">
               <a:solidFill>
@@ -34814,7 +34002,7 @@
 </p:sld>
 </file>
 
-<file path=ppt/slides/slide35.xml><?xml version="1.0" encoding="utf-8"?>
+<file path=ppt/slides/slide34.xml><?xml version="1.0" encoding="utf-8"?>
 <p:sld xmlns:a="http://schemas.openxmlformats.org/drawingml/2006/main" xmlns:r="http://schemas.openxmlformats.org/officeDocument/2006/relationships" xmlns:p="http://schemas.openxmlformats.org/presentationml/2006/main">
   <p:cSld>
     <p:spTree>
@@ -35095,7 +34283,7 @@
                 <a:cs typeface="Calibri"/>
                 <a:sym typeface="Calibri"/>
               </a:rPr>
-              <a:t>35</a:t>
+              <a:t>34</a:t>
             </a:fld>
             <a:endParaRPr lang="en" sz="1200" b="0" strike="noStrike">
               <a:solidFill>
@@ -35324,7 +34512,7 @@
 </p:sld>
 </file>
 
-<file path=ppt/slides/slide36.xml><?xml version="1.0" encoding="utf-8"?>
+<file path=ppt/slides/slide35.xml><?xml version="1.0" encoding="utf-8"?>
 <p:sld xmlns:a="http://schemas.openxmlformats.org/drawingml/2006/main" xmlns:r="http://schemas.openxmlformats.org/officeDocument/2006/relationships" xmlns:p="http://schemas.openxmlformats.org/presentationml/2006/main">
   <p:cSld>
     <p:spTree>
@@ -35436,7 +34624,7 @@
                 <a:cs typeface="Calibri"/>
                 <a:sym typeface="Calibri"/>
               </a:rPr>
-              <a:t>36</a:t>
+              <a:t>35</a:t>
             </a:fld>
             <a:endParaRPr lang="en" sz="1200" b="0" strike="noStrike">
               <a:solidFill>
@@ -36361,7 +35549,7 @@
 </p:sld>
 </file>
 
-<file path=ppt/slides/slide37.xml><?xml version="1.0" encoding="utf-8"?>
+<file path=ppt/slides/slide36.xml><?xml version="1.0" encoding="utf-8"?>
 <p:sld xmlns:a="http://schemas.openxmlformats.org/drawingml/2006/main" xmlns:r="http://schemas.openxmlformats.org/officeDocument/2006/relationships" xmlns:p="http://schemas.openxmlformats.org/presentationml/2006/main">
   <p:cSld>
     <p:spTree>
@@ -36473,7 +35661,7 @@
                 <a:cs typeface="Calibri"/>
                 <a:sym typeface="Calibri"/>
               </a:rPr>
-              <a:t>37</a:t>
+              <a:t>36</a:t>
             </a:fld>
             <a:endParaRPr lang="en" sz="1200" b="0" strike="noStrike">
               <a:solidFill>
@@ -36520,7 +35708,7 @@
               <a:buNone/>
             </a:pPr>
             <a:r>
-              <a:rPr lang="en" sz="1600" b="0" strike="noStrike">
+              <a:rPr lang="en" sz="1600" b="0" strike="noStrike" dirty="0">
                 <a:solidFill>
                   <a:schemeClr val="dk1"/>
                 </a:solidFill>
@@ -36541,7 +35729,7 @@
               <a:buNone/>
             </a:pPr>
             <a:r>
-              <a:rPr lang="en" sz="1600" b="0" strike="noStrike">
+              <a:rPr lang="en" sz="1600" b="0" strike="noStrike" dirty="0">
                 <a:solidFill>
                   <a:schemeClr val="dk1"/>
                 </a:solidFill>
@@ -36553,7 +35741,7 @@
               <a:t>  StreamExecutionEnvironment.getExecutionEnvironment();</a:t>
             </a:r>
             <a:r>
-              <a:rPr lang="en" sz="1600" b="0" i="1" strike="noStrike">
+              <a:rPr lang="en" sz="1600" b="0" i="1" strike="noStrike" dirty="0">
                 <a:solidFill>
                   <a:schemeClr val="dk1"/>
                 </a:solidFill>
@@ -36565,7 +35753,7 @@
               <a:t/>
             </a:r>
             <a:br>
-              <a:rPr lang="en" sz="1600" b="0" i="1" strike="noStrike">
+              <a:rPr lang="en" sz="1600" b="0" i="1" strike="noStrike" dirty="0">
                 <a:solidFill>
                   <a:schemeClr val="dk1"/>
                 </a:solidFill>
@@ -36575,7 +35763,7 @@
                 <a:sym typeface="Consolas"/>
               </a:rPr>
             </a:br>
-            <a:endParaRPr lang="en" sz="1600" b="0" i="1" strike="noStrike">
+            <a:endParaRPr lang="en" sz="1600" b="0" i="1" strike="noStrike" dirty="0">
               <a:solidFill>
                 <a:schemeClr val="dk1"/>
               </a:solidFill>
@@ -36594,7 +35782,7 @@
               <a:buNone/>
             </a:pPr>
             <a:r>
-              <a:rPr lang="en" sz="1600" b="0" strike="noStrike">
+              <a:rPr lang="en" sz="1600" b="0" strike="noStrike" dirty="0">
                 <a:solidFill>
                   <a:schemeClr val="dk1"/>
                 </a:solidFill>
@@ -36606,7 +35794,7 @@
               <a:t>DataStream&lt;String&gt; </a:t>
             </a:r>
             <a:r>
-              <a:rPr lang="en" sz="1600" b="0" strike="noStrike">
+              <a:rPr lang="en" sz="1600" b="0" strike="noStrike" dirty="0">
                 <a:solidFill>
                   <a:srgbClr val="FF0000"/>
                 </a:solidFill>
@@ -36618,7 +35806,7 @@
               <a:t>control </a:t>
             </a:r>
             <a:r>
-              <a:rPr lang="en" sz="1600" b="0" strike="noStrike">
+              <a:rPr lang="en" sz="1600" b="0" strike="noStrike" dirty="0">
                 <a:solidFill>
                   <a:schemeClr val="dk1"/>
                 </a:solidFill>
@@ -36639,7 +35827,7 @@
               <a:buNone/>
             </a:pPr>
             <a:r>
-              <a:rPr lang="en" sz="1600">
+              <a:rPr lang="en" sz="1600" dirty="0">
                 <a:solidFill>
                   <a:schemeClr val="dk1"/>
                 </a:solidFill>
@@ -36651,7 +35839,7 @@
               <a:t>    </a:t>
             </a:r>
             <a:r>
-              <a:rPr lang="en" sz="1600" b="0" strike="noStrike">
+              <a:rPr lang="en" sz="1600" b="0" strike="noStrike" dirty="0">
                 <a:solidFill>
                   <a:schemeClr val="dk1"/>
                 </a:solidFill>
@@ -36663,7 +35851,7 @@
               <a:t>env.fromElements(</a:t>
             </a:r>
             <a:r>
-              <a:rPr lang="en" sz="1600" b="1" strike="noStrike">
+              <a:rPr lang="en" sz="1600" b="1" strike="noStrike" dirty="0">
                 <a:solidFill>
                   <a:srgbClr val="008000"/>
                 </a:solidFill>
@@ -36675,7 +35863,7 @@
               <a:t>"DROP"</a:t>
             </a:r>
             <a:r>
-              <a:rPr lang="en" sz="1600" b="0" strike="noStrike">
+              <a:rPr lang="en" sz="1600" b="0" strike="noStrike" dirty="0">
                 <a:solidFill>
                   <a:schemeClr val="dk1"/>
                 </a:solidFill>
@@ -36687,7 +35875,7 @@
               <a:t>, </a:t>
             </a:r>
             <a:r>
-              <a:rPr lang="en" sz="1600" b="1" strike="noStrike">
+              <a:rPr lang="en" sz="1600" b="1" strike="noStrike" dirty="0">
                 <a:solidFill>
                   <a:srgbClr val="008000"/>
                 </a:solidFill>
@@ -36699,7 +35887,7 @@
               <a:t>"IGNORE"</a:t>
             </a:r>
             <a:r>
-              <a:rPr lang="en" sz="1600" b="0" strike="noStrike">
+              <a:rPr lang="en" sz="1600" b="0" strike="noStrike" dirty="0">
                 <a:solidFill>
                   <a:schemeClr val="dk1"/>
                 </a:solidFill>
@@ -36711,7 +35899,7 @@
               <a:t>);</a:t>
             </a:r>
             <a:br>
-              <a:rPr lang="en" sz="1600" b="0" strike="noStrike">
+              <a:rPr lang="en" sz="1600" b="0" strike="noStrike" dirty="0">
                 <a:solidFill>
                   <a:schemeClr val="dk1"/>
                 </a:solidFill>
@@ -36721,7 +35909,7 @@
                 <a:sym typeface="Consolas"/>
               </a:rPr>
             </a:br>
-            <a:endParaRPr lang="en" sz="1600" b="0" strike="noStrike">
+            <a:endParaRPr lang="en" sz="1600" b="0" strike="noStrike" dirty="0">
               <a:solidFill>
                 <a:schemeClr val="dk1"/>
               </a:solidFill>
@@ -36740,7 +35928,7 @@
               <a:buNone/>
             </a:pPr>
             <a:r>
-              <a:rPr lang="en" sz="1600" b="0" strike="noStrike">
+              <a:rPr lang="en" sz="1600" b="0" strike="noStrike" dirty="0">
                 <a:solidFill>
                   <a:schemeClr val="dk1"/>
                 </a:solidFill>
@@ -36752,7 +35940,7 @@
               <a:t>DataStream&lt;String&gt; </a:t>
             </a:r>
             <a:r>
-              <a:rPr lang="en" sz="1600" b="0" strike="noStrike">
+              <a:rPr lang="en" sz="1600" b="0" strike="noStrike" dirty="0">
                 <a:solidFill>
                   <a:srgbClr val="FF0000"/>
                 </a:solidFill>
@@ -36764,7 +35952,7 @@
               <a:t>data </a:t>
             </a:r>
             <a:r>
-              <a:rPr lang="en" sz="1600" b="0" strike="noStrike">
+              <a:rPr lang="en" sz="1600" b="0" strike="noStrike" dirty="0">
                 <a:solidFill>
                   <a:schemeClr val="dk1"/>
                 </a:solidFill>
@@ -36785,7 +35973,7 @@
               <a:buNone/>
             </a:pPr>
             <a:r>
-              <a:rPr lang="en" sz="1600">
+              <a:rPr lang="en" sz="1600" dirty="0">
                 <a:solidFill>
                   <a:schemeClr val="dk1"/>
                 </a:solidFill>
@@ -36797,7 +35985,7 @@
               <a:t>    </a:t>
             </a:r>
             <a:r>
-              <a:rPr lang="en" sz="1600" b="0" strike="noStrike">
+              <a:rPr lang="en" sz="1600" b="0" strike="noStrike" dirty="0">
                 <a:solidFill>
                   <a:schemeClr val="dk1"/>
                 </a:solidFill>
@@ -36809,7 +35997,7 @@
               <a:t>env.fromElements(</a:t>
             </a:r>
             <a:r>
-              <a:rPr lang="en" sz="1600" b="1" strike="noStrike">
+              <a:rPr lang="en" sz="1600" b="1" strike="noStrike" dirty="0">
                 <a:solidFill>
                   <a:srgbClr val="008000"/>
                 </a:solidFill>
@@ -36821,7 +36009,7 @@
               <a:t>"data"</a:t>
             </a:r>
             <a:r>
-              <a:rPr lang="en" sz="1600" b="0" strike="noStrike">
+              <a:rPr lang="en" sz="1600" b="0" strike="noStrike" dirty="0">
                 <a:solidFill>
                   <a:schemeClr val="dk1"/>
                 </a:solidFill>
@@ -36833,7 +36021,7 @@
               <a:t>, </a:t>
             </a:r>
             <a:r>
-              <a:rPr lang="en" sz="1600" b="1" strike="noStrike">
+              <a:rPr lang="en" sz="1600" b="1" strike="noStrike" dirty="0">
                 <a:solidFill>
                   <a:srgbClr val="008000"/>
                 </a:solidFill>
@@ -36845,7 +36033,7 @@
               <a:t>"DROP"</a:t>
             </a:r>
             <a:r>
-              <a:rPr lang="en" sz="1600" b="0" strike="noStrike">
+              <a:rPr lang="en" sz="1600" b="0" strike="noStrike" dirty="0">
                 <a:solidFill>
                   <a:schemeClr val="dk1"/>
                 </a:solidFill>
@@ -36857,7 +36045,7 @@
               <a:t>, </a:t>
             </a:r>
             <a:r>
-              <a:rPr lang="en" sz="1600" b="1" strike="noStrike">
+              <a:rPr lang="en" sz="1600" b="1" strike="noStrike" dirty="0">
                 <a:solidFill>
                   <a:srgbClr val="008000"/>
                 </a:solidFill>
@@ -36869,7 +36057,7 @@
               <a:t>"artisans"</a:t>
             </a:r>
             <a:r>
-              <a:rPr lang="en" sz="1600" b="0" strike="noStrike">
+              <a:rPr lang="en" sz="1600" b="0" strike="noStrike" dirty="0">
                 <a:solidFill>
                   <a:schemeClr val="dk1"/>
                 </a:solidFill>
@@ -36881,7 +36069,7 @@
               <a:t>, </a:t>
             </a:r>
             <a:r>
-              <a:rPr lang="en" sz="1600" b="1" strike="noStrike">
+              <a:rPr lang="en" sz="1600" b="1" strike="noStrike" dirty="0">
                 <a:solidFill>
                   <a:srgbClr val="008000"/>
                 </a:solidFill>
@@ -36893,7 +36081,7 @@
               <a:t>"IGNORE"</a:t>
             </a:r>
             <a:r>
-              <a:rPr lang="en" sz="1600" b="0" strike="noStrike">
+              <a:rPr lang="en" sz="1600" b="0" strike="noStrike" dirty="0">
                 <a:solidFill>
                   <a:schemeClr val="dk1"/>
                 </a:solidFill>
@@ -36905,7 +36093,7 @@
               <a:t>);</a:t>
             </a:r>
             <a:br>
-              <a:rPr lang="en" sz="1600" b="0" strike="noStrike">
+              <a:rPr lang="en" sz="1600" b="0" strike="noStrike" dirty="0">
                 <a:solidFill>
                   <a:schemeClr val="dk1"/>
                 </a:solidFill>
@@ -36915,7 +36103,7 @@
                 <a:sym typeface="Consolas"/>
               </a:rPr>
             </a:br>
-            <a:endParaRPr lang="en" sz="1600" b="0" strike="noStrike">
+            <a:endParaRPr lang="en" sz="1600" b="0" strike="noStrike" dirty="0">
               <a:solidFill>
                 <a:schemeClr val="dk1"/>
               </a:solidFill>
@@ -36934,7 +36122,7 @@
               <a:buNone/>
             </a:pPr>
             <a:r>
-              <a:rPr lang="en" sz="1600">
+              <a:rPr lang="en" sz="1600" dirty="0">
                 <a:solidFill>
                   <a:schemeClr val="dk1"/>
                 </a:solidFill>
@@ -36946,7 +36134,7 @@
               <a:t>DataStream&lt;String&gt; result =</a:t>
             </a:r>
             <a:r>
-              <a:rPr lang="en" sz="1600" b="0" strike="noStrike">
+              <a:rPr lang="en" sz="1600" b="0" strike="noStrike" dirty="0">
                 <a:solidFill>
                   <a:srgbClr val="FF0000"/>
                 </a:solidFill>
@@ -36958,7 +36146,7 @@
               <a:t> control</a:t>
             </a:r>
             <a:br>
-              <a:rPr lang="en" sz="1600" b="0" strike="noStrike">
+              <a:rPr lang="en" sz="1600" b="0" strike="noStrike" dirty="0">
                 <a:solidFill>
                   <a:srgbClr val="FF0000"/>
                 </a:solidFill>
@@ -36969,7 +36157,7 @@
               </a:rPr>
             </a:br>
             <a:r>
-              <a:rPr lang="en" sz="1600" b="0" strike="noStrike">
+              <a:rPr lang="en" sz="1600" b="0" strike="noStrike" dirty="0">
                 <a:solidFill>
                   <a:srgbClr val="FF0000"/>
                 </a:solidFill>
@@ -36990,7 +36178,7 @@
               <a:buNone/>
             </a:pPr>
             <a:r>
-              <a:rPr lang="en" sz="1600">
+              <a:rPr lang="en" sz="1600" dirty="0">
                 <a:solidFill>
                   <a:srgbClr val="FF0000"/>
                 </a:solidFill>
@@ -37002,7 +36190,7 @@
               <a:t>  </a:t>
             </a:r>
             <a:r>
-              <a:rPr lang="en" sz="1600" b="0" strike="noStrike">
+              <a:rPr lang="en" sz="1600" b="0" strike="noStrike" dirty="0">
                 <a:solidFill>
                   <a:srgbClr val="FF0000"/>
                 </a:solidFill>
@@ -37014,7 +36202,7 @@
               <a:t>.connect(data)</a:t>
             </a:r>
             <a:r>
-              <a:rPr lang="en" sz="1600" b="0" strike="noStrike">
+              <a:rPr lang="en" sz="1600" b="0" strike="noStrike" dirty="0">
                 <a:solidFill>
                   <a:schemeClr val="dk1"/>
                 </a:solidFill>
@@ -37026,7 +36214,7 @@
               <a:t/>
             </a:r>
             <a:br>
-              <a:rPr lang="en" sz="1600" b="0" strike="noStrike">
+              <a:rPr lang="en" sz="1600" b="0" strike="noStrike" dirty="0">
                 <a:solidFill>
                   <a:schemeClr val="dk1"/>
                 </a:solidFill>
@@ -37037,7 +36225,7 @@
               </a:rPr>
             </a:br>
             <a:r>
-              <a:rPr lang="en" sz="1600" b="0" strike="noStrike">
+              <a:rPr lang="en" sz="1600" b="0" strike="noStrike" dirty="0">
                 <a:solidFill>
                   <a:schemeClr val="dk1"/>
                 </a:solidFill>
@@ -37049,7 +36237,7 @@
               <a:t>  </a:t>
             </a:r>
             <a:r>
-              <a:rPr lang="en" sz="1600" b="0" strike="noStrike">
+              <a:rPr lang="en" sz="1600" b="0" strike="noStrike" dirty="0">
                 <a:solidFill>
                   <a:srgbClr val="FF0000"/>
                 </a:solidFill>
@@ -37061,7 +36249,7 @@
               <a:t>.flatMap(</a:t>
             </a:r>
             <a:r>
-              <a:rPr lang="en" sz="1600" strike="noStrike">
+              <a:rPr lang="en" sz="1600" strike="noStrike" dirty="0">
                 <a:solidFill>
                   <a:srgbClr val="FF0000"/>
                 </a:solidFill>
@@ -37073,7 +36261,7 @@
               <a:t>new</a:t>
             </a:r>
             <a:r>
-              <a:rPr lang="en" sz="1600" b="1" strike="noStrike">
+              <a:rPr lang="en" sz="1600" b="1" strike="noStrike" dirty="0">
                 <a:solidFill>
                   <a:srgbClr val="FF0000"/>
                 </a:solidFill>
@@ -37085,7 +36273,7 @@
               <a:t> </a:t>
             </a:r>
             <a:r>
-              <a:rPr lang="en" sz="1600" b="0" strike="noStrike">
+              <a:rPr lang="en" sz="1600" b="0" strike="noStrike" dirty="0">
                 <a:solidFill>
                   <a:srgbClr val="FF0000"/>
                 </a:solidFill>
@@ -37097,7 +36285,7 @@
               <a:t>MyCoFlatMap())</a:t>
             </a:r>
             <a:r>
-              <a:rPr lang="en" sz="1600" b="0" strike="noStrike">
+              <a:rPr lang="en" sz="1600" b="0" strike="noStrike" dirty="0">
                 <a:solidFill>
                   <a:schemeClr val="dk1"/>
                 </a:solidFill>
@@ -37109,7 +36297,7 @@
               <a:t>;</a:t>
             </a:r>
             <a:br>
-              <a:rPr lang="en" sz="1600" b="0" strike="noStrike">
+              <a:rPr lang="en" sz="1600" b="0" strike="noStrike" dirty="0">
                 <a:solidFill>
                   <a:schemeClr val="dk1"/>
                 </a:solidFill>
@@ -37119,7 +36307,7 @@
                 <a:sym typeface="Consolas"/>
               </a:rPr>
             </a:br>
-            <a:endParaRPr lang="en" sz="1600" b="0" strike="noStrike">
+            <a:endParaRPr lang="en" sz="1600" b="0" strike="noStrike" dirty="0">
               <a:solidFill>
                 <a:schemeClr val="dk1"/>
               </a:solidFill>
@@ -37138,7 +36326,7 @@
               <a:buNone/>
             </a:pPr>
             <a:r>
-              <a:rPr lang="en" sz="1600" b="0" strike="noStrike">
+              <a:rPr lang="en" sz="1600" b="0" strike="noStrike" dirty="0">
                 <a:solidFill>
                   <a:schemeClr val="dk1"/>
                 </a:solidFill>
@@ -37150,7 +36338,7 @@
               <a:t>result.print();</a:t>
             </a:r>
             <a:br>
-              <a:rPr lang="en" sz="1600" b="0" strike="noStrike">
+              <a:rPr lang="en" sz="1600" b="0" strike="noStrike" dirty="0">
                 <a:solidFill>
                   <a:schemeClr val="dk1"/>
                 </a:solidFill>
@@ -37161,7 +36349,7 @@
               </a:rPr>
             </a:br>
             <a:r>
-              <a:rPr lang="en" sz="1600" b="0" strike="noStrike">
+              <a:rPr lang="en" sz="1600" b="0" strike="noStrike" dirty="0">
                 <a:solidFill>
                   <a:schemeClr val="dk1"/>
                 </a:solidFill>
@@ -37180,7 +36368,7 @@
               </a:spcBef>
               <a:buNone/>
             </a:pPr>
-            <a:endParaRPr sz="1600" b="0" strike="noStrike">
+            <a:endParaRPr sz="1600" b="0" strike="noStrike" dirty="0">
               <a:solidFill>
                 <a:schemeClr val="dk1"/>
               </a:solidFill>
@@ -37200,7 +36388,7 @@
 </p:sld>
 </file>
 
-<file path=ppt/slides/slide38.xml><?xml version="1.0" encoding="utf-8"?>
+<file path=ppt/slides/slide37.xml><?xml version="1.0" encoding="utf-8"?>
 <p:sld xmlns:a="http://schemas.openxmlformats.org/drawingml/2006/main" xmlns:r="http://schemas.openxmlformats.org/officeDocument/2006/relationships" xmlns:p="http://schemas.openxmlformats.org/presentationml/2006/main">
   <p:cSld>
     <p:spTree>
@@ -37312,7 +36500,7 @@
                 <a:cs typeface="Calibri"/>
                 <a:sym typeface="Calibri"/>
               </a:rPr>
-              <a:t>38</a:t>
+              <a:t>37</a:t>
             </a:fld>
             <a:endParaRPr lang="en" sz="1200" b="0" strike="noStrike">
               <a:solidFill>
@@ -37833,6 +37021,355 @@
         </p:txBody>
       </p:sp>
     </p:spTree>
+  </p:cSld>
+  <p:clrMapOvr>
+    <a:masterClrMapping/>
+  </p:clrMapOvr>
+</p:sld>
+</file>
+
+<file path=ppt/slides/slide38.xml><?xml version="1.0" encoding="utf-8"?>
+<p:sld xmlns:a="http://schemas.openxmlformats.org/drawingml/2006/main" xmlns:r="http://schemas.openxmlformats.org/officeDocument/2006/relationships" xmlns:p="http://schemas.openxmlformats.org/presentationml/2006/main">
+  <p:cSld>
+    <p:spTree>
+      <p:nvGrpSpPr>
+        <p:cNvPr id="1" name=""/>
+        <p:cNvGrpSpPr/>
+        <p:nvPr/>
+      </p:nvGrpSpPr>
+      <p:grpSpPr>
+        <a:xfrm>
+          <a:off x="0" y="0"/>
+          <a:ext cx="0" cy="0"/>
+          <a:chOff x="0" y="0"/>
+          <a:chExt cx="0" cy="0"/>
+        </a:xfrm>
+      </p:grpSpPr>
+      <p:sp>
+        <p:nvSpPr>
+          <p:cNvPr id="2" name="Title 1"/>
+          <p:cNvSpPr>
+            <a:spLocks noGrp="1"/>
+          </p:cNvSpPr>
+          <p:nvPr>
+            <p:ph type="title"/>
+          </p:nvPr>
+        </p:nvSpPr>
+        <p:spPr/>
+        <p:txBody>
+          <a:bodyPr/>
+          <a:lstStyle/>
+          <a:p>
+            <a:r>
+              <a:rPr lang="en-US" dirty="0" smtClean="0"/>
+              <a:t>Broadcast</a:t>
+            </a:r>
+            <a:endParaRPr lang="en-US" dirty="0"/>
+          </a:p>
+        </p:txBody>
+      </p:sp>
+      <p:sp>
+        <p:nvSpPr>
+          <p:cNvPr id="3" name="Text Placeholder 2"/>
+          <p:cNvSpPr>
+            <a:spLocks noGrp="1"/>
+          </p:cNvSpPr>
+          <p:nvPr>
+            <p:ph type="body" idx="1"/>
+          </p:nvPr>
+        </p:nvSpPr>
+        <p:spPr>
+          <a:xfrm>
+            <a:off x="457200" y="3704897"/>
+            <a:ext cx="8229600" cy="2421277"/>
+          </a:xfrm>
+        </p:spPr>
+        <p:txBody>
+          <a:bodyPr/>
+          <a:lstStyle/>
+          <a:p>
+            <a:pPr indent="-274320"/>
+            <a:r>
+              <a:rPr lang="en-US" sz="2400" dirty="0" smtClean="0"/>
+              <a:t>Events are replicated to all downstream operators</a:t>
+            </a:r>
+          </a:p>
+          <a:p>
+            <a:pPr indent="-274320"/>
+            <a:r>
+              <a:rPr lang="en-US" sz="2400" dirty="0" smtClean="0"/>
+              <a:t>This is not a magical, managed, replicated state solution</a:t>
+            </a:r>
+          </a:p>
+          <a:p>
+            <a:pPr indent="-274320"/>
+            <a:r>
+              <a:rPr lang="en-US" sz="2400" dirty="0" smtClean="0"/>
+              <a:t>And you have to consider the race condition implications</a:t>
+            </a:r>
+          </a:p>
+        </p:txBody>
+      </p:sp>
+      <p:sp>
+        <p:nvSpPr>
+          <p:cNvPr id="4" name="Shape 371"/>
+          <p:cNvSpPr/>
+          <p:nvPr/>
+        </p:nvSpPr>
+        <p:spPr>
+          <a:xfrm>
+            <a:off x="1156138" y="1776669"/>
+            <a:ext cx="7057336" cy="1323883"/>
+          </a:xfrm>
+          <a:prstGeom prst="rect">
+            <a:avLst/>
+          </a:prstGeom>
+          <a:noFill/>
+          <a:ln>
+            <a:noFill/>
+          </a:ln>
+        </p:spPr>
+        <p:txBody>
+          <a:bodyPr lIns="91425" tIns="45700" rIns="91425" bIns="45700" anchor="t" anchorCtr="0">
+            <a:noAutofit/>
+          </a:bodyPr>
+          <a:lstStyle/>
+          <a:p>
+            <a:pPr marL="0" marR="0" lvl="0" indent="0" algn="l" rtl="0">
+              <a:spcBef>
+                <a:spcPts val="0"/>
+              </a:spcBef>
+              <a:buSzPct val="25000"/>
+              <a:buNone/>
+            </a:pPr>
+            <a:r>
+              <a:rPr lang="en" sz="2400" dirty="0" smtClean="0">
+                <a:solidFill>
+                  <a:schemeClr val="dk1"/>
+                </a:solidFill>
+                <a:latin typeface="Consolas"/>
+                <a:ea typeface="Consolas"/>
+                <a:cs typeface="Consolas"/>
+                <a:sym typeface="Consolas"/>
+              </a:rPr>
+              <a:t>DataStream&lt;String</a:t>
+            </a:r>
+            <a:r>
+              <a:rPr lang="en" sz="2400" dirty="0">
+                <a:solidFill>
+                  <a:schemeClr val="dk1"/>
+                </a:solidFill>
+                <a:latin typeface="Consolas"/>
+                <a:ea typeface="Consolas"/>
+                <a:cs typeface="Consolas"/>
+                <a:sym typeface="Consolas"/>
+              </a:rPr>
+              <a:t>&gt; </a:t>
+            </a:r>
+            <a:r>
+              <a:rPr lang="en" sz="2400" dirty="0">
+                <a:solidFill>
+                  <a:schemeClr val="tx1"/>
+                </a:solidFill>
+                <a:latin typeface="Consolas"/>
+                <a:ea typeface="Consolas"/>
+                <a:cs typeface="Consolas"/>
+                <a:sym typeface="Consolas"/>
+              </a:rPr>
+              <a:t>result =</a:t>
+            </a:r>
+            <a:r>
+              <a:rPr lang="en" sz="2400" b="0" strike="noStrike" dirty="0">
+                <a:solidFill>
+                  <a:schemeClr val="tx1"/>
+                </a:solidFill>
+                <a:latin typeface="Consolas"/>
+                <a:ea typeface="Consolas"/>
+                <a:cs typeface="Consolas"/>
+                <a:sym typeface="Consolas"/>
+              </a:rPr>
+              <a:t> control</a:t>
+            </a:r>
+            <a:br>
+              <a:rPr lang="en" sz="2400" b="0" strike="noStrike" dirty="0">
+                <a:solidFill>
+                  <a:schemeClr val="tx1"/>
+                </a:solidFill>
+                <a:latin typeface="Consolas"/>
+                <a:ea typeface="Consolas"/>
+                <a:cs typeface="Consolas"/>
+                <a:sym typeface="Consolas"/>
+              </a:rPr>
+            </a:br>
+            <a:r>
+              <a:rPr lang="en" sz="2400" b="0" strike="noStrike" dirty="0">
+                <a:solidFill>
+                  <a:schemeClr val="tx1"/>
+                </a:solidFill>
+                <a:latin typeface="Consolas"/>
+                <a:ea typeface="Consolas"/>
+                <a:cs typeface="Consolas"/>
+                <a:sym typeface="Consolas"/>
+              </a:rPr>
+              <a:t>  .</a:t>
+            </a:r>
+            <a:r>
+              <a:rPr lang="en" sz="2400" b="0" strike="noStrike" dirty="0">
+                <a:solidFill>
+                  <a:srgbClr val="FF0000"/>
+                </a:solidFill>
+                <a:latin typeface="Consolas"/>
+                <a:ea typeface="Consolas"/>
+                <a:cs typeface="Consolas"/>
+                <a:sym typeface="Consolas"/>
+              </a:rPr>
+              <a:t>broadcast</a:t>
+            </a:r>
+            <a:r>
+              <a:rPr lang="en" sz="2400" b="0" strike="noStrike" dirty="0">
+                <a:solidFill>
+                  <a:schemeClr val="tx1"/>
+                </a:solidFill>
+                <a:latin typeface="Consolas"/>
+                <a:ea typeface="Consolas"/>
+                <a:cs typeface="Consolas"/>
+                <a:sym typeface="Consolas"/>
+              </a:rPr>
+              <a:t>()</a:t>
+            </a:r>
+          </a:p>
+          <a:p>
+            <a:pPr marL="0" marR="0" lvl="0" indent="0" algn="l" rtl="0">
+              <a:spcBef>
+                <a:spcPts val="0"/>
+              </a:spcBef>
+              <a:buSzPct val="25000"/>
+              <a:buNone/>
+            </a:pPr>
+            <a:r>
+              <a:rPr lang="en" sz="2400" dirty="0">
+                <a:solidFill>
+                  <a:schemeClr val="tx1"/>
+                </a:solidFill>
+                <a:latin typeface="Consolas"/>
+                <a:ea typeface="Consolas"/>
+                <a:cs typeface="Consolas"/>
+                <a:sym typeface="Consolas"/>
+              </a:rPr>
+              <a:t>  </a:t>
+            </a:r>
+            <a:r>
+              <a:rPr lang="en" sz="2400" b="0" strike="noStrike" dirty="0">
+                <a:solidFill>
+                  <a:schemeClr val="tx1"/>
+                </a:solidFill>
+                <a:latin typeface="Consolas"/>
+                <a:ea typeface="Consolas"/>
+                <a:cs typeface="Consolas"/>
+                <a:sym typeface="Consolas"/>
+              </a:rPr>
+              <a:t>.connect(data)</a:t>
+            </a:r>
+            <a:br>
+              <a:rPr lang="en" sz="2400" b="0" strike="noStrike" dirty="0">
+                <a:solidFill>
+                  <a:schemeClr val="tx1"/>
+                </a:solidFill>
+                <a:latin typeface="Consolas"/>
+                <a:ea typeface="Consolas"/>
+                <a:cs typeface="Consolas"/>
+                <a:sym typeface="Consolas"/>
+              </a:rPr>
+            </a:br>
+            <a:r>
+              <a:rPr lang="en" sz="2400" b="0" strike="noStrike" dirty="0">
+                <a:solidFill>
+                  <a:schemeClr val="tx1"/>
+                </a:solidFill>
+                <a:latin typeface="Consolas"/>
+                <a:ea typeface="Consolas"/>
+                <a:cs typeface="Consolas"/>
+                <a:sym typeface="Consolas"/>
+              </a:rPr>
+              <a:t>  .flatMap(</a:t>
+            </a:r>
+            <a:r>
+              <a:rPr lang="en" sz="2400" strike="noStrike" dirty="0">
+                <a:solidFill>
+                  <a:schemeClr val="tx1"/>
+                </a:solidFill>
+                <a:latin typeface="Consolas"/>
+                <a:ea typeface="Consolas"/>
+                <a:cs typeface="Consolas"/>
+                <a:sym typeface="Consolas"/>
+              </a:rPr>
+              <a:t>new</a:t>
+            </a:r>
+            <a:r>
+              <a:rPr lang="en" sz="2400" b="1" strike="noStrike" dirty="0">
+                <a:solidFill>
+                  <a:schemeClr val="tx1"/>
+                </a:solidFill>
+                <a:latin typeface="Consolas"/>
+                <a:ea typeface="Consolas"/>
+                <a:cs typeface="Consolas"/>
+                <a:sym typeface="Consolas"/>
+              </a:rPr>
+              <a:t> </a:t>
+            </a:r>
+            <a:r>
+              <a:rPr lang="en" sz="2400" b="0" strike="noStrike" dirty="0">
+                <a:solidFill>
+                  <a:schemeClr val="tx1"/>
+                </a:solidFill>
+                <a:latin typeface="Consolas"/>
+                <a:ea typeface="Consolas"/>
+                <a:cs typeface="Consolas"/>
+                <a:sym typeface="Consolas"/>
+              </a:rPr>
+              <a:t>MyCoFlatMap());</a:t>
+            </a:r>
+            <a:r>
+              <a:rPr lang="en" sz="2400" b="0" strike="noStrike" dirty="0">
+                <a:solidFill>
+                  <a:schemeClr val="dk1"/>
+                </a:solidFill>
+                <a:latin typeface="Consolas"/>
+                <a:ea typeface="Consolas"/>
+                <a:cs typeface="Consolas"/>
+                <a:sym typeface="Consolas"/>
+              </a:rPr>
+              <a:t/>
+            </a:r>
+            <a:br>
+              <a:rPr lang="en" sz="2400" b="0" strike="noStrike" dirty="0">
+                <a:solidFill>
+                  <a:schemeClr val="dk1"/>
+                </a:solidFill>
+                <a:latin typeface="Consolas"/>
+                <a:ea typeface="Consolas"/>
+                <a:cs typeface="Consolas"/>
+                <a:sym typeface="Consolas"/>
+              </a:rPr>
+            </a:br>
+            <a:endParaRPr lang="en" sz="2400" b="0" strike="noStrike" dirty="0">
+              <a:solidFill>
+                <a:schemeClr val="dk1"/>
+              </a:solidFill>
+              <a:latin typeface="Consolas"/>
+              <a:ea typeface="Consolas"/>
+              <a:cs typeface="Consolas"/>
+              <a:sym typeface="Consolas"/>
+            </a:endParaRPr>
+          </a:p>
+        </p:txBody>
+      </p:sp>
+    </p:spTree>
+    <p:extLst>
+      <p:ext uri="{BB962C8B-B14F-4D97-AF65-F5344CB8AC3E}">
+        <p14:creationId xmlns:p14="http://schemas.microsoft.com/office/powerpoint/2010/main" val="343173203"/>
+      </p:ext>
+    </p:extLst>
   </p:cSld>
   <p:clrMapOvr>
     <a:masterClrMapping/>
@@ -40268,7 +39805,7 @@
               <a:buChar char="▪"/>
             </a:pPr>
             <a:r>
-              <a:rPr lang="en" sz="3000" b="0" strike="noStrike">
+              <a:rPr lang="en" sz="3000" b="0" strike="noStrike" dirty="0">
                 <a:solidFill>
                   <a:srgbClr val="000000"/>
                 </a:solidFill>
@@ -40293,7 +39830,7 @@
               <a:buChar char="•"/>
             </a:pPr>
             <a:r>
-              <a:rPr lang="en" sz="2600" b="0" i="0" u="none" strike="noStrike" cap="none">
+              <a:rPr lang="en" sz="2600" b="0" i="0" u="none" strike="noStrike" cap="none" dirty="0">
                 <a:solidFill>
                   <a:srgbClr val="000000"/>
                 </a:solidFill>
@@ -40318,7 +39855,7 @@
               <a:buChar char="•"/>
             </a:pPr>
             <a:r>
-              <a:rPr lang="en" sz="2600" b="0" i="0" u="none" strike="noStrike" cap="none">
+              <a:rPr lang="en" sz="2600" b="0" i="0" u="none" strike="noStrike" cap="none" dirty="0">
                 <a:solidFill>
                   <a:srgbClr val="000000"/>
                 </a:solidFill>
@@ -40341,7 +39878,7 @@
               <a:buFont typeface="Noto Sans Symbols"/>
               <a:buNone/>
             </a:pPr>
-            <a:endParaRPr sz="2400" b="0" i="0" u="none" strike="noStrike" cap="none">
+            <a:endParaRPr sz="2400" b="0" i="0" u="none" strike="noStrike" cap="none" dirty="0">
               <a:solidFill>
                 <a:srgbClr val="000000"/>
               </a:solidFill>
@@ -40362,7 +39899,7 @@
               <a:buFont typeface="Noto Sans Symbols"/>
               <a:buNone/>
             </a:pPr>
-            <a:endParaRPr sz="2400" b="0" i="0" u="none" strike="noStrike" cap="none">
+            <a:endParaRPr sz="2400" b="0" i="0" u="none" strike="noStrike" cap="none" dirty="0">
               <a:solidFill>
                 <a:srgbClr val="000000"/>
               </a:solidFill>
@@ -40385,7 +39922,7 @@
               <a:buChar char="•"/>
             </a:pPr>
             <a:r>
-              <a:rPr lang="en" sz="3000" b="0" i="0" u="none" strike="noStrike" cap="none">
+              <a:rPr lang="en" sz="3000" b="0" i="0" u="none" strike="noStrike" cap="none" dirty="0">
                 <a:solidFill>
                   <a:srgbClr val="000000"/>
                 </a:solidFill>
@@ -40397,7 +39934,7 @@
               <a:t>There is a </a:t>
             </a:r>
             <a:r>
-              <a:rPr lang="en" sz="3000" b="0" i="0" u="none" strike="noStrike" cap="none">
+              <a:rPr lang="en" sz="3000" b="0" i="0" u="none" strike="noStrike" cap="none" dirty="0">
                 <a:solidFill>
                   <a:schemeClr val="dk1"/>
                 </a:solidFill>
@@ -40409,7 +39946,7 @@
               <a:t>“</a:t>
             </a:r>
             <a:r>
-              <a:rPr lang="en" sz="3000" b="0" i="0" u="none" strike="noStrike" cap="none">
+              <a:rPr lang="en" sz="3000" b="0" i="0" u="none" strike="noStrike" cap="none" dirty="0">
                 <a:solidFill>
                   <a:srgbClr val="000000"/>
                 </a:solidFill>
@@ -40421,7 +39958,7 @@
               <a:t>Rich</a:t>
             </a:r>
             <a:r>
-              <a:rPr lang="en" sz="3000" b="0" i="0" u="none" strike="noStrike" cap="none">
+              <a:rPr lang="en" sz="3000" b="0" i="0" u="none" strike="noStrike" cap="none" dirty="0">
                 <a:solidFill>
                   <a:schemeClr val="dk1"/>
                 </a:solidFill>
@@ -40446,9 +39983,12 @@
               <a:buChar char="•"/>
             </a:pPr>
             <a:r>
-              <a:rPr lang="en" sz="2400" b="0" i="0" u="none" strike="noStrike" cap="none">
-                <a:solidFill>
-                  <a:srgbClr val="000000"/>
+              <a:rPr lang="en" sz="2400" b="0" i="0" u="none" strike="noStrike" cap="none" dirty="0">
+                <a:solidFill>
+                  <a:schemeClr val="bg2">
+                    <a:lumMod val="60000"/>
+                    <a:lumOff val="40000"/>
+                  </a:schemeClr>
                 </a:solidFill>
                 <a:latin typeface="Consolas"/>
                 <a:ea typeface="Consolas"/>
@@ -40458,7 +39998,7 @@
               <a:t>RichFlatMapFunction</a:t>
             </a:r>
             <a:r>
-              <a:rPr lang="en" sz="2400" b="0" i="0" u="none" strike="noStrike" cap="none">
+              <a:rPr lang="en" sz="2400" b="0" i="0" u="none" strike="noStrike" cap="none" dirty="0">
                 <a:solidFill>
                   <a:srgbClr val="000000"/>
                 </a:solidFill>
@@ -40483,7 +40023,7 @@
               <a:buChar char="•"/>
             </a:pPr>
             <a:r>
-              <a:rPr lang="en" sz="2600" b="0" i="0" u="none" strike="noStrike" cap="none">
+              <a:rPr lang="en" sz="2600" b="0" i="0" u="none" strike="noStrike" cap="none" dirty="0">
                 <a:solidFill>
                   <a:srgbClr val="000000"/>
                 </a:solidFill>
@@ -40508,16 +40048,28 @@
               <a:buChar char="•"/>
             </a:pPr>
             <a:r>
-              <a:rPr lang="en" sz="2200" b="0" i="0" u="none" strike="noStrike" cap="none">
-                <a:solidFill>
-                  <a:srgbClr val="000000"/>
-                </a:solidFill>
-                <a:latin typeface="Consolas"/>
-                <a:ea typeface="Consolas"/>
-                <a:cs typeface="Consolas"/>
-                <a:sym typeface="Consolas"/>
-              </a:rPr>
-              <a:t>open(Configuration c)</a:t>
+              <a:rPr lang="en" sz="2200" b="0" i="0" u="none" strike="noStrike" cap="none" dirty="0">
+                <a:solidFill>
+                  <a:srgbClr val="558ED5"/>
+                </a:solidFill>
+                <a:latin typeface="Consolas"/>
+                <a:ea typeface="Consolas"/>
+                <a:cs typeface="Consolas"/>
+                <a:sym typeface="Consolas"/>
+              </a:rPr>
+              <a:t>open</a:t>
+            </a:r>
+            <a:r>
+              <a:rPr lang="en" sz="2200" b="0" i="0" u="none" strike="noStrike" cap="none" dirty="0">
+                <a:solidFill>
+                  <a:srgbClr val="000000"/>
+                </a:solidFill>
+                <a:latin typeface="Consolas"/>
+                <a:ea typeface="Consolas"/>
+                <a:cs typeface="Consolas"/>
+                <a:sym typeface="Consolas"/>
+              </a:rPr>
+              <a:t>(Configuration c)</a:t>
             </a:r>
           </a:p>
           <a:p>
@@ -40533,16 +40085,28 @@
               <a:buChar char="•"/>
             </a:pPr>
             <a:r>
-              <a:rPr lang="en" sz="2200" b="0" i="0" u="none" strike="noStrike" cap="none">
-                <a:solidFill>
-                  <a:srgbClr val="000000"/>
-                </a:solidFill>
-                <a:latin typeface="Consolas"/>
-                <a:ea typeface="Consolas"/>
-                <a:cs typeface="Consolas"/>
-                <a:sym typeface="Consolas"/>
-              </a:rPr>
-              <a:t>close()</a:t>
+              <a:rPr lang="en" sz="2200" b="0" i="0" u="none" strike="noStrike" cap="none" dirty="0">
+                <a:solidFill>
+                  <a:srgbClr val="558ED5"/>
+                </a:solidFill>
+                <a:latin typeface="Consolas"/>
+                <a:ea typeface="Consolas"/>
+                <a:cs typeface="Consolas"/>
+                <a:sym typeface="Consolas"/>
+              </a:rPr>
+              <a:t>close</a:t>
+            </a:r>
+            <a:r>
+              <a:rPr lang="en" sz="2200" b="0" i="0" u="none" strike="noStrike" cap="none" dirty="0">
+                <a:solidFill>
+                  <a:srgbClr val="000000"/>
+                </a:solidFill>
+                <a:latin typeface="Consolas"/>
+                <a:ea typeface="Consolas"/>
+                <a:cs typeface="Consolas"/>
+                <a:sym typeface="Consolas"/>
+              </a:rPr>
+              <a:t>()</a:t>
             </a:r>
           </a:p>
           <a:p>
@@ -40558,16 +40122,28 @@
               <a:buChar char="•"/>
             </a:pPr>
             <a:r>
-              <a:rPr lang="en" sz="2200" b="0" i="0" u="none" strike="noStrike" cap="none">
-                <a:solidFill>
-                  <a:srgbClr val="000000"/>
-                </a:solidFill>
-                <a:latin typeface="Consolas"/>
-                <a:ea typeface="Consolas"/>
-                <a:cs typeface="Consolas"/>
-                <a:sym typeface="Consolas"/>
-              </a:rPr>
-              <a:t>getRuntimeContext()</a:t>
+              <a:rPr lang="en" sz="2200" b="0" i="0" u="none" strike="noStrike" cap="none" dirty="0">
+                <a:solidFill>
+                  <a:srgbClr val="558ED5"/>
+                </a:solidFill>
+                <a:latin typeface="Consolas"/>
+                <a:ea typeface="Consolas"/>
+                <a:cs typeface="Consolas"/>
+                <a:sym typeface="Consolas"/>
+              </a:rPr>
+              <a:t>getRuntimeContext</a:t>
+            </a:r>
+            <a:r>
+              <a:rPr lang="en" sz="2200" b="0" i="0" u="none" strike="noStrike" cap="none" dirty="0">
+                <a:solidFill>
+                  <a:srgbClr val="000000"/>
+                </a:solidFill>
+                <a:latin typeface="Consolas"/>
+                <a:ea typeface="Consolas"/>
+                <a:cs typeface="Consolas"/>
+                <a:sym typeface="Consolas"/>
+              </a:rPr>
+              <a:t>()</a:t>
             </a:r>
           </a:p>
         </p:txBody>
@@ -40746,7 +40322,7 @@
               <a:buChar char="▪"/>
             </a:pPr>
             <a:r>
-              <a:rPr lang="en" sz="3000" b="0" strike="noStrike">
+              <a:rPr lang="en" sz="3000" b="0" strike="noStrike" dirty="0">
                 <a:solidFill>
                   <a:srgbClr val="000000"/>
                 </a:solidFill>
@@ -40771,16 +40347,28 @@
               <a:buChar char="•"/>
             </a:pPr>
             <a:r>
-              <a:rPr lang="en" sz="2400" b="0" i="0" u="none" strike="noStrike" cap="none">
-                <a:solidFill>
-                  <a:srgbClr val="000000"/>
-                </a:solidFill>
-                <a:latin typeface="Consolas"/>
-                <a:ea typeface="Consolas"/>
-                <a:cs typeface="Consolas"/>
-                <a:sym typeface="Consolas"/>
-              </a:rPr>
-              <a:t>getIndexOfThisSubtask()</a:t>
+              <a:rPr lang="en" sz="2400" b="0" i="0" u="none" strike="noStrike" cap="none" dirty="0">
+                <a:solidFill>
+                  <a:srgbClr val="558ED5"/>
+                </a:solidFill>
+                <a:latin typeface="Consolas"/>
+                <a:ea typeface="Consolas"/>
+                <a:cs typeface="Consolas"/>
+                <a:sym typeface="Consolas"/>
+              </a:rPr>
+              <a:t>getIndexOfThisSubtask</a:t>
+            </a:r>
+            <a:r>
+              <a:rPr lang="en" sz="2400" b="0" i="0" u="none" strike="noStrike" cap="none" dirty="0">
+                <a:solidFill>
+                  <a:srgbClr val="000000"/>
+                </a:solidFill>
+                <a:latin typeface="Consolas"/>
+                <a:ea typeface="Consolas"/>
+                <a:cs typeface="Consolas"/>
+                <a:sym typeface="Consolas"/>
+              </a:rPr>
+              <a:t>()</a:t>
             </a:r>
           </a:p>
           <a:p>
@@ -40796,16 +40384,28 @@
               <a:buChar char="•"/>
             </a:pPr>
             <a:r>
-              <a:rPr lang="en" sz="2400" b="0" i="0" u="none" strike="noStrike" cap="none">
-                <a:solidFill>
-                  <a:srgbClr val="000000"/>
-                </a:solidFill>
-                <a:latin typeface="Consolas"/>
-                <a:ea typeface="Consolas"/>
-                <a:cs typeface="Consolas"/>
-                <a:sym typeface="Consolas"/>
-              </a:rPr>
-              <a:t>getNumberOfParallelSubtasks()</a:t>
+              <a:rPr lang="en" sz="2400" b="0" i="0" u="none" strike="noStrike" cap="none" dirty="0">
+                <a:solidFill>
+                  <a:srgbClr val="558ED5"/>
+                </a:solidFill>
+                <a:latin typeface="Consolas"/>
+                <a:ea typeface="Consolas"/>
+                <a:cs typeface="Consolas"/>
+                <a:sym typeface="Consolas"/>
+              </a:rPr>
+              <a:t>getNumberOfParallelSubtasks</a:t>
+            </a:r>
+            <a:r>
+              <a:rPr lang="en" sz="2400" b="0" i="0" u="none" strike="noStrike" cap="none" dirty="0">
+                <a:solidFill>
+                  <a:srgbClr val="000000"/>
+                </a:solidFill>
+                <a:latin typeface="Consolas"/>
+                <a:ea typeface="Consolas"/>
+                <a:cs typeface="Consolas"/>
+                <a:sym typeface="Consolas"/>
+              </a:rPr>
+              <a:t>()</a:t>
             </a:r>
           </a:p>
           <a:p>
@@ -40821,16 +40421,28 @@
               <a:buChar char="•"/>
             </a:pPr>
             <a:r>
-              <a:rPr lang="en" sz="2400" b="0" i="0" u="none" strike="noStrike" cap="none">
-                <a:solidFill>
-                  <a:srgbClr val="000000"/>
-                </a:solidFill>
-                <a:latin typeface="Consolas"/>
-                <a:ea typeface="Consolas"/>
-                <a:cs typeface="Consolas"/>
-                <a:sym typeface="Consolas"/>
-              </a:rPr>
-              <a:t>getExecutionConfig()</a:t>
+              <a:rPr lang="en" sz="2400" b="0" i="0" u="none" strike="noStrike" cap="none" dirty="0">
+                <a:solidFill>
+                  <a:srgbClr val="558ED5"/>
+                </a:solidFill>
+                <a:latin typeface="Consolas"/>
+                <a:ea typeface="Consolas"/>
+                <a:cs typeface="Consolas"/>
+                <a:sym typeface="Consolas"/>
+              </a:rPr>
+              <a:t>getExecutionConfig</a:t>
+            </a:r>
+            <a:r>
+              <a:rPr lang="en" sz="2400" b="0" i="0" u="none" strike="noStrike" cap="none" dirty="0">
+                <a:solidFill>
+                  <a:srgbClr val="000000"/>
+                </a:solidFill>
+                <a:latin typeface="Consolas"/>
+                <a:ea typeface="Consolas"/>
+                <a:cs typeface="Consolas"/>
+                <a:sym typeface="Consolas"/>
+              </a:rPr>
+              <a:t>()</a:t>
             </a:r>
           </a:p>
           <a:p>
@@ -40844,7 +40456,7 @@
               <a:buFont typeface="Noto Sans Symbols"/>
               <a:buNone/>
             </a:pPr>
-            <a:endParaRPr sz="2400" b="0" i="0" u="none" strike="noStrike" cap="none">
+            <a:endParaRPr sz="2400" b="0" i="0" u="none" strike="noStrike" cap="none" dirty="0">
               <a:solidFill>
                 <a:srgbClr val="000000"/>
               </a:solidFill>
@@ -40865,7 +40477,7 @@
               <a:buFont typeface="Noto Sans Symbols"/>
               <a:buNone/>
             </a:pPr>
-            <a:endParaRPr sz="2400" b="0" i="0" u="none" strike="noStrike" cap="none">
+            <a:endParaRPr sz="2400" b="0" i="0" u="none" strike="noStrike" cap="none" dirty="0">
               <a:solidFill>
                 <a:srgbClr val="000000"/>
               </a:solidFill>
@@ -40888,7 +40500,7 @@
               <a:buChar char="•"/>
             </a:pPr>
             <a:r>
-              <a:rPr lang="en" sz="3000" b="0" i="0" u="none" strike="noStrike" cap="none">
+              <a:rPr lang="en" sz="3000" b="0" i="0" u="none" strike="noStrike" cap="none" dirty="0">
                 <a:solidFill>
                   <a:srgbClr val="000000"/>
                 </a:solidFill>
@@ -40913,16 +40525,28 @@
               <a:buChar char="•"/>
             </a:pPr>
             <a:r>
-              <a:rPr lang="en" sz="2400" b="0" i="0" u="none" strike="noStrike" cap="none">
-                <a:solidFill>
-                  <a:srgbClr val="000000"/>
-                </a:solidFill>
-                <a:latin typeface="Consolas"/>
-                <a:ea typeface="Consolas"/>
-                <a:cs typeface="Consolas"/>
-                <a:sym typeface="Consolas"/>
-              </a:rPr>
-              <a:t>getState()</a:t>
+              <a:rPr lang="en" sz="2400" b="0" i="0" u="none" strike="noStrike" cap="none" dirty="0">
+                <a:solidFill>
+                  <a:srgbClr val="558ED5"/>
+                </a:solidFill>
+                <a:latin typeface="Consolas"/>
+                <a:ea typeface="Consolas"/>
+                <a:cs typeface="Consolas"/>
+                <a:sym typeface="Consolas"/>
+              </a:rPr>
+              <a:t>getState</a:t>
+            </a:r>
+            <a:r>
+              <a:rPr lang="en" sz="2400" b="0" i="0" u="none" strike="noStrike" cap="none" dirty="0">
+                <a:solidFill>
+                  <a:srgbClr val="000000"/>
+                </a:solidFill>
+                <a:latin typeface="Consolas"/>
+                <a:ea typeface="Consolas"/>
+                <a:cs typeface="Consolas"/>
+                <a:sym typeface="Consolas"/>
+              </a:rPr>
+              <a:t>()</a:t>
             </a:r>
           </a:p>
         </p:txBody>
@@ -41268,17 +40892,35 @@
               <a:buNone/>
             </a:pPr>
             <a:r>
-              <a:rPr lang="en" sz="4400" b="0" strike="noStrike">
-                <a:solidFill>
-                  <a:srgbClr val="000000"/>
-                </a:solidFill>
-                <a:latin typeface="Calibri"/>
-                <a:ea typeface="Calibri"/>
-                <a:cs typeface="Calibri"/>
-                <a:sym typeface="Calibri"/>
-              </a:rPr>
-              <a:t>Some advice</a:t>
-            </a:r>
+              <a:rPr lang="en" sz="4400" b="0" strike="noStrike" dirty="0">
+                <a:solidFill>
+                  <a:srgbClr val="000000"/>
+                </a:solidFill>
+                <a:latin typeface="Calibri"/>
+                <a:ea typeface="Calibri"/>
+                <a:cs typeface="Calibri"/>
+                <a:sym typeface="Calibri"/>
+              </a:rPr>
+              <a:t>Some </a:t>
+            </a:r>
+            <a:r>
+              <a:rPr lang="en-US" sz="4400" dirty="0" smtClean="0">
+                <a:latin typeface="Calibri"/>
+                <a:ea typeface="Calibri"/>
+                <a:cs typeface="Calibri"/>
+                <a:sym typeface="Calibri"/>
+              </a:rPr>
+              <a:t>tips</a:t>
+            </a:r>
+            <a:endParaRPr lang="en" sz="4400" b="0" strike="noStrike" dirty="0">
+              <a:solidFill>
+                <a:srgbClr val="000000"/>
+              </a:solidFill>
+              <a:latin typeface="Calibri"/>
+              <a:ea typeface="Calibri"/>
+              <a:cs typeface="Calibri"/>
+              <a:sym typeface="Calibri"/>
+            </a:endParaRPr>
           </a:p>
         </p:txBody>
       </p:sp>
@@ -41322,7 +40964,7 @@
               <a:buChar char="▪"/>
             </a:pPr>
             <a:r>
-              <a:rPr lang="en" sz="3200" b="0" strike="noStrike">
+              <a:rPr lang="en" sz="3200" b="0" strike="noStrike" dirty="0">
                 <a:solidFill>
                   <a:srgbClr val="000000"/>
                 </a:solidFill>
@@ -41334,19 +40976,31 @@
               <a:t>Use </a:t>
             </a:r>
             <a:r>
-              <a:rPr lang="en" sz="2400" b="0" strike="noStrike">
-                <a:solidFill>
-                  <a:srgbClr val="000000"/>
-                </a:solidFill>
-                <a:latin typeface="Consolas"/>
-                <a:ea typeface="Consolas"/>
-                <a:cs typeface="Consolas"/>
-                <a:sym typeface="Consolas"/>
-              </a:rPr>
-              <a:t>env.fromElements(..)</a:t>
-            </a:r>
-            <a:r>
-              <a:rPr lang="en" sz="3200" b="0" strike="noStrike">
+              <a:rPr lang="en" sz="2400" b="0" strike="noStrike" dirty="0" err="1">
+                <a:solidFill>
+                  <a:srgbClr val="000000"/>
+                </a:solidFill>
+                <a:latin typeface="Consolas"/>
+                <a:ea typeface="Consolas"/>
+                <a:cs typeface="Consolas"/>
+                <a:sym typeface="Consolas"/>
+              </a:rPr>
+              <a:t>env.fromElements</a:t>
+            </a:r>
+            <a:r>
+              <a:rPr lang="en" sz="2400" b="0" strike="noStrike" dirty="0">
+                <a:solidFill>
+                  <a:srgbClr val="000000"/>
+                </a:solidFill>
+                <a:latin typeface="Consolas"/>
+                <a:ea typeface="Consolas"/>
+                <a:cs typeface="Consolas"/>
+                <a:sym typeface="Consolas"/>
+              </a:rPr>
+              <a:t>(..)</a:t>
+            </a:r>
+            <a:r>
+              <a:rPr lang="en" sz="3200" b="0" strike="noStrike" dirty="0">
                 <a:solidFill>
                   <a:srgbClr val="000000"/>
                 </a:solidFill>
@@ -41358,28 +41012,76 @@
               <a:t> or </a:t>
             </a:r>
             <a:r>
-              <a:rPr lang="en" sz="2400" b="0" strike="noStrike">
-                <a:solidFill>
-                  <a:srgbClr val="000000"/>
-                </a:solidFill>
-                <a:latin typeface="Consolas"/>
-                <a:ea typeface="Consolas"/>
-                <a:cs typeface="Consolas"/>
-                <a:sym typeface="Consolas"/>
-              </a:rPr>
-              <a:t>env.fromCollection(..)</a:t>
-            </a:r>
-            <a:r>
-              <a:rPr lang="en" sz="3200" b="0" strike="noStrike">
-                <a:solidFill>
-                  <a:srgbClr val="000000"/>
-                </a:solidFill>
-                <a:latin typeface="Calibri"/>
-                <a:ea typeface="Calibri"/>
-                <a:cs typeface="Calibri"/>
-                <a:sym typeface="Calibri"/>
-              </a:rPr>
-              <a:t> to quickly get a DataStream to experiment with</a:t>
+              <a:rPr lang="en" sz="2400" b="0" strike="noStrike" dirty="0" err="1">
+                <a:solidFill>
+                  <a:srgbClr val="000000"/>
+                </a:solidFill>
+                <a:latin typeface="Consolas"/>
+                <a:ea typeface="Consolas"/>
+                <a:cs typeface="Consolas"/>
+                <a:sym typeface="Consolas"/>
+              </a:rPr>
+              <a:t>env.fromCollection</a:t>
+            </a:r>
+            <a:r>
+              <a:rPr lang="en" sz="2400" b="0" strike="noStrike" dirty="0">
+                <a:solidFill>
+                  <a:srgbClr val="000000"/>
+                </a:solidFill>
+                <a:latin typeface="Consolas"/>
+                <a:ea typeface="Consolas"/>
+                <a:cs typeface="Consolas"/>
+                <a:sym typeface="Consolas"/>
+              </a:rPr>
+              <a:t>(..)</a:t>
+            </a:r>
+            <a:r>
+              <a:rPr lang="en" sz="3200" b="0" strike="noStrike" dirty="0">
+                <a:solidFill>
+                  <a:srgbClr val="000000"/>
+                </a:solidFill>
+                <a:latin typeface="Calibri"/>
+                <a:ea typeface="Calibri"/>
+                <a:cs typeface="Calibri"/>
+                <a:sym typeface="Calibri"/>
+              </a:rPr>
+              <a:t> to quickly </a:t>
+            </a:r>
+            <a:r>
+              <a:rPr lang="en-US" sz="3200" b="0" strike="noStrike" smtClean="0">
+                <a:solidFill>
+                  <a:srgbClr val="000000"/>
+                </a:solidFill>
+                <a:latin typeface="Calibri"/>
+                <a:ea typeface="Calibri"/>
+                <a:cs typeface="Calibri"/>
+                <a:sym typeface="Calibri"/>
+              </a:rPr>
+              <a:t>create </a:t>
+            </a:r>
+            <a:r>
+              <a:rPr lang="en" sz="3200" b="0" strike="noStrike" smtClean="0">
+                <a:solidFill>
+                  <a:srgbClr val="000000"/>
+                </a:solidFill>
+                <a:latin typeface="Calibri"/>
+                <a:ea typeface="Calibri"/>
+                <a:cs typeface="Calibri"/>
+                <a:sym typeface="Calibri"/>
+              </a:rPr>
+              <a:t>a </a:t>
+            </a:r>
+            <a:r>
+              <a:rPr lang="en" sz="3200" b="0" strike="noStrike" dirty="0">
+                <a:solidFill>
+                  <a:srgbClr val="000000"/>
+                </a:solidFill>
+                <a:latin typeface="Calibri"/>
+                <a:ea typeface="Calibri"/>
+                <a:cs typeface="Calibri"/>
+                <a:sym typeface="Calibri"/>
+              </a:rPr>
+              <a:t>DataStream to experiment with</a:t>
             </a:r>
           </a:p>
           <a:p>
@@ -41392,7 +41094,7 @@
               </a:spcBef>
               <a:buNone/>
             </a:pPr>
-            <a:endParaRPr sz="3200" b="0" strike="noStrike">
+            <a:endParaRPr sz="3200" b="0" strike="noStrike" dirty="0">
               <a:solidFill>
                 <a:srgbClr val="000000"/>
               </a:solidFill>
@@ -41418,7 +41120,7 @@
               <a:buChar char="▪"/>
             </a:pPr>
             <a:r>
-              <a:rPr lang="en" sz="3200" b="0" strike="noStrike">
+              <a:rPr lang="en" sz="3200" b="0" strike="noStrike" dirty="0">
                 <a:solidFill>
                   <a:srgbClr val="000000"/>
                 </a:solidFill>
@@ -41430,7 +41132,7 @@
               <a:t>Use </a:t>
             </a:r>
             <a:r>
-              <a:rPr lang="en" sz="2400" b="0" strike="noStrike">
+              <a:rPr lang="en" sz="2400" b="0" strike="noStrike" dirty="0">
                 <a:solidFill>
                   <a:srgbClr val="000000"/>
                 </a:solidFill>
@@ -41442,7 +41144,7 @@
               <a:t>print()</a:t>
             </a:r>
             <a:r>
-              <a:rPr lang="en" sz="3200" b="0" strike="noStrike">
+              <a:rPr lang="en" sz="3200" b="0" strike="noStrike" dirty="0">
                 <a:solidFill>
                   <a:srgbClr val="000000"/>
                 </a:solidFill>

--- a/slides/flink_stream_basics.pptx
+++ b/slides/flink_stream_basics.pptx
@@ -5,7 +5,7 @@
     <p:sldMasterId id="2147483661" r:id="rId1"/>
   </p:sldMasterIdLst>
   <p:notesMasterIdLst>
-    <p:notesMasterId r:id="rId47"/>
+    <p:notesMasterId r:id="rId46"/>
   </p:notesMasterIdLst>
   <p:sldIdLst>
     <p:sldId id="256" r:id="rId2"/>
@@ -52,7 +52,6 @@
     <p:sldId id="297" r:id="rId43"/>
     <p:sldId id="298" r:id="rId44"/>
     <p:sldId id="299" r:id="rId45"/>
-    <p:sldId id="300" r:id="rId46"/>
   </p:sldIdLst>
   <p:sldSz cx="9144000" cy="6858000" type="screen4x3"/>
   <p:notesSz cx="6858000" cy="9144000"/>
@@ -2287,8 +2286,8 @@
         </p:nvSpPr>
         <p:spPr>
           <a:xfrm>
-            <a:off x="1003785" y="685631"/>
-            <a:ext cx="4850429" cy="3429513"/>
+            <a:off x="1143000" y="685800"/>
+            <a:ext cx="4572000" cy="3429000"/>
           </a:xfrm>
           <a:custGeom>
             <a:avLst/>
@@ -4869,111 +4868,6 @@
       <p:sp>
         <p:nvSpPr>
           <p:cNvPr id="419" name="Shape 419"/>
-          <p:cNvSpPr>
-            <a:spLocks noGrp="1" noRot="1" noChangeAspect="1"/>
-          </p:cNvSpPr>
-          <p:nvPr>
-            <p:ph type="sldImg" idx="2"/>
-          </p:nvPr>
-        </p:nvSpPr>
-        <p:spPr>
-          <a:xfrm>
-            <a:off x="1143000" y="685800"/>
-            <a:ext cx="4572000" cy="3429000"/>
-          </a:xfrm>
-          <a:custGeom>
-            <a:avLst/>
-            <a:gdLst/>
-            <a:ahLst/>
-            <a:cxnLst/>
-            <a:rect l="0" t="0" r="0" b="0"/>
-            <a:pathLst>
-              <a:path w="120000" h="120000" extrusionOk="0">
-                <a:moveTo>
-                  <a:pt x="0" y="0"/>
-                </a:moveTo>
-                <a:lnTo>
-                  <a:pt x="120000" y="0"/>
-                </a:lnTo>
-                <a:lnTo>
-                  <a:pt x="120000" y="120000"/>
-                </a:lnTo>
-                <a:lnTo>
-                  <a:pt x="0" y="120000"/>
-                </a:lnTo>
-                <a:close/>
-              </a:path>
-            </a:pathLst>
-          </a:custGeom>
-        </p:spPr>
-      </p:sp>
-    </p:spTree>
-  </p:cSld>
-  <p:clrMapOvr>
-    <a:masterClrMapping/>
-  </p:clrMapOvr>
-</p:notes>
-</file>
-
-<file path=ppt/notesSlides/notesSlide45.xml><?xml version="1.0" encoding="utf-8"?>
-<p:notes xmlns:a="http://schemas.openxmlformats.org/drawingml/2006/main" xmlns:r="http://schemas.openxmlformats.org/officeDocument/2006/relationships" xmlns:p="http://schemas.openxmlformats.org/presentationml/2006/main" showMasterSp="0" showMasterPhAnim="0">
-  <p:cSld>
-    <p:spTree>
-      <p:nvGrpSpPr>
-        <p:cNvPr id="1" name="Shape 424"/>
-        <p:cNvGrpSpPr/>
-        <p:nvPr/>
-      </p:nvGrpSpPr>
-      <p:grpSpPr>
-        <a:xfrm>
-          <a:off x="0" y="0"/>
-          <a:ext cx="0" cy="0"/>
-          <a:chOff x="0" y="0"/>
-          <a:chExt cx="0" cy="0"/>
-        </a:xfrm>
-      </p:grpSpPr>
-      <p:sp>
-        <p:nvSpPr>
-          <p:cNvPr id="425" name="Shape 425"/>
-          <p:cNvSpPr txBox="1">
-            <a:spLocks noGrp="1"/>
-          </p:cNvSpPr>
-          <p:nvPr>
-            <p:ph type="body" idx="1"/>
-          </p:nvPr>
-        </p:nvSpPr>
-        <p:spPr>
-          <a:xfrm>
-            <a:off x="685511" y="4343235"/>
-            <a:ext cx="5486975" cy="4115143"/>
-          </a:xfrm>
-          <a:prstGeom prst="rect">
-            <a:avLst/>
-          </a:prstGeom>
-          <a:noFill/>
-          <a:ln>
-            <a:noFill/>
-          </a:ln>
-        </p:spPr>
-        <p:txBody>
-          <a:bodyPr lIns="81350" tIns="81350" rIns="81350" bIns="81350" anchor="ctr" anchorCtr="0">
-            <a:noAutofit/>
-          </a:bodyPr>
-          <a:lstStyle/>
-          <a:p>
-            <a:pPr lvl="0">
-              <a:spcBef>
-                <a:spcPts val="0"/>
-              </a:spcBef>
-              <a:buNone/>
-            </a:pPr>
-            <a:endParaRPr/>
-          </a:p>
-        </p:txBody>
-      </p:sp>
-      <p:sp>
-        <p:nvSpPr>
-          <p:cNvPr id="426" name="Shape 426"/>
           <p:cNvSpPr>
             <a:spLocks noGrp="1" noRot="1" noChangeAspect="1"/>
           </p:cNvSpPr>
@@ -15662,6 +15556,18 @@
               <a:buNone/>
             </a:pPr>
             <a:r>
+              <a:rPr lang="en" sz="2000" dirty="0" err="1">
+                <a:solidFill>
+                  <a:schemeClr val="lt1"/>
+                </a:solidFill>
+                <a:latin typeface="Calibri"/>
+                <a:ea typeface="Calibri"/>
+                <a:cs typeface="Calibri"/>
+                <a:sym typeface="Calibri"/>
+              </a:rPr>
+              <a:t>Flink</a:t>
+            </a:r>
+            <a:r>
               <a:rPr lang="en" sz="2000" dirty="0">
                 <a:solidFill>
                   <a:schemeClr val="lt1"/>
@@ -15671,7 +15577,7 @@
                 <a:cs typeface="Calibri"/>
                 <a:sym typeface="Calibri"/>
               </a:rPr>
-              <a:t>Flink </a:t>
+              <a:t> </a:t>
             </a:r>
             <a:r>
               <a:rPr lang="en" sz="2000" dirty="0" smtClean="0">
@@ -15686,6 +15592,42 @@
               <a:t>v1.</a:t>
             </a:r>
             <a:r>
+              <a:rPr lang="en-US" sz="2000" dirty="0">
+                <a:solidFill>
+                  <a:schemeClr val="lt1"/>
+                </a:solidFill>
+                <a:latin typeface="Calibri"/>
+                <a:ea typeface="Calibri"/>
+                <a:cs typeface="Calibri"/>
+                <a:sym typeface="Calibri"/>
+              </a:rPr>
+              <a:t>3</a:t>
+            </a:r>
+            <a:r>
+              <a:rPr lang="en" sz="2000" dirty="0" smtClean="0">
+                <a:solidFill>
+                  <a:schemeClr val="lt1"/>
+                </a:solidFill>
+                <a:latin typeface="Calibri"/>
+                <a:ea typeface="Calibri"/>
+                <a:cs typeface="Calibri"/>
+                <a:sym typeface="Calibri"/>
+              </a:rPr>
+              <a:t> </a:t>
+            </a:r>
+            <a:r>
+              <a:rPr lang="en" sz="2000" dirty="0">
+                <a:solidFill>
+                  <a:schemeClr val="lt1"/>
+                </a:solidFill>
+                <a:latin typeface="Calibri"/>
+                <a:ea typeface="Calibri"/>
+                <a:cs typeface="Calibri"/>
+                <a:sym typeface="Calibri"/>
+              </a:rPr>
+              <a:t>– </a:t>
+            </a:r>
+            <a:r>
               <a:rPr lang="en-US" sz="2000" dirty="0" smtClean="0">
                 <a:solidFill>
                   <a:schemeClr val="lt1"/>
@@ -15695,10 +15637,10 @@
                 <a:cs typeface="Calibri"/>
                 <a:sym typeface="Calibri"/>
               </a:rPr>
-              <a:t>2</a:t>
-            </a:r>
-            <a:r>
-              <a:rPr lang="en" sz="2000" dirty="0" smtClean="0">
+              <a:t>19</a:t>
+            </a:r>
+            <a:r>
+              <a:rPr lang="en-US" sz="2000" dirty="0" smtClean="0">
                 <a:solidFill>
                   <a:schemeClr val="lt1"/>
                 </a:solidFill>
@@ -15707,31 +15649,7 @@
                 <a:cs typeface="Calibri"/>
                 <a:sym typeface="Calibri"/>
               </a:rPr>
-              <a:t> </a:t>
-            </a:r>
-            <a:r>
-              <a:rPr lang="en" sz="2000" dirty="0">
-                <a:solidFill>
-                  <a:schemeClr val="lt1"/>
-                </a:solidFill>
-                <a:latin typeface="Calibri"/>
-                <a:ea typeface="Calibri"/>
-                <a:cs typeface="Calibri"/>
-                <a:sym typeface="Calibri"/>
-              </a:rPr>
-              <a:t>– </a:t>
-            </a:r>
-            <a:r>
-              <a:rPr lang="en-US" sz="2000" dirty="0" smtClean="0">
-                <a:solidFill>
-                  <a:schemeClr val="lt1"/>
-                </a:solidFill>
-                <a:latin typeface="Calibri"/>
-                <a:ea typeface="Calibri"/>
-                <a:cs typeface="Calibri"/>
-                <a:sym typeface="Calibri"/>
-              </a:rPr>
-              <a:t>27.02.</a:t>
+              <a:t>.06.</a:t>
             </a:r>
             <a:r>
               <a:rPr lang="en" sz="2000" dirty="0" smtClean="0">
@@ -16133,6 +16051,42 @@
               </a:rPr>
               <a:t>StreamExecutionEnvironment env = 				    		</a:t>
             </a:r>
+            <a:r>
+              <a:rPr lang="en" sz="1400" b="0" strike="noStrike" dirty="0" err="1" smtClean="0">
+                <a:solidFill>
+                  <a:srgbClr val="000000"/>
+                </a:solidFill>
+                <a:latin typeface="Consolas"/>
+                <a:ea typeface="Consolas"/>
+                <a:cs typeface="Consolas"/>
+                <a:sym typeface="Consolas"/>
+              </a:rPr>
+              <a:t>StreamExecutionEnvironment.</a:t>
+            </a:r>
+            <a:r>
+              <a:rPr lang="en" sz="1400" b="0" i="1" strike="noStrike" dirty="0" err="1" smtClean="0">
+                <a:solidFill>
+                  <a:srgbClr val="000000"/>
+                </a:solidFill>
+                <a:latin typeface="Consolas"/>
+                <a:ea typeface="Consolas"/>
+                <a:cs typeface="Consolas"/>
+                <a:sym typeface="Consolas"/>
+              </a:rPr>
+              <a:t>getExecutionEnvironment</a:t>
+            </a:r>
+            <a:r>
+              <a:rPr lang="en" sz="1400" b="0" strike="noStrike" dirty="0">
+                <a:solidFill>
+                  <a:srgbClr val="000000"/>
+                </a:solidFill>
+                <a:latin typeface="Consolas"/>
+                <a:ea typeface="Consolas"/>
+                <a:cs typeface="Consolas"/>
+                <a:sym typeface="Consolas"/>
+              </a:rPr>
+              <a:t>();</a:t>
+            </a:r>
           </a:p>
           <a:p>
             <a:pPr marL="0" marR="0" lvl="0" indent="0" algn="l" rtl="0">
@@ -16155,32 +16109,17 @@
                 <a:cs typeface="Consolas"/>
                 <a:sym typeface="Consolas"/>
               </a:rPr>
-              <a:t>		StreamExecutionEnvironment.</a:t>
-            </a:r>
-            <a:r>
-              <a:rPr lang="en" sz="1400" b="0" i="1" strike="noStrike" dirty="0">
-                <a:solidFill>
-                  <a:srgbClr val="000000"/>
-                </a:solidFill>
-                <a:latin typeface="Consolas"/>
-                <a:ea typeface="Consolas"/>
-                <a:cs typeface="Consolas"/>
-                <a:sym typeface="Consolas"/>
-              </a:rPr>
-              <a:t>getExecutionEnvironment</a:t>
-            </a:r>
-            <a:r>
-              <a:rPr lang="en" sz="1400" b="0" strike="noStrike" dirty="0">
-                <a:solidFill>
-                  <a:srgbClr val="000000"/>
-                </a:solidFill>
-                <a:latin typeface="Consolas"/>
-                <a:ea typeface="Consolas"/>
-                <a:cs typeface="Consolas"/>
-                <a:sym typeface="Consolas"/>
-              </a:rPr>
-              <a:t>();</a:t>
-            </a:r>
+              <a:t>    </a:t>
+            </a:r>
+            <a:endParaRPr lang="en-US" sz="1400" b="0" strike="noStrike" dirty="0" smtClean="0">
+              <a:solidFill>
+                <a:srgbClr val="000000"/>
+              </a:solidFill>
+              <a:latin typeface="Consolas"/>
+              <a:ea typeface="Consolas"/>
+              <a:cs typeface="Consolas"/>
+              <a:sym typeface="Consolas"/>
+            </a:endParaRPr>
           </a:p>
           <a:p>
             <a:pPr marL="0" marR="0" lvl="0" indent="0" algn="l" rtl="0">
@@ -16194,16 +16133,25 @@
               <a:buNone/>
             </a:pPr>
             <a:r>
-              <a:rPr lang="en" sz="1400" b="0" strike="noStrike" dirty="0">
-                <a:solidFill>
-                  <a:srgbClr val="000000"/>
-                </a:solidFill>
-                <a:latin typeface="Consolas"/>
-                <a:ea typeface="Consolas"/>
-                <a:cs typeface="Consolas"/>
-                <a:sym typeface="Consolas"/>
-              </a:rPr>
-              <a:t>    </a:t>
+              <a:rPr lang="en-US" i="1" dirty="0" smtClean="0">
+                <a:latin typeface="Consolas"/>
+                <a:ea typeface="Consolas"/>
+                <a:cs typeface="Consolas"/>
+                <a:sym typeface="Consolas"/>
+              </a:rPr>
+              <a:t>    </a:t>
+            </a:r>
+            <a:r>
+              <a:rPr lang="en" sz="1400" b="0" i="1" strike="noStrike" dirty="0" smtClean="0">
+                <a:solidFill>
+                  <a:srgbClr val="808080"/>
+                </a:solidFill>
+                <a:latin typeface="Consolas"/>
+                <a:ea typeface="Consolas"/>
+                <a:cs typeface="Consolas"/>
+                <a:sym typeface="Consolas"/>
+              </a:rPr>
+              <a:t>// </a:t>
             </a:r>
             <a:r>
               <a:rPr lang="en" sz="1400" b="0" i="1" strike="noStrike" dirty="0">
@@ -16215,7 +16163,7 @@
                 <a:cs typeface="Consolas"/>
                 <a:sym typeface="Consolas"/>
               </a:rPr>
-              <a:t>// configure event time</a:t>
+              <a:t>configure event time</a:t>
             </a:r>
             <a:r>
               <a:rPr lang="en" sz="1400" b="0" i="1" strike="noStrike" dirty="0">
@@ -17603,6 +17551,51 @@
               </a:rPr>
               <a:t>StreamExecutionEnvironment env = 				    		</a:t>
             </a:r>
+            <a:r>
+              <a:rPr lang="en" sz="1400" b="0" strike="noStrike" dirty="0" err="1" smtClean="0">
+                <a:solidFill>
+                  <a:srgbClr val="000000"/>
+                </a:solidFill>
+                <a:latin typeface="Consolas"/>
+                <a:ea typeface="Consolas"/>
+                <a:cs typeface="Consolas"/>
+                <a:sym typeface="Consolas"/>
+              </a:rPr>
+              <a:t>StreamExecutionEnvironment.</a:t>
+            </a:r>
+            <a:r>
+              <a:rPr lang="en" sz="1400" b="0" i="1" strike="noStrike" dirty="0" err="1" smtClean="0">
+                <a:solidFill>
+                  <a:srgbClr val="000000"/>
+                </a:solidFill>
+                <a:latin typeface="Consolas"/>
+                <a:ea typeface="Consolas"/>
+                <a:cs typeface="Consolas"/>
+                <a:sym typeface="Consolas"/>
+              </a:rPr>
+              <a:t>getExecutionEnvironment</a:t>
+            </a:r>
+            <a:r>
+              <a:rPr lang="en" sz="1400" b="0" strike="noStrike" dirty="0" smtClean="0">
+                <a:solidFill>
+                  <a:srgbClr val="000000"/>
+                </a:solidFill>
+                <a:latin typeface="Consolas"/>
+                <a:ea typeface="Consolas"/>
+                <a:cs typeface="Consolas"/>
+                <a:sym typeface="Consolas"/>
+              </a:rPr>
+              <a:t>();</a:t>
+            </a:r>
+            <a:endParaRPr lang="en-US" sz="1400" b="0" strike="noStrike" dirty="0" smtClean="0">
+              <a:solidFill>
+                <a:srgbClr val="000000"/>
+              </a:solidFill>
+              <a:latin typeface="Consolas"/>
+              <a:ea typeface="Consolas"/>
+              <a:cs typeface="Consolas"/>
+              <a:sym typeface="Consolas"/>
+            </a:endParaRPr>
           </a:p>
           <a:p>
             <a:pPr marL="0" marR="0" lvl="0" indent="0" algn="l" rtl="0">
@@ -17615,42 +17608,15 @@
               <a:buSzPct val="25000"/>
               <a:buNone/>
             </a:pPr>
-            <a:r>
-              <a:rPr lang="en" sz="1400" b="0" strike="noStrike" dirty="0">
-                <a:solidFill>
-                  <a:srgbClr val="000000"/>
-                </a:solidFill>
-                <a:latin typeface="Consolas"/>
-                <a:ea typeface="Consolas"/>
-                <a:cs typeface="Consolas"/>
-                <a:sym typeface="Consolas"/>
-              </a:rPr>
-              <a:t>		StreamExecutionEnvironment.</a:t>
-            </a:r>
-            <a:r>
-              <a:rPr lang="en" sz="1400" b="0" i="1" strike="noStrike" dirty="0">
-                <a:solidFill>
-                  <a:srgbClr val="000000"/>
-                </a:solidFill>
-                <a:latin typeface="Consolas"/>
-                <a:ea typeface="Consolas"/>
-                <a:cs typeface="Consolas"/>
-                <a:sym typeface="Consolas"/>
-              </a:rPr>
-              <a:t>getExecutionEnvironment</a:t>
-            </a:r>
-            <a:r>
-              <a:rPr lang="en" sz="1400" b="0" strike="noStrike" dirty="0">
-                <a:solidFill>
-                  <a:srgbClr val="000000"/>
-                </a:solidFill>
-                <a:latin typeface="Consolas"/>
-                <a:ea typeface="Consolas"/>
-                <a:cs typeface="Consolas"/>
-                <a:sym typeface="Consolas"/>
-              </a:rPr>
-              <a:t>();</a:t>
-            </a:r>
+            <a:endParaRPr lang="en" sz="1400" b="0" strike="noStrike" dirty="0">
+              <a:solidFill>
+                <a:srgbClr val="000000"/>
+              </a:solidFill>
+              <a:latin typeface="Consolas"/>
+              <a:ea typeface="Consolas"/>
+              <a:cs typeface="Consolas"/>
+              <a:sym typeface="Consolas"/>
+            </a:endParaRPr>
           </a:p>
           <a:p>
             <a:pPr marL="0" marR="0" lvl="0" indent="0" algn="l" rtl="0">
@@ -23014,16 +22980,28 @@
               <a:buChar char="▪"/>
             </a:pPr>
             <a:r>
-              <a:rPr lang="en" sz="2400" b="0" strike="noStrike">
-                <a:solidFill>
-                  <a:srgbClr val="000000"/>
-                </a:solidFill>
-                <a:latin typeface="Calibri"/>
-                <a:ea typeface="Calibri"/>
-                <a:cs typeface="Calibri"/>
-                <a:sym typeface="Calibri"/>
-              </a:rPr>
-              <a:t>Flink aims to be able to process data of any type</a:t>
+              <a:rPr lang="en" sz="2400" b="0" strike="noStrike" dirty="0" err="1">
+                <a:solidFill>
+                  <a:srgbClr val="000000"/>
+                </a:solidFill>
+                <a:latin typeface="Calibri"/>
+                <a:ea typeface="Calibri"/>
+                <a:cs typeface="Calibri"/>
+                <a:sym typeface="Calibri"/>
+              </a:rPr>
+              <a:t>Flink</a:t>
+            </a:r>
+            <a:r>
+              <a:rPr lang="en" sz="2400" b="0" strike="noStrike" dirty="0">
+                <a:solidFill>
+                  <a:srgbClr val="000000"/>
+                </a:solidFill>
+                <a:latin typeface="Calibri"/>
+                <a:ea typeface="Calibri"/>
+                <a:cs typeface="Calibri"/>
+                <a:sym typeface="Calibri"/>
+              </a:rPr>
+              <a:t> aims to be able to process data of any type</a:t>
             </a:r>
           </a:p>
           <a:p>
@@ -23037,7 +23015,7 @@
               <a:buFont typeface="Noto Sans Symbols"/>
               <a:buNone/>
             </a:pPr>
-            <a:endParaRPr sz="2400" b="0" i="0" u="none" strike="noStrike" cap="none">
+            <a:endParaRPr sz="2400" b="0" i="0" u="none" strike="noStrike" cap="none" dirty="0">
               <a:solidFill>
                 <a:schemeClr val="dk1"/>
               </a:solidFill>
@@ -23060,16 +23038,28 @@
               <a:buChar char="▪"/>
             </a:pPr>
             <a:r>
-              <a:rPr lang="en" sz="2400" b="0" i="0" u="none" strike="noStrike" cap="none">
-                <a:solidFill>
-                  <a:srgbClr val="000000"/>
-                </a:solidFill>
-                <a:latin typeface="Calibri"/>
-                <a:ea typeface="Calibri"/>
-                <a:cs typeface="Calibri"/>
-                <a:sym typeface="Calibri"/>
-              </a:rPr>
-              <a:t>DataSet and DataStream APIs share the same type system</a:t>
+              <a:rPr lang="en" sz="2400" b="0" i="0" u="none" strike="noStrike" cap="none" dirty="0" err="1">
+                <a:solidFill>
+                  <a:srgbClr val="000000"/>
+                </a:solidFill>
+                <a:latin typeface="Calibri"/>
+                <a:ea typeface="Calibri"/>
+                <a:cs typeface="Calibri"/>
+                <a:sym typeface="Calibri"/>
+              </a:rPr>
+              <a:t>DataSet</a:t>
+            </a:r>
+            <a:r>
+              <a:rPr lang="en" sz="2400" b="0" i="0" u="none" strike="noStrike" cap="none" dirty="0">
+                <a:solidFill>
+                  <a:srgbClr val="000000"/>
+                </a:solidFill>
+                <a:latin typeface="Calibri"/>
+                <a:ea typeface="Calibri"/>
+                <a:cs typeface="Calibri"/>
+                <a:sym typeface="Calibri"/>
+              </a:rPr>
+              <a:t> and DataStream APIs share the same type system</a:t>
             </a:r>
           </a:p>
           <a:p>
@@ -23083,7 +23073,7 @@
               <a:buFont typeface="Noto Sans Symbols"/>
               <a:buNone/>
             </a:pPr>
-            <a:endParaRPr sz="2400" b="0" i="0" u="none" strike="noStrike" cap="none">
+            <a:endParaRPr sz="2400" b="0" i="0" u="none" strike="noStrike" cap="none" dirty="0">
               <a:solidFill>
                 <a:schemeClr val="dk1"/>
               </a:solidFill>
@@ -23109,7 +23099,7 @@
               <a:buChar char="▪"/>
             </a:pPr>
             <a:r>
-              <a:rPr lang="en" sz="2400" b="0" strike="noStrike">
+              <a:rPr lang="en" sz="2400" b="0" strike="noStrike" dirty="0">
                 <a:solidFill>
                   <a:srgbClr val="000000"/>
                 </a:solidFill>
@@ -23137,7 +23127,7 @@
               <a:buChar char="▪"/>
             </a:pPr>
             <a:r>
-              <a:rPr lang="en" sz="2000" b="0" i="0" u="none" strike="noStrike" cap="none">
+              <a:rPr lang="en" sz="2000" b="0" i="0" u="none" strike="noStrike" cap="none" dirty="0">
                 <a:solidFill>
                   <a:srgbClr val="000000"/>
                 </a:solidFill>
@@ -23165,7 +23155,7 @@
               <a:buChar char="▪"/>
             </a:pPr>
             <a:r>
-              <a:rPr lang="en" sz="2000" b="0" i="0" u="none" strike="noStrike" cap="none">
+              <a:rPr lang="en" sz="2000" b="0" i="0" u="none" strike="noStrike" cap="none" dirty="0">
                 <a:solidFill>
                   <a:srgbClr val="000000"/>
                 </a:solidFill>
@@ -23188,7 +23178,7 @@
               <a:buFont typeface="Arial"/>
               <a:buNone/>
             </a:pPr>
-            <a:endParaRPr sz="2400" b="0" strike="noStrike">
+            <a:endParaRPr sz="2400" b="0" strike="noStrike" dirty="0">
               <a:solidFill>
                 <a:schemeClr val="dk1"/>
               </a:solidFill>
@@ -23214,7 +23204,7 @@
               <a:buChar char="▪"/>
             </a:pPr>
             <a:r>
-              <a:rPr lang="en" sz="2400" b="0" strike="noStrike">
+              <a:rPr lang="en" sz="2400" b="0" strike="noStrike" dirty="0">
                 <a:solidFill>
                   <a:srgbClr val="000000"/>
                 </a:solidFill>
@@ -23242,7 +23232,7 @@
               <a:buChar char="▪"/>
             </a:pPr>
             <a:r>
-              <a:rPr lang="en" sz="2000" b="0" i="0" u="none" strike="noStrike" cap="none">
+              <a:rPr lang="en" sz="2000" b="0" i="0" u="none" strike="noStrike" cap="none" dirty="0">
                 <a:solidFill>
                   <a:srgbClr val="000000"/>
                 </a:solidFill>
@@ -23270,7 +23260,7 @@
               <a:buChar char="▪"/>
             </a:pPr>
             <a:r>
-              <a:rPr lang="en" sz="2000" b="0" i="0" u="none" strike="noStrike" cap="none">
+              <a:rPr lang="en" sz="2000" b="0" i="0" u="none" strike="noStrike" cap="none" dirty="0">
                 <a:solidFill>
                   <a:srgbClr val="000000"/>
                 </a:solidFill>
@@ -23298,7 +23288,7 @@
               <a:buChar char="▪"/>
             </a:pPr>
             <a:r>
-              <a:rPr lang="en" sz="2000" b="0" i="0" u="none" strike="noStrike" cap="none">
+              <a:rPr lang="en" sz="2000" b="0" i="0" u="none" strike="noStrike" cap="none" dirty="0">
                 <a:solidFill>
                   <a:srgbClr val="000000"/>
                 </a:solidFill>
@@ -25141,7 +25131,31 @@
                 <a:cs typeface="Calibri"/>
                 <a:sym typeface="Calibri"/>
               </a:rPr>
-              <a:t>All examples here in Java for Flink </a:t>
+              <a:t>All examples here in Java for </a:t>
+            </a:r>
+            <a:r>
+              <a:rPr lang="en" sz="3200" b="0" strike="noStrike" dirty="0" err="1">
+                <a:solidFill>
+                  <a:srgbClr val="000000"/>
+                </a:solidFill>
+                <a:latin typeface="Calibri"/>
+                <a:ea typeface="Calibri"/>
+                <a:cs typeface="Calibri"/>
+                <a:sym typeface="Calibri"/>
+              </a:rPr>
+              <a:t>Flink</a:t>
+            </a:r>
+            <a:r>
+              <a:rPr lang="en" sz="3200" b="0" strike="noStrike" dirty="0">
+                <a:solidFill>
+                  <a:srgbClr val="000000"/>
+                </a:solidFill>
+                <a:latin typeface="Calibri"/>
+                <a:ea typeface="Calibri"/>
+                <a:cs typeface="Calibri"/>
+                <a:sym typeface="Calibri"/>
+              </a:rPr>
+              <a:t> </a:t>
             </a:r>
             <a:r>
               <a:rPr lang="en" sz="3200" b="0" strike="noStrike" dirty="0" smtClean="0">
@@ -25156,16 +25170,13 @@
               <a:t>1.</a:t>
             </a:r>
             <a:r>
-              <a:rPr lang="en-US" sz="3200" b="0" strike="noStrike" dirty="0" smtClean="0">
-                <a:solidFill>
-                  <a:srgbClr val="000000"/>
-                </a:solidFill>
-                <a:latin typeface="Calibri"/>
-                <a:ea typeface="Calibri"/>
-                <a:cs typeface="Calibri"/>
-                <a:sym typeface="Calibri"/>
-              </a:rPr>
-              <a:t>2</a:t>
+              <a:rPr lang="en-US" sz="3200" dirty="0">
+                <a:latin typeface="Calibri"/>
+                <a:ea typeface="Calibri"/>
+                <a:cs typeface="Calibri"/>
+                <a:sym typeface="Calibri"/>
+              </a:rPr>
+              <a:t>3</a:t>
             </a:r>
             <a:endParaRPr lang="en" sz="3200" b="0" strike="noStrike" dirty="0">
               <a:solidFill>
@@ -28586,7 +28597,7 @@
               <a:buNone/>
             </a:pPr>
             <a:r>
-              <a:rPr lang="en" sz="1600" b="0" strike="noStrike">
+              <a:rPr lang="en" sz="1600" b="0" strike="noStrike" dirty="0">
                 <a:solidFill>
                   <a:srgbClr val="6D6D6D"/>
                 </a:solidFill>
@@ -28610,7 +28621,7 @@
               <a:buNone/>
             </a:pPr>
             <a:r>
-              <a:rPr lang="en" sz="1600" b="0" strike="noStrike">
+              <a:rPr lang="en" sz="1600" b="0" strike="noStrike" dirty="0">
                 <a:solidFill>
                   <a:srgbClr val="000000"/>
                 </a:solidFill>
@@ -28632,7 +28643,7 @@
               </a:spcBef>
               <a:buNone/>
             </a:pPr>
-            <a:endParaRPr sz="1600" b="0" strike="noStrike">
+            <a:endParaRPr sz="1600" b="0" strike="noStrike" dirty="0">
               <a:solidFill>
                 <a:schemeClr val="dk1"/>
               </a:solidFill>
@@ -28654,7 +28665,7 @@
               <a:buNone/>
             </a:pPr>
             <a:r>
-              <a:rPr lang="en" sz="1600" b="0" strike="noStrike">
+              <a:rPr lang="en" sz="1600" b="0" strike="noStrike" dirty="0">
                 <a:solidFill>
                   <a:srgbClr val="6D6D6D"/>
                 </a:solidFill>
@@ -28678,19 +28689,64 @@
               <a:buNone/>
             </a:pPr>
             <a:r>
-              <a:rPr lang="en" sz="1600" b="0" strike="noStrike">
-                <a:solidFill>
-                  <a:srgbClr val="000000"/>
-                </a:solidFill>
-                <a:latin typeface="Consolas"/>
-                <a:ea typeface="Consolas"/>
-                <a:cs typeface="Consolas"/>
-                <a:sym typeface="Consolas"/>
-              </a:rPr>
-              <a:t>DataStream&lt;Integer, Integer&gt; grouped = passengers.</a:t>
-            </a:r>
-            <a:r>
-              <a:rPr lang="en" sz="1600" b="0" strike="noStrike">
+              <a:rPr lang="en-US" sz="1600" dirty="0" smtClean="0">
+                <a:latin typeface="Consolas"/>
+                <a:ea typeface="Consolas"/>
+                <a:cs typeface="Consolas"/>
+                <a:sym typeface="Consolas"/>
+              </a:rPr>
+              <a:t>DataStream&lt;Tuple2&lt;String, Integer&gt;</a:t>
+            </a:r>
+            <a:r>
+              <a:rPr lang="en-US" sz="1600" b="0" strike="noStrike" dirty="0" smtClean="0">
+                <a:solidFill>
+                  <a:srgbClr val="000000"/>
+                </a:solidFill>
+                <a:latin typeface="Consolas"/>
+                <a:ea typeface="Consolas"/>
+                <a:cs typeface="Consolas"/>
+                <a:sym typeface="Consolas"/>
+              </a:rPr>
+              <a:t>&gt;</a:t>
+            </a:r>
+            <a:r>
+              <a:rPr lang="en" sz="1600" b="0" strike="noStrike" dirty="0" smtClean="0">
+                <a:solidFill>
+                  <a:srgbClr val="000000"/>
+                </a:solidFill>
+                <a:latin typeface="Consolas"/>
+                <a:ea typeface="Consolas"/>
+                <a:cs typeface="Consolas"/>
+                <a:sym typeface="Consolas"/>
+              </a:rPr>
+              <a:t> </a:t>
+            </a:r>
+            <a:r>
+              <a:rPr lang="en" sz="1600" b="0" strike="noStrike" dirty="0">
+                <a:solidFill>
+                  <a:srgbClr val="000000"/>
+                </a:solidFill>
+                <a:latin typeface="Consolas"/>
+                <a:ea typeface="Consolas"/>
+                <a:cs typeface="Consolas"/>
+                <a:sym typeface="Consolas"/>
+              </a:rPr>
+              <a:t>grouped = </a:t>
+            </a:r>
+            <a:r>
+              <a:rPr lang="en" sz="1600" b="0" strike="noStrike" dirty="0" err="1">
+                <a:solidFill>
+                  <a:srgbClr val="000000"/>
+                </a:solidFill>
+                <a:latin typeface="Consolas"/>
+                <a:ea typeface="Consolas"/>
+                <a:cs typeface="Consolas"/>
+                <a:sym typeface="Consolas"/>
+              </a:rPr>
+              <a:t>passengers.</a:t>
+            </a:r>
+            <a:r>
+              <a:rPr lang="en" sz="1600" b="0" strike="noStrike" dirty="0" err="1">
                 <a:solidFill>
                   <a:srgbClr val="FF0000"/>
                 </a:solidFill>
@@ -28702,7 +28758,7 @@
               <a:t>keyBy</a:t>
             </a:r>
             <a:r>
-              <a:rPr lang="en" sz="1600" b="0" strike="noStrike">
+              <a:rPr lang="en" sz="1600" b="0" strike="noStrike" dirty="0">
                 <a:solidFill>
                   <a:srgbClr val="000000"/>
                 </a:solidFill>
@@ -28714,7 +28770,7 @@
               <a:t>(</a:t>
             </a:r>
             <a:r>
-              <a:rPr lang="en" sz="1600" b="0" strike="noStrike">
+              <a:rPr lang="en" sz="1600" b="0" strike="noStrike" dirty="0">
                 <a:solidFill>
                   <a:srgbClr val="0000FF"/>
                 </a:solidFill>
@@ -28726,7 +28782,7 @@
               <a:t>1</a:t>
             </a:r>
             <a:r>
-              <a:rPr lang="en" sz="1600" b="0" strike="noStrike">
+              <a:rPr lang="en" sz="1600" b="0" strike="noStrike" dirty="0">
                 <a:solidFill>
                   <a:srgbClr val="000000"/>
                 </a:solidFill>
@@ -28748,7 +28804,7 @@
               </a:spcBef>
               <a:buNone/>
             </a:pPr>
-            <a:endParaRPr sz="1600" b="0" strike="noStrike">
+            <a:endParaRPr sz="1600" b="0" strike="noStrike" dirty="0">
               <a:solidFill>
                 <a:schemeClr val="dk1"/>
               </a:solidFill>
@@ -28768,7 +28824,7 @@
               </a:spcBef>
               <a:buNone/>
             </a:pPr>
-            <a:endParaRPr sz="1600" b="0" strike="noStrike">
+            <a:endParaRPr sz="1600" b="0" strike="noStrike" dirty="0">
               <a:solidFill>
                 <a:schemeClr val="dk1"/>
               </a:solidFill>
@@ -28818,7 +28874,7 @@
                         <a:buNone/>
                       </a:pPr>
                       <a:r>
-                        <a:rPr lang="en" sz="1200" b="0" strike="noStrike">
+                        <a:rPr lang="en" sz="1200" b="0" strike="noStrike" dirty="0">
                           <a:solidFill>
                             <a:srgbClr val="000000"/>
                           </a:solidFill>
@@ -28889,7 +28945,7 @@
                         <a:buNone/>
                       </a:pPr>
                       <a:r>
-                        <a:rPr lang="en" sz="1200" b="0" strike="noStrike">
+                        <a:rPr lang="en" sz="1200" b="0" strike="noStrike" dirty="0">
                           <a:solidFill>
                             <a:srgbClr val="000000"/>
                           </a:solidFill>
@@ -31891,7 +31947,7 @@
         </p:nvSpPr>
         <p:spPr>
           <a:xfrm>
-            <a:off x="457200" y="1474200"/>
+            <a:off x="457200" y="1292218"/>
             <a:ext cx="8443440" cy="5246640"/>
           </a:xfrm>
           <a:prstGeom prst="rect">
@@ -31920,16 +31976,52 @@
               <a:buChar char="▪"/>
             </a:pPr>
             <a:r>
-              <a:rPr lang="en" sz="3200" b="0" i="0" u="none" strike="noStrike" cap="none" dirty="0">
-                <a:solidFill>
-                  <a:srgbClr val="000000"/>
-                </a:solidFill>
-                <a:latin typeface="Calibri"/>
-                <a:ea typeface="Calibri"/>
-                <a:cs typeface="Calibri"/>
-                <a:sym typeface="Calibri"/>
-              </a:rPr>
-              <a:t>keyBy() partitions DataStreams on keys</a:t>
+              <a:rPr lang="en" sz="2800" b="0" i="0" u="none" strike="noStrike" cap="none" dirty="0" err="1" smtClean="0">
+                <a:solidFill>
+                  <a:srgbClr val="000000"/>
+                </a:solidFill>
+                <a:latin typeface="Calibri"/>
+                <a:ea typeface="Calibri"/>
+                <a:cs typeface="Calibri"/>
+                <a:sym typeface="Calibri"/>
+              </a:rPr>
+              <a:t>keyBy</a:t>
+            </a:r>
+            <a:r>
+              <a:rPr lang="en" sz="2800" b="0" i="0" u="none" strike="noStrike" cap="none" dirty="0">
+                <a:solidFill>
+                  <a:srgbClr val="000000"/>
+                </a:solidFill>
+                <a:latin typeface="Calibri"/>
+                <a:ea typeface="Calibri"/>
+                <a:cs typeface="Calibri"/>
+                <a:sym typeface="Calibri"/>
+              </a:rPr>
+              <a:t>() partitions </a:t>
+            </a:r>
+            <a:r>
+              <a:rPr lang="en-US" sz="2800" b="0" i="0" u="none" strike="noStrike" cap="none" dirty="0" smtClean="0">
+                <a:solidFill>
+                  <a:srgbClr val="000000"/>
+                </a:solidFill>
+                <a:latin typeface="Calibri"/>
+                <a:ea typeface="Calibri"/>
+                <a:cs typeface="Calibri"/>
+                <a:sym typeface="Calibri"/>
+              </a:rPr>
+              <a:t>a </a:t>
+            </a:r>
+            <a:r>
+              <a:rPr lang="en" sz="2800" b="0" i="0" u="none" strike="noStrike" cap="none" dirty="0" smtClean="0">
+                <a:solidFill>
+                  <a:srgbClr val="000000"/>
+                </a:solidFill>
+                <a:latin typeface="Calibri"/>
+                <a:ea typeface="Calibri"/>
+                <a:cs typeface="Calibri"/>
+                <a:sym typeface="Calibri"/>
+              </a:rPr>
+              <a:t>DataStream</a:t>
             </a:r>
           </a:p>
           <a:p>
@@ -31942,54 +32034,63 @@
               <a:buChar char="▪"/>
             </a:pPr>
             <a:r>
-              <a:rPr lang="en-US" sz="2800" dirty="0">
-                <a:latin typeface="Calibri"/>
-                <a:ea typeface="Calibri"/>
-                <a:cs typeface="Calibri"/>
-                <a:sym typeface="Calibri"/>
-              </a:rPr>
-              <a:t>k</a:t>
-            </a:r>
-            <a:r>
-              <a:rPr lang="en" sz="2800" b="0" i="0" u="none" strike="noStrike" cap="none" dirty="0" smtClean="0">
-                <a:solidFill>
-                  <a:srgbClr val="000000"/>
-                </a:solidFill>
-                <a:latin typeface="Calibri"/>
-                <a:ea typeface="Calibri"/>
-                <a:cs typeface="Calibri"/>
-                <a:sym typeface="Calibri"/>
-              </a:rPr>
-              <a:t>eys </a:t>
-            </a:r>
-            <a:r>
-              <a:rPr lang="en" sz="2800" b="0" i="0" u="none" strike="noStrike" cap="none" dirty="0">
-                <a:solidFill>
-                  <a:srgbClr val="000000"/>
-                </a:solidFill>
-                <a:latin typeface="Calibri"/>
-                <a:ea typeface="Calibri"/>
-                <a:cs typeface="Calibri"/>
-                <a:sym typeface="Calibri"/>
-              </a:rPr>
-              <a:t>are extracted from each element</a:t>
-            </a:r>
-          </a:p>
-          <a:p>
-            <a:pPr marL="343080" marR="0" lvl="0" indent="-343080" algn="l" rtl="0">
-              <a:lnSpc>
-                <a:spcPct val="100000"/>
-              </a:lnSpc>
-              <a:spcBef>
-                <a:spcPts val="0"/>
-              </a:spcBef>
-              <a:buClr>
-                <a:srgbClr val="34AD91"/>
-              </a:buClr>
-              <a:buFont typeface="Noto Sans Symbols"/>
-              <a:buNone/>
-            </a:pPr>
-            <a:endParaRPr sz="3200" b="0" strike="noStrike" dirty="0">
+              <a:rPr lang="en-US" sz="2400" dirty="0" smtClean="0">
+                <a:latin typeface="Calibri"/>
+                <a:ea typeface="Calibri"/>
+                <a:cs typeface="Calibri"/>
+                <a:sym typeface="Calibri"/>
+              </a:rPr>
+              <a:t>a k</a:t>
+            </a:r>
+            <a:r>
+              <a:rPr lang="en" sz="2400" b="0" i="0" u="none" strike="noStrike" cap="none" dirty="0" err="1" smtClean="0">
+                <a:solidFill>
+                  <a:srgbClr val="000000"/>
+                </a:solidFill>
+                <a:latin typeface="Calibri"/>
+                <a:ea typeface="Calibri"/>
+                <a:cs typeface="Calibri"/>
+                <a:sym typeface="Calibri"/>
+              </a:rPr>
+              <a:t>ey</a:t>
+            </a:r>
+            <a:r>
+              <a:rPr lang="en" sz="2400" b="0" i="0" u="none" strike="noStrike" cap="none" dirty="0" smtClean="0">
+                <a:solidFill>
+                  <a:srgbClr val="000000"/>
+                </a:solidFill>
+                <a:latin typeface="Calibri"/>
+                <a:ea typeface="Calibri"/>
+                <a:cs typeface="Calibri"/>
+                <a:sym typeface="Calibri"/>
+              </a:rPr>
+              <a:t> </a:t>
+            </a:r>
+            <a:r>
+              <a:rPr lang="en-US" sz="2400" b="0" i="0" u="none" strike="noStrike" cap="none" dirty="0" smtClean="0">
+                <a:solidFill>
+                  <a:srgbClr val="000000"/>
+                </a:solidFill>
+                <a:latin typeface="Calibri"/>
+                <a:ea typeface="Calibri"/>
+                <a:cs typeface="Calibri"/>
+                <a:sym typeface="Calibri"/>
+              </a:rPr>
+              <a:t>is </a:t>
+            </a:r>
+            <a:r>
+              <a:rPr lang="en" sz="2400" b="0" i="0" u="none" strike="noStrike" cap="none" dirty="0" smtClean="0">
+                <a:solidFill>
+                  <a:srgbClr val="000000"/>
+                </a:solidFill>
+                <a:latin typeface="Calibri"/>
+                <a:ea typeface="Calibri"/>
+                <a:cs typeface="Calibri"/>
+                <a:sym typeface="Calibri"/>
+              </a:rPr>
+              <a:t>extracted from each element</a:t>
+            </a:r>
+            <a:endParaRPr lang="en-US" sz="2400" b="0" i="0" u="none" strike="noStrike" cap="none" dirty="0" smtClean="0">
               <a:solidFill>
                 <a:srgbClr val="000000"/>
               </a:solidFill>
@@ -32010,69 +32111,235 @@
               <a:buClr>
                 <a:srgbClr val="34AD91"/>
               </a:buClr>
-              <a:buSzPct val="100000"/>
               <a:buFont typeface="Noto Sans Symbols"/>
-              <a:buChar char="▪"/>
-            </a:pPr>
-            <a:r>
-              <a:rPr lang="en" sz="3200" b="0" strike="noStrike" dirty="0">
-                <a:solidFill>
-                  <a:srgbClr val="000000"/>
-                </a:solidFill>
-                <a:latin typeface="Calibri"/>
-                <a:ea typeface="Calibri"/>
-                <a:cs typeface="Calibri"/>
-                <a:sym typeface="Calibri"/>
-              </a:rPr>
-              <a:t>Not all data types can be used as keys</a:t>
-            </a:r>
-          </a:p>
-          <a:p>
-            <a:pPr marL="743040" lvl="1" indent="-285840">
+              <a:buNone/>
+            </a:pPr>
+            <a:endParaRPr sz="2800" b="0" strike="noStrike" dirty="0">
+              <a:solidFill>
+                <a:srgbClr val="000000"/>
+              </a:solidFill>
+              <a:latin typeface="Calibri"/>
+              <a:ea typeface="Calibri"/>
+              <a:cs typeface="Calibri"/>
+              <a:sym typeface="Calibri"/>
+            </a:endParaRPr>
+          </a:p>
+          <a:p>
+            <a:pPr marL="343080" lvl="1" indent="-343080">
               <a:buClr>
                 <a:srgbClr val="34AD91"/>
               </a:buClr>
               <a:buSzPct val="100000"/>
+              <a:buFont typeface="Noto Sans Symbols"/>
+              <a:buChar char="▪"/>
+            </a:pPr>
+            <a:r>
+              <a:rPr lang="en-US" sz="2800" dirty="0">
+                <a:latin typeface="Calibri"/>
+                <a:ea typeface="Calibri"/>
+                <a:cs typeface="Calibri"/>
+                <a:sym typeface="Calibri"/>
+              </a:rPr>
+              <a:t>Basis of </a:t>
+            </a:r>
+            <a:r>
+              <a:rPr lang="en-US" sz="2800" dirty="0" smtClean="0">
+                <a:latin typeface="Calibri"/>
+                <a:ea typeface="Calibri"/>
+                <a:cs typeface="Calibri"/>
+                <a:sym typeface="Calibri"/>
+              </a:rPr>
+              <a:t>operating </a:t>
+            </a:r>
+            <a:r>
+              <a:rPr lang="en-US" sz="2800" dirty="0">
+                <a:latin typeface="Calibri"/>
+                <a:ea typeface="Calibri"/>
+                <a:cs typeface="Calibri"/>
+                <a:sym typeface="Calibri"/>
+              </a:rPr>
+              <a:t>in parallel</a:t>
+            </a:r>
+            <a:endParaRPr lang="en" sz="2800" dirty="0">
+              <a:latin typeface="Calibri"/>
+              <a:ea typeface="Calibri"/>
+              <a:cs typeface="Calibri"/>
+              <a:sym typeface="Calibri"/>
+            </a:endParaRPr>
+          </a:p>
+          <a:p>
+            <a:pPr marL="343080" lvl="1" indent="-343080">
+              <a:buClr>
+                <a:srgbClr val="34AD91"/>
+              </a:buClr>
+              <a:buSzPct val="100000"/>
+              <a:buFont typeface="Noto Sans Symbols"/>
+              <a:buChar char="▪"/>
+            </a:pPr>
+            <a:endParaRPr lang="en-US" sz="2800" dirty="0">
+              <a:latin typeface="Calibri"/>
+              <a:ea typeface="Calibri"/>
+              <a:cs typeface="Calibri"/>
+              <a:sym typeface="Calibri"/>
+            </a:endParaRPr>
+          </a:p>
+          <a:p>
+            <a:pPr marL="343080" marR="0" lvl="0" indent="-343080" algn="l" rtl="0">
+              <a:lnSpc>
+                <a:spcPct val="100000"/>
+              </a:lnSpc>
+              <a:spcBef>
+                <a:spcPts val="0"/>
+              </a:spcBef>
+              <a:buClr>
+                <a:srgbClr val="34AD91"/>
+              </a:buClr>
+              <a:buSzPct val="100000"/>
+              <a:buFont typeface="Noto Sans Symbols"/>
+              <a:buChar char="▪"/>
+            </a:pPr>
+            <a:r>
+              <a:rPr lang="en-US" sz="2800" b="0" strike="noStrike" dirty="0" smtClean="0">
+                <a:solidFill>
+                  <a:srgbClr val="000000"/>
+                </a:solidFill>
+                <a:latin typeface="Calibri"/>
+                <a:ea typeface="Calibri"/>
+                <a:cs typeface="Calibri"/>
+                <a:sym typeface="Calibri"/>
+              </a:rPr>
+              <a:t>Data </a:t>
+            </a:r>
+            <a:r>
+              <a:rPr lang="en" sz="2800" b="0" strike="noStrike" dirty="0" smtClean="0">
+                <a:solidFill>
+                  <a:srgbClr val="000000"/>
+                </a:solidFill>
+                <a:latin typeface="Calibri"/>
+                <a:ea typeface="Calibri"/>
+                <a:cs typeface="Calibri"/>
+                <a:sym typeface="Calibri"/>
+              </a:rPr>
+              <a:t>types used </a:t>
+            </a:r>
+            <a:r>
+              <a:rPr lang="en" sz="2800" b="0" strike="noStrike" dirty="0">
+                <a:solidFill>
+                  <a:srgbClr val="000000"/>
+                </a:solidFill>
+                <a:latin typeface="Calibri"/>
+                <a:ea typeface="Calibri"/>
+                <a:cs typeface="Calibri"/>
+                <a:sym typeface="Calibri"/>
+              </a:rPr>
+              <a:t>as </a:t>
+            </a:r>
+            <a:r>
+              <a:rPr lang="en" sz="2800" b="0" strike="noStrike" dirty="0" smtClean="0">
+                <a:solidFill>
+                  <a:srgbClr val="000000"/>
+                </a:solidFill>
+                <a:latin typeface="Calibri"/>
+                <a:ea typeface="Calibri"/>
+                <a:cs typeface="Calibri"/>
+                <a:sym typeface="Calibri"/>
+              </a:rPr>
+              <a:t>keys</a:t>
+            </a:r>
+            <a:r>
+              <a:rPr lang="en-US" sz="2800" b="0" strike="noStrike" dirty="0" smtClean="0">
+                <a:solidFill>
+                  <a:srgbClr val="000000"/>
+                </a:solidFill>
+                <a:latin typeface="Calibri"/>
+                <a:ea typeface="Calibri"/>
+                <a:cs typeface="Calibri"/>
+                <a:sym typeface="Calibri"/>
+              </a:rPr>
+              <a:t> must have valid implementations of </a:t>
+            </a:r>
+            <a:r>
+              <a:rPr lang="en-US" sz="2800" b="0" strike="noStrike" dirty="0" err="1" smtClean="0">
+                <a:solidFill>
+                  <a:srgbClr val="000000"/>
+                </a:solidFill>
+                <a:latin typeface="Consolas" charset="0"/>
+                <a:ea typeface="Consolas" charset="0"/>
+                <a:cs typeface="Consolas" charset="0"/>
+                <a:sym typeface="Calibri"/>
+              </a:rPr>
+              <a:t>hashCode</a:t>
+            </a:r>
+            <a:r>
+              <a:rPr lang="en-US" sz="2800" b="0" strike="noStrike" dirty="0" smtClean="0">
+                <a:solidFill>
+                  <a:srgbClr val="000000"/>
+                </a:solidFill>
+                <a:latin typeface="Consolas" charset="0"/>
+                <a:ea typeface="Consolas" charset="0"/>
+                <a:cs typeface="Consolas" charset="0"/>
+                <a:sym typeface="Calibri"/>
+              </a:rPr>
+              <a:t>()</a:t>
+            </a:r>
+            <a:r>
+              <a:rPr lang="en-US" sz="2800" b="0" strike="noStrike" dirty="0" smtClean="0">
+                <a:solidFill>
+                  <a:srgbClr val="000000"/>
+                </a:solidFill>
+                <a:latin typeface="Calibri"/>
+                <a:ea typeface="Calibri"/>
+                <a:cs typeface="Calibri"/>
+                <a:sym typeface="Calibri"/>
+              </a:rPr>
+              <a:t> and </a:t>
+            </a:r>
+            <a:r>
+              <a:rPr lang="en-US" sz="2800" b="0" strike="noStrike" dirty="0" smtClean="0">
+                <a:solidFill>
+                  <a:srgbClr val="000000"/>
+                </a:solidFill>
+                <a:latin typeface="Consolas" charset="0"/>
+                <a:ea typeface="Consolas" charset="0"/>
+                <a:cs typeface="Consolas" charset="0"/>
+                <a:sym typeface="Calibri"/>
+              </a:rPr>
+              <a:t>equals()</a:t>
+            </a:r>
+            <a:r>
+              <a:rPr lang="en-US" sz="2800" b="0" strike="noStrike" dirty="0" smtClean="0">
+                <a:solidFill>
+                  <a:srgbClr val="000000"/>
+                </a:solidFill>
+                <a:latin typeface="Calibri"/>
+                <a:ea typeface="Calibri"/>
+                <a:cs typeface="Calibri"/>
+                <a:sym typeface="Calibri"/>
+              </a:rPr>
+              <a:t>, which rules out arrays (for example)</a:t>
+            </a:r>
+            <a:endParaRPr lang="en" sz="2800" b="0" strike="noStrike" dirty="0">
+              <a:solidFill>
+                <a:srgbClr val="000000"/>
+              </a:solidFill>
+              <a:latin typeface="Calibri"/>
+              <a:ea typeface="Calibri"/>
+              <a:cs typeface="Calibri"/>
+              <a:sym typeface="Calibri"/>
+            </a:endParaRPr>
+          </a:p>
+          <a:p>
+            <a:pPr marL="743040" marR="0" lvl="1" indent="-285840" algn="l" rtl="0">
+              <a:spcBef>
+                <a:spcPts val="0"/>
+              </a:spcBef>
+              <a:buClr>
+                <a:srgbClr val="34AD91"/>
+              </a:buClr>
               <a:buFont typeface="Arial"/>
-              <a:buChar char="▪"/>
-            </a:pPr>
-            <a:r>
-              <a:rPr lang="en-US" sz="2800" dirty="0" smtClean="0">
-                <a:solidFill>
-                  <a:schemeClr val="dk1"/>
-                </a:solidFill>
-                <a:latin typeface="Calibri"/>
-                <a:ea typeface="Calibri"/>
-                <a:cs typeface="Calibri"/>
-                <a:sym typeface="Calibri"/>
-              </a:rPr>
-              <a:t>can’t use arrays as</a:t>
-            </a:r>
-            <a:r>
-              <a:rPr lang="en" sz="2800" dirty="0" smtClean="0">
-                <a:solidFill>
-                  <a:schemeClr val="dk1"/>
-                </a:solidFill>
-                <a:latin typeface="Calibri"/>
-                <a:ea typeface="Calibri"/>
-                <a:cs typeface="Calibri"/>
-                <a:sym typeface="Calibri"/>
-              </a:rPr>
-              <a:t> key</a:t>
-            </a:r>
-            <a:r>
-              <a:rPr lang="en-US" sz="2800" dirty="0" smtClean="0">
-                <a:solidFill>
-                  <a:schemeClr val="dk1"/>
-                </a:solidFill>
-                <a:latin typeface="Calibri"/>
-                <a:ea typeface="Calibri"/>
-                <a:cs typeface="Calibri"/>
-                <a:sym typeface="Calibri"/>
-              </a:rPr>
-              <a:t>s</a:t>
-            </a:r>
-            <a:endParaRPr lang="en" sz="2800" dirty="0">
+              <a:buNone/>
+            </a:pPr>
+            <a:endParaRPr sz="2400" b="0" i="0" u="none" strike="noStrike" cap="none" dirty="0" smtClean="0">
               <a:solidFill>
                 <a:schemeClr val="dk1"/>
               </a:solidFill>
@@ -32083,7 +32350,10 @@
             </a:endParaRPr>
           </a:p>
           <a:p>
-            <a:pPr marL="743040" lvl="1" indent="-285840">
+            <a:pPr marL="285840" marR="0" lvl="0" indent="-285840" algn="l" rtl="0">
+              <a:spcBef>
+                <a:spcPts val="0"/>
+              </a:spcBef>
               <a:buClr>
                 <a:srgbClr val="34AD91"/>
               </a:buClr>
@@ -32101,41 +32371,35 @@
                 <a:cs typeface="Calibri"/>
                 <a:sym typeface="Calibri"/>
               </a:rPr>
-              <a:t>key types must be comparable</a:t>
-            </a:r>
-            <a:endParaRPr lang="en" sz="2800" b="0" i="0" u="none" strike="noStrike" cap="none" dirty="0" smtClean="0">
-              <a:solidFill>
-                <a:schemeClr val="dk1"/>
-              </a:solidFill>
-              <a:latin typeface="Calibri"/>
-              <a:ea typeface="Calibri"/>
-              <a:cs typeface="Calibri"/>
-              <a:sym typeface="Calibri"/>
-            </a:endParaRPr>
+              <a:t>C</a:t>
+            </a:r>
+            <a:r>
+              <a:rPr lang="en" sz="2800" b="0" strike="noStrike" dirty="0" smtClean="0">
+                <a:solidFill>
+                  <a:schemeClr val="dk1"/>
+                </a:solidFill>
+                <a:latin typeface="Calibri"/>
+                <a:ea typeface="Calibri"/>
+                <a:cs typeface="Calibri"/>
+                <a:sym typeface="Calibri"/>
+              </a:rPr>
+              <a:t>omposite </a:t>
+            </a:r>
+            <a:r>
+              <a:rPr lang="en" sz="2800" b="0" strike="noStrike" dirty="0">
+                <a:solidFill>
+                  <a:schemeClr val="dk1"/>
+                </a:solidFill>
+                <a:latin typeface="Calibri"/>
+                <a:ea typeface="Calibri"/>
+                <a:cs typeface="Calibri"/>
+                <a:sym typeface="Calibri"/>
+              </a:rPr>
+              <a:t>types can be used as keys</a:t>
+            </a:r>
           </a:p>
           <a:p>
             <a:pPr marL="743040" marR="0" lvl="1" indent="-285840" algn="l" rtl="0">
-              <a:spcBef>
-                <a:spcPts val="0"/>
-              </a:spcBef>
-              <a:buClr>
-                <a:srgbClr val="34AD91"/>
-              </a:buClr>
-              <a:buFont typeface="Arial"/>
-              <a:buNone/>
-            </a:pPr>
-            <a:endParaRPr sz="2800" b="0" i="0" u="none" strike="noStrike" cap="none" dirty="0" smtClean="0">
-              <a:solidFill>
-                <a:schemeClr val="dk1"/>
-              </a:solidFill>
-              <a:latin typeface="Calibri"/>
-              <a:ea typeface="Calibri"/>
-              <a:cs typeface="Calibri"/>
-              <a:sym typeface="Calibri"/>
-            </a:endParaRPr>
-          </a:p>
-          <a:p>
-            <a:pPr marL="285840" marR="0" lvl="0" indent="-285840" algn="l" rtl="0">
               <a:spcBef>
                 <a:spcPts val="0"/>
               </a:spcBef>
@@ -32147,40 +32411,16 @@
               <a:buChar char="▪"/>
             </a:pPr>
             <a:r>
-              <a:rPr lang="en" sz="3200" dirty="0" smtClean="0">
-                <a:solidFill>
-                  <a:schemeClr val="dk1"/>
-                </a:solidFill>
-                <a:latin typeface="Calibri"/>
-                <a:ea typeface="Calibri"/>
-                <a:cs typeface="Calibri"/>
-                <a:sym typeface="Calibri"/>
-              </a:rPr>
-              <a:t>C</a:t>
-            </a:r>
-            <a:r>
-              <a:rPr lang="en" sz="3200" b="0" strike="noStrike" dirty="0" smtClean="0">
-                <a:solidFill>
-                  <a:schemeClr val="dk1"/>
-                </a:solidFill>
-                <a:latin typeface="Calibri"/>
-                <a:ea typeface="Calibri"/>
-                <a:cs typeface="Calibri"/>
-                <a:sym typeface="Calibri"/>
-              </a:rPr>
-              <a:t>omposite </a:t>
-            </a:r>
-            <a:r>
-              <a:rPr lang="en" sz="3200" b="0" strike="noStrike" dirty="0">
-                <a:solidFill>
-                  <a:schemeClr val="dk1"/>
-                </a:solidFill>
-                <a:latin typeface="Calibri"/>
-                <a:ea typeface="Calibri"/>
-                <a:cs typeface="Calibri"/>
-                <a:sym typeface="Calibri"/>
-              </a:rPr>
-              <a:t>types can be used as keys</a:t>
+              <a:rPr lang="en" sz="2400" b="0" i="0" u="none" strike="noStrike" cap="none" dirty="0" smtClean="0">
+                <a:solidFill>
+                  <a:schemeClr val="dk1"/>
+                </a:solidFill>
+                <a:latin typeface="Calibri"/>
+                <a:ea typeface="Calibri"/>
+                <a:cs typeface="Calibri"/>
+                <a:sym typeface="Calibri"/>
+              </a:rPr>
+              <a:t>all the fields must be key types</a:t>
             </a:r>
           </a:p>
           <a:p>
@@ -32196,32 +32436,7 @@
               <a:buChar char="▪"/>
             </a:pPr>
             <a:r>
-              <a:rPr lang="en" sz="2800" b="0" i="0" u="none" strike="noStrike" cap="none" dirty="0" smtClean="0">
-                <a:solidFill>
-                  <a:schemeClr val="dk1"/>
-                </a:solidFill>
-                <a:latin typeface="Calibri"/>
-                <a:ea typeface="Calibri"/>
-                <a:cs typeface="Calibri"/>
-                <a:sym typeface="Calibri"/>
-              </a:rPr>
-              <a:t>all the fields must be key types</a:t>
-            </a:r>
-          </a:p>
-          <a:p>
-            <a:pPr marL="743040" marR="0" lvl="1" indent="-285840" algn="l" rtl="0">
-              <a:spcBef>
-                <a:spcPts val="0"/>
-              </a:spcBef>
-              <a:buClr>
-                <a:srgbClr val="34AD91"/>
-              </a:buClr>
-              <a:buSzPct val="100000"/>
-              <a:buFont typeface="Arial"/>
-              <a:buChar char="▪"/>
-            </a:pPr>
-            <a:r>
-              <a:rPr lang="en" sz="2800" b="0" i="0" u="none" strike="noStrike" cap="none" dirty="0" smtClean="0">
+              <a:rPr lang="en" sz="2400" b="0" i="0" u="none" strike="noStrike" cap="none" dirty="0" smtClean="0">
                 <a:solidFill>
                   <a:srgbClr val="000000"/>
                 </a:solidFill>
@@ -32233,7 +32448,7 @@
               <a:t>nested </a:t>
             </a:r>
             <a:r>
-              <a:rPr lang="en" sz="2800" b="0" i="0" u="none" strike="noStrike" cap="none" dirty="0">
+              <a:rPr lang="en" sz="2400" b="0" i="0" u="none" strike="noStrike" cap="none" dirty="0">
                 <a:solidFill>
                   <a:srgbClr val="000000"/>
                 </a:solidFill>
@@ -34333,7 +34548,7 @@
               <a:buNone/>
             </a:pPr>
             <a:r>
-              <a:rPr lang="en" sz="2000" b="0" strike="noStrike">
+              <a:rPr lang="en" sz="2000" b="0" strike="noStrike" dirty="0">
                 <a:solidFill>
                   <a:srgbClr val="000000"/>
                 </a:solidFill>
@@ -34357,7 +34572,7 @@
               <a:buNone/>
             </a:pPr>
             <a:r>
-              <a:rPr lang="en" sz="2000" b="0" strike="noStrike">
+              <a:rPr lang="en" sz="2000" b="0" strike="noStrike" dirty="0">
                 <a:solidFill>
                   <a:srgbClr val="000000"/>
                 </a:solidFill>
@@ -34379,7 +34594,7 @@
               </a:spcBef>
               <a:buNone/>
             </a:pPr>
-            <a:endParaRPr sz="2000" b="0" strike="noStrike">
+            <a:endParaRPr sz="2000" b="0" strike="noStrike" dirty="0">
               <a:solidFill>
                 <a:srgbClr val="000000"/>
               </a:solidFill>
@@ -34401,7 +34616,7 @@
               <a:buNone/>
             </a:pPr>
             <a:r>
-              <a:rPr lang="en" sz="2000">
+              <a:rPr lang="en" sz="2000" dirty="0">
                 <a:solidFill>
                   <a:schemeClr val="dk1"/>
                 </a:solidFill>
@@ -34413,19 +34628,70 @@
               <a:t>DataStream&lt;String&gt; result </a:t>
             </a:r>
             <a:r>
-              <a:rPr lang="en" sz="2000" b="0" strike="noStrike">
-                <a:solidFill>
-                  <a:srgbClr val="000000"/>
-                </a:solidFill>
-                <a:latin typeface="Consolas"/>
-                <a:ea typeface="Consolas"/>
-                <a:cs typeface="Consolas"/>
-                <a:sym typeface="Consolas"/>
-              </a:rPr>
-              <a:t>= control</a:t>
-            </a:r>
-            <a:r>
-              <a:rPr lang="en" sz="2000" b="0" strike="noStrike">
+              <a:rPr lang="en" sz="2000" b="0" strike="noStrike" dirty="0">
+                <a:solidFill>
+                  <a:srgbClr val="000000"/>
+                </a:solidFill>
+                <a:latin typeface="Consolas"/>
+                <a:ea typeface="Consolas"/>
+                <a:cs typeface="Consolas"/>
+                <a:sym typeface="Consolas"/>
+              </a:rPr>
+              <a:t>= </a:t>
+            </a:r>
+            <a:r>
+              <a:rPr lang="en" sz="2000" b="0" strike="noStrike" dirty="0" smtClean="0">
+                <a:solidFill>
+                  <a:srgbClr val="000000"/>
+                </a:solidFill>
+                <a:latin typeface="Consolas"/>
+                <a:ea typeface="Consolas"/>
+                <a:cs typeface="Consolas"/>
+                <a:sym typeface="Consolas"/>
+              </a:rPr>
+              <a:t>control</a:t>
+            </a:r>
+            <a:endParaRPr lang="en-US" sz="2000" b="0" strike="noStrike" dirty="0" smtClean="0">
+              <a:solidFill>
+                <a:srgbClr val="000000"/>
+              </a:solidFill>
+              <a:latin typeface="Consolas"/>
+              <a:ea typeface="Consolas"/>
+              <a:cs typeface="Consolas"/>
+              <a:sym typeface="Consolas"/>
+            </a:endParaRPr>
+          </a:p>
+          <a:p>
+            <a:pPr marL="0" marR="0" lvl="0" indent="0" algn="l" rtl="0">
+              <a:lnSpc>
+                <a:spcPct val="100000"/>
+              </a:lnSpc>
+              <a:spcBef>
+                <a:spcPts val="0"/>
+              </a:spcBef>
+              <a:buSzPct val="25000"/>
+              <a:buNone/>
+            </a:pPr>
+            <a:r>
+              <a:rPr lang="en-US" sz="2000" dirty="0">
+                <a:latin typeface="Consolas"/>
+                <a:ea typeface="Consolas"/>
+                <a:cs typeface="Consolas"/>
+                <a:sym typeface="Consolas"/>
+              </a:rPr>
+              <a:t> </a:t>
+            </a:r>
+            <a:r>
+              <a:rPr lang="en-US" sz="2000" dirty="0" smtClean="0">
+                <a:latin typeface="Consolas"/>
+                <a:ea typeface="Consolas"/>
+                <a:cs typeface="Consolas"/>
+                <a:sym typeface="Consolas"/>
+              </a:rPr>
+              <a:t> </a:t>
+            </a:r>
+            <a:r>
+              <a:rPr lang="en" sz="2000" b="0" strike="noStrike" dirty="0" smtClean="0">
                 <a:solidFill>
                   <a:srgbClr val="FF0000"/>
                 </a:solidFill>
@@ -34434,10 +34700,22 @@
                 <a:cs typeface="Consolas"/>
                 <a:sym typeface="Consolas"/>
               </a:rPr>
-              <a:t>.connect</a:t>
-            </a:r>
-            <a:r>
-              <a:rPr lang="en" sz="2000" b="0" strike="noStrike">
+              <a:t>.</a:t>
+            </a:r>
+            <a:r>
+              <a:rPr lang="en" sz="2000" b="0" strike="noStrike" dirty="0">
+                <a:solidFill>
+                  <a:srgbClr val="FF0000"/>
+                </a:solidFill>
+                <a:latin typeface="Consolas"/>
+                <a:ea typeface="Consolas"/>
+                <a:cs typeface="Consolas"/>
+                <a:sym typeface="Consolas"/>
+              </a:rPr>
+              <a:t>connect</a:t>
+            </a:r>
+            <a:r>
+              <a:rPr lang="en" sz="2000" b="0" strike="noStrike" dirty="0">
                 <a:solidFill>
                   <a:srgbClr val="000000"/>
                 </a:solidFill>
@@ -34458,7 +34736,7 @@
               <a:buNone/>
             </a:pPr>
             <a:r>
-              <a:rPr lang="en" sz="2000">
+              <a:rPr lang="en" sz="2000" dirty="0">
                 <a:solidFill>
                   <a:srgbClr val="FF0000"/>
                 </a:solidFill>
@@ -34467,10 +34745,58 @@
                 <a:cs typeface="Consolas"/>
                 <a:sym typeface="Consolas"/>
               </a:rPr>
-              <a:t>  .flatMap(new MyCoFlatMap())</a:t>
-            </a:r>
-            <a:r>
-              <a:rPr lang="en" sz="2000">
+              <a:t>  .</a:t>
+            </a:r>
+            <a:r>
+              <a:rPr lang="en" sz="2000" dirty="0" err="1">
+                <a:solidFill>
+                  <a:srgbClr val="FF0000"/>
+                </a:solidFill>
+                <a:latin typeface="Consolas"/>
+                <a:ea typeface="Consolas"/>
+                <a:cs typeface="Consolas"/>
+                <a:sym typeface="Consolas"/>
+              </a:rPr>
+              <a:t>flatMap</a:t>
+            </a:r>
+            <a:r>
+              <a:rPr lang="en" sz="2000" dirty="0">
+                <a:solidFill>
+                  <a:srgbClr val="FF0000"/>
+                </a:solidFill>
+                <a:latin typeface="Consolas"/>
+                <a:ea typeface="Consolas"/>
+                <a:cs typeface="Consolas"/>
+                <a:sym typeface="Consolas"/>
+              </a:rPr>
+              <a:t>(new </a:t>
+            </a:r>
+            <a:r>
+              <a:rPr lang="en" sz="2000" dirty="0" err="1">
+                <a:solidFill>
+                  <a:srgbClr val="FF0000"/>
+                </a:solidFill>
+                <a:latin typeface="Consolas"/>
+                <a:ea typeface="Consolas"/>
+                <a:cs typeface="Consolas"/>
+                <a:sym typeface="Consolas"/>
+              </a:rPr>
+              <a:t>MyCoFlatMap</a:t>
+            </a:r>
+            <a:r>
+              <a:rPr lang="en" sz="2000" dirty="0">
+                <a:solidFill>
+                  <a:srgbClr val="FF0000"/>
+                </a:solidFill>
+                <a:latin typeface="Consolas"/>
+                <a:ea typeface="Consolas"/>
+                <a:cs typeface="Consolas"/>
+                <a:sym typeface="Consolas"/>
+              </a:rPr>
+              <a:t>())</a:t>
+            </a:r>
+            <a:r>
+              <a:rPr lang="en" sz="2000" dirty="0">
                 <a:solidFill>
                   <a:schemeClr val="dk1"/>
                 </a:solidFill>
@@ -34482,7 +34808,7 @@
               <a:t>;</a:t>
             </a:r>
             <a:br>
-              <a:rPr lang="en" sz="2000">
+              <a:rPr lang="en" sz="2000" dirty="0">
                 <a:solidFill>
                   <a:schemeClr val="dk1"/>
                 </a:solidFill>
@@ -34492,7 +34818,7 @@
                 <a:sym typeface="Consolas"/>
               </a:rPr>
             </a:br>
-            <a:endParaRPr lang="en" sz="2000">
+            <a:endParaRPr lang="en" sz="2000" dirty="0">
               <a:solidFill>
                 <a:schemeClr val="dk1"/>
               </a:solidFill>
@@ -37430,16 +37756,40 @@
               <a:buNone/>
             </a:pPr>
             <a:r>
-              <a:rPr lang="en" sz="4000" b="0" strike="noStrike">
-                <a:solidFill>
-                  <a:srgbClr val="000000"/>
-                </a:solidFill>
-                <a:latin typeface="Calibri"/>
-                <a:ea typeface="Calibri"/>
-                <a:cs typeface="Calibri"/>
-                <a:sym typeface="Calibri"/>
-              </a:rPr>
-              <a:t>Map on Connected Streams</a:t>
+              <a:rPr lang="en-US" sz="3200" b="0" strike="noStrike" dirty="0" smtClean="0">
+                <a:solidFill>
+                  <a:srgbClr val="000000"/>
+                </a:solidFill>
+                <a:latin typeface="Calibri"/>
+                <a:ea typeface="Calibri"/>
+                <a:cs typeface="Calibri"/>
+                <a:sym typeface="Calibri"/>
+              </a:rPr>
+              <a:t>Can also use </a:t>
+            </a:r>
+            <a:r>
+              <a:rPr lang="en" sz="3200" b="0" strike="noStrike" dirty="0" smtClean="0">
+                <a:solidFill>
+                  <a:srgbClr val="000000"/>
+                </a:solidFill>
+                <a:latin typeface="Calibri"/>
+                <a:ea typeface="Calibri"/>
+                <a:cs typeface="Calibri"/>
+                <a:sym typeface="Calibri"/>
+              </a:rPr>
+              <a:t>Map </a:t>
+            </a:r>
+            <a:r>
+              <a:rPr lang="en" sz="3200" b="0" strike="noStrike" dirty="0">
+                <a:solidFill>
+                  <a:srgbClr val="000000"/>
+                </a:solidFill>
+                <a:latin typeface="Calibri"/>
+                <a:ea typeface="Calibri"/>
+                <a:cs typeface="Calibri"/>
+                <a:sym typeface="Calibri"/>
+              </a:rPr>
+              <a:t>on Connected Streams</a:t>
             </a:r>
           </a:p>
         </p:txBody>
@@ -41048,7 +41398,7 @@
               <a:t> to quickly </a:t>
             </a:r>
             <a:r>
-              <a:rPr lang="en-US" sz="3200" b="0" strike="noStrike" smtClean="0">
+              <a:rPr lang="en-US" sz="3200" b="0" strike="noStrike" dirty="0" smtClean="0">
                 <a:solidFill>
                   <a:srgbClr val="000000"/>
                 </a:solidFill>
@@ -41060,7 +41410,7 @@
               <a:t>create </a:t>
             </a:r>
             <a:r>
-              <a:rPr lang="en" sz="3200" b="0" strike="noStrike" smtClean="0">
+              <a:rPr lang="en" sz="3200" b="0" strike="noStrike" dirty="0" smtClean="0">
                 <a:solidFill>
                   <a:srgbClr val="000000"/>
                 </a:solidFill>
@@ -41153,8 +41503,106 @@
                 <a:cs typeface="Calibri"/>
                 <a:sym typeface="Calibri"/>
               </a:rPr>
-              <a:t> to print a DataStream</a:t>
-            </a:r>
+              <a:t> to print a </a:t>
+            </a:r>
+            <a:r>
+              <a:rPr lang="en" sz="3200" b="0" strike="noStrike" dirty="0" smtClean="0">
+                <a:solidFill>
+                  <a:srgbClr val="000000"/>
+                </a:solidFill>
+                <a:latin typeface="Calibri"/>
+                <a:ea typeface="Calibri"/>
+                <a:cs typeface="Calibri"/>
+                <a:sym typeface="Calibri"/>
+              </a:rPr>
+              <a:t>DataStream</a:t>
+            </a:r>
+            <a:endParaRPr lang="en-US" sz="3200" b="0" strike="noStrike" dirty="0" smtClean="0">
+              <a:solidFill>
+                <a:srgbClr val="000000"/>
+              </a:solidFill>
+              <a:latin typeface="Calibri"/>
+              <a:ea typeface="Calibri"/>
+              <a:cs typeface="Calibri"/>
+              <a:sym typeface="Calibri"/>
+            </a:endParaRPr>
+          </a:p>
+          <a:p>
+            <a:pPr marL="343080" marR="0" lvl="0" indent="-343080" algn="l" rtl="0">
+              <a:lnSpc>
+                <a:spcPct val="100000"/>
+              </a:lnSpc>
+              <a:spcBef>
+                <a:spcPts val="0"/>
+              </a:spcBef>
+              <a:buClr>
+                <a:srgbClr val="34AD91"/>
+              </a:buClr>
+              <a:buSzPct val="100000"/>
+              <a:buFont typeface="Noto Sans Symbols"/>
+              <a:buChar char="▪"/>
+            </a:pPr>
+            <a:endParaRPr lang="en-US" sz="3200" dirty="0">
+              <a:latin typeface="Calibri"/>
+              <a:ea typeface="Calibri"/>
+              <a:cs typeface="Calibri"/>
+              <a:sym typeface="Calibri"/>
+            </a:endParaRPr>
+          </a:p>
+          <a:p>
+            <a:pPr marL="343080" marR="0" lvl="0" indent="-343080" algn="l" rtl="0">
+              <a:lnSpc>
+                <a:spcPct val="100000"/>
+              </a:lnSpc>
+              <a:spcBef>
+                <a:spcPts val="0"/>
+              </a:spcBef>
+              <a:buClr>
+                <a:srgbClr val="34AD91"/>
+              </a:buClr>
+              <a:buSzPct val="100000"/>
+              <a:buFont typeface="Noto Sans Symbols"/>
+              <a:buChar char="▪"/>
+            </a:pPr>
+            <a:r>
+              <a:rPr lang="en-US" sz="3200" b="0" strike="noStrike" dirty="0" smtClean="0">
+                <a:solidFill>
+                  <a:srgbClr val="000000"/>
+                </a:solidFill>
+                <a:latin typeface="Calibri"/>
+                <a:ea typeface="Calibri"/>
+                <a:cs typeface="Calibri"/>
+                <a:sym typeface="Calibri"/>
+              </a:rPr>
+              <a:t>Lazy execution can make </a:t>
+            </a:r>
+            <a:r>
+              <a:rPr lang="en-US" sz="3200" b="0" strike="noStrike" smtClean="0">
+                <a:solidFill>
+                  <a:srgbClr val="000000"/>
+                </a:solidFill>
+                <a:latin typeface="Calibri"/>
+                <a:ea typeface="Calibri"/>
+                <a:cs typeface="Calibri"/>
+                <a:sym typeface="Calibri"/>
+              </a:rPr>
+              <a:t>debugging tricky</a:t>
+            </a:r>
+            <a:r>
+              <a:rPr lang="en-US" sz="3200" smtClean="0">
+                <a:latin typeface="Calibri"/>
+                <a:ea typeface="Calibri"/>
+                <a:cs typeface="Calibri"/>
+                <a:sym typeface="Calibri"/>
+              </a:rPr>
+              <a:t>, but you can use breakpoints in your IDE</a:t>
+            </a:r>
+            <a:endParaRPr lang="en-US" sz="3200" dirty="0">
+              <a:latin typeface="Calibri"/>
+              <a:ea typeface="Calibri"/>
+              <a:cs typeface="Calibri"/>
+              <a:sym typeface="Calibri"/>
+            </a:endParaRPr>
           </a:p>
         </p:txBody>
       </p:sp>
@@ -41204,323 +41652,6 @@
                 <a:sym typeface="Calibri"/>
               </a:rPr>
               <a:t>44</a:t>
-            </a:fld>
-            <a:endParaRPr lang="en" sz="1200" b="0" strike="noStrike">
-              <a:solidFill>
-                <a:srgbClr val="8B8B8B"/>
-              </a:solidFill>
-              <a:latin typeface="Calibri"/>
-              <a:ea typeface="Calibri"/>
-              <a:cs typeface="Calibri"/>
-              <a:sym typeface="Calibri"/>
-            </a:endParaRPr>
-          </a:p>
-        </p:txBody>
-      </p:sp>
-    </p:spTree>
-  </p:cSld>
-  <p:clrMapOvr>
-    <a:masterClrMapping/>
-  </p:clrMapOvr>
-</p:sld>
-</file>
-
-<file path=ppt/slides/slide45.xml><?xml version="1.0" encoding="utf-8"?>
-<p:sld xmlns:a="http://schemas.openxmlformats.org/drawingml/2006/main" xmlns:r="http://schemas.openxmlformats.org/officeDocument/2006/relationships" xmlns:p="http://schemas.openxmlformats.org/presentationml/2006/main">
-  <p:cSld>
-    <p:spTree>
-      <p:nvGrpSpPr>
-        <p:cNvPr id="1" name="Shape 427"/>
-        <p:cNvGrpSpPr/>
-        <p:nvPr/>
-      </p:nvGrpSpPr>
-      <p:grpSpPr>
-        <a:xfrm>
-          <a:off x="0" y="0"/>
-          <a:ext cx="0" cy="0"/>
-          <a:chOff x="0" y="0"/>
-          <a:chExt cx="0" cy="0"/>
-        </a:xfrm>
-      </p:grpSpPr>
-      <p:sp>
-        <p:nvSpPr>
-          <p:cNvPr id="428" name="Shape 428"/>
-          <p:cNvSpPr txBox="1"/>
-          <p:nvPr/>
-        </p:nvSpPr>
-        <p:spPr>
-          <a:xfrm>
-            <a:off x="457200" y="274680"/>
-            <a:ext cx="7474320" cy="898200"/>
-          </a:xfrm>
-          <a:prstGeom prst="rect">
-            <a:avLst/>
-          </a:prstGeom>
-          <a:noFill/>
-          <a:ln>
-            <a:noFill/>
-          </a:ln>
-        </p:spPr>
-        <p:txBody>
-          <a:bodyPr lIns="91425" tIns="45700" rIns="91425" bIns="45700" anchor="ctr" anchorCtr="0">
-            <a:noAutofit/>
-          </a:bodyPr>
-          <a:lstStyle/>
-          <a:p>
-            <a:pPr marL="0" marR="0" lvl="0" indent="0" algn="l" rtl="0">
-              <a:lnSpc>
-                <a:spcPct val="100000"/>
-              </a:lnSpc>
-              <a:spcBef>
-                <a:spcPts val="0"/>
-              </a:spcBef>
-              <a:buSzPct val="25000"/>
-              <a:buNone/>
-            </a:pPr>
-            <a:r>
-              <a:rPr lang="en" sz="4400" b="0" strike="noStrike">
-                <a:solidFill>
-                  <a:srgbClr val="000000"/>
-                </a:solidFill>
-                <a:latin typeface="Calibri"/>
-                <a:ea typeface="Calibri"/>
-                <a:cs typeface="Calibri"/>
-                <a:sym typeface="Calibri"/>
-              </a:rPr>
-              <a:t>References</a:t>
-            </a:r>
-          </a:p>
-        </p:txBody>
-      </p:sp>
-      <p:sp>
-        <p:nvSpPr>
-          <p:cNvPr id="429" name="Shape 429"/>
-          <p:cNvSpPr txBox="1"/>
-          <p:nvPr/>
-        </p:nvSpPr>
-        <p:spPr>
-          <a:xfrm>
-            <a:off x="457200" y="1474200"/>
-            <a:ext cx="8229239" cy="4651559"/>
-          </a:xfrm>
-          <a:prstGeom prst="rect">
-            <a:avLst/>
-          </a:prstGeom>
-          <a:noFill/>
-          <a:ln>
-            <a:noFill/>
-          </a:ln>
-        </p:spPr>
-        <p:txBody>
-          <a:bodyPr lIns="91425" tIns="45700" rIns="91425" bIns="45700" anchor="t" anchorCtr="0">
-            <a:noAutofit/>
-          </a:bodyPr>
-          <a:lstStyle/>
-          <a:p>
-            <a:pPr marL="343080" marR="0" lvl="0" indent="-343080" algn="l" rtl="0">
-              <a:lnSpc>
-                <a:spcPct val="100000"/>
-              </a:lnSpc>
-              <a:spcBef>
-                <a:spcPts val="0"/>
-              </a:spcBef>
-              <a:buClr>
-                <a:srgbClr val="34AD91"/>
-              </a:buClr>
-              <a:buSzPct val="100000"/>
-              <a:buFont typeface="Noto Sans Symbols"/>
-              <a:buChar char="▪"/>
-            </a:pPr>
-            <a:r>
-              <a:rPr lang="en" sz="3200" b="0" strike="noStrike">
-                <a:solidFill>
-                  <a:srgbClr val="000000"/>
-                </a:solidFill>
-                <a:latin typeface="Calibri"/>
-                <a:ea typeface="Calibri"/>
-                <a:cs typeface="Calibri"/>
-                <a:sym typeface="Calibri"/>
-              </a:rPr>
-              <a:t>Documentation</a:t>
-            </a:r>
-          </a:p>
-          <a:p>
-            <a:pPr marL="743040" marR="0" lvl="1" indent="-285840" algn="l" rtl="0">
-              <a:lnSpc>
-                <a:spcPct val="100000"/>
-              </a:lnSpc>
-              <a:spcBef>
-                <a:spcPts val="0"/>
-              </a:spcBef>
-              <a:buClr>
-                <a:srgbClr val="34AD91"/>
-              </a:buClr>
-              <a:buSzPct val="100000"/>
-              <a:buFont typeface="Arial"/>
-              <a:buChar char="•"/>
-            </a:pPr>
-            <a:r>
-              <a:rPr lang="en" sz="2800" u="sng">
-                <a:solidFill>
-                  <a:schemeClr val="hlink"/>
-                </a:solidFill>
-                <a:latin typeface="Calibri"/>
-                <a:ea typeface="Calibri"/>
-                <a:cs typeface="Calibri"/>
-                <a:sym typeface="Calibri"/>
-                <a:hlinkClick r:id="rId3"/>
-              </a:rPr>
-              <a:t>https://ci.apache.org/projects/flink/flink-docs-release-1.2/dev/datastream_api.html</a:t>
-            </a:r>
-          </a:p>
-          <a:p>
-            <a:pPr marL="457560" marR="0" lvl="1" indent="-360" algn="l" rtl="0">
-              <a:lnSpc>
-                <a:spcPct val="100000"/>
-              </a:lnSpc>
-              <a:spcBef>
-                <a:spcPts val="0"/>
-              </a:spcBef>
-              <a:buNone/>
-            </a:pPr>
-            <a:endParaRPr sz="2400" b="0" i="0" u="none" strike="noStrike" cap="none">
-              <a:solidFill>
-                <a:srgbClr val="000000"/>
-              </a:solidFill>
-              <a:latin typeface="Calibri"/>
-              <a:ea typeface="Calibri"/>
-              <a:cs typeface="Calibri"/>
-              <a:sym typeface="Calibri"/>
-            </a:endParaRPr>
-          </a:p>
-          <a:p>
-            <a:pPr marL="343080" marR="0" lvl="0" indent="-343080" algn="l" rtl="0">
-              <a:lnSpc>
-                <a:spcPct val="100000"/>
-              </a:lnSpc>
-              <a:spcBef>
-                <a:spcPts val="0"/>
-              </a:spcBef>
-              <a:buClr>
-                <a:srgbClr val="34AD91"/>
-              </a:buClr>
-              <a:buSzPct val="100000"/>
-              <a:buFont typeface="Noto Sans Symbols"/>
-              <a:buChar char="▪"/>
-            </a:pPr>
-            <a:r>
-              <a:rPr lang="en" sz="3200" b="0" strike="noStrike">
-                <a:solidFill>
-                  <a:srgbClr val="000000"/>
-                </a:solidFill>
-                <a:latin typeface="Calibri"/>
-                <a:ea typeface="Calibri"/>
-                <a:cs typeface="Calibri"/>
-                <a:sym typeface="Calibri"/>
-              </a:rPr>
-              <a:t>Blog posts</a:t>
-            </a:r>
-          </a:p>
-          <a:p>
-            <a:pPr marL="743040" marR="0" lvl="1" indent="-285840" algn="l" rtl="0">
-              <a:spcBef>
-                <a:spcPts val="0"/>
-              </a:spcBef>
-              <a:buClr>
-                <a:srgbClr val="34AD91"/>
-              </a:buClr>
-              <a:buSzPct val="100000"/>
-              <a:buFont typeface="Arial"/>
-              <a:buChar char="•"/>
-            </a:pPr>
-            <a:r>
-              <a:rPr lang="en" sz="2800" b="0" i="0" u="sng" strike="noStrike" cap="none">
-                <a:solidFill>
-                  <a:schemeClr val="hlink"/>
-                </a:solidFill>
-                <a:latin typeface="Calibri"/>
-                <a:ea typeface="Calibri"/>
-                <a:cs typeface="Calibri"/>
-                <a:sym typeface="Calibri"/>
-                <a:hlinkClick r:id="rId4"/>
-              </a:rPr>
-              <a:t>http://data-artisans.com/blog</a:t>
-            </a:r>
-          </a:p>
-          <a:p>
-            <a:pPr marL="743040" marR="0" lvl="1" indent="-285840" algn="l" rtl="0">
-              <a:spcBef>
-                <a:spcPts val="0"/>
-              </a:spcBef>
-              <a:buClr>
-                <a:srgbClr val="34AD91"/>
-              </a:buClr>
-              <a:buSzPct val="100000"/>
-              <a:buFont typeface="Arial"/>
-              <a:buChar char="•"/>
-            </a:pPr>
-            <a:r>
-              <a:rPr lang="en" sz="2800" b="0" i="0" u="sng" strike="noStrike" cap="none">
-                <a:solidFill>
-                  <a:schemeClr val="hlink"/>
-                </a:solidFill>
-                <a:latin typeface="Calibri"/>
-                <a:ea typeface="Calibri"/>
-                <a:cs typeface="Calibri"/>
-                <a:sym typeface="Calibri"/>
-                <a:hlinkClick r:id="rId5"/>
-              </a:rPr>
-              <a:t>https://flink.apache.org/blog</a:t>
-            </a:r>
-          </a:p>
-        </p:txBody>
-      </p:sp>
-      <p:sp>
-        <p:nvSpPr>
-          <p:cNvPr id="430" name="Shape 430"/>
-          <p:cNvSpPr txBox="1"/>
-          <p:nvPr/>
-        </p:nvSpPr>
-        <p:spPr>
-          <a:xfrm>
-            <a:off x="6553080" y="6356519"/>
-            <a:ext cx="2133360" cy="364679"/>
-          </a:xfrm>
-          <a:prstGeom prst="rect">
-            <a:avLst/>
-          </a:prstGeom>
-          <a:noFill/>
-          <a:ln>
-            <a:noFill/>
-          </a:ln>
-        </p:spPr>
-        <p:txBody>
-          <a:bodyPr lIns="91425" tIns="45700" rIns="91425" bIns="45700" anchor="ctr" anchorCtr="0">
-            <a:noAutofit/>
-          </a:bodyPr>
-          <a:lstStyle/>
-          <a:p>
-            <a:pPr marL="0" marR="0" lvl="0" indent="0" algn="r" rtl="0">
-              <a:lnSpc>
-                <a:spcPct val="100000"/>
-              </a:lnSpc>
-              <a:spcBef>
-                <a:spcPts val="0"/>
-              </a:spcBef>
-              <a:buSzPct val="25000"/>
-              <a:buNone/>
-            </a:pPr>
-            <a:fld id="{00000000-1234-1234-1234-123412341234}" type="slidenum">
-              <a:rPr lang="en" sz="1200" b="0" strike="noStrike">
-                <a:solidFill>
-                  <a:srgbClr val="8B8B8B"/>
-                </a:solidFill>
-                <a:latin typeface="Calibri"/>
-                <a:ea typeface="Calibri"/>
-                <a:cs typeface="Calibri"/>
-                <a:sym typeface="Calibri"/>
-              </a:rPr>
-              <a:t>45</a:t>
             </a:fld>
             <a:endParaRPr lang="en" sz="1200" b="0" strike="noStrike">
               <a:solidFill>

--- a/slides/flink_stream_basics.pptx
+++ b/slides/flink_stream_basics.pptx
@@ -41574,22 +41574,10 @@
                 <a:cs typeface="Calibri"/>
                 <a:sym typeface="Calibri"/>
               </a:rPr>
-              <a:t>Lazy execution can make </a:t>
-            </a:r>
-            <a:r>
-              <a:rPr lang="en-US" sz="3200" b="0" strike="noStrike" smtClean="0">
-                <a:solidFill>
-                  <a:srgbClr val="000000"/>
-                </a:solidFill>
-                <a:latin typeface="Calibri"/>
-                <a:ea typeface="Calibri"/>
-                <a:cs typeface="Calibri"/>
-                <a:sym typeface="Calibri"/>
-              </a:rPr>
-              <a:t>debugging tricky</a:t>
-            </a:r>
-            <a:r>
-              <a:rPr lang="en-US" sz="3200" smtClean="0">
+              <a:t>Lazy execution can make debugging tricky</a:t>
+            </a:r>
+            <a:r>
+              <a:rPr lang="en-US" sz="3200" dirty="0" smtClean="0">
                 <a:latin typeface="Calibri"/>
                 <a:ea typeface="Calibri"/>
                 <a:cs typeface="Calibri"/>

--- a/slides/flink_stream_basics.pptx
+++ b/slides/flink_stream_basics.pptx
@@ -15637,7 +15637,7 @@
                 <a:cs typeface="Calibri"/>
                 <a:sym typeface="Calibri"/>
               </a:rPr>
-              <a:t>19</a:t>
+              <a:t>8</a:t>
             </a:r>
             <a:r>
               <a:rPr lang="en-US" sz="2000" dirty="0" smtClean="0">
@@ -15649,7 +15649,7 @@
                 <a:cs typeface="Calibri"/>
                 <a:sym typeface="Calibri"/>
               </a:rPr>
-              <a:t>.06.</a:t>
+              <a:t>.9.</a:t>
             </a:r>
             <a:r>
               <a:rPr lang="en" sz="2000" dirty="0" smtClean="0">
@@ -25170,7 +25170,7 @@
               <a:t>1.</a:t>
             </a:r>
             <a:r>
-              <a:rPr lang="en-US" sz="3200" dirty="0">
+              <a:rPr lang="en-US" sz="3200" dirty="0" smtClean="0">
                 <a:latin typeface="Calibri"/>
                 <a:ea typeface="Calibri"/>
                 <a:cs typeface="Calibri"/>
@@ -25187,81 +25187,6 @@
               <a:cs typeface="Calibri"/>
               <a:sym typeface="Calibri"/>
             </a:endParaRPr>
-          </a:p>
-          <a:p>
-            <a:pPr marL="0" marR="0" lvl="0" indent="0" algn="l" rtl="0">
-              <a:lnSpc>
-                <a:spcPct val="100000"/>
-              </a:lnSpc>
-              <a:spcBef>
-                <a:spcPts val="0"/>
-              </a:spcBef>
-              <a:buNone/>
-            </a:pPr>
-            <a:endParaRPr sz="3200" b="0" strike="noStrike" dirty="0">
-              <a:solidFill>
-                <a:srgbClr val="000000"/>
-              </a:solidFill>
-              <a:latin typeface="Calibri"/>
-              <a:ea typeface="Calibri"/>
-              <a:cs typeface="Calibri"/>
-              <a:sym typeface="Calibri"/>
-            </a:endParaRPr>
-          </a:p>
-          <a:p>
-            <a:pPr marL="343080" marR="0" lvl="0" indent="-343080" algn="l" rtl="0">
-              <a:lnSpc>
-                <a:spcPct val="100000"/>
-              </a:lnSpc>
-              <a:spcBef>
-                <a:spcPts val="0"/>
-              </a:spcBef>
-              <a:spcAft>
-                <a:spcPts val="0"/>
-              </a:spcAft>
-              <a:buClr>
-                <a:srgbClr val="34AD91"/>
-              </a:buClr>
-              <a:buSzPct val="100000"/>
-              <a:buFont typeface="Noto Sans Symbols"/>
-              <a:buChar char="▪"/>
-            </a:pPr>
-            <a:r>
-              <a:rPr lang="en" sz="3200" b="0" strike="noStrike" dirty="0">
-                <a:solidFill>
-                  <a:srgbClr val="000000"/>
-                </a:solidFill>
-                <a:latin typeface="Calibri"/>
-                <a:ea typeface="Calibri"/>
-                <a:cs typeface="Calibri"/>
-                <a:sym typeface="Calibri"/>
-              </a:rPr>
-              <a:t>Documentation available at </a:t>
-            </a:r>
-          </a:p>
-          <a:p>
-            <a:pPr marL="0" marR="0" lvl="0" indent="0" algn="ctr" rtl="0">
-              <a:lnSpc>
-                <a:spcPct val="100000"/>
-              </a:lnSpc>
-              <a:spcBef>
-                <a:spcPts val="1800"/>
-              </a:spcBef>
-              <a:buSzPct val="25000"/>
-              <a:buNone/>
-            </a:pPr>
-            <a:r>
-              <a:rPr lang="en" sz="3200" b="0" strike="noStrike" dirty="0">
-                <a:solidFill>
-                  <a:srgbClr val="000000"/>
-                </a:solidFill>
-                <a:latin typeface="Calibri"/>
-                <a:ea typeface="Calibri"/>
-                <a:cs typeface="Calibri"/>
-                <a:sym typeface="Calibri"/>
-              </a:rPr>
-              <a:t>flink.apache.org</a:t>
-            </a:r>
           </a:p>
         </p:txBody>
       </p:sp>
